--- a/analysis/14_Day3/analysis/15_true_and_false/workflow chart/workflow chart.pptx
+++ b/analysis/14_Day3/analysis/15_true_and_false/workflow chart/workflow chart.pptx
@@ -5,14 +5,15 @@
     <p:sldMasterId id="2147483684" r:id="rId1"/>
   </p:sldMasterIdLst>
   <p:notesMasterIdLst>
-    <p:notesMasterId r:id="rId7"/>
+    <p:notesMasterId r:id="rId8"/>
   </p:notesMasterIdLst>
   <p:sldIdLst>
     <p:sldId id="256" r:id="rId2"/>
     <p:sldId id="257" r:id="rId3"/>
-    <p:sldId id="259" r:id="rId4"/>
-    <p:sldId id="260" r:id="rId5"/>
+    <p:sldId id="260" r:id="rId4"/>
+    <p:sldId id="259" r:id="rId5"/>
     <p:sldId id="261" r:id="rId6"/>
+    <p:sldId id="262" r:id="rId7"/>
   </p:sldIdLst>
   <p:sldSz cx="12192000" cy="21674138"/>
   <p:notesSz cx="9144000" cy="6858000"/>
@@ -115,6 +116,9 @@
     <p:ext uri="{EFAFB233-063F-42B5-8137-9DF3F51BA10A}">
       <p15:sldGuideLst xmlns:p15="http://schemas.microsoft.com/office/powerpoint/2012/main"/>
     </p:ext>
+    <p:ext uri="{2D200454-40CA-4A62-9FC3-DE9A4176ACB9}">
+      <p15:notesGuideLst xmlns:p15="http://schemas.microsoft.com/office/powerpoint/2012/main"/>
+    </p:ext>
   </p:extLst>
 </p:presentation>
 </file>
@@ -201,7 +205,7 @@
           <a:p>
             <a:fld id="{02B5B0D4-E21E-2644-AC1D-8AC3E54BFD57}" type="datetimeFigureOut">
               <a:rPr lang="en-US" smtClean="0"/>
-              <a:t>6/17/19</a:t>
+              <a:t>6/18/19</a:t>
             </a:fld>
             <a:endParaRPr lang="en-US"/>
           </a:p>
@@ -512,7 +516,10 @@
           <a:bodyPr/>
           <a:lstStyle/>
           <a:p>
-            <a:endParaRPr lang="en-US" dirty="0"/>
+            <a:r>
+              <a:rPr lang="en-US" dirty="0"/>
+              <a:t>Fig 3</a:t>
+            </a:r>
           </a:p>
         </p:txBody>
       </p:sp>
@@ -542,7 +549,7 @@
     </p:spTree>
     <p:extLst>
       <p:ext uri="{BB962C8B-B14F-4D97-AF65-F5344CB8AC3E}">
-        <p14:creationId xmlns:p14="http://schemas.microsoft.com/office/powerpoint/2010/main" val="618893739"/>
+        <p14:creationId xmlns:p14="http://schemas.microsoft.com/office/powerpoint/2010/main" val="3469240765"/>
       </p:ext>
     </p:extLst>
   </p:cSld>
@@ -596,10 +603,7 @@
           <a:bodyPr/>
           <a:lstStyle/>
           <a:p>
-            <a:r>
-              <a:rPr lang="en-US" dirty="0"/>
-              <a:t>Fig 3</a:t>
-            </a:r>
+            <a:endParaRPr lang="en-US" dirty="0"/>
           </a:p>
         </p:txBody>
       </p:sp>
@@ -629,7 +633,7 @@
     </p:spTree>
     <p:extLst>
       <p:ext uri="{BB962C8B-B14F-4D97-AF65-F5344CB8AC3E}">
-        <p14:creationId xmlns:p14="http://schemas.microsoft.com/office/powerpoint/2010/main" val="3469240765"/>
+        <p14:creationId xmlns:p14="http://schemas.microsoft.com/office/powerpoint/2010/main" val="618893739"/>
       </p:ext>
     </p:extLst>
   </p:cSld>
@@ -770,7 +774,7 @@
           <a:p>
             <a:fld id="{A8C9D3DF-80D7-1E4E-AC6C-6FC49E9FFBBC}" type="datetimeFigureOut">
               <a:rPr lang="en-US" smtClean="0"/>
-              <a:t>6/17/19</a:t>
+              <a:t>6/18/19</a:t>
             </a:fld>
             <a:endParaRPr lang="en-US"/>
           </a:p>
@@ -940,7 +944,7 @@
           <a:p>
             <a:fld id="{A8C9D3DF-80D7-1E4E-AC6C-6FC49E9FFBBC}" type="datetimeFigureOut">
               <a:rPr lang="en-US" smtClean="0"/>
-              <a:t>6/17/19</a:t>
+              <a:t>6/18/19</a:t>
             </a:fld>
             <a:endParaRPr lang="en-US"/>
           </a:p>
@@ -1120,7 +1124,7 @@
           <a:p>
             <a:fld id="{A8C9D3DF-80D7-1E4E-AC6C-6FC49E9FFBBC}" type="datetimeFigureOut">
               <a:rPr lang="en-US" smtClean="0"/>
-              <a:t>6/17/19</a:t>
+              <a:t>6/18/19</a:t>
             </a:fld>
             <a:endParaRPr lang="en-US"/>
           </a:p>
@@ -1290,7 +1294,7 @@
           <a:p>
             <a:fld id="{A8C9D3DF-80D7-1E4E-AC6C-6FC49E9FFBBC}" type="datetimeFigureOut">
               <a:rPr lang="en-US" smtClean="0"/>
-              <a:t>6/17/19</a:t>
+              <a:t>6/18/19</a:t>
             </a:fld>
             <a:endParaRPr lang="en-US"/>
           </a:p>
@@ -1534,7 +1538,7 @@
           <a:p>
             <a:fld id="{A8C9D3DF-80D7-1E4E-AC6C-6FC49E9FFBBC}" type="datetimeFigureOut">
               <a:rPr lang="en-US" smtClean="0"/>
-              <a:t>6/17/19</a:t>
+              <a:t>6/18/19</a:t>
             </a:fld>
             <a:endParaRPr lang="en-US"/>
           </a:p>
@@ -1766,7 +1770,7 @@
           <a:p>
             <a:fld id="{A8C9D3DF-80D7-1E4E-AC6C-6FC49E9FFBBC}" type="datetimeFigureOut">
               <a:rPr lang="en-US" smtClean="0"/>
-              <a:t>6/17/19</a:t>
+              <a:t>6/18/19</a:t>
             </a:fld>
             <a:endParaRPr lang="en-US"/>
           </a:p>
@@ -2133,7 +2137,7 @@
           <a:p>
             <a:fld id="{A8C9D3DF-80D7-1E4E-AC6C-6FC49E9FFBBC}" type="datetimeFigureOut">
               <a:rPr lang="en-US" smtClean="0"/>
-              <a:t>6/17/19</a:t>
+              <a:t>6/18/19</a:t>
             </a:fld>
             <a:endParaRPr lang="en-US"/>
           </a:p>
@@ -2251,7 +2255,7 @@
           <a:p>
             <a:fld id="{A8C9D3DF-80D7-1E4E-AC6C-6FC49E9FFBBC}" type="datetimeFigureOut">
               <a:rPr lang="en-US" smtClean="0"/>
-              <a:t>6/17/19</a:t>
+              <a:t>6/18/19</a:t>
             </a:fld>
             <a:endParaRPr lang="en-US"/>
           </a:p>
@@ -2346,7 +2350,7 @@
           <a:p>
             <a:fld id="{A8C9D3DF-80D7-1E4E-AC6C-6FC49E9FFBBC}" type="datetimeFigureOut">
               <a:rPr lang="en-US" smtClean="0"/>
-              <a:t>6/17/19</a:t>
+              <a:t>6/18/19</a:t>
             </a:fld>
             <a:endParaRPr lang="en-US"/>
           </a:p>
@@ -2623,7 +2627,7 @@
           <a:p>
             <a:fld id="{A8C9D3DF-80D7-1E4E-AC6C-6FC49E9FFBBC}" type="datetimeFigureOut">
               <a:rPr lang="en-US" smtClean="0"/>
-              <a:t>6/17/19</a:t>
+              <a:t>6/18/19</a:t>
             </a:fld>
             <a:endParaRPr lang="en-US"/>
           </a:p>
@@ -2880,7 +2884,7 @@
           <a:p>
             <a:fld id="{A8C9D3DF-80D7-1E4E-AC6C-6FC49E9FFBBC}" type="datetimeFigureOut">
               <a:rPr lang="en-US" smtClean="0"/>
-              <a:t>6/17/19</a:t>
+              <a:t>6/18/19</a:t>
             </a:fld>
             <a:endParaRPr lang="en-US"/>
           </a:p>
@@ -3093,7 +3097,7 @@
           <a:p>
             <a:fld id="{A8C9D3DF-80D7-1E4E-AC6C-6FC49E9FFBBC}" type="datetimeFigureOut">
               <a:rPr lang="en-US" smtClean="0"/>
-              <a:t>6/17/19</a:t>
+              <a:t>6/18/19</a:t>
             </a:fld>
             <a:endParaRPr lang="en-US"/>
           </a:p>
@@ -11451,10 +11455,10 @@
       </p:grpSpPr>
       <p:sp>
         <p:nvSpPr>
-          <p:cNvPr id="8" name="TextBox 7">
-            <a:extLst>
-              <a:ext uri="{FF2B5EF4-FFF2-40B4-BE49-F238E27FC236}">
-                <a16:creationId xmlns:a16="http://schemas.microsoft.com/office/drawing/2014/main" id="{1D9EDB77-5E40-F844-B14F-22EB630897C0}"/>
+          <p:cNvPr id="2" name="TextBox 1">
+            <a:extLst>
+              <a:ext uri="{FF2B5EF4-FFF2-40B4-BE49-F238E27FC236}">
+                <a16:creationId xmlns:a16="http://schemas.microsoft.com/office/drawing/2014/main" id="{B46E777D-F866-F344-9175-D5E3A9196A3C}"/>
               </a:ext>
             </a:extLst>
           </p:cNvPr>
@@ -11463,8 +11467,8 @@
         </p:nvSpPr>
         <p:spPr>
           <a:xfrm>
-            <a:off x="3105199" y="6345745"/>
-            <a:ext cx="1516762" cy="584775"/>
+            <a:off x="59391" y="1400784"/>
+            <a:ext cx="3443592" cy="954107"/>
           </a:xfrm>
           <a:prstGeom prst="rect">
             <a:avLst/>
@@ -11477,19 +11481,43 @@
           </a:bodyPr>
           <a:lstStyle/>
           <a:p>
-            <a:r>
-              <a:rPr lang="en-US" sz="3200" dirty="0"/>
-              <a:t>P &lt; 0.05</a:t>
-            </a:r>
-          </a:p>
-        </p:txBody>
-      </p:sp>
-      <p:sp>
-        <p:nvSpPr>
-          <p:cNvPr id="10" name="TextBox 9">
-            <a:extLst>
-              <a:ext uri="{FF2B5EF4-FFF2-40B4-BE49-F238E27FC236}">
-                <a16:creationId xmlns:a16="http://schemas.microsoft.com/office/drawing/2014/main" id="{DFFB6A87-F883-CC4F-8398-FAD093AAF94A}"/>
+            <a:pPr algn="ctr"/>
+            <a:r>
+              <a:rPr lang="en-US" sz="2800" dirty="0"/>
+              <a:t>IRfinder </a:t>
+            </a:r>
+          </a:p>
+          <a:p>
+            <a:pPr algn="ctr"/>
+            <a:r>
+              <a:rPr lang="en-US" sz="2800" b="1" dirty="0">
+                <a:solidFill>
+                  <a:srgbClr val="84BE00"/>
+                </a:solidFill>
+              </a:rPr>
+              <a:t>siSDE2-1 </a:t>
+            </a:r>
+            <a:r>
+              <a:rPr lang="en-US" sz="2800" dirty="0"/>
+              <a:t>VS </a:t>
+            </a:r>
+            <a:r>
+              <a:rPr lang="en-US" sz="2800" b="1" dirty="0"/>
+              <a:t>control</a:t>
+            </a:r>
+            <a:r>
+              <a:rPr lang="en-US" sz="2800" dirty="0"/>
+              <a:t> </a:t>
+            </a:r>
+          </a:p>
+        </p:txBody>
+      </p:sp>
+      <p:sp>
+        <p:nvSpPr>
+          <p:cNvPr id="3" name="TextBox 2">
+            <a:extLst>
+              <a:ext uri="{FF2B5EF4-FFF2-40B4-BE49-F238E27FC236}">
+                <a16:creationId xmlns:a16="http://schemas.microsoft.com/office/drawing/2014/main" id="{8ACFF748-8062-8349-BD46-D4223DAB43ED}"/>
               </a:ext>
             </a:extLst>
           </p:cNvPr>
@@ -11498,8 +11526,8 @@
         </p:nvSpPr>
         <p:spPr>
           <a:xfrm>
-            <a:off x="2383735" y="8180345"/>
-            <a:ext cx="2845383" cy="2062103"/>
+            <a:off x="4453051" y="1400784"/>
+            <a:ext cx="3443592" cy="954107"/>
           </a:xfrm>
           <a:prstGeom prst="rect">
             <a:avLst/>
@@ -11514,40 +11542,41 @@
           <a:p>
             <a:pPr algn="ctr"/>
             <a:r>
-              <a:rPr lang="en-US" sz="3200" dirty="0"/>
-              <a:t>KD_IRratio &gt; CTRL_IRratio </a:t>
-            </a:r>
-          </a:p>
-          <a:p>
-            <a:pPr algn="ctr"/>
-            <a:r>
-              <a:rPr lang="en-US" sz="3200" dirty="0"/>
-              <a:t>for </a:t>
-            </a:r>
-            <a:r>
-              <a:rPr lang="en-US" sz="3200" b="1" dirty="0"/>
-              <a:t>increased</a:t>
-            </a:r>
-            <a:r>
-              <a:rPr lang="en-US" sz="3200" dirty="0"/>
+              <a:rPr lang="en-US" sz="2800" dirty="0"/>
+              <a:t>IRfinder </a:t>
+            </a:r>
+          </a:p>
+          <a:p>
+            <a:pPr algn="ctr"/>
+            <a:r>
+              <a:rPr lang="en-US" sz="2800" b="1" dirty="0">
+                <a:solidFill>
+                  <a:srgbClr val="F0BE2C"/>
+                </a:solidFill>
+              </a:rPr>
+              <a:t>siSDE2-2</a:t>
+            </a:r>
+            <a:r>
+              <a:rPr lang="en-US" sz="2800" dirty="0"/>
+              <a:t> VS </a:t>
+            </a:r>
+            <a:r>
+              <a:rPr lang="en-US" sz="2800" b="1" dirty="0"/>
+              <a:t>control</a:t>
+            </a:r>
+            <a:r>
+              <a:rPr lang="en-US" sz="2800" dirty="0"/>
               <a:t> </a:t>
             </a:r>
           </a:p>
-          <a:p>
-            <a:pPr algn="ctr"/>
-            <a:r>
-              <a:rPr lang="en-US" sz="3200" dirty="0"/>
-              <a:t>IR events in KD</a:t>
-            </a:r>
-          </a:p>
-        </p:txBody>
-      </p:sp>
-      <p:sp>
-        <p:nvSpPr>
-          <p:cNvPr id="13" name="TextBox 12">
-            <a:extLst>
-              <a:ext uri="{FF2B5EF4-FFF2-40B4-BE49-F238E27FC236}">
-                <a16:creationId xmlns:a16="http://schemas.microsoft.com/office/drawing/2014/main" id="{28D72B9B-05E1-3349-BE01-7CF561FB96EF}"/>
+        </p:txBody>
+      </p:sp>
+      <p:sp>
+        <p:nvSpPr>
+          <p:cNvPr id="4" name="TextBox 3">
+            <a:extLst>
+              <a:ext uri="{FF2B5EF4-FFF2-40B4-BE49-F238E27FC236}">
+                <a16:creationId xmlns:a16="http://schemas.microsoft.com/office/drawing/2014/main" id="{CD57D9A5-9A0E-D641-BEEE-5BC6831E587A}"/>
               </a:ext>
             </a:extLst>
           </p:cNvPr>
@@ -11555,9 +11584,9 @@
           <p:nvPr/>
         </p:nvSpPr>
         <p:spPr>
-          <a:xfrm rot="16200000">
-            <a:off x="7051407" y="2009906"/>
-            <a:ext cx="4636994" cy="4031873"/>
+          <a:xfrm>
+            <a:off x="59391" y="3109608"/>
+            <a:ext cx="3443592" cy="954107"/>
           </a:xfrm>
           <a:prstGeom prst="rect">
             <a:avLst/>
@@ -11570,105 +11599,477 @@
           </a:bodyPr>
           <a:lstStyle/>
           <a:p>
-            <a:pPr algn="r">
-              <a:lnSpc>
-                <a:spcPct val="150000"/>
-              </a:lnSpc>
-            </a:pPr>
-            <a:r>
-              <a:rPr lang="en-US" sz="3200" dirty="0">
+            <a:pPr algn="ctr"/>
+            <a:r>
+              <a:rPr lang="en-US" sz="2800" dirty="0"/>
+              <a:t>Remove known exon and minor isoform</a:t>
+            </a:r>
+          </a:p>
+        </p:txBody>
+      </p:sp>
+      <p:sp>
+        <p:nvSpPr>
+          <p:cNvPr id="5" name="TextBox 4">
+            <a:extLst>
+              <a:ext uri="{FF2B5EF4-FFF2-40B4-BE49-F238E27FC236}">
+                <a16:creationId xmlns:a16="http://schemas.microsoft.com/office/drawing/2014/main" id="{2BE6FE56-B356-E249-9847-820AB3C97B75}"/>
+              </a:ext>
+            </a:extLst>
+          </p:cNvPr>
+          <p:cNvSpPr txBox="1"/>
+          <p:nvPr/>
+        </p:nvSpPr>
+        <p:spPr>
+          <a:xfrm>
+            <a:off x="4453051" y="3109608"/>
+            <a:ext cx="3443592" cy="954107"/>
+          </a:xfrm>
+          <a:prstGeom prst="rect">
+            <a:avLst/>
+          </a:prstGeom>
+          <a:noFill/>
+        </p:spPr>
+        <p:txBody>
+          <a:bodyPr wrap="square" rtlCol="0">
+            <a:spAutoFit/>
+          </a:bodyPr>
+          <a:lstStyle/>
+          <a:p>
+            <a:pPr algn="ctr"/>
+            <a:r>
+              <a:rPr lang="en-US" sz="2800" dirty="0"/>
+              <a:t>Remove known exon and minor isoform</a:t>
+            </a:r>
+          </a:p>
+        </p:txBody>
+      </p:sp>
+      <p:sp>
+        <p:nvSpPr>
+          <p:cNvPr id="6" name="TextBox 5">
+            <a:extLst>
+              <a:ext uri="{FF2B5EF4-FFF2-40B4-BE49-F238E27FC236}">
+                <a16:creationId xmlns:a16="http://schemas.microsoft.com/office/drawing/2014/main" id="{01323A22-36B3-AC45-9A11-1F540117C481}"/>
+              </a:ext>
+            </a:extLst>
+          </p:cNvPr>
+          <p:cNvSpPr txBox="1"/>
+          <p:nvPr/>
+        </p:nvSpPr>
+        <p:spPr>
+          <a:xfrm>
+            <a:off x="59391" y="5057956"/>
+            <a:ext cx="3443592" cy="523220"/>
+          </a:xfrm>
+          <a:prstGeom prst="rect">
+            <a:avLst/>
+          </a:prstGeom>
+          <a:noFill/>
+        </p:spPr>
+        <p:txBody>
+          <a:bodyPr wrap="square" rtlCol="0">
+            <a:spAutoFit/>
+          </a:bodyPr>
+          <a:lstStyle/>
+          <a:p>
+            <a:pPr algn="ctr"/>
+            <a:r>
+              <a:rPr lang="en-US" sz="2800" dirty="0"/>
+              <a:t>FDR &lt; 0.05</a:t>
+            </a:r>
+          </a:p>
+        </p:txBody>
+      </p:sp>
+      <p:sp>
+        <p:nvSpPr>
+          <p:cNvPr id="7" name="TextBox 6">
+            <a:extLst>
+              <a:ext uri="{FF2B5EF4-FFF2-40B4-BE49-F238E27FC236}">
+                <a16:creationId xmlns:a16="http://schemas.microsoft.com/office/drawing/2014/main" id="{4C2A1647-463C-FD41-A215-22B90D4CB334}"/>
+              </a:ext>
+            </a:extLst>
+          </p:cNvPr>
+          <p:cNvSpPr txBox="1"/>
+          <p:nvPr/>
+        </p:nvSpPr>
+        <p:spPr>
+          <a:xfrm>
+            <a:off x="4453051" y="5038501"/>
+            <a:ext cx="3443592" cy="523220"/>
+          </a:xfrm>
+          <a:prstGeom prst="rect">
+            <a:avLst/>
+          </a:prstGeom>
+          <a:noFill/>
+        </p:spPr>
+        <p:txBody>
+          <a:bodyPr wrap="square" rtlCol="0">
+            <a:spAutoFit/>
+          </a:bodyPr>
+          <a:lstStyle/>
+          <a:p>
+            <a:pPr algn="ctr"/>
+            <a:r>
+              <a:rPr lang="en-US" sz="2800" dirty="0"/>
+              <a:t>FDR &lt; 0.05</a:t>
+            </a:r>
+          </a:p>
+        </p:txBody>
+      </p:sp>
+      <p:sp>
+        <p:nvSpPr>
+          <p:cNvPr id="8" name="TextBox 7">
+            <a:extLst>
+              <a:ext uri="{FF2B5EF4-FFF2-40B4-BE49-F238E27FC236}">
+                <a16:creationId xmlns:a16="http://schemas.microsoft.com/office/drawing/2014/main" id="{3D02EBA2-9A3B-3445-89F3-C4CA6A9D5BC6}"/>
+              </a:ext>
+            </a:extLst>
+          </p:cNvPr>
+          <p:cNvSpPr txBox="1"/>
+          <p:nvPr/>
+        </p:nvSpPr>
+        <p:spPr>
+          <a:xfrm>
+            <a:off x="59391" y="6527255"/>
+            <a:ext cx="1634246" cy="954107"/>
+          </a:xfrm>
+          <a:prstGeom prst="rect">
+            <a:avLst/>
+          </a:prstGeom>
+          <a:noFill/>
+        </p:spPr>
+        <p:txBody>
+          <a:bodyPr wrap="square" rtlCol="0">
+            <a:spAutoFit/>
+          </a:bodyPr>
+          <a:lstStyle/>
+          <a:p>
+            <a:pPr algn="ctr"/>
+            <a:r>
+              <a:rPr lang="en-US" sz="2800" dirty="0"/>
+              <a:t>Sig</a:t>
+            </a:r>
+          </a:p>
+          <a:p>
+            <a:pPr algn="ctr"/>
+            <a:r>
+              <a:rPr lang="en-US" sz="2800" dirty="0"/>
+              <a:t>events</a:t>
+            </a:r>
+          </a:p>
+        </p:txBody>
+      </p:sp>
+      <p:sp>
+        <p:nvSpPr>
+          <p:cNvPr id="9" name="TextBox 8">
+            <a:extLst>
+              <a:ext uri="{FF2B5EF4-FFF2-40B4-BE49-F238E27FC236}">
+                <a16:creationId xmlns:a16="http://schemas.microsoft.com/office/drawing/2014/main" id="{68A137F9-54D0-AA44-ADD9-833DADD5D65A}"/>
+              </a:ext>
+            </a:extLst>
+          </p:cNvPr>
+          <p:cNvSpPr txBox="1"/>
+          <p:nvPr/>
+        </p:nvSpPr>
+        <p:spPr>
+          <a:xfrm>
+            <a:off x="1709853" y="6527255"/>
+            <a:ext cx="1987684" cy="954107"/>
+          </a:xfrm>
+          <a:prstGeom prst="rect">
+            <a:avLst/>
+          </a:prstGeom>
+          <a:noFill/>
+        </p:spPr>
+        <p:txBody>
+          <a:bodyPr wrap="square" rtlCol="0">
+            <a:spAutoFit/>
+          </a:bodyPr>
+          <a:lstStyle/>
+          <a:p>
+            <a:pPr algn="ctr"/>
+            <a:r>
+              <a:rPr lang="en-US" sz="2800" dirty="0"/>
+              <a:t>Non-sig</a:t>
+            </a:r>
+          </a:p>
+          <a:p>
+            <a:pPr algn="ctr"/>
+            <a:r>
+              <a:rPr lang="en-US" sz="2800" dirty="0"/>
+              <a:t>events</a:t>
+            </a:r>
+          </a:p>
+        </p:txBody>
+      </p:sp>
+      <p:sp>
+        <p:nvSpPr>
+          <p:cNvPr id="10" name="TextBox 9">
+            <a:extLst>
+              <a:ext uri="{FF2B5EF4-FFF2-40B4-BE49-F238E27FC236}">
+                <a16:creationId xmlns:a16="http://schemas.microsoft.com/office/drawing/2014/main" id="{63DBAA69-12A4-F747-A407-4ED96E309D96}"/>
+              </a:ext>
+            </a:extLst>
+          </p:cNvPr>
+          <p:cNvSpPr txBox="1"/>
+          <p:nvPr/>
+        </p:nvSpPr>
+        <p:spPr>
+          <a:xfrm>
+            <a:off x="466331" y="8819738"/>
+            <a:ext cx="2629712" cy="954107"/>
+          </a:xfrm>
+          <a:prstGeom prst="rect">
+            <a:avLst/>
+          </a:prstGeom>
+          <a:noFill/>
+        </p:spPr>
+        <p:txBody>
+          <a:bodyPr wrap="square" rtlCol="0">
+            <a:spAutoFit/>
+          </a:bodyPr>
+          <a:lstStyle/>
+          <a:p>
+            <a:pPr algn="ctr"/>
+            <a:r>
+              <a:rPr lang="en-US" sz="2800" b="1" dirty="0"/>
+              <a:t>Intersected</a:t>
+            </a:r>
+            <a:r>
+              <a:rPr lang="en-US" sz="2800" dirty="0"/>
+              <a:t> </a:t>
+            </a:r>
+          </a:p>
+          <a:p>
+            <a:pPr algn="ctr"/>
+            <a:r>
+              <a:rPr lang="en-US" sz="2800" b="1" dirty="0">
                 <a:solidFill>
-                  <a:srgbClr val="1075C0"/>
+                  <a:srgbClr val="FF0000"/>
                 </a:solidFill>
               </a:rPr>
-              <a:t>siSDE2-1 </a:t>
-            </a:r>
-            <a:r>
-              <a:rPr lang="en-US" sz="3200" dirty="0">
+              <a:t>Sig</a:t>
+            </a:r>
+            <a:r>
+              <a:rPr lang="en-US" sz="2800" b="1" dirty="0"/>
+              <a:t> </a:t>
+            </a:r>
+            <a:r>
+              <a:rPr lang="en-US" sz="2800" b="1" dirty="0">
+                <a:solidFill>
+                  <a:srgbClr val="FF0000"/>
+                </a:solidFill>
+              </a:rPr>
+              <a:t>events</a:t>
+            </a:r>
+          </a:p>
+        </p:txBody>
+      </p:sp>
+      <p:sp>
+        <p:nvSpPr>
+          <p:cNvPr id="11" name="TextBox 10">
+            <a:extLst>
+              <a:ext uri="{FF2B5EF4-FFF2-40B4-BE49-F238E27FC236}">
+                <a16:creationId xmlns:a16="http://schemas.microsoft.com/office/drawing/2014/main" id="{0DC38C86-17BE-C64C-B30D-64224B586808}"/>
+              </a:ext>
+            </a:extLst>
+          </p:cNvPr>
+          <p:cNvSpPr txBox="1"/>
+          <p:nvPr/>
+        </p:nvSpPr>
+        <p:spPr>
+          <a:xfrm>
+            <a:off x="4453051" y="6527255"/>
+            <a:ext cx="1634246" cy="954107"/>
+          </a:xfrm>
+          <a:prstGeom prst="rect">
+            <a:avLst/>
+          </a:prstGeom>
+          <a:noFill/>
+        </p:spPr>
+        <p:txBody>
+          <a:bodyPr wrap="square" rtlCol="0">
+            <a:spAutoFit/>
+          </a:bodyPr>
+          <a:lstStyle/>
+          <a:p>
+            <a:pPr algn="ctr"/>
+            <a:r>
+              <a:rPr lang="en-US" sz="2800" dirty="0"/>
+              <a:t>Sig</a:t>
+            </a:r>
+          </a:p>
+          <a:p>
+            <a:pPr algn="ctr"/>
+            <a:r>
+              <a:rPr lang="en-US" sz="2800" dirty="0"/>
+              <a:t>events</a:t>
+            </a:r>
+          </a:p>
+        </p:txBody>
+      </p:sp>
+      <p:sp>
+        <p:nvSpPr>
+          <p:cNvPr id="12" name="TextBox 11">
+            <a:extLst>
+              <a:ext uri="{FF2B5EF4-FFF2-40B4-BE49-F238E27FC236}">
+                <a16:creationId xmlns:a16="http://schemas.microsoft.com/office/drawing/2014/main" id="{7FCE4E0C-891E-1A41-965B-E2733CE3F821}"/>
+              </a:ext>
+            </a:extLst>
+          </p:cNvPr>
+          <p:cNvSpPr txBox="1"/>
+          <p:nvPr/>
+        </p:nvSpPr>
+        <p:spPr>
+          <a:xfrm>
+            <a:off x="6278609" y="6497028"/>
+            <a:ext cx="1660186" cy="954107"/>
+          </a:xfrm>
+          <a:prstGeom prst="rect">
+            <a:avLst/>
+          </a:prstGeom>
+          <a:noFill/>
+        </p:spPr>
+        <p:txBody>
+          <a:bodyPr wrap="square" rtlCol="0">
+            <a:spAutoFit/>
+          </a:bodyPr>
+          <a:lstStyle/>
+          <a:p>
+            <a:pPr algn="ctr"/>
+            <a:r>
+              <a:rPr lang="en-US" sz="2800" dirty="0"/>
+              <a:t>Non-sig</a:t>
+            </a:r>
+          </a:p>
+          <a:p>
+            <a:pPr algn="ctr"/>
+            <a:r>
+              <a:rPr lang="en-US" sz="2800" dirty="0"/>
+              <a:t>events</a:t>
+            </a:r>
+          </a:p>
+        </p:txBody>
+      </p:sp>
+      <p:sp>
+        <p:nvSpPr>
+          <p:cNvPr id="13" name="TextBox 12">
+            <a:extLst>
+              <a:ext uri="{FF2B5EF4-FFF2-40B4-BE49-F238E27FC236}">
+                <a16:creationId xmlns:a16="http://schemas.microsoft.com/office/drawing/2014/main" id="{D4CBC239-DDAB-B74C-AFE7-FD4077F01245}"/>
+              </a:ext>
+            </a:extLst>
+          </p:cNvPr>
+          <p:cNvSpPr txBox="1"/>
+          <p:nvPr/>
+        </p:nvSpPr>
+        <p:spPr>
+          <a:xfrm>
+            <a:off x="4908225" y="8819738"/>
+            <a:ext cx="2653623" cy="954107"/>
+          </a:xfrm>
+          <a:prstGeom prst="rect">
+            <a:avLst/>
+          </a:prstGeom>
+          <a:noFill/>
+        </p:spPr>
+        <p:txBody>
+          <a:bodyPr wrap="square" rtlCol="0">
+            <a:spAutoFit/>
+          </a:bodyPr>
+          <a:lstStyle/>
+          <a:p>
+            <a:pPr algn="ctr"/>
+            <a:r>
+              <a:rPr lang="en-US" sz="2800" b="1" dirty="0"/>
+              <a:t>Intersected</a:t>
+            </a:r>
+            <a:r>
+              <a:rPr lang="en-US" sz="2800" dirty="0"/>
+              <a:t> </a:t>
+            </a:r>
+          </a:p>
+          <a:p>
+            <a:pPr algn="ctr"/>
+            <a:r>
+              <a:rPr lang="en-US" sz="2800" b="1" dirty="0">
+                <a:solidFill>
+                  <a:srgbClr val="004188"/>
+                </a:solidFill>
+              </a:rPr>
+              <a:t>Non-sig</a:t>
+            </a:r>
+            <a:r>
+              <a:rPr lang="en-US" sz="2800" b="1" dirty="0"/>
+              <a:t> </a:t>
+            </a:r>
+            <a:r>
+              <a:rPr lang="en-US" sz="2800" b="1" dirty="0">
+                <a:solidFill>
+                  <a:srgbClr val="004188"/>
+                </a:solidFill>
+              </a:rPr>
+              <a:t>events</a:t>
+            </a:r>
+          </a:p>
+        </p:txBody>
+      </p:sp>
+      <p:sp>
+        <p:nvSpPr>
+          <p:cNvPr id="17" name="TextBox 16">
+            <a:extLst>
+              <a:ext uri="{FF2B5EF4-FFF2-40B4-BE49-F238E27FC236}">
+                <a16:creationId xmlns:a16="http://schemas.microsoft.com/office/drawing/2014/main" id="{B3999638-A8A5-714C-AC06-BECDE7B5C3B9}"/>
+              </a:ext>
+            </a:extLst>
+          </p:cNvPr>
+          <p:cNvSpPr txBox="1"/>
+          <p:nvPr/>
+        </p:nvSpPr>
+        <p:spPr>
+          <a:xfrm>
+            <a:off x="8846711" y="1400784"/>
+            <a:ext cx="3443592" cy="954107"/>
+          </a:xfrm>
+          <a:prstGeom prst="rect">
+            <a:avLst/>
+          </a:prstGeom>
+          <a:noFill/>
+        </p:spPr>
+        <p:txBody>
+          <a:bodyPr wrap="square" rtlCol="0">
+            <a:spAutoFit/>
+          </a:bodyPr>
+          <a:lstStyle/>
+          <a:p>
+            <a:pPr algn="ctr"/>
+            <a:r>
+              <a:rPr lang="en-US" sz="2800" dirty="0">
                 <a:solidFill>
                   <a:srgbClr val="364E54"/>
                 </a:solidFill>
               </a:rPr>
-              <a:t>VS control</a:t>
-            </a:r>
-          </a:p>
-          <a:p>
-            <a:pPr algn="r">
-              <a:lnSpc>
-                <a:spcPct val="150000"/>
-              </a:lnSpc>
-            </a:pPr>
-            <a:r>
-              <a:rPr lang="en-US" sz="3200" dirty="0">
-                <a:solidFill>
-                  <a:srgbClr val="1075C0"/>
-                </a:solidFill>
-              </a:rPr>
-              <a:t>siSDE2-2 </a:t>
-            </a:r>
-            <a:r>
-              <a:rPr lang="en-US" sz="3200" dirty="0">
+              <a:t>GENCODE V27 </a:t>
+            </a:r>
+          </a:p>
+          <a:p>
+            <a:pPr algn="ctr"/>
+            <a:r>
+              <a:rPr lang="en-US" sz="2800" dirty="0">
                 <a:solidFill>
                   <a:srgbClr val="364E54"/>
                 </a:solidFill>
               </a:rPr>
-              <a:t>VS control</a:t>
-            </a:r>
-          </a:p>
-          <a:p>
-            <a:pPr algn="r">
-              <a:lnSpc>
-                <a:spcPct val="150000"/>
-              </a:lnSpc>
-            </a:pPr>
-            <a:r>
-              <a:rPr lang="en-US" sz="3200" dirty="0">
-                <a:solidFill>
-                  <a:srgbClr val="1075C0"/>
-                </a:solidFill>
-              </a:rPr>
-              <a:t>Intersect of the two</a:t>
-            </a:r>
-          </a:p>
-          <a:p>
-            <a:pPr algn="r">
-              <a:lnSpc>
-                <a:spcPct val="150000"/>
-              </a:lnSpc>
-            </a:pPr>
-            <a:r>
-              <a:rPr lang="en-US" sz="3200" dirty="0">
-                <a:solidFill>
-                  <a:srgbClr val="1075C0"/>
-                </a:solidFill>
-              </a:rPr>
-              <a:t>Union of the two</a:t>
-            </a:r>
-          </a:p>
-          <a:p>
-            <a:pPr algn="r"/>
-            <a:endParaRPr lang="en-US" sz="3200" dirty="0">
-              <a:solidFill>
-                <a:srgbClr val="1075C0"/>
-              </a:solidFill>
-            </a:endParaRPr>
-          </a:p>
-          <a:p>
-            <a:pPr algn="r"/>
-            <a:endParaRPr lang="en-US" sz="3200" dirty="0">
-              <a:solidFill>
-                <a:srgbClr val="1075C0"/>
-              </a:solidFill>
-            </a:endParaRPr>
-          </a:p>
-        </p:txBody>
-      </p:sp>
-      <p:sp>
-        <p:nvSpPr>
-          <p:cNvPr id="17" name="TextBox 16">
-            <a:extLst>
-              <a:ext uri="{FF2B5EF4-FFF2-40B4-BE49-F238E27FC236}">
-                <a16:creationId xmlns:a16="http://schemas.microsoft.com/office/drawing/2014/main" id="{7AAA094C-3D1D-244F-83A9-96D5AB030751}"/>
+              <a:t>gene annotation </a:t>
+            </a:r>
+          </a:p>
+        </p:txBody>
+      </p:sp>
+      <p:sp>
+        <p:nvSpPr>
+          <p:cNvPr id="18" name="TextBox 17">
+            <a:extLst>
+              <a:ext uri="{FF2B5EF4-FFF2-40B4-BE49-F238E27FC236}">
+                <a16:creationId xmlns:a16="http://schemas.microsoft.com/office/drawing/2014/main" id="{8959FB27-F6BF-6A4E-BFFE-1DE13FE4A771}"/>
               </a:ext>
             </a:extLst>
           </p:cNvPr>
@@ -11676,9 +12077,9 @@
           <p:nvPr/>
         </p:nvSpPr>
         <p:spPr>
-          <a:xfrm rot="16200000">
-            <a:off x="2063224" y="545033"/>
-            <a:ext cx="3600713" cy="5925340"/>
+          <a:xfrm>
+            <a:off x="8768891" y="3109608"/>
+            <a:ext cx="3443592" cy="954107"/>
           </a:xfrm>
           <a:prstGeom prst="rect">
             <a:avLst/>
@@ -11691,197 +12092,176 @@
           </a:bodyPr>
           <a:lstStyle/>
           <a:p>
-            <a:pPr algn="r">
-              <a:lnSpc>
-                <a:spcPct val="150000"/>
-              </a:lnSpc>
-            </a:pPr>
-            <a:r>
-              <a:rPr lang="en-US" sz="3200" dirty="0">
-                <a:solidFill>
-                  <a:srgbClr val="F0BE2C"/>
-                </a:solidFill>
-              </a:rPr>
-              <a:t>shTIA1 </a:t>
-            </a:r>
-            <a:r>
-              <a:rPr lang="en-US" sz="3200" dirty="0">
+            <a:pPr algn="ctr"/>
+            <a:r>
+              <a:rPr lang="en-US" sz="2800" dirty="0">
                 <a:solidFill>
                   <a:srgbClr val="364E54"/>
                 </a:solidFill>
               </a:rPr>
-              <a:t>VS control</a:t>
-            </a:r>
-          </a:p>
-          <a:p>
-            <a:pPr algn="r">
-              <a:lnSpc>
-                <a:spcPct val="150000"/>
-              </a:lnSpc>
-            </a:pPr>
-            <a:r>
-              <a:rPr lang="en-US" sz="3200" dirty="0">
-                <a:solidFill>
-                  <a:srgbClr val="F0BE2C"/>
-                </a:solidFill>
-              </a:rPr>
-              <a:t>shSRSF1 </a:t>
-            </a:r>
-            <a:r>
-              <a:rPr lang="en-US" sz="3200" dirty="0">
+              <a:t>Extract all constitutive introns</a:t>
+            </a:r>
+          </a:p>
+        </p:txBody>
+      </p:sp>
+      <p:sp>
+        <p:nvSpPr>
+          <p:cNvPr id="19" name="TextBox 18">
+            <a:extLst>
+              <a:ext uri="{FF2B5EF4-FFF2-40B4-BE49-F238E27FC236}">
+                <a16:creationId xmlns:a16="http://schemas.microsoft.com/office/drawing/2014/main" id="{C49C8F79-835D-324E-B498-D6B0DC2042EA}"/>
+              </a:ext>
+            </a:extLst>
+          </p:cNvPr>
+          <p:cNvSpPr txBox="1"/>
+          <p:nvPr/>
+        </p:nvSpPr>
+        <p:spPr>
+          <a:xfrm>
+            <a:off x="8768891" y="4843951"/>
+            <a:ext cx="3443592" cy="954107"/>
+          </a:xfrm>
+          <a:prstGeom prst="rect">
+            <a:avLst/>
+          </a:prstGeom>
+          <a:noFill/>
+        </p:spPr>
+        <p:txBody>
+          <a:bodyPr wrap="square" rtlCol="0">
+            <a:spAutoFit/>
+          </a:bodyPr>
+          <a:lstStyle/>
+          <a:p>
+            <a:pPr algn="ctr"/>
+            <a:r>
+              <a:rPr lang="en-US" sz="2800" b="1" dirty="0">
                 <a:solidFill>
                   <a:srgbClr val="364E54"/>
                 </a:solidFill>
               </a:rPr>
-              <a:t>VS control</a:t>
-            </a:r>
-          </a:p>
-          <a:p>
-            <a:pPr algn="r">
-              <a:lnSpc>
-                <a:spcPct val="150000"/>
-              </a:lnSpc>
-            </a:pPr>
-            <a:r>
-              <a:rPr lang="en-US" sz="3200" dirty="0">
+              <a:t>Remove </a:t>
+            </a:r>
+            <a:r>
+              <a:rPr lang="en-US" sz="2800" b="1" dirty="0">
                 <a:solidFill>
-                  <a:srgbClr val="F0BE2C"/>
+                  <a:srgbClr val="ED2201"/>
                 </a:solidFill>
               </a:rPr>
-              <a:t>shU2AF2 </a:t>
-            </a:r>
-            <a:r>
-              <a:rPr lang="en-US" sz="3200" dirty="0">
+              <a:t>Sig</a:t>
+            </a:r>
+            <a:r>
+              <a:rPr lang="en-US" sz="2800" b="1" dirty="0">
                 <a:solidFill>
                   <a:srgbClr val="364E54"/>
                 </a:solidFill>
               </a:rPr>
-              <a:t>VS control</a:t>
-            </a:r>
-          </a:p>
-          <a:p>
-            <a:pPr algn="r">
-              <a:lnSpc>
-                <a:spcPct val="150000"/>
-              </a:lnSpc>
-            </a:pPr>
-            <a:r>
-              <a:rPr lang="en-US" sz="3200" dirty="0">
-                <a:solidFill>
-                  <a:srgbClr val="F0BE2C"/>
-                </a:solidFill>
-              </a:rPr>
-              <a:t>shPCBP1 </a:t>
-            </a:r>
-            <a:r>
-              <a:rPr lang="en-US" sz="3200" dirty="0">
+              <a:t> </a:t>
+            </a:r>
+            <a:r>
+              <a:rPr lang="en-US" sz="2800" dirty="0">
                 <a:solidFill>
                   <a:srgbClr val="364E54"/>
                 </a:solidFill>
               </a:rPr>
-              <a:t>VS control</a:t>
-            </a:r>
-          </a:p>
-          <a:p>
-            <a:pPr algn="r">
-              <a:lnSpc>
-                <a:spcPct val="150000"/>
-              </a:lnSpc>
-            </a:pPr>
-            <a:r>
-              <a:rPr lang="en-US" sz="3200" dirty="0">
+              <a:t>and </a:t>
+            </a:r>
+            <a:r>
+              <a:rPr lang="en-US" sz="2800" b="1" dirty="0">
                 <a:solidFill>
-                  <a:srgbClr val="F0BE2C"/>
+                  <a:srgbClr val="004188"/>
                 </a:solidFill>
               </a:rPr>
-              <a:t>shPCBP2 </a:t>
-            </a:r>
-            <a:r>
-              <a:rPr lang="en-US" sz="3200" dirty="0">
+              <a:t>Non-sig</a:t>
+            </a:r>
+            <a:r>
+              <a:rPr lang="en-US" sz="2800" dirty="0">
                 <a:solidFill>
                   <a:srgbClr val="364E54"/>
                 </a:solidFill>
               </a:rPr>
-              <a:t>VS control</a:t>
-            </a:r>
-          </a:p>
-          <a:p>
-            <a:pPr algn="r">
-              <a:lnSpc>
-                <a:spcPct val="150000"/>
-              </a:lnSpc>
-            </a:pPr>
-            <a:r>
-              <a:rPr lang="en-US" sz="3200" dirty="0">
-                <a:solidFill>
-                  <a:srgbClr val="F0BE2C"/>
-                </a:solidFill>
-              </a:rPr>
-              <a:t>shPTBP1 </a:t>
-            </a:r>
-            <a:r>
-              <a:rPr lang="en-US" sz="3200" dirty="0">
+              <a:t> ones from siSDE2</a:t>
+            </a:r>
+          </a:p>
+        </p:txBody>
+      </p:sp>
+      <p:sp>
+        <p:nvSpPr>
+          <p:cNvPr id="20" name="TextBox 19">
+            <a:extLst>
+              <a:ext uri="{FF2B5EF4-FFF2-40B4-BE49-F238E27FC236}">
+                <a16:creationId xmlns:a16="http://schemas.microsoft.com/office/drawing/2014/main" id="{6C0C2B36-7638-2E48-834A-2E9A4D19815D}"/>
+              </a:ext>
+            </a:extLst>
+          </p:cNvPr>
+          <p:cNvSpPr txBox="1"/>
+          <p:nvPr/>
+        </p:nvSpPr>
+        <p:spPr>
+          <a:xfrm>
+            <a:off x="8846711" y="6449435"/>
+            <a:ext cx="3116094" cy="1384995"/>
+          </a:xfrm>
+          <a:prstGeom prst="rect">
+            <a:avLst/>
+          </a:prstGeom>
+          <a:noFill/>
+        </p:spPr>
+        <p:txBody>
+          <a:bodyPr wrap="square" rtlCol="0">
+            <a:spAutoFit/>
+          </a:bodyPr>
+          <a:lstStyle/>
+          <a:p>
+            <a:pPr algn="ctr"/>
+            <a:r>
+              <a:rPr lang="en-US" sz="2800" dirty="0">
                 <a:solidFill>
                   <a:srgbClr val="364E54"/>
                 </a:solidFill>
               </a:rPr>
-              <a:t>VS control</a:t>
-            </a:r>
-          </a:p>
-          <a:p>
-            <a:pPr algn="r">
-              <a:lnSpc>
-                <a:spcPct val="150000"/>
-              </a:lnSpc>
-            </a:pPr>
-            <a:r>
-              <a:rPr lang="en-US" sz="3200" dirty="0">
-                <a:solidFill>
-                  <a:srgbClr val="F0BE2C"/>
-                </a:solidFill>
-              </a:rPr>
-              <a:t>shSRSF7 </a:t>
-            </a:r>
-            <a:r>
-              <a:rPr lang="en-US" sz="3200" dirty="0">
+              <a:t>length &lt; 75</a:t>
+            </a:r>
+            <a:r>
+              <a:rPr lang="en-US" sz="2800" baseline="30000" dirty="0">
                 <a:solidFill>
                   <a:srgbClr val="364E54"/>
                 </a:solidFill>
               </a:rPr>
-              <a:t>VS control </a:t>
-            </a:r>
-          </a:p>
-          <a:p>
-            <a:pPr algn="r">
-              <a:lnSpc>
-                <a:spcPct val="150000"/>
-              </a:lnSpc>
-            </a:pPr>
-            <a:r>
-              <a:rPr lang="en-US" sz="3200" dirty="0">
-                <a:solidFill>
-                  <a:srgbClr val="F0BE2C"/>
-                </a:solidFill>
-              </a:rPr>
-              <a:t>shFUS </a:t>
-            </a:r>
-            <a:r>
-              <a:rPr lang="en-US" sz="3200" dirty="0">
+              <a:t>th</a:t>
+            </a:r>
+            <a:r>
+              <a:rPr lang="en-US" sz="2800" dirty="0">
                 <a:solidFill>
                   <a:srgbClr val="364E54"/>
                 </a:solidFill>
               </a:rPr>
-              <a:t>VS control</a:t>
-            </a:r>
-          </a:p>
-        </p:txBody>
-      </p:sp>
-      <p:sp>
-        <p:nvSpPr>
-          <p:cNvPr id="20" name="TextBox 19">
-            <a:extLst>
-              <a:ext uri="{FF2B5EF4-FFF2-40B4-BE49-F238E27FC236}">
-                <a16:creationId xmlns:a16="http://schemas.microsoft.com/office/drawing/2014/main" id="{FCDAD460-21E9-904C-BBE7-BCA881BD7845}"/>
+              <a:t> percentile of </a:t>
+            </a:r>
+            <a:r>
+              <a:rPr lang="en-US" sz="2800" dirty="0">
+                <a:solidFill>
+                  <a:srgbClr val="ED2201"/>
+                </a:solidFill>
+              </a:rPr>
+              <a:t>Sig</a:t>
+            </a:r>
+            <a:r>
+              <a:rPr lang="en-US" sz="2800" dirty="0">
+                <a:solidFill>
+                  <a:srgbClr val="364E54"/>
+                </a:solidFill>
+              </a:rPr>
+              <a:t> events</a:t>
+            </a:r>
+          </a:p>
+        </p:txBody>
+      </p:sp>
+      <p:sp>
+        <p:nvSpPr>
+          <p:cNvPr id="21" name="TextBox 20">
+            <a:extLst>
+              <a:ext uri="{FF2B5EF4-FFF2-40B4-BE49-F238E27FC236}">
+                <a16:creationId xmlns:a16="http://schemas.microsoft.com/office/drawing/2014/main" id="{9BC82BDD-702A-A442-83BE-F979BFB1284C}"/>
               </a:ext>
             </a:extLst>
           </p:cNvPr>
@@ -11890,8 +12270,8 @@
         </p:nvSpPr>
         <p:spPr>
           <a:xfrm>
-            <a:off x="2642379" y="791792"/>
-            <a:ext cx="2535382" cy="584775"/>
+            <a:off x="8710526" y="8586275"/>
+            <a:ext cx="1634246" cy="1384995"/>
           </a:xfrm>
           <a:prstGeom prst="rect">
             <a:avLst/>
@@ -11904,9 +12284,25 @@
           </a:bodyPr>
           <a:lstStyle/>
           <a:p>
-            <a:r>
-              <a:rPr lang="en-US" sz="3200" dirty="0"/>
-              <a:t>ENCODE data</a:t>
+            <a:pPr algn="ctr"/>
+            <a:r>
+              <a:rPr lang="en-US" sz="2800" b="1" dirty="0">
+                <a:solidFill>
+                  <a:srgbClr val="3CB13A"/>
+                </a:solidFill>
+              </a:rPr>
+              <a:t>Non-AS-short</a:t>
+            </a:r>
+          </a:p>
+          <a:p>
+            <a:pPr algn="ctr"/>
+            <a:r>
+              <a:rPr lang="en-US" sz="2800" b="1" dirty="0">
+                <a:solidFill>
+                  <a:srgbClr val="3CB13A"/>
+                </a:solidFill>
+              </a:rPr>
+              <a:t>events</a:t>
             </a:r>
           </a:p>
         </p:txBody>
@@ -11916,7 +12312,7 @@
           <p:cNvPr id="22" name="TextBox 21">
             <a:extLst>
               <a:ext uri="{FF2B5EF4-FFF2-40B4-BE49-F238E27FC236}">
-                <a16:creationId xmlns:a16="http://schemas.microsoft.com/office/drawing/2014/main" id="{71C89204-CAAB-0C48-B3FD-51E043340586}"/>
+                <a16:creationId xmlns:a16="http://schemas.microsoft.com/office/drawing/2014/main" id="{D79D87E7-60B7-8446-A0F1-9711E912FF74}"/>
               </a:ext>
             </a:extLst>
           </p:cNvPr>
@@ -11925,8 +12321,8 @@
         </p:nvSpPr>
         <p:spPr>
           <a:xfrm>
-            <a:off x="8043680" y="791792"/>
-            <a:ext cx="2049637" cy="584775"/>
+            <a:off x="10461502" y="8586275"/>
+            <a:ext cx="1634246" cy="1384995"/>
           </a:xfrm>
           <a:prstGeom prst="rect">
             <a:avLst/>
@@ -11939,19 +12335,35 @@
           </a:bodyPr>
           <a:lstStyle/>
           <a:p>
-            <a:r>
-              <a:rPr lang="en-US" sz="3200" dirty="0"/>
-              <a:t>SDE2 data</a:t>
-            </a:r>
-          </a:p>
-        </p:txBody>
-      </p:sp>
-      <p:sp>
-        <p:nvSpPr>
-          <p:cNvPr id="24" name="Down Arrow 23">
-            <a:extLst>
-              <a:ext uri="{FF2B5EF4-FFF2-40B4-BE49-F238E27FC236}">
-                <a16:creationId xmlns:a16="http://schemas.microsoft.com/office/drawing/2014/main" id="{12382B97-CF20-3E4E-9A59-F6388255C035}"/>
+            <a:pPr algn="ctr"/>
+            <a:r>
+              <a:rPr lang="en-US" sz="2800" b="1" dirty="0">
+                <a:solidFill>
+                  <a:srgbClr val="0E98AF"/>
+                </a:solidFill>
+              </a:rPr>
+              <a:t>Non-AS-long</a:t>
+            </a:r>
+          </a:p>
+          <a:p>
+            <a:pPr algn="ctr"/>
+            <a:r>
+              <a:rPr lang="en-US" sz="2800" b="1" dirty="0">
+                <a:solidFill>
+                  <a:srgbClr val="0E98AF"/>
+                </a:solidFill>
+              </a:rPr>
+              <a:t>events</a:t>
+            </a:r>
+          </a:p>
+        </p:txBody>
+      </p:sp>
+      <p:sp>
+        <p:nvSpPr>
+          <p:cNvPr id="24" name="Rounded Rectangle 23">
+            <a:extLst>
+              <a:ext uri="{FF2B5EF4-FFF2-40B4-BE49-F238E27FC236}">
+                <a16:creationId xmlns:a16="http://schemas.microsoft.com/office/drawing/2014/main" id="{1FF8B547-45A9-FC44-B36A-C1522CF6F19A}"/>
               </a:ext>
             </a:extLst>
           </p:cNvPr>
@@ -11960,7 +12372,853 @@
         </p:nvSpPr>
         <p:spPr>
           <a:xfrm>
-            <a:off x="3525650" y="5308060"/>
+            <a:off x="59392" y="1400783"/>
+            <a:ext cx="3443592" cy="954107"/>
+          </a:xfrm>
+          <a:prstGeom prst="roundRect">
+            <a:avLst/>
+          </a:prstGeom>
+          <a:noFill/>
+        </p:spPr>
+        <p:style>
+          <a:lnRef idx="2">
+            <a:schemeClr val="accent1">
+              <a:shade val="50000"/>
+            </a:schemeClr>
+          </a:lnRef>
+          <a:fillRef idx="1">
+            <a:schemeClr val="accent1"/>
+          </a:fillRef>
+          <a:effectRef idx="0">
+            <a:schemeClr val="accent1"/>
+          </a:effectRef>
+          <a:fontRef idx="minor">
+            <a:schemeClr val="lt1"/>
+          </a:fontRef>
+        </p:style>
+        <p:txBody>
+          <a:bodyPr rtlCol="0" anchor="ctr"/>
+          <a:lstStyle/>
+          <a:p>
+            <a:pPr algn="ctr"/>
+            <a:endParaRPr lang="en-US" sz="3200"/>
+          </a:p>
+        </p:txBody>
+      </p:sp>
+      <p:sp>
+        <p:nvSpPr>
+          <p:cNvPr id="25" name="Rounded Rectangle 24">
+            <a:extLst>
+              <a:ext uri="{FF2B5EF4-FFF2-40B4-BE49-F238E27FC236}">
+                <a16:creationId xmlns:a16="http://schemas.microsoft.com/office/drawing/2014/main" id="{46A1557B-225C-AE47-BEC8-D5BE1807D72F}"/>
+              </a:ext>
+            </a:extLst>
+          </p:cNvPr>
+          <p:cNvSpPr/>
+          <p:nvPr/>
+        </p:nvSpPr>
+        <p:spPr>
+          <a:xfrm>
+            <a:off x="59391" y="3154231"/>
+            <a:ext cx="3443592" cy="954107"/>
+          </a:xfrm>
+          <a:prstGeom prst="roundRect">
+            <a:avLst/>
+          </a:prstGeom>
+          <a:noFill/>
+        </p:spPr>
+        <p:style>
+          <a:lnRef idx="2">
+            <a:schemeClr val="accent1">
+              <a:shade val="50000"/>
+            </a:schemeClr>
+          </a:lnRef>
+          <a:fillRef idx="1">
+            <a:schemeClr val="accent1"/>
+          </a:fillRef>
+          <a:effectRef idx="0">
+            <a:schemeClr val="accent1"/>
+          </a:effectRef>
+          <a:fontRef idx="minor">
+            <a:schemeClr val="lt1"/>
+          </a:fontRef>
+        </p:style>
+        <p:txBody>
+          <a:bodyPr rtlCol="0" anchor="ctr"/>
+          <a:lstStyle/>
+          <a:p>
+            <a:pPr algn="ctr"/>
+            <a:endParaRPr lang="en-US" sz="3200"/>
+          </a:p>
+        </p:txBody>
+      </p:sp>
+      <p:sp>
+        <p:nvSpPr>
+          <p:cNvPr id="26" name="Rounded Rectangle 25">
+            <a:extLst>
+              <a:ext uri="{FF2B5EF4-FFF2-40B4-BE49-F238E27FC236}">
+                <a16:creationId xmlns:a16="http://schemas.microsoft.com/office/drawing/2014/main" id="{29ED310D-10DA-A447-87D1-06BD2D01C1C4}"/>
+              </a:ext>
+            </a:extLst>
+          </p:cNvPr>
+          <p:cNvSpPr/>
+          <p:nvPr/>
+        </p:nvSpPr>
+        <p:spPr>
+          <a:xfrm>
+            <a:off x="59391" y="4840743"/>
+            <a:ext cx="3443592" cy="954107"/>
+          </a:xfrm>
+          <a:prstGeom prst="roundRect">
+            <a:avLst/>
+          </a:prstGeom>
+          <a:noFill/>
+        </p:spPr>
+        <p:style>
+          <a:lnRef idx="2">
+            <a:schemeClr val="accent1">
+              <a:shade val="50000"/>
+            </a:schemeClr>
+          </a:lnRef>
+          <a:fillRef idx="1">
+            <a:schemeClr val="accent1"/>
+          </a:fillRef>
+          <a:effectRef idx="0">
+            <a:schemeClr val="accent1"/>
+          </a:effectRef>
+          <a:fontRef idx="minor">
+            <a:schemeClr val="lt1"/>
+          </a:fontRef>
+        </p:style>
+        <p:txBody>
+          <a:bodyPr rtlCol="0" anchor="ctr"/>
+          <a:lstStyle/>
+          <a:p>
+            <a:pPr algn="ctr"/>
+            <a:endParaRPr lang="en-US" sz="3200"/>
+          </a:p>
+        </p:txBody>
+      </p:sp>
+      <p:sp>
+        <p:nvSpPr>
+          <p:cNvPr id="27" name="Rounded Rectangle 26">
+            <a:extLst>
+              <a:ext uri="{FF2B5EF4-FFF2-40B4-BE49-F238E27FC236}">
+                <a16:creationId xmlns:a16="http://schemas.microsoft.com/office/drawing/2014/main" id="{383F23E7-B462-C04F-A0D9-5C6FE396C042}"/>
+              </a:ext>
+            </a:extLst>
+          </p:cNvPr>
+          <p:cNvSpPr/>
+          <p:nvPr/>
+        </p:nvSpPr>
+        <p:spPr>
+          <a:xfrm>
+            <a:off x="59391" y="8586274"/>
+            <a:ext cx="3443592" cy="1380940"/>
+          </a:xfrm>
+          <a:prstGeom prst="roundRect">
+            <a:avLst/>
+          </a:prstGeom>
+          <a:noFill/>
+        </p:spPr>
+        <p:style>
+          <a:lnRef idx="2">
+            <a:schemeClr val="accent1">
+              <a:shade val="50000"/>
+            </a:schemeClr>
+          </a:lnRef>
+          <a:fillRef idx="1">
+            <a:schemeClr val="accent1"/>
+          </a:fillRef>
+          <a:effectRef idx="0">
+            <a:schemeClr val="accent1"/>
+          </a:effectRef>
+          <a:fontRef idx="minor">
+            <a:schemeClr val="lt1"/>
+          </a:fontRef>
+        </p:style>
+        <p:txBody>
+          <a:bodyPr rtlCol="0" anchor="ctr"/>
+          <a:lstStyle/>
+          <a:p>
+            <a:pPr algn="ctr"/>
+            <a:endParaRPr lang="en-US" sz="3200"/>
+          </a:p>
+        </p:txBody>
+      </p:sp>
+      <p:sp>
+        <p:nvSpPr>
+          <p:cNvPr id="28" name="Rounded Rectangle 27">
+            <a:extLst>
+              <a:ext uri="{FF2B5EF4-FFF2-40B4-BE49-F238E27FC236}">
+                <a16:creationId xmlns:a16="http://schemas.microsoft.com/office/drawing/2014/main" id="{6588A687-C098-E34C-9EFB-E2B230B0F2D6}"/>
+              </a:ext>
+            </a:extLst>
+          </p:cNvPr>
+          <p:cNvSpPr/>
+          <p:nvPr/>
+        </p:nvSpPr>
+        <p:spPr>
+          <a:xfrm>
+            <a:off x="4423866" y="1400782"/>
+            <a:ext cx="3443592" cy="954107"/>
+          </a:xfrm>
+          <a:prstGeom prst="roundRect">
+            <a:avLst/>
+          </a:prstGeom>
+          <a:noFill/>
+        </p:spPr>
+        <p:style>
+          <a:lnRef idx="2">
+            <a:schemeClr val="accent1">
+              <a:shade val="50000"/>
+            </a:schemeClr>
+          </a:lnRef>
+          <a:fillRef idx="1">
+            <a:schemeClr val="accent1"/>
+          </a:fillRef>
+          <a:effectRef idx="0">
+            <a:schemeClr val="accent1"/>
+          </a:effectRef>
+          <a:fontRef idx="minor">
+            <a:schemeClr val="lt1"/>
+          </a:fontRef>
+        </p:style>
+        <p:txBody>
+          <a:bodyPr rtlCol="0" anchor="ctr"/>
+          <a:lstStyle/>
+          <a:p>
+            <a:pPr algn="ctr"/>
+            <a:endParaRPr lang="en-US" sz="3200"/>
+          </a:p>
+        </p:txBody>
+      </p:sp>
+      <p:sp>
+        <p:nvSpPr>
+          <p:cNvPr id="29" name="Rounded Rectangle 28">
+            <a:extLst>
+              <a:ext uri="{FF2B5EF4-FFF2-40B4-BE49-F238E27FC236}">
+                <a16:creationId xmlns:a16="http://schemas.microsoft.com/office/drawing/2014/main" id="{F68C4D5E-74FE-1F41-B240-D19C34284067}"/>
+              </a:ext>
+            </a:extLst>
+          </p:cNvPr>
+          <p:cNvSpPr/>
+          <p:nvPr/>
+        </p:nvSpPr>
+        <p:spPr>
+          <a:xfrm>
+            <a:off x="4414141" y="3139830"/>
+            <a:ext cx="3443592" cy="954107"/>
+          </a:xfrm>
+          <a:prstGeom prst="roundRect">
+            <a:avLst/>
+          </a:prstGeom>
+          <a:noFill/>
+        </p:spPr>
+        <p:style>
+          <a:lnRef idx="2">
+            <a:schemeClr val="accent1">
+              <a:shade val="50000"/>
+            </a:schemeClr>
+          </a:lnRef>
+          <a:fillRef idx="1">
+            <a:schemeClr val="accent1"/>
+          </a:fillRef>
+          <a:effectRef idx="0">
+            <a:schemeClr val="accent1"/>
+          </a:effectRef>
+          <a:fontRef idx="minor">
+            <a:schemeClr val="lt1"/>
+          </a:fontRef>
+        </p:style>
+        <p:txBody>
+          <a:bodyPr rtlCol="0" anchor="ctr"/>
+          <a:lstStyle/>
+          <a:p>
+            <a:pPr algn="ctr"/>
+            <a:endParaRPr lang="en-US" sz="3200"/>
+          </a:p>
+        </p:txBody>
+      </p:sp>
+      <p:sp>
+        <p:nvSpPr>
+          <p:cNvPr id="30" name="Rounded Rectangle 29">
+            <a:extLst>
+              <a:ext uri="{FF2B5EF4-FFF2-40B4-BE49-F238E27FC236}">
+                <a16:creationId xmlns:a16="http://schemas.microsoft.com/office/drawing/2014/main" id="{F5D39CDD-89C8-AD4D-AA11-062D2FD3201C}"/>
+              </a:ext>
+            </a:extLst>
+          </p:cNvPr>
+          <p:cNvSpPr/>
+          <p:nvPr/>
+        </p:nvSpPr>
+        <p:spPr>
+          <a:xfrm>
+            <a:off x="4414141" y="4818429"/>
+            <a:ext cx="3443592" cy="954107"/>
+          </a:xfrm>
+          <a:prstGeom prst="roundRect">
+            <a:avLst/>
+          </a:prstGeom>
+          <a:noFill/>
+        </p:spPr>
+        <p:style>
+          <a:lnRef idx="2">
+            <a:schemeClr val="accent1">
+              <a:shade val="50000"/>
+            </a:schemeClr>
+          </a:lnRef>
+          <a:fillRef idx="1">
+            <a:schemeClr val="accent1"/>
+          </a:fillRef>
+          <a:effectRef idx="0">
+            <a:schemeClr val="accent1"/>
+          </a:effectRef>
+          <a:fontRef idx="minor">
+            <a:schemeClr val="lt1"/>
+          </a:fontRef>
+        </p:style>
+        <p:txBody>
+          <a:bodyPr rtlCol="0" anchor="ctr"/>
+          <a:lstStyle/>
+          <a:p>
+            <a:pPr algn="ctr"/>
+            <a:endParaRPr lang="en-US" sz="3200"/>
+          </a:p>
+        </p:txBody>
+      </p:sp>
+      <p:sp>
+        <p:nvSpPr>
+          <p:cNvPr id="31" name="Rounded Rectangle 30">
+            <a:extLst>
+              <a:ext uri="{FF2B5EF4-FFF2-40B4-BE49-F238E27FC236}">
+                <a16:creationId xmlns:a16="http://schemas.microsoft.com/office/drawing/2014/main" id="{D261D438-E713-D545-B43A-0748A9622236}"/>
+              </a:ext>
+            </a:extLst>
+          </p:cNvPr>
+          <p:cNvSpPr/>
+          <p:nvPr/>
+        </p:nvSpPr>
+        <p:spPr>
+          <a:xfrm>
+            <a:off x="4453051" y="8586274"/>
+            <a:ext cx="3443592" cy="1384996"/>
+          </a:xfrm>
+          <a:prstGeom prst="roundRect">
+            <a:avLst/>
+          </a:prstGeom>
+          <a:noFill/>
+        </p:spPr>
+        <p:style>
+          <a:lnRef idx="2">
+            <a:schemeClr val="accent1">
+              <a:shade val="50000"/>
+            </a:schemeClr>
+          </a:lnRef>
+          <a:fillRef idx="1">
+            <a:schemeClr val="accent1"/>
+          </a:fillRef>
+          <a:effectRef idx="0">
+            <a:schemeClr val="accent1"/>
+          </a:effectRef>
+          <a:fontRef idx="minor">
+            <a:schemeClr val="lt1"/>
+          </a:fontRef>
+        </p:style>
+        <p:txBody>
+          <a:bodyPr rtlCol="0" anchor="ctr"/>
+          <a:lstStyle/>
+          <a:p>
+            <a:pPr algn="ctr"/>
+            <a:endParaRPr lang="en-US" sz="3200"/>
+          </a:p>
+        </p:txBody>
+      </p:sp>
+      <p:sp>
+        <p:nvSpPr>
+          <p:cNvPr id="32" name="Rounded Rectangle 31">
+            <a:extLst>
+              <a:ext uri="{FF2B5EF4-FFF2-40B4-BE49-F238E27FC236}">
+                <a16:creationId xmlns:a16="http://schemas.microsoft.com/office/drawing/2014/main" id="{5F416F37-46C2-3F4D-A21A-1A8DF783F885}"/>
+              </a:ext>
+            </a:extLst>
+          </p:cNvPr>
+          <p:cNvSpPr/>
+          <p:nvPr/>
+        </p:nvSpPr>
+        <p:spPr>
+          <a:xfrm>
+            <a:off x="8652156" y="3139829"/>
+            <a:ext cx="3443592" cy="954107"/>
+          </a:xfrm>
+          <a:prstGeom prst="roundRect">
+            <a:avLst/>
+          </a:prstGeom>
+          <a:noFill/>
+        </p:spPr>
+        <p:style>
+          <a:lnRef idx="2">
+            <a:schemeClr val="accent1">
+              <a:shade val="50000"/>
+            </a:schemeClr>
+          </a:lnRef>
+          <a:fillRef idx="1">
+            <a:schemeClr val="accent1"/>
+          </a:fillRef>
+          <a:effectRef idx="0">
+            <a:schemeClr val="accent1"/>
+          </a:effectRef>
+          <a:fontRef idx="minor">
+            <a:schemeClr val="lt1"/>
+          </a:fontRef>
+        </p:style>
+        <p:txBody>
+          <a:bodyPr rtlCol="0" anchor="ctr"/>
+          <a:lstStyle/>
+          <a:p>
+            <a:pPr algn="ctr"/>
+            <a:endParaRPr lang="en-US" sz="3200"/>
+          </a:p>
+        </p:txBody>
+      </p:sp>
+      <p:sp>
+        <p:nvSpPr>
+          <p:cNvPr id="33" name="Rounded Rectangle 32">
+            <a:extLst>
+              <a:ext uri="{FF2B5EF4-FFF2-40B4-BE49-F238E27FC236}">
+                <a16:creationId xmlns:a16="http://schemas.microsoft.com/office/drawing/2014/main" id="{BD5037DA-4042-8142-8712-A43EB8A0BBC0}"/>
+              </a:ext>
+            </a:extLst>
+          </p:cNvPr>
+          <p:cNvSpPr/>
+          <p:nvPr/>
+        </p:nvSpPr>
+        <p:spPr>
+          <a:xfrm>
+            <a:off x="8652156" y="1400781"/>
+            <a:ext cx="3443592" cy="954107"/>
+          </a:xfrm>
+          <a:prstGeom prst="roundRect">
+            <a:avLst/>
+          </a:prstGeom>
+          <a:noFill/>
+        </p:spPr>
+        <p:style>
+          <a:lnRef idx="2">
+            <a:schemeClr val="accent1">
+              <a:shade val="50000"/>
+            </a:schemeClr>
+          </a:lnRef>
+          <a:fillRef idx="1">
+            <a:schemeClr val="accent1"/>
+          </a:fillRef>
+          <a:effectRef idx="0">
+            <a:schemeClr val="accent1"/>
+          </a:effectRef>
+          <a:fontRef idx="minor">
+            <a:schemeClr val="lt1"/>
+          </a:fontRef>
+        </p:style>
+        <p:txBody>
+          <a:bodyPr rtlCol="0" anchor="ctr"/>
+          <a:lstStyle/>
+          <a:p>
+            <a:pPr algn="ctr"/>
+            <a:endParaRPr lang="en-US" sz="3200"/>
+          </a:p>
+        </p:txBody>
+      </p:sp>
+      <p:sp>
+        <p:nvSpPr>
+          <p:cNvPr id="34" name="Rounded Rectangle 33">
+            <a:extLst>
+              <a:ext uri="{FF2B5EF4-FFF2-40B4-BE49-F238E27FC236}">
+                <a16:creationId xmlns:a16="http://schemas.microsoft.com/office/drawing/2014/main" id="{A64481BD-FEE4-094C-9A44-8F7123E002F7}"/>
+              </a:ext>
+            </a:extLst>
+          </p:cNvPr>
+          <p:cNvSpPr/>
+          <p:nvPr/>
+        </p:nvSpPr>
+        <p:spPr>
+          <a:xfrm>
+            <a:off x="8652156" y="4840742"/>
+            <a:ext cx="3443592" cy="954107"/>
+          </a:xfrm>
+          <a:prstGeom prst="roundRect">
+            <a:avLst/>
+          </a:prstGeom>
+          <a:noFill/>
+        </p:spPr>
+        <p:style>
+          <a:lnRef idx="2">
+            <a:schemeClr val="accent1">
+              <a:shade val="50000"/>
+            </a:schemeClr>
+          </a:lnRef>
+          <a:fillRef idx="1">
+            <a:schemeClr val="accent1"/>
+          </a:fillRef>
+          <a:effectRef idx="0">
+            <a:schemeClr val="accent1"/>
+          </a:effectRef>
+          <a:fontRef idx="minor">
+            <a:schemeClr val="lt1"/>
+          </a:fontRef>
+        </p:style>
+        <p:txBody>
+          <a:bodyPr rtlCol="0" anchor="ctr"/>
+          <a:lstStyle/>
+          <a:p>
+            <a:pPr algn="ctr"/>
+            <a:endParaRPr lang="en-US" sz="3200"/>
+          </a:p>
+        </p:txBody>
+      </p:sp>
+      <p:sp>
+        <p:nvSpPr>
+          <p:cNvPr id="36" name="Rounded Rectangle 35">
+            <a:extLst>
+              <a:ext uri="{FF2B5EF4-FFF2-40B4-BE49-F238E27FC236}">
+                <a16:creationId xmlns:a16="http://schemas.microsoft.com/office/drawing/2014/main" id="{C5A55A91-66B1-0847-892A-10B604463F1A}"/>
+              </a:ext>
+            </a:extLst>
+          </p:cNvPr>
+          <p:cNvSpPr/>
+          <p:nvPr/>
+        </p:nvSpPr>
+        <p:spPr>
+          <a:xfrm>
+            <a:off x="8652156" y="6468874"/>
+            <a:ext cx="3443592" cy="1337165"/>
+          </a:xfrm>
+          <a:prstGeom prst="roundRect">
+            <a:avLst/>
+          </a:prstGeom>
+          <a:noFill/>
+        </p:spPr>
+        <p:style>
+          <a:lnRef idx="2">
+            <a:schemeClr val="accent1">
+              <a:shade val="50000"/>
+            </a:schemeClr>
+          </a:lnRef>
+          <a:fillRef idx="1">
+            <a:schemeClr val="accent1"/>
+          </a:fillRef>
+          <a:effectRef idx="0">
+            <a:schemeClr val="accent1"/>
+          </a:effectRef>
+          <a:fontRef idx="minor">
+            <a:schemeClr val="lt1"/>
+          </a:fontRef>
+        </p:style>
+        <p:txBody>
+          <a:bodyPr rtlCol="0" anchor="ctr"/>
+          <a:lstStyle/>
+          <a:p>
+            <a:pPr algn="ctr"/>
+            <a:endParaRPr lang="en-US" sz="3200"/>
+          </a:p>
+        </p:txBody>
+      </p:sp>
+      <p:sp>
+        <p:nvSpPr>
+          <p:cNvPr id="38" name="Rounded Rectangle 37">
+            <a:extLst>
+              <a:ext uri="{FF2B5EF4-FFF2-40B4-BE49-F238E27FC236}">
+                <a16:creationId xmlns:a16="http://schemas.microsoft.com/office/drawing/2014/main" id="{B462F1E4-74CA-4A42-ADE6-4AE089252FC0}"/>
+              </a:ext>
+            </a:extLst>
+          </p:cNvPr>
+          <p:cNvSpPr/>
+          <p:nvPr/>
+        </p:nvSpPr>
+        <p:spPr>
+          <a:xfrm>
+            <a:off x="6262396" y="6468874"/>
+            <a:ext cx="1595337" cy="1337165"/>
+          </a:xfrm>
+          <a:prstGeom prst="roundRect">
+            <a:avLst/>
+          </a:prstGeom>
+          <a:noFill/>
+        </p:spPr>
+        <p:style>
+          <a:lnRef idx="2">
+            <a:schemeClr val="accent1">
+              <a:shade val="50000"/>
+            </a:schemeClr>
+          </a:lnRef>
+          <a:fillRef idx="1">
+            <a:schemeClr val="accent1"/>
+          </a:fillRef>
+          <a:effectRef idx="0">
+            <a:schemeClr val="accent1"/>
+          </a:effectRef>
+          <a:fontRef idx="minor">
+            <a:schemeClr val="lt1"/>
+          </a:fontRef>
+        </p:style>
+        <p:txBody>
+          <a:bodyPr rtlCol="0" anchor="ctr"/>
+          <a:lstStyle/>
+          <a:p>
+            <a:pPr algn="ctr"/>
+            <a:endParaRPr lang="en-US" sz="3200"/>
+          </a:p>
+        </p:txBody>
+      </p:sp>
+      <p:sp>
+        <p:nvSpPr>
+          <p:cNvPr id="39" name="Rounded Rectangle 38">
+            <a:extLst>
+              <a:ext uri="{FF2B5EF4-FFF2-40B4-BE49-F238E27FC236}">
+                <a16:creationId xmlns:a16="http://schemas.microsoft.com/office/drawing/2014/main" id="{68587E80-02A1-1B4D-81FA-DD3387C668D6}"/>
+              </a:ext>
+            </a:extLst>
+          </p:cNvPr>
+          <p:cNvSpPr/>
+          <p:nvPr/>
+        </p:nvSpPr>
+        <p:spPr>
+          <a:xfrm>
+            <a:off x="4423866" y="6468874"/>
+            <a:ext cx="1591056" cy="1337165"/>
+          </a:xfrm>
+          <a:prstGeom prst="roundRect">
+            <a:avLst/>
+          </a:prstGeom>
+          <a:noFill/>
+        </p:spPr>
+        <p:style>
+          <a:lnRef idx="2">
+            <a:schemeClr val="accent1">
+              <a:shade val="50000"/>
+            </a:schemeClr>
+          </a:lnRef>
+          <a:fillRef idx="1">
+            <a:schemeClr val="accent1"/>
+          </a:fillRef>
+          <a:effectRef idx="0">
+            <a:schemeClr val="accent1"/>
+          </a:effectRef>
+          <a:fontRef idx="minor">
+            <a:schemeClr val="lt1"/>
+          </a:fontRef>
+        </p:style>
+        <p:txBody>
+          <a:bodyPr rtlCol="0" anchor="ctr"/>
+          <a:lstStyle/>
+          <a:p>
+            <a:pPr algn="ctr"/>
+            <a:endParaRPr lang="en-US" sz="3200"/>
+          </a:p>
+        </p:txBody>
+      </p:sp>
+      <p:sp>
+        <p:nvSpPr>
+          <p:cNvPr id="40" name="Rounded Rectangle 39">
+            <a:extLst>
+              <a:ext uri="{FF2B5EF4-FFF2-40B4-BE49-F238E27FC236}">
+                <a16:creationId xmlns:a16="http://schemas.microsoft.com/office/drawing/2014/main" id="{A698744F-391E-2044-B04B-2F227965EC84}"/>
+              </a:ext>
+            </a:extLst>
+          </p:cNvPr>
+          <p:cNvSpPr/>
+          <p:nvPr/>
+        </p:nvSpPr>
+        <p:spPr>
+          <a:xfrm>
+            <a:off x="59391" y="6468873"/>
+            <a:ext cx="1591056" cy="1337165"/>
+          </a:xfrm>
+          <a:prstGeom prst="roundRect">
+            <a:avLst/>
+          </a:prstGeom>
+          <a:noFill/>
+        </p:spPr>
+        <p:style>
+          <a:lnRef idx="2">
+            <a:schemeClr val="accent1">
+              <a:shade val="50000"/>
+            </a:schemeClr>
+          </a:lnRef>
+          <a:fillRef idx="1">
+            <a:schemeClr val="accent1"/>
+          </a:fillRef>
+          <a:effectRef idx="0">
+            <a:schemeClr val="accent1"/>
+          </a:effectRef>
+          <a:fontRef idx="minor">
+            <a:schemeClr val="lt1"/>
+          </a:fontRef>
+        </p:style>
+        <p:txBody>
+          <a:bodyPr rtlCol="0" anchor="ctr"/>
+          <a:lstStyle/>
+          <a:p>
+            <a:pPr algn="ctr"/>
+            <a:endParaRPr lang="en-US" sz="3200"/>
+          </a:p>
+        </p:txBody>
+      </p:sp>
+      <p:sp>
+        <p:nvSpPr>
+          <p:cNvPr id="41" name="Rounded Rectangle 40">
+            <a:extLst>
+              <a:ext uri="{FF2B5EF4-FFF2-40B4-BE49-F238E27FC236}">
+                <a16:creationId xmlns:a16="http://schemas.microsoft.com/office/drawing/2014/main" id="{C0E43CEE-0807-C046-AE1B-2B96A20FF3C2}"/>
+              </a:ext>
+            </a:extLst>
+          </p:cNvPr>
+          <p:cNvSpPr/>
+          <p:nvPr/>
+        </p:nvSpPr>
+        <p:spPr>
+          <a:xfrm>
+            <a:off x="1884949" y="6449435"/>
+            <a:ext cx="1591056" cy="1337165"/>
+          </a:xfrm>
+          <a:prstGeom prst="roundRect">
+            <a:avLst/>
+          </a:prstGeom>
+          <a:noFill/>
+        </p:spPr>
+        <p:style>
+          <a:lnRef idx="2">
+            <a:schemeClr val="accent1">
+              <a:shade val="50000"/>
+            </a:schemeClr>
+          </a:lnRef>
+          <a:fillRef idx="1">
+            <a:schemeClr val="accent1"/>
+          </a:fillRef>
+          <a:effectRef idx="0">
+            <a:schemeClr val="accent1"/>
+          </a:effectRef>
+          <a:fontRef idx="minor">
+            <a:schemeClr val="lt1"/>
+          </a:fontRef>
+        </p:style>
+        <p:txBody>
+          <a:bodyPr rtlCol="0" anchor="ctr"/>
+          <a:lstStyle/>
+          <a:p>
+            <a:pPr algn="ctr"/>
+            <a:endParaRPr lang="en-US" sz="3200"/>
+          </a:p>
+        </p:txBody>
+      </p:sp>
+      <p:sp>
+        <p:nvSpPr>
+          <p:cNvPr id="42" name="Rounded Rectangle 41">
+            <a:extLst>
+              <a:ext uri="{FF2B5EF4-FFF2-40B4-BE49-F238E27FC236}">
+                <a16:creationId xmlns:a16="http://schemas.microsoft.com/office/drawing/2014/main" id="{3983763C-DC4C-6343-BC47-54A384289FF1}"/>
+              </a:ext>
+            </a:extLst>
+          </p:cNvPr>
+          <p:cNvSpPr/>
+          <p:nvPr/>
+        </p:nvSpPr>
+        <p:spPr>
+          <a:xfrm>
+            <a:off x="8652156" y="8505246"/>
+            <a:ext cx="1601822" cy="1466024"/>
+          </a:xfrm>
+          <a:prstGeom prst="roundRect">
+            <a:avLst/>
+          </a:prstGeom>
+          <a:noFill/>
+        </p:spPr>
+        <p:style>
+          <a:lnRef idx="2">
+            <a:schemeClr val="accent1">
+              <a:shade val="50000"/>
+            </a:schemeClr>
+          </a:lnRef>
+          <a:fillRef idx="1">
+            <a:schemeClr val="accent1"/>
+          </a:fillRef>
+          <a:effectRef idx="0">
+            <a:schemeClr val="accent1"/>
+          </a:effectRef>
+          <a:fontRef idx="minor">
+            <a:schemeClr val="lt1"/>
+          </a:fontRef>
+        </p:style>
+        <p:txBody>
+          <a:bodyPr rtlCol="0" anchor="ctr"/>
+          <a:lstStyle/>
+          <a:p>
+            <a:pPr algn="ctr"/>
+            <a:endParaRPr lang="en-US" sz="3200"/>
+          </a:p>
+        </p:txBody>
+      </p:sp>
+      <p:sp>
+        <p:nvSpPr>
+          <p:cNvPr id="43" name="Rounded Rectangle 42">
+            <a:extLst>
+              <a:ext uri="{FF2B5EF4-FFF2-40B4-BE49-F238E27FC236}">
+                <a16:creationId xmlns:a16="http://schemas.microsoft.com/office/drawing/2014/main" id="{6578BD14-0EFE-AB47-85C2-A5DBAC774164}"/>
+              </a:ext>
+            </a:extLst>
+          </p:cNvPr>
+          <p:cNvSpPr/>
+          <p:nvPr/>
+        </p:nvSpPr>
+        <p:spPr>
+          <a:xfrm>
+            <a:off x="10519870" y="8505246"/>
+            <a:ext cx="1575878" cy="1466024"/>
+          </a:xfrm>
+          <a:prstGeom prst="roundRect">
+            <a:avLst/>
+          </a:prstGeom>
+          <a:noFill/>
+        </p:spPr>
+        <p:style>
+          <a:lnRef idx="2">
+            <a:schemeClr val="accent1">
+              <a:shade val="50000"/>
+            </a:schemeClr>
+          </a:lnRef>
+          <a:fillRef idx="1">
+            <a:schemeClr val="accent1"/>
+          </a:fillRef>
+          <a:effectRef idx="0">
+            <a:schemeClr val="accent1"/>
+          </a:effectRef>
+          <a:fontRef idx="minor">
+            <a:schemeClr val="lt1"/>
+          </a:fontRef>
+        </p:style>
+        <p:txBody>
+          <a:bodyPr rtlCol="0" anchor="ctr"/>
+          <a:lstStyle/>
+          <a:p>
+            <a:pPr algn="ctr"/>
+            <a:endParaRPr lang="en-US" sz="3200"/>
+          </a:p>
+        </p:txBody>
+      </p:sp>
+      <p:sp>
+        <p:nvSpPr>
+          <p:cNvPr id="44" name="Down Arrow 43">
+            <a:extLst>
+              <a:ext uri="{FF2B5EF4-FFF2-40B4-BE49-F238E27FC236}">
+                <a16:creationId xmlns:a16="http://schemas.microsoft.com/office/drawing/2014/main" id="{E1864245-4BE4-E948-A08F-4418CA1F7A23}"/>
+              </a:ext>
+            </a:extLst>
+          </p:cNvPr>
+          <p:cNvSpPr/>
+          <p:nvPr/>
+        </p:nvSpPr>
+        <p:spPr>
+          <a:xfrm>
+            <a:off x="1500408" y="2432710"/>
             <a:ext cx="561558" cy="673431"/>
           </a:xfrm>
           <a:prstGeom prst="downArrow">
@@ -12007,10 +13265,10 @@
       </p:sp>
       <p:sp>
         <p:nvSpPr>
-          <p:cNvPr id="25" name="Rounded Rectangle 24">
-            <a:extLst>
-              <a:ext uri="{FF2B5EF4-FFF2-40B4-BE49-F238E27FC236}">
-                <a16:creationId xmlns:a16="http://schemas.microsoft.com/office/drawing/2014/main" id="{67EF70C3-7C07-C34F-B3A4-0FBED081C112}"/>
+          <p:cNvPr id="45" name="Down Arrow 44">
+            <a:extLst>
+              <a:ext uri="{FF2B5EF4-FFF2-40B4-BE49-F238E27FC236}">
+                <a16:creationId xmlns:a16="http://schemas.microsoft.com/office/drawing/2014/main" id="{D4EFA51B-2A7B-EB4D-A324-F07D6E581125}"/>
               </a:ext>
             </a:extLst>
           </p:cNvPr>
@@ -12019,183 +13277,7 @@
         </p:nvSpPr>
         <p:spPr>
           <a:xfrm>
-            <a:off x="2493492" y="557867"/>
-            <a:ext cx="2625875" cy="1052623"/>
-          </a:xfrm>
-          <a:prstGeom prst="roundRect">
-            <a:avLst/>
-          </a:prstGeom>
-          <a:noFill/>
-        </p:spPr>
-        <p:style>
-          <a:lnRef idx="2">
-            <a:schemeClr val="accent1">
-              <a:shade val="50000"/>
-            </a:schemeClr>
-          </a:lnRef>
-          <a:fillRef idx="1">
-            <a:schemeClr val="accent1"/>
-          </a:fillRef>
-          <a:effectRef idx="0">
-            <a:schemeClr val="accent1"/>
-          </a:effectRef>
-          <a:fontRef idx="minor">
-            <a:schemeClr val="lt1"/>
-          </a:fontRef>
-        </p:style>
-        <p:txBody>
-          <a:bodyPr rtlCol="0" anchor="ctr"/>
-          <a:lstStyle/>
-          <a:p>
-            <a:pPr algn="ctr"/>
-            <a:endParaRPr lang="en-US" sz="3200"/>
-          </a:p>
-        </p:txBody>
-      </p:sp>
-      <p:sp>
-        <p:nvSpPr>
-          <p:cNvPr id="26" name="Rounded Rectangle 25">
-            <a:extLst>
-              <a:ext uri="{FF2B5EF4-FFF2-40B4-BE49-F238E27FC236}">
-                <a16:creationId xmlns:a16="http://schemas.microsoft.com/office/drawing/2014/main" id="{A5FA94FB-E294-CB40-B190-33F8279AAB70}"/>
-              </a:ext>
-            </a:extLst>
-          </p:cNvPr>
-          <p:cNvSpPr/>
-          <p:nvPr/>
-        </p:nvSpPr>
-        <p:spPr>
-          <a:xfrm>
-            <a:off x="7699248" y="554796"/>
-            <a:ext cx="2625875" cy="1052623"/>
-          </a:xfrm>
-          <a:prstGeom prst="roundRect">
-            <a:avLst/>
-          </a:prstGeom>
-          <a:noFill/>
-        </p:spPr>
-        <p:style>
-          <a:lnRef idx="2">
-            <a:schemeClr val="accent1">
-              <a:shade val="50000"/>
-            </a:schemeClr>
-          </a:lnRef>
-          <a:fillRef idx="1">
-            <a:schemeClr val="accent1"/>
-          </a:fillRef>
-          <a:effectRef idx="0">
-            <a:schemeClr val="accent1"/>
-          </a:effectRef>
-          <a:fontRef idx="minor">
-            <a:schemeClr val="lt1"/>
-          </a:fontRef>
-        </p:style>
-        <p:txBody>
-          <a:bodyPr rtlCol="0" anchor="ctr"/>
-          <a:lstStyle/>
-          <a:p>
-            <a:pPr algn="ctr"/>
-            <a:endParaRPr lang="en-US" sz="3200"/>
-          </a:p>
-        </p:txBody>
-      </p:sp>
-      <p:sp>
-        <p:nvSpPr>
-          <p:cNvPr id="27" name="Rounded Rectangle 26">
-            <a:extLst>
-              <a:ext uri="{FF2B5EF4-FFF2-40B4-BE49-F238E27FC236}">
-                <a16:creationId xmlns:a16="http://schemas.microsoft.com/office/drawing/2014/main" id="{8A19DEAD-EADE-894F-8545-67AF88BA884B}"/>
-              </a:ext>
-            </a:extLst>
-          </p:cNvPr>
-          <p:cNvSpPr/>
-          <p:nvPr/>
-        </p:nvSpPr>
-        <p:spPr>
-          <a:xfrm>
-            <a:off x="2493491" y="6072332"/>
-            <a:ext cx="2625875" cy="1052623"/>
-          </a:xfrm>
-          <a:prstGeom prst="roundRect">
-            <a:avLst/>
-          </a:prstGeom>
-          <a:noFill/>
-        </p:spPr>
-        <p:style>
-          <a:lnRef idx="2">
-            <a:schemeClr val="accent1">
-              <a:shade val="50000"/>
-            </a:schemeClr>
-          </a:lnRef>
-          <a:fillRef idx="1">
-            <a:schemeClr val="accent1"/>
-          </a:fillRef>
-          <a:effectRef idx="0">
-            <a:schemeClr val="accent1"/>
-          </a:effectRef>
-          <a:fontRef idx="minor">
-            <a:schemeClr val="lt1"/>
-          </a:fontRef>
-        </p:style>
-        <p:txBody>
-          <a:bodyPr rtlCol="0" anchor="ctr"/>
-          <a:lstStyle/>
-          <a:p>
-            <a:pPr algn="ctr"/>
-            <a:endParaRPr lang="en-US" sz="3200"/>
-          </a:p>
-        </p:txBody>
-      </p:sp>
-      <p:sp>
-        <p:nvSpPr>
-          <p:cNvPr id="28" name="TextBox 27">
-            <a:extLst>
-              <a:ext uri="{FF2B5EF4-FFF2-40B4-BE49-F238E27FC236}">
-                <a16:creationId xmlns:a16="http://schemas.microsoft.com/office/drawing/2014/main" id="{1EFE0E1F-A721-044D-9F52-649B7435CAB5}"/>
-              </a:ext>
-            </a:extLst>
-          </p:cNvPr>
-          <p:cNvSpPr txBox="1"/>
-          <p:nvPr/>
-        </p:nvSpPr>
-        <p:spPr>
-          <a:xfrm>
-            <a:off x="8310117" y="6326212"/>
-            <a:ext cx="1516762" cy="584775"/>
-          </a:xfrm>
-          <a:prstGeom prst="rect">
-            <a:avLst/>
-          </a:prstGeom>
-          <a:noFill/>
-        </p:spPr>
-        <p:txBody>
-          <a:bodyPr wrap="square" rtlCol="0">
-            <a:spAutoFit/>
-          </a:bodyPr>
-          <a:lstStyle/>
-          <a:p>
-            <a:r>
-              <a:rPr lang="en-US" sz="3200" dirty="0"/>
-              <a:t>P &lt; 0.05</a:t>
-            </a:r>
-          </a:p>
-        </p:txBody>
-      </p:sp>
-      <p:sp>
-        <p:nvSpPr>
-          <p:cNvPr id="29" name="Down Arrow 28">
-            <a:extLst>
-              <a:ext uri="{FF2B5EF4-FFF2-40B4-BE49-F238E27FC236}">
-                <a16:creationId xmlns:a16="http://schemas.microsoft.com/office/drawing/2014/main" id="{B8AFA58A-922B-0547-B2DA-B0EEB2DA106B}"/>
-              </a:ext>
-            </a:extLst>
-          </p:cNvPr>
-          <p:cNvSpPr/>
-          <p:nvPr/>
-        </p:nvSpPr>
-        <p:spPr>
-          <a:xfrm>
-            <a:off x="8621526" y="5308060"/>
+            <a:off x="1497166" y="4166696"/>
             <a:ext cx="561558" cy="673431"/>
           </a:xfrm>
           <a:prstGeom prst="downArrow">
@@ -12242,10 +13324,10 @@
       </p:sp>
       <p:sp>
         <p:nvSpPr>
-          <p:cNvPr id="30" name="Rounded Rectangle 29">
-            <a:extLst>
-              <a:ext uri="{FF2B5EF4-FFF2-40B4-BE49-F238E27FC236}">
-                <a16:creationId xmlns:a16="http://schemas.microsoft.com/office/drawing/2014/main" id="{463840B7-057A-6C48-9A56-5DDAAE745B43}"/>
+          <p:cNvPr id="46" name="Down Arrow 45">
+            <a:extLst>
+              <a:ext uri="{FF2B5EF4-FFF2-40B4-BE49-F238E27FC236}">
+                <a16:creationId xmlns:a16="http://schemas.microsoft.com/office/drawing/2014/main" id="{C1EC82CF-48E7-4142-B772-70659E5D6EC7}"/>
               </a:ext>
             </a:extLst>
           </p:cNvPr>
@@ -12254,54 +13336,7 @@
         </p:nvSpPr>
         <p:spPr>
           <a:xfrm>
-            <a:off x="7699248" y="6072332"/>
-            <a:ext cx="2625875" cy="1052623"/>
-          </a:xfrm>
-          <a:prstGeom prst="roundRect">
-            <a:avLst/>
-          </a:prstGeom>
-          <a:noFill/>
-        </p:spPr>
-        <p:style>
-          <a:lnRef idx="2">
-            <a:schemeClr val="accent1">
-              <a:shade val="50000"/>
-            </a:schemeClr>
-          </a:lnRef>
-          <a:fillRef idx="1">
-            <a:schemeClr val="accent1"/>
-          </a:fillRef>
-          <a:effectRef idx="0">
-            <a:schemeClr val="accent1"/>
-          </a:effectRef>
-          <a:fontRef idx="minor">
-            <a:schemeClr val="lt1"/>
-          </a:fontRef>
-        </p:style>
-        <p:txBody>
-          <a:bodyPr rtlCol="0" anchor="ctr"/>
-          <a:lstStyle/>
-          <a:p>
-            <a:pPr algn="ctr"/>
-            <a:endParaRPr lang="en-US" sz="3200"/>
-          </a:p>
-        </p:txBody>
-      </p:sp>
-      <p:sp>
-        <p:nvSpPr>
-          <p:cNvPr id="31" name="Down Arrow 30">
-            <a:extLst>
-              <a:ext uri="{FF2B5EF4-FFF2-40B4-BE49-F238E27FC236}">
-                <a16:creationId xmlns:a16="http://schemas.microsoft.com/office/drawing/2014/main" id="{34D177AD-C501-BC43-8856-87711BEFF717}"/>
-              </a:ext>
-            </a:extLst>
-          </p:cNvPr>
-          <p:cNvSpPr/>
-          <p:nvPr/>
-        </p:nvSpPr>
-        <p:spPr>
-          <a:xfrm>
-            <a:off x="3525650" y="7256383"/>
+            <a:off x="5894068" y="2421814"/>
             <a:ext cx="561558" cy="673431"/>
           </a:xfrm>
           <a:prstGeom prst="downArrow">
@@ -12348,10 +13383,10 @@
       </p:sp>
       <p:sp>
         <p:nvSpPr>
-          <p:cNvPr id="32" name="Down Arrow 31">
-            <a:extLst>
-              <a:ext uri="{FF2B5EF4-FFF2-40B4-BE49-F238E27FC236}">
-                <a16:creationId xmlns:a16="http://schemas.microsoft.com/office/drawing/2014/main" id="{CFBC5734-66B8-124D-940F-3770B17D6BE6}"/>
+          <p:cNvPr id="47" name="Down Arrow 46">
+            <a:extLst>
+              <a:ext uri="{FF2B5EF4-FFF2-40B4-BE49-F238E27FC236}">
+                <a16:creationId xmlns:a16="http://schemas.microsoft.com/office/drawing/2014/main" id="{4333DBD3-80B3-C942-9E69-DE2F86078424}"/>
               </a:ext>
             </a:extLst>
           </p:cNvPr>
@@ -12360,7 +13395,7 @@
         </p:nvSpPr>
         <p:spPr>
           <a:xfrm>
-            <a:off x="8621526" y="7221877"/>
+            <a:off x="5855157" y="4133071"/>
             <a:ext cx="561558" cy="673431"/>
           </a:xfrm>
           <a:prstGeom prst="downArrow">
@@ -12407,10 +13442,10 @@
       </p:sp>
       <p:sp>
         <p:nvSpPr>
-          <p:cNvPr id="34" name="Rounded Rectangle 33">
-            <a:extLst>
-              <a:ext uri="{FF2B5EF4-FFF2-40B4-BE49-F238E27FC236}">
-                <a16:creationId xmlns:a16="http://schemas.microsoft.com/office/drawing/2014/main" id="{1DD2C1A6-2116-394C-B171-55212123D3F8}"/>
+          <p:cNvPr id="48" name="Down Arrow 47">
+            <a:extLst>
+              <a:ext uri="{FF2B5EF4-FFF2-40B4-BE49-F238E27FC236}">
+                <a16:creationId xmlns:a16="http://schemas.microsoft.com/office/drawing/2014/main" id="{DDEFEE6C-788C-0541-969B-C9A5CB2CE66B}"/>
               </a:ext>
             </a:extLst>
           </p:cNvPr>
@@ -12419,160 +13454,8 @@
         </p:nvSpPr>
         <p:spPr>
           <a:xfrm>
-            <a:off x="2493490" y="8018394"/>
-            <a:ext cx="2625875" cy="2386007"/>
-          </a:xfrm>
-          <a:prstGeom prst="roundRect">
-            <a:avLst/>
-          </a:prstGeom>
-          <a:noFill/>
-        </p:spPr>
-        <p:style>
-          <a:lnRef idx="2">
-            <a:schemeClr val="accent1">
-              <a:shade val="50000"/>
-            </a:schemeClr>
-          </a:lnRef>
-          <a:fillRef idx="1">
-            <a:schemeClr val="accent1"/>
-          </a:fillRef>
-          <a:effectRef idx="0">
-            <a:schemeClr val="accent1"/>
-          </a:effectRef>
-          <a:fontRef idx="minor">
-            <a:schemeClr val="lt1"/>
-          </a:fontRef>
-        </p:style>
-        <p:txBody>
-          <a:bodyPr rtlCol="0" anchor="ctr"/>
-          <a:lstStyle/>
-          <a:p>
-            <a:pPr algn="ctr"/>
-            <a:endParaRPr lang="en-US" sz="3200"/>
-          </a:p>
-        </p:txBody>
-      </p:sp>
-      <p:sp>
-        <p:nvSpPr>
-          <p:cNvPr id="35" name="TextBox 34">
-            <a:extLst>
-              <a:ext uri="{FF2B5EF4-FFF2-40B4-BE49-F238E27FC236}">
-                <a16:creationId xmlns:a16="http://schemas.microsoft.com/office/drawing/2014/main" id="{CF594CB9-F156-C546-8712-7D7CFED3DCC6}"/>
-              </a:ext>
-            </a:extLst>
-          </p:cNvPr>
-          <p:cNvSpPr txBox="1"/>
-          <p:nvPr/>
-        </p:nvSpPr>
-        <p:spPr>
-          <a:xfrm>
-            <a:off x="7589367" y="8139816"/>
-            <a:ext cx="2845383" cy="2062103"/>
-          </a:xfrm>
-          <a:prstGeom prst="rect">
-            <a:avLst/>
-          </a:prstGeom>
-          <a:noFill/>
-        </p:spPr>
-        <p:txBody>
-          <a:bodyPr wrap="square" rtlCol="0">
-            <a:spAutoFit/>
-          </a:bodyPr>
-          <a:lstStyle/>
-          <a:p>
-            <a:pPr algn="ctr"/>
-            <a:r>
-              <a:rPr lang="en-US" sz="3200" dirty="0"/>
-              <a:t>KD_IRratio &gt; CTRL_IRratio </a:t>
-            </a:r>
-          </a:p>
-          <a:p>
-            <a:pPr algn="ctr"/>
-            <a:r>
-              <a:rPr lang="en-US" sz="3200" dirty="0"/>
-              <a:t>for </a:t>
-            </a:r>
-            <a:r>
-              <a:rPr lang="en-US" sz="3200" b="1" dirty="0"/>
-              <a:t>increased</a:t>
-            </a:r>
-            <a:r>
-              <a:rPr lang="en-US" sz="3200" dirty="0"/>
-              <a:t> </a:t>
-            </a:r>
-          </a:p>
-          <a:p>
-            <a:pPr algn="ctr"/>
-            <a:r>
-              <a:rPr lang="en-US" sz="3200" dirty="0"/>
-              <a:t>IR events in KD</a:t>
-            </a:r>
-          </a:p>
-        </p:txBody>
-      </p:sp>
-      <p:sp>
-        <p:nvSpPr>
-          <p:cNvPr id="36" name="Rounded Rectangle 35">
-            <a:extLst>
-              <a:ext uri="{FF2B5EF4-FFF2-40B4-BE49-F238E27FC236}">
-                <a16:creationId xmlns:a16="http://schemas.microsoft.com/office/drawing/2014/main" id="{024C3104-64E3-194B-989F-4D3359E43082}"/>
-              </a:ext>
-            </a:extLst>
-          </p:cNvPr>
-          <p:cNvSpPr/>
-          <p:nvPr/>
-        </p:nvSpPr>
-        <p:spPr>
-          <a:xfrm>
-            <a:off x="7699122" y="7977865"/>
-            <a:ext cx="2625875" cy="2386007"/>
-          </a:xfrm>
-          <a:prstGeom prst="roundRect">
-            <a:avLst/>
-          </a:prstGeom>
-          <a:noFill/>
-        </p:spPr>
-        <p:style>
-          <a:lnRef idx="2">
-            <a:schemeClr val="accent1">
-              <a:shade val="50000"/>
-            </a:schemeClr>
-          </a:lnRef>
-          <a:fillRef idx="1">
-            <a:schemeClr val="accent1"/>
-          </a:fillRef>
-          <a:effectRef idx="0">
-            <a:schemeClr val="accent1"/>
-          </a:effectRef>
-          <a:fontRef idx="minor">
-            <a:schemeClr val="lt1"/>
-          </a:fontRef>
-        </p:style>
-        <p:txBody>
-          <a:bodyPr rtlCol="0" anchor="ctr"/>
-          <a:lstStyle/>
-          <a:p>
-            <a:pPr algn="ctr"/>
-            <a:endParaRPr lang="en-US" sz="3200"/>
-          </a:p>
-        </p:txBody>
-      </p:sp>
-      <p:sp>
-        <p:nvSpPr>
-          <p:cNvPr id="37" name="Down Arrow 36">
-            <a:extLst>
-              <a:ext uri="{FF2B5EF4-FFF2-40B4-BE49-F238E27FC236}">
-                <a16:creationId xmlns:a16="http://schemas.microsoft.com/office/drawing/2014/main" id="{2F0010C4-3FEF-384A-B641-6B2703380E9E}"/>
-              </a:ext>
-            </a:extLst>
-          </p:cNvPr>
-          <p:cNvSpPr/>
-          <p:nvPr/>
-        </p:nvSpPr>
-        <p:spPr>
-          <a:xfrm rot="18244720">
-            <a:off x="5427060" y="15146013"/>
-            <a:ext cx="561558" cy="911908"/>
+            <a:off x="10093173" y="2437485"/>
+            <a:ext cx="561558" cy="673431"/>
           </a:xfrm>
           <a:prstGeom prst="downArrow">
             <a:avLst/>
@@ -12618,10 +13501,10 @@
       </p:sp>
       <p:sp>
         <p:nvSpPr>
-          <p:cNvPr id="38" name="Down Arrow 37">
-            <a:extLst>
-              <a:ext uri="{FF2B5EF4-FFF2-40B4-BE49-F238E27FC236}">
-                <a16:creationId xmlns:a16="http://schemas.microsoft.com/office/drawing/2014/main" id="{68C08946-EDBF-754A-9DF6-7A56E41CCE80}"/>
+          <p:cNvPr id="49" name="Down Arrow 48">
+            <a:extLst>
+              <a:ext uri="{FF2B5EF4-FFF2-40B4-BE49-F238E27FC236}">
+                <a16:creationId xmlns:a16="http://schemas.microsoft.com/office/drawing/2014/main" id="{E8758B75-1FDC-5844-9BA2-4874C6A430E9}"/>
               </a:ext>
             </a:extLst>
           </p:cNvPr>
@@ -12629,9 +13512,9 @@
           <p:nvPr/>
         </p:nvSpPr>
         <p:spPr>
-          <a:xfrm rot="3263484">
-            <a:off x="6978145" y="15140306"/>
-            <a:ext cx="561558" cy="911908"/>
+          <a:xfrm>
+            <a:off x="10093173" y="4170520"/>
+            <a:ext cx="561558" cy="673431"/>
           </a:xfrm>
           <a:prstGeom prst="downArrow">
             <a:avLst/>
@@ -12677,10 +13560,10 @@
       </p:sp>
       <p:sp>
         <p:nvSpPr>
-          <p:cNvPr id="39" name="Down Arrow 38">
-            <a:extLst>
-              <a:ext uri="{FF2B5EF4-FFF2-40B4-BE49-F238E27FC236}">
-                <a16:creationId xmlns:a16="http://schemas.microsoft.com/office/drawing/2014/main" id="{7206F352-9EED-574C-B0E4-8040A9D2B608}"/>
+          <p:cNvPr id="50" name="Down Arrow 49">
+            <a:extLst>
+              <a:ext uri="{FF2B5EF4-FFF2-40B4-BE49-F238E27FC236}">
+                <a16:creationId xmlns:a16="http://schemas.microsoft.com/office/drawing/2014/main" id="{7AD91C9B-6B2A-5641-BE02-093E09F0AD36}"/>
               </a:ext>
             </a:extLst>
           </p:cNvPr>
@@ -12688,8 +13571,8 @@
           <p:nvPr/>
         </p:nvSpPr>
         <p:spPr>
-          <a:xfrm>
-            <a:off x="3525650" y="10524637"/>
+          <a:xfrm rot="3445397">
+            <a:off x="5530793" y="5812144"/>
             <a:ext cx="561558" cy="673431"/>
           </a:xfrm>
           <a:prstGeom prst="downArrow">
@@ -12736,10 +13619,10 @@
       </p:sp>
       <p:sp>
         <p:nvSpPr>
-          <p:cNvPr id="40" name="Down Arrow 39">
-            <a:extLst>
-              <a:ext uri="{FF2B5EF4-FFF2-40B4-BE49-F238E27FC236}">
-                <a16:creationId xmlns:a16="http://schemas.microsoft.com/office/drawing/2014/main" id="{C2611065-E1DF-9248-9B17-E6466091F21B}"/>
+          <p:cNvPr id="51" name="Down Arrow 50">
+            <a:extLst>
+              <a:ext uri="{FF2B5EF4-FFF2-40B4-BE49-F238E27FC236}">
+                <a16:creationId xmlns:a16="http://schemas.microsoft.com/office/drawing/2014/main" id="{240B683A-5CAC-7B49-AB47-8E6F83D1BF63}"/>
               </a:ext>
             </a:extLst>
           </p:cNvPr>
@@ -12747,8 +13630,8 @@
           <p:nvPr/>
         </p:nvSpPr>
         <p:spPr>
-          <a:xfrm>
-            <a:off x="8621526" y="10490131"/>
+          <a:xfrm rot="17935264">
+            <a:off x="6239004" y="5803183"/>
             <a:ext cx="561558" cy="673431"/>
           </a:xfrm>
           <a:prstGeom prst="downArrow">
@@ -12795,10 +13678,10 @@
       </p:sp>
       <p:sp>
         <p:nvSpPr>
-          <p:cNvPr id="41" name="Rounded Rectangle 40">
-            <a:extLst>
-              <a:ext uri="{FF2B5EF4-FFF2-40B4-BE49-F238E27FC236}">
-                <a16:creationId xmlns:a16="http://schemas.microsoft.com/office/drawing/2014/main" id="{FA5E574C-14C8-7F45-88EB-2250371F91F1}"/>
+          <p:cNvPr id="52" name="Down Arrow 51">
+            <a:extLst>
+              <a:ext uri="{FF2B5EF4-FFF2-40B4-BE49-F238E27FC236}">
+                <a16:creationId xmlns:a16="http://schemas.microsoft.com/office/drawing/2014/main" id="{53F6C647-2276-3844-8545-C250F594A95B}"/>
               </a:ext>
             </a:extLst>
           </p:cNvPr>
@@ -12807,180 +13690,8 @@
         </p:nvSpPr>
         <p:spPr>
           <a:xfrm>
-            <a:off x="2493490" y="11301541"/>
-            <a:ext cx="2625875" cy="2083674"/>
-          </a:xfrm>
-          <a:prstGeom prst="roundRect">
-            <a:avLst/>
-          </a:prstGeom>
-          <a:noFill/>
-        </p:spPr>
-        <p:style>
-          <a:lnRef idx="2">
-            <a:schemeClr val="accent1">
-              <a:shade val="50000"/>
-            </a:schemeClr>
-          </a:lnRef>
-          <a:fillRef idx="1">
-            <a:schemeClr val="accent1"/>
-          </a:fillRef>
-          <a:effectRef idx="0">
-            <a:schemeClr val="accent1"/>
-          </a:effectRef>
-          <a:fontRef idx="minor">
-            <a:schemeClr val="lt1"/>
-          </a:fontRef>
-        </p:style>
-        <p:txBody>
-          <a:bodyPr rtlCol="0" anchor="ctr"/>
-          <a:lstStyle/>
-          <a:p>
-            <a:pPr algn="ctr"/>
-            <a:endParaRPr lang="en-US" sz="3200"/>
-          </a:p>
-        </p:txBody>
-      </p:sp>
-      <p:sp>
-        <p:nvSpPr>
-          <p:cNvPr id="43" name="TextBox 42">
-            <a:extLst>
-              <a:ext uri="{FF2B5EF4-FFF2-40B4-BE49-F238E27FC236}">
-                <a16:creationId xmlns:a16="http://schemas.microsoft.com/office/drawing/2014/main" id="{F3FAFA6E-7803-5F40-B4C1-B39FF036EF56}"/>
-              </a:ext>
-            </a:extLst>
-          </p:cNvPr>
-          <p:cNvSpPr txBox="1"/>
-          <p:nvPr/>
-        </p:nvSpPr>
-        <p:spPr>
-          <a:xfrm>
-            <a:off x="2654917" y="11323112"/>
-            <a:ext cx="2415900" cy="2062103"/>
-          </a:xfrm>
-          <a:prstGeom prst="rect">
-            <a:avLst/>
-          </a:prstGeom>
-          <a:noFill/>
-        </p:spPr>
-        <p:txBody>
-          <a:bodyPr wrap="square" rtlCol="0">
-            <a:spAutoFit/>
-          </a:bodyPr>
-          <a:lstStyle/>
-          <a:p>
-            <a:r>
-              <a:rPr lang="en-US" sz="3200" dirty="0"/>
-              <a:t>Divide by </a:t>
-            </a:r>
-            <a:r>
-              <a:rPr lang="en-US" sz="3200" i="1" dirty="0"/>
-              <a:t>the total number of introns in the genome</a:t>
-            </a:r>
-          </a:p>
-        </p:txBody>
-      </p:sp>
-      <p:sp>
-        <p:nvSpPr>
-          <p:cNvPr id="44" name="Rounded Rectangle 43">
-            <a:extLst>
-              <a:ext uri="{FF2B5EF4-FFF2-40B4-BE49-F238E27FC236}">
-                <a16:creationId xmlns:a16="http://schemas.microsoft.com/office/drawing/2014/main" id="{0EC93581-1129-C143-A5DD-995FD15B6F3C}"/>
-              </a:ext>
-            </a:extLst>
-          </p:cNvPr>
-          <p:cNvSpPr/>
-          <p:nvPr/>
-        </p:nvSpPr>
-        <p:spPr>
-          <a:xfrm>
-            <a:off x="7699122" y="11319982"/>
-            <a:ext cx="2625875" cy="2083674"/>
-          </a:xfrm>
-          <a:prstGeom prst="roundRect">
-            <a:avLst/>
-          </a:prstGeom>
-          <a:noFill/>
-        </p:spPr>
-        <p:style>
-          <a:lnRef idx="2">
-            <a:schemeClr val="accent1">
-              <a:shade val="50000"/>
-            </a:schemeClr>
-          </a:lnRef>
-          <a:fillRef idx="1">
-            <a:schemeClr val="accent1"/>
-          </a:fillRef>
-          <a:effectRef idx="0">
-            <a:schemeClr val="accent1"/>
-          </a:effectRef>
-          <a:fontRef idx="minor">
-            <a:schemeClr val="lt1"/>
-          </a:fontRef>
-        </p:style>
-        <p:txBody>
-          <a:bodyPr rtlCol="0" anchor="ctr"/>
-          <a:lstStyle/>
-          <a:p>
-            <a:pPr algn="ctr"/>
-            <a:endParaRPr lang="en-US" sz="3200"/>
-          </a:p>
-        </p:txBody>
-      </p:sp>
-      <p:sp>
-        <p:nvSpPr>
-          <p:cNvPr id="45" name="TextBox 44">
-            <a:extLst>
-              <a:ext uri="{FF2B5EF4-FFF2-40B4-BE49-F238E27FC236}">
-                <a16:creationId xmlns:a16="http://schemas.microsoft.com/office/drawing/2014/main" id="{F505E1A8-50A3-1B4E-9845-8717C62DA6A4}"/>
-              </a:ext>
-            </a:extLst>
-          </p:cNvPr>
-          <p:cNvSpPr txBox="1"/>
-          <p:nvPr/>
-        </p:nvSpPr>
-        <p:spPr>
-          <a:xfrm>
-            <a:off x="7860549" y="11341553"/>
-            <a:ext cx="2415900" cy="2062103"/>
-          </a:xfrm>
-          <a:prstGeom prst="rect">
-            <a:avLst/>
-          </a:prstGeom>
-          <a:noFill/>
-        </p:spPr>
-        <p:txBody>
-          <a:bodyPr wrap="square" rtlCol="0">
-            <a:spAutoFit/>
-          </a:bodyPr>
-          <a:lstStyle/>
-          <a:p>
-            <a:r>
-              <a:rPr lang="en-US" sz="3200" dirty="0"/>
-              <a:t>Divide by </a:t>
-            </a:r>
-            <a:r>
-              <a:rPr lang="en-US" sz="3200" i="1" dirty="0"/>
-              <a:t>the total number of introns in the genome</a:t>
-            </a:r>
-          </a:p>
-        </p:txBody>
-      </p:sp>
-      <p:sp>
-        <p:nvSpPr>
-          <p:cNvPr id="46" name="Down Arrow 45">
-            <a:extLst>
-              <a:ext uri="{FF2B5EF4-FFF2-40B4-BE49-F238E27FC236}">
-                <a16:creationId xmlns:a16="http://schemas.microsoft.com/office/drawing/2014/main" id="{1CA963C3-CB45-1047-AC13-7AE0DD91CDC2}"/>
-              </a:ext>
-            </a:extLst>
-          </p:cNvPr>
-          <p:cNvSpPr/>
-          <p:nvPr/>
-        </p:nvSpPr>
-        <p:spPr>
-          <a:xfrm>
-            <a:off x="3525647" y="13488688"/>
-            <a:ext cx="561558" cy="673431"/>
+            <a:off x="10127964" y="5875878"/>
+            <a:ext cx="526767" cy="568217"/>
           </a:xfrm>
           <a:prstGeom prst="downArrow">
             <a:avLst/>
@@ -13026,10 +13737,10 @@
       </p:sp>
       <p:sp>
         <p:nvSpPr>
-          <p:cNvPr id="47" name="Down Arrow 46">
-            <a:extLst>
-              <a:ext uri="{FF2B5EF4-FFF2-40B4-BE49-F238E27FC236}">
-                <a16:creationId xmlns:a16="http://schemas.microsoft.com/office/drawing/2014/main" id="{82CB5E1C-4CC4-FF4B-8A62-15B30CCF1701}"/>
+          <p:cNvPr id="53" name="Down Arrow 52">
+            <a:extLst>
+              <a:ext uri="{FF2B5EF4-FFF2-40B4-BE49-F238E27FC236}">
+                <a16:creationId xmlns:a16="http://schemas.microsoft.com/office/drawing/2014/main" id="{7A6FBA6E-00F9-A948-A098-E689B79EC763}"/>
               </a:ext>
             </a:extLst>
           </p:cNvPr>
@@ -13037,8 +13748,8 @@
           <p:nvPr/>
         </p:nvSpPr>
         <p:spPr>
-          <a:xfrm>
-            <a:off x="8621526" y="13557647"/>
+          <a:xfrm rot="3445397">
+            <a:off x="1128993" y="5790901"/>
             <a:ext cx="561558" cy="673431"/>
           </a:xfrm>
           <a:prstGeom prst="downArrow">
@@ -13085,49 +13796,10 @@
       </p:sp>
       <p:sp>
         <p:nvSpPr>
-          <p:cNvPr id="49" name="TextBox 48">
-            <a:extLst>
-              <a:ext uri="{FF2B5EF4-FFF2-40B4-BE49-F238E27FC236}">
-                <a16:creationId xmlns:a16="http://schemas.microsoft.com/office/drawing/2014/main" id="{B19437E8-9B66-A040-8B7A-A2AEC7EC894A}"/>
-              </a:ext>
-            </a:extLst>
-          </p:cNvPr>
-          <p:cNvSpPr txBox="1"/>
-          <p:nvPr/>
-        </p:nvSpPr>
-        <p:spPr>
-          <a:xfrm>
-            <a:off x="2689215" y="14516278"/>
-            <a:ext cx="2234421" cy="584775"/>
-          </a:xfrm>
-          <a:prstGeom prst="rect">
-            <a:avLst/>
-          </a:prstGeom>
-          <a:noFill/>
-        </p:spPr>
-        <p:txBody>
-          <a:bodyPr wrap="square" rtlCol="0">
-            <a:spAutoFit/>
-          </a:bodyPr>
-          <a:lstStyle/>
-          <a:p>
-            <a:r>
-              <a:rPr lang="en-US" sz="3200" dirty="0">
-                <a:solidFill>
-                  <a:srgbClr val="F0BE2C"/>
-                </a:solidFill>
-              </a:rPr>
-              <a:t>Percentages</a:t>
-            </a:r>
-          </a:p>
-        </p:txBody>
-      </p:sp>
-      <p:sp>
-        <p:nvSpPr>
-          <p:cNvPr id="50" name="Rounded Rectangle 49">
-            <a:extLst>
-              <a:ext uri="{FF2B5EF4-FFF2-40B4-BE49-F238E27FC236}">
-                <a16:creationId xmlns:a16="http://schemas.microsoft.com/office/drawing/2014/main" id="{89C4D7E3-E19E-1846-8A16-1D432A621C5F}"/>
+          <p:cNvPr id="54" name="Down Arrow 53">
+            <a:extLst>
+              <a:ext uri="{FF2B5EF4-FFF2-40B4-BE49-F238E27FC236}">
+                <a16:creationId xmlns:a16="http://schemas.microsoft.com/office/drawing/2014/main" id="{ACCBFCCC-76B5-8D42-837B-678EA8845E10}"/>
               </a:ext>
             </a:extLst>
           </p:cNvPr>
@@ -13135,14 +13807,21 @@
           <p:nvPr/>
         </p:nvSpPr>
         <p:spPr>
-          <a:xfrm>
-            <a:off x="2493490" y="14282355"/>
-            <a:ext cx="2625875" cy="1052623"/>
-          </a:xfrm>
-          <a:prstGeom prst="roundRect">
-            <a:avLst/>
-          </a:prstGeom>
-          <a:noFill/>
+          <a:xfrm rot="17935264">
+            <a:off x="1837204" y="5781940"/>
+            <a:ext cx="561558" cy="673431"/>
+          </a:xfrm>
+          <a:prstGeom prst="downArrow">
+            <a:avLst/>
+          </a:prstGeom>
+          <a:solidFill>
+            <a:srgbClr val="1F77B4">
+              <a:alpha val="50000"/>
+            </a:srgbClr>
+          </a:solidFill>
+          <a:ln>
+            <a:noFill/>
+          </a:ln>
         </p:spPr>
         <p:style>
           <a:lnRef idx="2">
@@ -13161,7 +13840,12 @@
           </a:fontRef>
         </p:style>
         <p:txBody>
-          <a:bodyPr rtlCol="0" anchor="ctr"/>
+          <a:bodyPr rot="0" spcFirstLastPara="0" vertOverflow="overflow" horzOverflow="overflow" vert="horz" wrap="square" lIns="162556" tIns="81278" rIns="162556" bIns="81278" numCol="1" spcCol="0" rtlCol="0" fromWordArt="0" anchor="ctr" anchorCtr="0" forceAA="0" compatLnSpc="1">
+            <a:prstTxWarp prst="textNoShape">
+              <a:avLst/>
+            </a:prstTxWarp>
+            <a:noAutofit/>
+          </a:bodyPr>
           <a:lstStyle/>
           <a:p>
             <a:pPr algn="ctr"/>
@@ -13171,49 +13855,10 @@
       </p:sp>
       <p:sp>
         <p:nvSpPr>
-          <p:cNvPr id="51" name="TextBox 50">
-            <a:extLst>
-              <a:ext uri="{FF2B5EF4-FFF2-40B4-BE49-F238E27FC236}">
-                <a16:creationId xmlns:a16="http://schemas.microsoft.com/office/drawing/2014/main" id="{B1C3E4E1-86E4-504B-9DF6-FA2CAF782624}"/>
-              </a:ext>
-            </a:extLst>
-          </p:cNvPr>
-          <p:cNvSpPr txBox="1"/>
-          <p:nvPr/>
-        </p:nvSpPr>
-        <p:spPr>
-          <a:xfrm>
-            <a:off x="7952046" y="14507276"/>
-            <a:ext cx="2234421" cy="584775"/>
-          </a:xfrm>
-          <a:prstGeom prst="rect">
-            <a:avLst/>
-          </a:prstGeom>
-          <a:noFill/>
-        </p:spPr>
-        <p:txBody>
-          <a:bodyPr wrap="square" rtlCol="0">
-            <a:spAutoFit/>
-          </a:bodyPr>
-          <a:lstStyle/>
-          <a:p>
-            <a:r>
-              <a:rPr lang="en-US" sz="3200" dirty="0">
-                <a:solidFill>
-                  <a:srgbClr val="1075C0"/>
-                </a:solidFill>
-              </a:rPr>
-              <a:t>Percentages</a:t>
-            </a:r>
-          </a:p>
-        </p:txBody>
-      </p:sp>
-      <p:sp>
-        <p:nvSpPr>
-          <p:cNvPr id="52" name="Rounded Rectangle 51">
-            <a:extLst>
-              <a:ext uri="{FF2B5EF4-FFF2-40B4-BE49-F238E27FC236}">
-                <a16:creationId xmlns:a16="http://schemas.microsoft.com/office/drawing/2014/main" id="{E70CDEAD-9B6C-5944-A485-4D593515324D}"/>
+          <p:cNvPr id="55" name="Down Arrow 54">
+            <a:extLst>
+              <a:ext uri="{FF2B5EF4-FFF2-40B4-BE49-F238E27FC236}">
+                <a16:creationId xmlns:a16="http://schemas.microsoft.com/office/drawing/2014/main" id="{CAFC54A7-C295-FB4F-86A1-A23F6F01216A}"/>
               </a:ext>
             </a:extLst>
           </p:cNvPr>
@@ -13221,14 +13866,21 @@
           <p:nvPr/>
         </p:nvSpPr>
         <p:spPr>
-          <a:xfrm>
-            <a:off x="7756321" y="14282928"/>
-            <a:ext cx="2625875" cy="1052623"/>
-          </a:xfrm>
-          <a:prstGeom prst="roundRect">
-            <a:avLst/>
-          </a:prstGeom>
-          <a:noFill/>
+          <a:xfrm rot="3445397">
+            <a:off x="9799846" y="7856036"/>
+            <a:ext cx="561558" cy="673431"/>
+          </a:xfrm>
+          <a:prstGeom prst="downArrow">
+            <a:avLst/>
+          </a:prstGeom>
+          <a:solidFill>
+            <a:srgbClr val="1F77B4">
+              <a:alpha val="50000"/>
+            </a:srgbClr>
+          </a:solidFill>
+          <a:ln>
+            <a:noFill/>
+          </a:ln>
         </p:spPr>
         <p:style>
           <a:lnRef idx="2">
@@ -13247,7 +13899,12 @@
           </a:fontRef>
         </p:style>
         <p:txBody>
-          <a:bodyPr rtlCol="0" anchor="ctr"/>
+          <a:bodyPr rot="0" spcFirstLastPara="0" vertOverflow="overflow" horzOverflow="overflow" vert="horz" wrap="square" lIns="162556" tIns="81278" rIns="162556" bIns="81278" numCol="1" spcCol="0" rtlCol="0" fromWordArt="0" anchor="ctr" anchorCtr="0" forceAA="0" compatLnSpc="1">
+            <a:prstTxWarp prst="textNoShape">
+              <a:avLst/>
+            </a:prstTxWarp>
+            <a:noAutofit/>
+          </a:bodyPr>
           <a:lstStyle/>
           <a:p>
             <a:pPr algn="ctr"/>
@@ -13257,10 +13914,305 @@
       </p:sp>
       <p:sp>
         <p:nvSpPr>
-          <p:cNvPr id="53" name="TextBox 52">
-            <a:extLst>
-              <a:ext uri="{FF2B5EF4-FFF2-40B4-BE49-F238E27FC236}">
-                <a16:creationId xmlns:a16="http://schemas.microsoft.com/office/drawing/2014/main" id="{F76C4CA5-1D3C-3048-B6BA-EF8B4A338BC1}"/>
+          <p:cNvPr id="56" name="Down Arrow 55">
+            <a:extLst>
+              <a:ext uri="{FF2B5EF4-FFF2-40B4-BE49-F238E27FC236}">
+                <a16:creationId xmlns:a16="http://schemas.microsoft.com/office/drawing/2014/main" id="{4E12B3CF-0E70-AD4A-8155-74D5A6CD92AB}"/>
+              </a:ext>
+            </a:extLst>
+          </p:cNvPr>
+          <p:cNvSpPr/>
+          <p:nvPr/>
+        </p:nvSpPr>
+        <p:spPr>
+          <a:xfrm rot="17935264">
+            <a:off x="10508057" y="7847075"/>
+            <a:ext cx="561558" cy="673431"/>
+          </a:xfrm>
+          <a:prstGeom prst="downArrow">
+            <a:avLst/>
+          </a:prstGeom>
+          <a:solidFill>
+            <a:srgbClr val="1F77B4">
+              <a:alpha val="50000"/>
+            </a:srgbClr>
+          </a:solidFill>
+          <a:ln>
+            <a:noFill/>
+          </a:ln>
+        </p:spPr>
+        <p:style>
+          <a:lnRef idx="2">
+            <a:schemeClr val="accent1">
+              <a:shade val="50000"/>
+            </a:schemeClr>
+          </a:lnRef>
+          <a:fillRef idx="1">
+            <a:schemeClr val="accent1"/>
+          </a:fillRef>
+          <a:effectRef idx="0">
+            <a:schemeClr val="accent1"/>
+          </a:effectRef>
+          <a:fontRef idx="minor">
+            <a:schemeClr val="lt1"/>
+          </a:fontRef>
+        </p:style>
+        <p:txBody>
+          <a:bodyPr rot="0" spcFirstLastPara="0" vertOverflow="overflow" horzOverflow="overflow" vert="horz" wrap="square" lIns="162556" tIns="81278" rIns="162556" bIns="81278" numCol="1" spcCol="0" rtlCol="0" fromWordArt="0" anchor="ctr" anchorCtr="0" forceAA="0" compatLnSpc="1">
+            <a:prstTxWarp prst="textNoShape">
+              <a:avLst/>
+            </a:prstTxWarp>
+            <a:noAutofit/>
+          </a:bodyPr>
+          <a:lstStyle/>
+          <a:p>
+            <a:pPr algn="ctr"/>
+            <a:endParaRPr lang="en-US" sz="3200"/>
+          </a:p>
+        </p:txBody>
+      </p:sp>
+      <p:sp>
+        <p:nvSpPr>
+          <p:cNvPr id="58" name="Down Arrow 57">
+            <a:extLst>
+              <a:ext uri="{FF2B5EF4-FFF2-40B4-BE49-F238E27FC236}">
+                <a16:creationId xmlns:a16="http://schemas.microsoft.com/office/drawing/2014/main" id="{1EDDA4EC-F99A-BA4F-9E33-A0D198897F7D}"/>
+              </a:ext>
+            </a:extLst>
+          </p:cNvPr>
+          <p:cNvSpPr/>
+          <p:nvPr/>
+        </p:nvSpPr>
+        <p:spPr>
+          <a:xfrm>
+            <a:off x="574140" y="7905264"/>
+            <a:ext cx="561558" cy="673431"/>
+          </a:xfrm>
+          <a:prstGeom prst="downArrow">
+            <a:avLst/>
+          </a:prstGeom>
+          <a:solidFill>
+            <a:srgbClr val="1F77B4">
+              <a:alpha val="50000"/>
+            </a:srgbClr>
+          </a:solidFill>
+          <a:ln>
+            <a:noFill/>
+          </a:ln>
+        </p:spPr>
+        <p:style>
+          <a:lnRef idx="2">
+            <a:schemeClr val="accent1">
+              <a:shade val="50000"/>
+            </a:schemeClr>
+          </a:lnRef>
+          <a:fillRef idx="1">
+            <a:schemeClr val="accent1"/>
+          </a:fillRef>
+          <a:effectRef idx="0">
+            <a:schemeClr val="accent1"/>
+          </a:effectRef>
+          <a:fontRef idx="minor">
+            <a:schemeClr val="lt1"/>
+          </a:fontRef>
+        </p:style>
+        <p:txBody>
+          <a:bodyPr rot="0" spcFirstLastPara="0" vertOverflow="overflow" horzOverflow="overflow" vert="horz" wrap="square" lIns="162556" tIns="81278" rIns="162556" bIns="81278" numCol="1" spcCol="0" rtlCol="0" fromWordArt="0" anchor="ctr" anchorCtr="0" forceAA="0" compatLnSpc="1">
+            <a:prstTxWarp prst="textNoShape">
+              <a:avLst/>
+            </a:prstTxWarp>
+            <a:noAutofit/>
+          </a:bodyPr>
+          <a:lstStyle/>
+          <a:p>
+            <a:pPr algn="ctr"/>
+            <a:endParaRPr lang="en-US" sz="3200"/>
+          </a:p>
+        </p:txBody>
+      </p:sp>
+      <p:sp>
+        <p:nvSpPr>
+          <p:cNvPr id="59" name="Down Arrow 58">
+            <a:extLst>
+              <a:ext uri="{FF2B5EF4-FFF2-40B4-BE49-F238E27FC236}">
+                <a16:creationId xmlns:a16="http://schemas.microsoft.com/office/drawing/2014/main" id="{037E3961-0511-CF4F-B96D-73ABA9EB5C70}"/>
+              </a:ext>
+            </a:extLst>
+          </p:cNvPr>
+          <p:cNvSpPr/>
+          <p:nvPr/>
+        </p:nvSpPr>
+        <p:spPr>
+          <a:xfrm>
+            <a:off x="6779285" y="7905263"/>
+            <a:ext cx="561558" cy="673431"/>
+          </a:xfrm>
+          <a:prstGeom prst="downArrow">
+            <a:avLst/>
+          </a:prstGeom>
+          <a:solidFill>
+            <a:srgbClr val="1F77B4">
+              <a:alpha val="50000"/>
+            </a:srgbClr>
+          </a:solidFill>
+          <a:ln>
+            <a:noFill/>
+          </a:ln>
+        </p:spPr>
+        <p:style>
+          <a:lnRef idx="2">
+            <a:schemeClr val="accent1">
+              <a:shade val="50000"/>
+            </a:schemeClr>
+          </a:lnRef>
+          <a:fillRef idx="1">
+            <a:schemeClr val="accent1"/>
+          </a:fillRef>
+          <a:effectRef idx="0">
+            <a:schemeClr val="accent1"/>
+          </a:effectRef>
+          <a:fontRef idx="minor">
+            <a:schemeClr val="lt1"/>
+          </a:fontRef>
+        </p:style>
+        <p:txBody>
+          <a:bodyPr rot="0" spcFirstLastPara="0" vertOverflow="overflow" horzOverflow="overflow" vert="horz" wrap="square" lIns="162556" tIns="81278" rIns="162556" bIns="81278" numCol="1" spcCol="0" rtlCol="0" fromWordArt="0" anchor="ctr" anchorCtr="0" forceAA="0" compatLnSpc="1">
+            <a:prstTxWarp prst="textNoShape">
+              <a:avLst/>
+            </a:prstTxWarp>
+            <a:noAutofit/>
+          </a:bodyPr>
+          <a:lstStyle/>
+          <a:p>
+            <a:pPr algn="ctr"/>
+            <a:endParaRPr lang="en-US" sz="3200"/>
+          </a:p>
+        </p:txBody>
+      </p:sp>
+      <p:sp>
+        <p:nvSpPr>
+          <p:cNvPr id="60" name="Down Arrow 59">
+            <a:extLst>
+              <a:ext uri="{FF2B5EF4-FFF2-40B4-BE49-F238E27FC236}">
+                <a16:creationId xmlns:a16="http://schemas.microsoft.com/office/drawing/2014/main" id="{659D45BF-CEEC-B64C-8C73-10070CB6005F}"/>
+              </a:ext>
+            </a:extLst>
+          </p:cNvPr>
+          <p:cNvSpPr/>
+          <p:nvPr/>
+        </p:nvSpPr>
+        <p:spPr>
+          <a:xfrm rot="4242807">
+            <a:off x="3716195" y="7319626"/>
+            <a:ext cx="561558" cy="1832899"/>
+          </a:xfrm>
+          <a:prstGeom prst="downArrow">
+            <a:avLst/>
+          </a:prstGeom>
+          <a:solidFill>
+            <a:srgbClr val="1F77B4">
+              <a:alpha val="50000"/>
+            </a:srgbClr>
+          </a:solidFill>
+          <a:ln>
+            <a:noFill/>
+          </a:ln>
+        </p:spPr>
+        <p:style>
+          <a:lnRef idx="2">
+            <a:schemeClr val="accent1">
+              <a:shade val="50000"/>
+            </a:schemeClr>
+          </a:lnRef>
+          <a:fillRef idx="1">
+            <a:schemeClr val="accent1"/>
+          </a:fillRef>
+          <a:effectRef idx="0">
+            <a:schemeClr val="accent1"/>
+          </a:effectRef>
+          <a:fontRef idx="minor">
+            <a:schemeClr val="lt1"/>
+          </a:fontRef>
+        </p:style>
+        <p:txBody>
+          <a:bodyPr rot="0" spcFirstLastPara="0" vertOverflow="overflow" horzOverflow="overflow" vert="horz" wrap="square" lIns="162556" tIns="81278" rIns="162556" bIns="81278" numCol="1" spcCol="0" rtlCol="0" fromWordArt="0" anchor="ctr" anchorCtr="0" forceAA="0" compatLnSpc="1">
+            <a:prstTxWarp prst="textNoShape">
+              <a:avLst/>
+            </a:prstTxWarp>
+            <a:noAutofit/>
+          </a:bodyPr>
+          <a:lstStyle/>
+          <a:p>
+            <a:pPr algn="ctr"/>
+            <a:endParaRPr lang="en-US" sz="3200"/>
+          </a:p>
+        </p:txBody>
+      </p:sp>
+      <p:sp>
+        <p:nvSpPr>
+          <p:cNvPr id="62" name="Down Arrow 61">
+            <a:extLst>
+              <a:ext uri="{FF2B5EF4-FFF2-40B4-BE49-F238E27FC236}">
+                <a16:creationId xmlns:a16="http://schemas.microsoft.com/office/drawing/2014/main" id="{D77AFE79-4BB4-704C-A29B-7D11CBB7B4B5}"/>
+              </a:ext>
+            </a:extLst>
+          </p:cNvPr>
+          <p:cNvSpPr/>
+          <p:nvPr/>
+        </p:nvSpPr>
+        <p:spPr>
+          <a:xfrm rot="17445446">
+            <a:off x="3765244" y="7299124"/>
+            <a:ext cx="561558" cy="1832899"/>
+          </a:xfrm>
+          <a:prstGeom prst="downArrow">
+            <a:avLst/>
+          </a:prstGeom>
+          <a:solidFill>
+            <a:srgbClr val="1F77B4">
+              <a:alpha val="50000"/>
+            </a:srgbClr>
+          </a:solidFill>
+          <a:ln>
+            <a:noFill/>
+          </a:ln>
+        </p:spPr>
+        <p:style>
+          <a:lnRef idx="2">
+            <a:schemeClr val="accent1">
+              <a:shade val="50000"/>
+            </a:schemeClr>
+          </a:lnRef>
+          <a:fillRef idx="1">
+            <a:schemeClr val="accent1"/>
+          </a:fillRef>
+          <a:effectRef idx="0">
+            <a:schemeClr val="accent1"/>
+          </a:effectRef>
+          <a:fontRef idx="minor">
+            <a:schemeClr val="lt1"/>
+          </a:fontRef>
+        </p:style>
+        <p:txBody>
+          <a:bodyPr rot="0" spcFirstLastPara="0" vertOverflow="overflow" horzOverflow="overflow" vert="horz" wrap="square" lIns="162556" tIns="81278" rIns="162556" bIns="81278" numCol="1" spcCol="0" rtlCol="0" fromWordArt="0" anchor="ctr" anchorCtr="0" forceAA="0" compatLnSpc="1">
+            <a:prstTxWarp prst="textNoShape">
+              <a:avLst/>
+            </a:prstTxWarp>
+            <a:noAutofit/>
+          </a:bodyPr>
+          <a:lstStyle/>
+          <a:p>
+            <a:pPr algn="ctr"/>
+            <a:endParaRPr lang="en-US" sz="3200"/>
+          </a:p>
+        </p:txBody>
+      </p:sp>
+      <p:sp>
+        <p:nvSpPr>
+          <p:cNvPr id="63" name="TextBox 62">
+            <a:extLst>
+              <a:ext uri="{FF2B5EF4-FFF2-40B4-BE49-F238E27FC236}">
+                <a16:creationId xmlns:a16="http://schemas.microsoft.com/office/drawing/2014/main" id="{F67584D0-BE91-A946-9017-A407E108F37C}"/>
               </a:ext>
             </a:extLst>
           </p:cNvPr>
@@ -13269,8 +14221,8 @@
         </p:nvSpPr>
         <p:spPr>
           <a:xfrm>
-            <a:off x="3387556" y="5295720"/>
-            <a:ext cx="1045028" cy="461665"/>
+            <a:off x="1076605" y="5940150"/>
+            <a:ext cx="669367" cy="400110"/>
           </a:xfrm>
           <a:prstGeom prst="rect">
             <a:avLst/>
@@ -13284,18 +14236,18 @@
           <a:lstStyle/>
           <a:p>
             <a:r>
-              <a:rPr lang="en-US" sz="2400" dirty="0"/>
-              <a:t>Filter</a:t>
-            </a:r>
-          </a:p>
-        </p:txBody>
-      </p:sp>
-      <p:sp>
-        <p:nvSpPr>
-          <p:cNvPr id="54" name="TextBox 53">
-            <a:extLst>
-              <a:ext uri="{FF2B5EF4-FFF2-40B4-BE49-F238E27FC236}">
-                <a16:creationId xmlns:a16="http://schemas.microsoft.com/office/drawing/2014/main" id="{D7F98675-0B51-884D-AD22-814E81C038B8}"/>
+              <a:rPr lang="en-US" sz="2000" dirty="0"/>
+              <a:t>YES</a:t>
+            </a:r>
+          </a:p>
+        </p:txBody>
+      </p:sp>
+      <p:sp>
+        <p:nvSpPr>
+          <p:cNvPr id="64" name="TextBox 63">
+            <a:extLst>
+              <a:ext uri="{FF2B5EF4-FFF2-40B4-BE49-F238E27FC236}">
+                <a16:creationId xmlns:a16="http://schemas.microsoft.com/office/drawing/2014/main" id="{DB78195B-7096-9544-8DC6-6EE031EBDABE}"/>
               </a:ext>
             </a:extLst>
           </p:cNvPr>
@@ -13304,8 +14256,8 @@
         </p:nvSpPr>
         <p:spPr>
           <a:xfrm>
-            <a:off x="8489544" y="5289696"/>
-            <a:ext cx="1045028" cy="461665"/>
+            <a:off x="5505480" y="5932301"/>
+            <a:ext cx="669367" cy="400110"/>
           </a:xfrm>
           <a:prstGeom prst="rect">
             <a:avLst/>
@@ -13319,18 +14271,18 @@
           <a:lstStyle/>
           <a:p>
             <a:r>
-              <a:rPr lang="en-US" sz="2400" dirty="0"/>
-              <a:t>Filter</a:t>
-            </a:r>
-          </a:p>
-        </p:txBody>
-      </p:sp>
-      <p:sp>
-        <p:nvSpPr>
-          <p:cNvPr id="55" name="TextBox 54">
-            <a:extLst>
-              <a:ext uri="{FF2B5EF4-FFF2-40B4-BE49-F238E27FC236}">
-                <a16:creationId xmlns:a16="http://schemas.microsoft.com/office/drawing/2014/main" id="{2D24EED8-F375-BB4C-BF55-98F0941585B6}"/>
+              <a:rPr lang="en-US" sz="2000" dirty="0"/>
+              <a:t>YES</a:t>
+            </a:r>
+          </a:p>
+        </p:txBody>
+      </p:sp>
+      <p:sp>
+        <p:nvSpPr>
+          <p:cNvPr id="65" name="TextBox 64">
+            <a:extLst>
+              <a:ext uri="{FF2B5EF4-FFF2-40B4-BE49-F238E27FC236}">
+                <a16:creationId xmlns:a16="http://schemas.microsoft.com/office/drawing/2014/main" id="{91EECA33-B982-E748-8960-3BF51A8B54E6}"/>
               </a:ext>
             </a:extLst>
           </p:cNvPr>
@@ -13339,8 +14291,8 @@
         </p:nvSpPr>
         <p:spPr>
           <a:xfrm>
-            <a:off x="3387556" y="7225139"/>
-            <a:ext cx="1045028" cy="461665"/>
+            <a:off x="9790636" y="7976256"/>
+            <a:ext cx="669367" cy="400110"/>
           </a:xfrm>
           <a:prstGeom prst="rect">
             <a:avLst/>
@@ -13354,18 +14306,22 @@
           <a:lstStyle/>
           <a:p>
             <a:r>
-              <a:rPr lang="en-US" sz="2400" dirty="0"/>
-              <a:t>Filter</a:t>
-            </a:r>
-          </a:p>
-        </p:txBody>
-      </p:sp>
-      <p:sp>
-        <p:nvSpPr>
-          <p:cNvPr id="56" name="TextBox 55">
-            <a:extLst>
-              <a:ext uri="{FF2B5EF4-FFF2-40B4-BE49-F238E27FC236}">
-                <a16:creationId xmlns:a16="http://schemas.microsoft.com/office/drawing/2014/main" id="{DAE3B391-C46C-BE4F-AEED-61E6A32A4734}"/>
+              <a:rPr lang="en-US" sz="2000" dirty="0">
+                <a:solidFill>
+                  <a:srgbClr val="364E54"/>
+                </a:solidFill>
+              </a:rPr>
+              <a:t>YES</a:t>
+            </a:r>
+          </a:p>
+        </p:txBody>
+      </p:sp>
+      <p:sp>
+        <p:nvSpPr>
+          <p:cNvPr id="66" name="TextBox 65">
+            <a:extLst>
+              <a:ext uri="{FF2B5EF4-FFF2-40B4-BE49-F238E27FC236}">
+                <a16:creationId xmlns:a16="http://schemas.microsoft.com/office/drawing/2014/main" id="{1DE414BA-AB56-0641-A911-A3E087B2BB51}"/>
               </a:ext>
             </a:extLst>
           </p:cNvPr>
@@ -13374,8 +14330,8 @@
         </p:nvSpPr>
         <p:spPr>
           <a:xfrm>
-            <a:off x="8489544" y="7223612"/>
-            <a:ext cx="1045028" cy="461665"/>
+            <a:off x="1894020" y="5932301"/>
+            <a:ext cx="669367" cy="400110"/>
           </a:xfrm>
           <a:prstGeom prst="rect">
             <a:avLst/>
@@ -13389,46 +14345,90 @@
           <a:lstStyle/>
           <a:p>
             <a:r>
-              <a:rPr lang="en-US" sz="2400" dirty="0"/>
-              <a:t>Filter</a:t>
-            </a:r>
-          </a:p>
-        </p:txBody>
-      </p:sp>
-      <p:pic>
-        <p:nvPicPr>
-          <p:cNvPr id="58" name="Picture 57">
-            <a:extLst>
-              <a:ext uri="{FF2B5EF4-FFF2-40B4-BE49-F238E27FC236}">
-                <a16:creationId xmlns:a16="http://schemas.microsoft.com/office/drawing/2014/main" id="{A86BB593-EFEA-F84C-89FD-BD6D9DF954EC}"/>
-              </a:ext>
-            </a:extLst>
-          </p:cNvPr>
-          <p:cNvPicPr>
-            <a:picLocks noChangeAspect="1"/>
-          </p:cNvPicPr>
-          <p:nvPr/>
-        </p:nvPicPr>
-        <p:blipFill>
-          <a:blip r:embed="rId3"/>
-          <a:stretch>
-            <a:fillRect/>
-          </a:stretch>
-        </p:blipFill>
-        <p:spPr>
-          <a:xfrm>
-            <a:off x="5554916" y="15991501"/>
-            <a:ext cx="1851742" cy="1747677"/>
+              <a:rPr lang="en-US" sz="2000" dirty="0"/>
+              <a:t>NO</a:t>
+            </a:r>
+          </a:p>
+        </p:txBody>
+      </p:sp>
+      <p:sp>
+        <p:nvSpPr>
+          <p:cNvPr id="67" name="TextBox 66">
+            <a:extLst>
+              <a:ext uri="{FF2B5EF4-FFF2-40B4-BE49-F238E27FC236}">
+                <a16:creationId xmlns:a16="http://schemas.microsoft.com/office/drawing/2014/main" id="{EAFC4491-85E1-D740-ADBB-5F150EAE6E2C}"/>
+              </a:ext>
+            </a:extLst>
+          </p:cNvPr>
+          <p:cNvSpPr txBox="1"/>
+          <p:nvPr/>
+        </p:nvSpPr>
+        <p:spPr>
+          <a:xfrm>
+            <a:off x="6235036" y="5927561"/>
+            <a:ext cx="669367" cy="400110"/>
           </a:xfrm>
           <a:prstGeom prst="rect">
             <a:avLst/>
           </a:prstGeom>
-        </p:spPr>
-      </p:pic>
+          <a:noFill/>
+        </p:spPr>
+        <p:txBody>
+          <a:bodyPr wrap="square" rtlCol="0">
+            <a:spAutoFit/>
+          </a:bodyPr>
+          <a:lstStyle/>
+          <a:p>
+            <a:r>
+              <a:rPr lang="en-US" sz="2000" dirty="0"/>
+              <a:t>NO</a:t>
+            </a:r>
+          </a:p>
+        </p:txBody>
+      </p:sp>
+      <p:sp>
+        <p:nvSpPr>
+          <p:cNvPr id="68" name="TextBox 67">
+            <a:extLst>
+              <a:ext uri="{FF2B5EF4-FFF2-40B4-BE49-F238E27FC236}">
+                <a16:creationId xmlns:a16="http://schemas.microsoft.com/office/drawing/2014/main" id="{B605BB20-A596-3A44-90C9-E5D64D8C5C95}"/>
+              </a:ext>
+            </a:extLst>
+          </p:cNvPr>
+          <p:cNvSpPr txBox="1"/>
+          <p:nvPr/>
+        </p:nvSpPr>
+        <p:spPr>
+          <a:xfrm>
+            <a:off x="10529100" y="7979196"/>
+            <a:ext cx="669367" cy="400110"/>
+          </a:xfrm>
+          <a:prstGeom prst="rect">
+            <a:avLst/>
+          </a:prstGeom>
+          <a:noFill/>
+        </p:spPr>
+        <p:txBody>
+          <a:bodyPr wrap="square" rtlCol="0">
+            <a:spAutoFit/>
+          </a:bodyPr>
+          <a:lstStyle/>
+          <a:p>
+            <a:r>
+              <a:rPr lang="en-US" sz="2000" dirty="0">
+                <a:solidFill>
+                  <a:srgbClr val="364E54"/>
+                </a:solidFill>
+              </a:rPr>
+              <a:t>NO</a:t>
+            </a:r>
+          </a:p>
+        </p:txBody>
+      </p:sp>
     </p:spTree>
     <p:extLst>
       <p:ext uri="{BB962C8B-B14F-4D97-AF65-F5344CB8AC3E}">
-        <p14:creationId xmlns:p14="http://schemas.microsoft.com/office/powerpoint/2010/main" val="3349052449"/>
+        <p14:creationId xmlns:p14="http://schemas.microsoft.com/office/powerpoint/2010/main" val="2705136999"/>
       </p:ext>
     </p:extLst>
   </p:cSld>
@@ -13457,10 +14457,10 @@
       </p:grpSpPr>
       <p:sp>
         <p:nvSpPr>
-          <p:cNvPr id="2" name="TextBox 1">
-            <a:extLst>
-              <a:ext uri="{FF2B5EF4-FFF2-40B4-BE49-F238E27FC236}">
-                <a16:creationId xmlns:a16="http://schemas.microsoft.com/office/drawing/2014/main" id="{B46E777D-F866-F344-9175-D5E3A9196A3C}"/>
+          <p:cNvPr id="8" name="TextBox 7">
+            <a:extLst>
+              <a:ext uri="{FF2B5EF4-FFF2-40B4-BE49-F238E27FC236}">
+                <a16:creationId xmlns:a16="http://schemas.microsoft.com/office/drawing/2014/main" id="{1D9EDB77-5E40-F844-B14F-22EB630897C0}"/>
               </a:ext>
             </a:extLst>
           </p:cNvPr>
@@ -13469,8 +14469,8 @@
         </p:nvSpPr>
         <p:spPr>
           <a:xfrm>
-            <a:off x="59391" y="1400784"/>
-            <a:ext cx="3443592" cy="954107"/>
+            <a:off x="2066103" y="6345745"/>
+            <a:ext cx="1516762" cy="584775"/>
           </a:xfrm>
           <a:prstGeom prst="rect">
             <a:avLst/>
@@ -13483,43 +14483,182 @@
           </a:bodyPr>
           <a:lstStyle/>
           <a:p>
-            <a:pPr algn="ctr"/>
-            <a:r>
-              <a:rPr lang="en-US" sz="2800" dirty="0"/>
-              <a:t>IRfinder </a:t>
-            </a:r>
-          </a:p>
-          <a:p>
-            <a:pPr algn="ctr"/>
-            <a:r>
-              <a:rPr lang="en-US" sz="2800" b="1" dirty="0">
+            <a:r>
+              <a:rPr lang="en-US" sz="3200" dirty="0"/>
+              <a:t>P &lt; 0.05</a:t>
+            </a:r>
+          </a:p>
+        </p:txBody>
+      </p:sp>
+      <p:sp>
+        <p:nvSpPr>
+          <p:cNvPr id="10" name="TextBox 9">
+            <a:extLst>
+              <a:ext uri="{FF2B5EF4-FFF2-40B4-BE49-F238E27FC236}">
+                <a16:creationId xmlns:a16="http://schemas.microsoft.com/office/drawing/2014/main" id="{DFFB6A87-F883-CC4F-8398-FAD093AAF94A}"/>
+              </a:ext>
+            </a:extLst>
+          </p:cNvPr>
+          <p:cNvSpPr txBox="1"/>
+          <p:nvPr/>
+        </p:nvSpPr>
+        <p:spPr>
+          <a:xfrm>
+            <a:off x="1344639" y="8180345"/>
+            <a:ext cx="2845383" cy="2062103"/>
+          </a:xfrm>
+          <a:prstGeom prst="rect">
+            <a:avLst/>
+          </a:prstGeom>
+          <a:noFill/>
+        </p:spPr>
+        <p:txBody>
+          <a:bodyPr wrap="square" rtlCol="0">
+            <a:spAutoFit/>
+          </a:bodyPr>
+          <a:lstStyle/>
+          <a:p>
+            <a:pPr algn="ctr"/>
+            <a:r>
+              <a:rPr lang="en-US" sz="3200" dirty="0"/>
+              <a:t>KD_IRratio &gt; CTRL_IRratio </a:t>
+            </a:r>
+          </a:p>
+          <a:p>
+            <a:pPr algn="ctr"/>
+            <a:r>
+              <a:rPr lang="en-US" sz="3200" dirty="0"/>
+              <a:t>for </a:t>
+            </a:r>
+            <a:r>
+              <a:rPr lang="en-US" sz="3200" b="1" dirty="0"/>
+              <a:t>increased</a:t>
+            </a:r>
+            <a:r>
+              <a:rPr lang="en-US" sz="3200" dirty="0"/>
+              <a:t> </a:t>
+            </a:r>
+          </a:p>
+          <a:p>
+            <a:pPr algn="ctr"/>
+            <a:r>
+              <a:rPr lang="en-US" sz="3200" dirty="0"/>
+              <a:t>IR events in KD</a:t>
+            </a:r>
+          </a:p>
+        </p:txBody>
+      </p:sp>
+      <p:sp>
+        <p:nvSpPr>
+          <p:cNvPr id="13" name="TextBox 12">
+            <a:extLst>
+              <a:ext uri="{FF2B5EF4-FFF2-40B4-BE49-F238E27FC236}">
+                <a16:creationId xmlns:a16="http://schemas.microsoft.com/office/drawing/2014/main" id="{28D72B9B-05E1-3349-BE01-7CF561FB96EF}"/>
+              </a:ext>
+            </a:extLst>
+          </p:cNvPr>
+          <p:cNvSpPr txBox="1"/>
+          <p:nvPr/>
+        </p:nvSpPr>
+        <p:spPr>
+          <a:xfrm rot="16200000">
+            <a:off x="4983611" y="2502348"/>
+            <a:ext cx="4636994" cy="3046988"/>
+          </a:xfrm>
+          <a:prstGeom prst="rect">
+            <a:avLst/>
+          </a:prstGeom>
+          <a:noFill/>
+        </p:spPr>
+        <p:txBody>
+          <a:bodyPr wrap="square" rtlCol="0">
+            <a:spAutoFit/>
+          </a:bodyPr>
+          <a:lstStyle/>
+          <a:p>
+            <a:pPr algn="r"/>
+            <a:r>
+              <a:rPr lang="en-US" sz="3200" dirty="0">
                 <a:solidFill>
-                  <a:srgbClr val="84BE00"/>
+                  <a:srgbClr val="1075C0"/>
                 </a:solidFill>
               </a:rPr>
               <a:t>siSDE2-1 </a:t>
             </a:r>
             <a:r>
-              <a:rPr lang="en-US" sz="2800" dirty="0"/>
-              <a:t>VS </a:t>
-            </a:r>
-            <a:r>
-              <a:rPr lang="en-US" sz="2800" b="1" dirty="0"/>
-              <a:t>control</a:t>
-            </a:r>
-            <a:r>
-              <a:rPr lang="en-US" sz="2800" dirty="0"/>
-              <a:t> </a:t>
-            </a:r>
-          </a:p>
-        </p:txBody>
-      </p:sp>
-      <p:sp>
-        <p:nvSpPr>
-          <p:cNvPr id="3" name="TextBox 2">
-            <a:extLst>
-              <a:ext uri="{FF2B5EF4-FFF2-40B4-BE49-F238E27FC236}">
-                <a16:creationId xmlns:a16="http://schemas.microsoft.com/office/drawing/2014/main" id="{8ACFF748-8062-8349-BD46-D4223DAB43ED}"/>
+              <a:rPr lang="en-US" sz="3200" dirty="0">
+                <a:solidFill>
+                  <a:srgbClr val="364E54"/>
+                </a:solidFill>
+              </a:rPr>
+              <a:t>VS control</a:t>
+            </a:r>
+          </a:p>
+          <a:p>
+            <a:pPr algn="r"/>
+            <a:r>
+              <a:rPr lang="en-US" sz="3200" dirty="0">
+                <a:solidFill>
+                  <a:srgbClr val="1075C0"/>
+                </a:solidFill>
+              </a:rPr>
+              <a:t>siSDE2-2 </a:t>
+            </a:r>
+            <a:r>
+              <a:rPr lang="en-US" sz="3200" dirty="0">
+                <a:solidFill>
+                  <a:srgbClr val="364E54"/>
+                </a:solidFill>
+              </a:rPr>
+              <a:t>VS control</a:t>
+            </a:r>
+          </a:p>
+          <a:p>
+            <a:pPr algn="r"/>
+            <a:r>
+              <a:rPr lang="en-US" sz="3200" dirty="0">
+                <a:solidFill>
+                  <a:srgbClr val="1075C0"/>
+                </a:solidFill>
+              </a:rPr>
+              <a:t>Intersect of the two</a:t>
+            </a:r>
+          </a:p>
+          <a:p>
+            <a:pPr algn="r"/>
+            <a:r>
+              <a:rPr lang="en-US" sz="3200" dirty="0">
+                <a:solidFill>
+                  <a:srgbClr val="1075C0"/>
+                </a:solidFill>
+              </a:rPr>
+              <a:t>Union of the two</a:t>
+            </a:r>
+          </a:p>
+          <a:p>
+            <a:pPr algn="r"/>
+            <a:endParaRPr lang="en-US" sz="3200" dirty="0">
+              <a:solidFill>
+                <a:srgbClr val="1075C0"/>
+              </a:solidFill>
+            </a:endParaRPr>
+          </a:p>
+          <a:p>
+            <a:pPr algn="r"/>
+            <a:endParaRPr lang="en-US" sz="3200" dirty="0">
+              <a:solidFill>
+                <a:srgbClr val="1075C0"/>
+              </a:solidFill>
+            </a:endParaRPr>
+          </a:p>
+        </p:txBody>
+      </p:sp>
+      <p:sp>
+        <p:nvSpPr>
+          <p:cNvPr id="17" name="TextBox 16">
+            <a:extLst>
+              <a:ext uri="{FF2B5EF4-FFF2-40B4-BE49-F238E27FC236}">
+                <a16:creationId xmlns:a16="http://schemas.microsoft.com/office/drawing/2014/main" id="{7AAA094C-3D1D-244F-83A9-96D5AB030751}"/>
               </a:ext>
             </a:extLst>
           </p:cNvPr>
@@ -13527,9 +14666,9 @@
           <p:nvPr/>
         </p:nvSpPr>
         <p:spPr>
-          <a:xfrm>
-            <a:off x="4453051" y="1400784"/>
-            <a:ext cx="3443592" cy="954107"/>
+          <a:xfrm rot="16200000">
+            <a:off x="1024128" y="1491766"/>
+            <a:ext cx="3600713" cy="4031873"/>
           </a:xfrm>
           <a:prstGeom prst="rect">
             <a:avLst/>
@@ -13542,728 +14681,165 @@
           </a:bodyPr>
           <a:lstStyle/>
           <a:p>
-            <a:pPr algn="ctr"/>
-            <a:r>
-              <a:rPr lang="en-US" sz="2800" dirty="0"/>
-              <a:t>IRfinder </a:t>
-            </a:r>
-          </a:p>
-          <a:p>
-            <a:pPr algn="ctr"/>
-            <a:r>
-              <a:rPr lang="en-US" sz="2800" b="1" dirty="0">
+            <a:pPr algn="r"/>
+            <a:r>
+              <a:rPr lang="en-US" sz="3200" dirty="0">
                 <a:solidFill>
                   <a:srgbClr val="F0BE2C"/>
                 </a:solidFill>
               </a:rPr>
-              <a:t>siSDE2-2</a:t>
-            </a:r>
-            <a:r>
-              <a:rPr lang="en-US" sz="2800" dirty="0"/>
-              <a:t> VS </a:t>
-            </a:r>
-            <a:r>
-              <a:rPr lang="en-US" sz="2800" b="1" dirty="0"/>
-              <a:t>control</a:t>
-            </a:r>
-            <a:r>
-              <a:rPr lang="en-US" sz="2800" dirty="0"/>
-              <a:t> </a:t>
-            </a:r>
-          </a:p>
-        </p:txBody>
-      </p:sp>
-      <p:sp>
-        <p:nvSpPr>
-          <p:cNvPr id="4" name="TextBox 3">
-            <a:extLst>
-              <a:ext uri="{FF2B5EF4-FFF2-40B4-BE49-F238E27FC236}">
-                <a16:creationId xmlns:a16="http://schemas.microsoft.com/office/drawing/2014/main" id="{CD57D9A5-9A0E-D641-BEEE-5BC6831E587A}"/>
-              </a:ext>
-            </a:extLst>
-          </p:cNvPr>
-          <p:cNvSpPr txBox="1"/>
-          <p:nvPr/>
-        </p:nvSpPr>
-        <p:spPr>
-          <a:xfrm>
-            <a:off x="59391" y="3109608"/>
-            <a:ext cx="3443592" cy="954107"/>
-          </a:xfrm>
-          <a:prstGeom prst="rect">
-            <a:avLst/>
-          </a:prstGeom>
-          <a:noFill/>
-        </p:spPr>
-        <p:txBody>
-          <a:bodyPr wrap="square" rtlCol="0">
-            <a:spAutoFit/>
-          </a:bodyPr>
-          <a:lstStyle/>
-          <a:p>
-            <a:pPr algn="ctr"/>
-            <a:r>
-              <a:rPr lang="en-US" sz="2800" dirty="0"/>
-              <a:t>Remove known exon and minor isoform</a:t>
-            </a:r>
-          </a:p>
-        </p:txBody>
-      </p:sp>
-      <p:sp>
-        <p:nvSpPr>
-          <p:cNvPr id="5" name="TextBox 4">
-            <a:extLst>
-              <a:ext uri="{FF2B5EF4-FFF2-40B4-BE49-F238E27FC236}">
-                <a16:creationId xmlns:a16="http://schemas.microsoft.com/office/drawing/2014/main" id="{2BE6FE56-B356-E249-9847-820AB3C97B75}"/>
-              </a:ext>
-            </a:extLst>
-          </p:cNvPr>
-          <p:cNvSpPr txBox="1"/>
-          <p:nvPr/>
-        </p:nvSpPr>
-        <p:spPr>
-          <a:xfrm>
-            <a:off x="4453051" y="3109608"/>
-            <a:ext cx="3443592" cy="954107"/>
-          </a:xfrm>
-          <a:prstGeom prst="rect">
-            <a:avLst/>
-          </a:prstGeom>
-          <a:noFill/>
-        </p:spPr>
-        <p:txBody>
-          <a:bodyPr wrap="square" rtlCol="0">
-            <a:spAutoFit/>
-          </a:bodyPr>
-          <a:lstStyle/>
-          <a:p>
-            <a:pPr algn="ctr"/>
-            <a:r>
-              <a:rPr lang="en-US" sz="2800" dirty="0"/>
-              <a:t>Remove known exon and minor isoform</a:t>
-            </a:r>
-          </a:p>
-        </p:txBody>
-      </p:sp>
-      <p:sp>
-        <p:nvSpPr>
-          <p:cNvPr id="6" name="TextBox 5">
-            <a:extLst>
-              <a:ext uri="{FF2B5EF4-FFF2-40B4-BE49-F238E27FC236}">
-                <a16:creationId xmlns:a16="http://schemas.microsoft.com/office/drawing/2014/main" id="{01323A22-36B3-AC45-9A11-1F540117C481}"/>
-              </a:ext>
-            </a:extLst>
-          </p:cNvPr>
-          <p:cNvSpPr txBox="1"/>
-          <p:nvPr/>
-        </p:nvSpPr>
-        <p:spPr>
-          <a:xfrm>
-            <a:off x="59391" y="5057956"/>
-            <a:ext cx="3443592" cy="523220"/>
-          </a:xfrm>
-          <a:prstGeom prst="rect">
-            <a:avLst/>
-          </a:prstGeom>
-          <a:noFill/>
-        </p:spPr>
-        <p:txBody>
-          <a:bodyPr wrap="square" rtlCol="0">
-            <a:spAutoFit/>
-          </a:bodyPr>
-          <a:lstStyle/>
-          <a:p>
-            <a:pPr algn="ctr"/>
-            <a:r>
-              <a:rPr lang="en-US" sz="2800" dirty="0"/>
-              <a:t>FDR &lt; 0.05</a:t>
-            </a:r>
-          </a:p>
-        </p:txBody>
-      </p:sp>
-      <p:sp>
-        <p:nvSpPr>
-          <p:cNvPr id="7" name="TextBox 6">
-            <a:extLst>
-              <a:ext uri="{FF2B5EF4-FFF2-40B4-BE49-F238E27FC236}">
-                <a16:creationId xmlns:a16="http://schemas.microsoft.com/office/drawing/2014/main" id="{4C2A1647-463C-FD41-A215-22B90D4CB334}"/>
-              </a:ext>
-            </a:extLst>
-          </p:cNvPr>
-          <p:cNvSpPr txBox="1"/>
-          <p:nvPr/>
-        </p:nvSpPr>
-        <p:spPr>
-          <a:xfrm>
-            <a:off x="4453051" y="5038501"/>
-            <a:ext cx="3443592" cy="523220"/>
-          </a:xfrm>
-          <a:prstGeom prst="rect">
-            <a:avLst/>
-          </a:prstGeom>
-          <a:noFill/>
-        </p:spPr>
-        <p:txBody>
-          <a:bodyPr wrap="square" rtlCol="0">
-            <a:spAutoFit/>
-          </a:bodyPr>
-          <a:lstStyle/>
-          <a:p>
-            <a:pPr algn="ctr"/>
-            <a:r>
-              <a:rPr lang="en-US" sz="2800" dirty="0"/>
-              <a:t>FDR &lt; 0.05</a:t>
-            </a:r>
-          </a:p>
-        </p:txBody>
-      </p:sp>
-      <p:sp>
-        <p:nvSpPr>
-          <p:cNvPr id="8" name="TextBox 7">
-            <a:extLst>
-              <a:ext uri="{FF2B5EF4-FFF2-40B4-BE49-F238E27FC236}">
-                <a16:creationId xmlns:a16="http://schemas.microsoft.com/office/drawing/2014/main" id="{3D02EBA2-9A3B-3445-89F3-C4CA6A9D5BC6}"/>
-              </a:ext>
-            </a:extLst>
-          </p:cNvPr>
-          <p:cNvSpPr txBox="1"/>
-          <p:nvPr/>
-        </p:nvSpPr>
-        <p:spPr>
-          <a:xfrm>
-            <a:off x="59391" y="6527255"/>
-            <a:ext cx="1634246" cy="954107"/>
-          </a:xfrm>
-          <a:prstGeom prst="rect">
-            <a:avLst/>
-          </a:prstGeom>
-          <a:noFill/>
-        </p:spPr>
-        <p:txBody>
-          <a:bodyPr wrap="square" rtlCol="0">
-            <a:spAutoFit/>
-          </a:bodyPr>
-          <a:lstStyle/>
-          <a:p>
-            <a:pPr algn="ctr"/>
-            <a:r>
-              <a:rPr lang="en-US" sz="2800" dirty="0"/>
-              <a:t>Sig</a:t>
-            </a:r>
-          </a:p>
-          <a:p>
-            <a:pPr algn="ctr"/>
-            <a:r>
-              <a:rPr lang="en-US" sz="2800" dirty="0"/>
-              <a:t>events</a:t>
-            </a:r>
-          </a:p>
-        </p:txBody>
-      </p:sp>
-      <p:sp>
-        <p:nvSpPr>
-          <p:cNvPr id="9" name="TextBox 8">
-            <a:extLst>
-              <a:ext uri="{FF2B5EF4-FFF2-40B4-BE49-F238E27FC236}">
-                <a16:creationId xmlns:a16="http://schemas.microsoft.com/office/drawing/2014/main" id="{68A137F9-54D0-AA44-ADD9-833DADD5D65A}"/>
-              </a:ext>
-            </a:extLst>
-          </p:cNvPr>
-          <p:cNvSpPr txBox="1"/>
-          <p:nvPr/>
-        </p:nvSpPr>
-        <p:spPr>
-          <a:xfrm>
-            <a:off x="1709853" y="6527255"/>
-            <a:ext cx="1987684" cy="954107"/>
-          </a:xfrm>
-          <a:prstGeom prst="rect">
-            <a:avLst/>
-          </a:prstGeom>
-          <a:noFill/>
-        </p:spPr>
-        <p:txBody>
-          <a:bodyPr wrap="square" rtlCol="0">
-            <a:spAutoFit/>
-          </a:bodyPr>
-          <a:lstStyle/>
-          <a:p>
-            <a:pPr algn="ctr"/>
-            <a:r>
-              <a:rPr lang="en-US" sz="2800" dirty="0"/>
-              <a:t>Non-sig</a:t>
-            </a:r>
-          </a:p>
-          <a:p>
-            <a:pPr algn="ctr"/>
-            <a:r>
-              <a:rPr lang="en-US" sz="2800" dirty="0"/>
-              <a:t>events</a:t>
-            </a:r>
-          </a:p>
-        </p:txBody>
-      </p:sp>
-      <p:sp>
-        <p:nvSpPr>
-          <p:cNvPr id="10" name="TextBox 9">
-            <a:extLst>
-              <a:ext uri="{FF2B5EF4-FFF2-40B4-BE49-F238E27FC236}">
-                <a16:creationId xmlns:a16="http://schemas.microsoft.com/office/drawing/2014/main" id="{63DBAA69-12A4-F747-A407-4ED96E309D96}"/>
-              </a:ext>
-            </a:extLst>
-          </p:cNvPr>
-          <p:cNvSpPr txBox="1"/>
-          <p:nvPr/>
-        </p:nvSpPr>
-        <p:spPr>
-          <a:xfrm>
-            <a:off x="466331" y="8819738"/>
-            <a:ext cx="2629712" cy="954107"/>
-          </a:xfrm>
-          <a:prstGeom prst="rect">
-            <a:avLst/>
-          </a:prstGeom>
-          <a:noFill/>
-        </p:spPr>
-        <p:txBody>
-          <a:bodyPr wrap="square" rtlCol="0">
-            <a:spAutoFit/>
-          </a:bodyPr>
-          <a:lstStyle/>
-          <a:p>
-            <a:pPr algn="ctr"/>
-            <a:r>
-              <a:rPr lang="en-US" sz="2800" b="1" dirty="0"/>
-              <a:t>Intersected</a:t>
-            </a:r>
-            <a:r>
-              <a:rPr lang="en-US" sz="2800" dirty="0"/>
-              <a:t> </a:t>
-            </a:r>
-          </a:p>
-          <a:p>
-            <a:pPr algn="ctr"/>
-            <a:r>
-              <a:rPr lang="en-US" sz="2800" b="1" dirty="0">
-                <a:solidFill>
-                  <a:srgbClr val="FF0000"/>
-                </a:solidFill>
-              </a:rPr>
-              <a:t>Sig</a:t>
-            </a:r>
-            <a:r>
-              <a:rPr lang="en-US" sz="2800" b="1" dirty="0"/>
-              <a:t> </a:t>
-            </a:r>
-            <a:r>
-              <a:rPr lang="en-US" sz="2800" b="1" dirty="0">
-                <a:solidFill>
-                  <a:srgbClr val="FF0000"/>
-                </a:solidFill>
-              </a:rPr>
-              <a:t>events</a:t>
-            </a:r>
-          </a:p>
-        </p:txBody>
-      </p:sp>
-      <p:sp>
-        <p:nvSpPr>
-          <p:cNvPr id="11" name="TextBox 10">
-            <a:extLst>
-              <a:ext uri="{FF2B5EF4-FFF2-40B4-BE49-F238E27FC236}">
-                <a16:creationId xmlns:a16="http://schemas.microsoft.com/office/drawing/2014/main" id="{0DC38C86-17BE-C64C-B30D-64224B586808}"/>
-              </a:ext>
-            </a:extLst>
-          </p:cNvPr>
-          <p:cNvSpPr txBox="1"/>
-          <p:nvPr/>
-        </p:nvSpPr>
-        <p:spPr>
-          <a:xfrm>
-            <a:off x="4453051" y="6527255"/>
-            <a:ext cx="1634246" cy="954107"/>
-          </a:xfrm>
-          <a:prstGeom prst="rect">
-            <a:avLst/>
-          </a:prstGeom>
-          <a:noFill/>
-        </p:spPr>
-        <p:txBody>
-          <a:bodyPr wrap="square" rtlCol="0">
-            <a:spAutoFit/>
-          </a:bodyPr>
-          <a:lstStyle/>
-          <a:p>
-            <a:pPr algn="ctr"/>
-            <a:r>
-              <a:rPr lang="en-US" sz="2800" dirty="0"/>
-              <a:t>Sig</a:t>
-            </a:r>
-          </a:p>
-          <a:p>
-            <a:pPr algn="ctr"/>
-            <a:r>
-              <a:rPr lang="en-US" sz="2800" dirty="0"/>
-              <a:t>events</a:t>
-            </a:r>
-          </a:p>
-        </p:txBody>
-      </p:sp>
-      <p:sp>
-        <p:nvSpPr>
-          <p:cNvPr id="12" name="TextBox 11">
-            <a:extLst>
-              <a:ext uri="{FF2B5EF4-FFF2-40B4-BE49-F238E27FC236}">
-                <a16:creationId xmlns:a16="http://schemas.microsoft.com/office/drawing/2014/main" id="{7FCE4E0C-891E-1A41-965B-E2733CE3F821}"/>
-              </a:ext>
-            </a:extLst>
-          </p:cNvPr>
-          <p:cNvSpPr txBox="1"/>
-          <p:nvPr/>
-        </p:nvSpPr>
-        <p:spPr>
-          <a:xfrm>
-            <a:off x="6278609" y="6497028"/>
-            <a:ext cx="1660186" cy="954107"/>
-          </a:xfrm>
-          <a:prstGeom prst="rect">
-            <a:avLst/>
-          </a:prstGeom>
-          <a:noFill/>
-        </p:spPr>
-        <p:txBody>
-          <a:bodyPr wrap="square" rtlCol="0">
-            <a:spAutoFit/>
-          </a:bodyPr>
-          <a:lstStyle/>
-          <a:p>
-            <a:pPr algn="ctr"/>
-            <a:r>
-              <a:rPr lang="en-US" sz="2800" dirty="0"/>
-              <a:t>Non-sig</a:t>
-            </a:r>
-          </a:p>
-          <a:p>
-            <a:pPr algn="ctr"/>
-            <a:r>
-              <a:rPr lang="en-US" sz="2800" dirty="0"/>
-              <a:t>events</a:t>
-            </a:r>
-          </a:p>
-        </p:txBody>
-      </p:sp>
-      <p:sp>
-        <p:nvSpPr>
-          <p:cNvPr id="13" name="TextBox 12">
-            <a:extLst>
-              <a:ext uri="{FF2B5EF4-FFF2-40B4-BE49-F238E27FC236}">
-                <a16:creationId xmlns:a16="http://schemas.microsoft.com/office/drawing/2014/main" id="{D4CBC239-DDAB-B74C-AFE7-FD4077F01245}"/>
-              </a:ext>
-            </a:extLst>
-          </p:cNvPr>
-          <p:cNvSpPr txBox="1"/>
-          <p:nvPr/>
-        </p:nvSpPr>
-        <p:spPr>
-          <a:xfrm>
-            <a:off x="4908225" y="8819738"/>
-            <a:ext cx="2653623" cy="954107"/>
-          </a:xfrm>
-          <a:prstGeom prst="rect">
-            <a:avLst/>
-          </a:prstGeom>
-          <a:noFill/>
-        </p:spPr>
-        <p:txBody>
-          <a:bodyPr wrap="square" rtlCol="0">
-            <a:spAutoFit/>
-          </a:bodyPr>
-          <a:lstStyle/>
-          <a:p>
-            <a:pPr algn="ctr"/>
-            <a:r>
-              <a:rPr lang="en-US" sz="2800" b="1" dirty="0"/>
-              <a:t>Intersected</a:t>
-            </a:r>
-            <a:r>
-              <a:rPr lang="en-US" sz="2800" dirty="0"/>
-              <a:t> </a:t>
-            </a:r>
-          </a:p>
-          <a:p>
-            <a:pPr algn="ctr"/>
-            <a:r>
-              <a:rPr lang="en-US" sz="2800" b="1" dirty="0">
-                <a:solidFill>
-                  <a:srgbClr val="004188"/>
-                </a:solidFill>
-              </a:rPr>
-              <a:t>Non-sig</a:t>
-            </a:r>
-            <a:r>
-              <a:rPr lang="en-US" sz="2800" b="1" dirty="0"/>
-              <a:t> </a:t>
-            </a:r>
-            <a:r>
-              <a:rPr lang="en-US" sz="2800" b="1" dirty="0">
-                <a:solidFill>
-                  <a:srgbClr val="004188"/>
-                </a:solidFill>
-              </a:rPr>
-              <a:t>events</a:t>
-            </a:r>
-          </a:p>
-        </p:txBody>
-      </p:sp>
-      <p:sp>
-        <p:nvSpPr>
-          <p:cNvPr id="17" name="TextBox 16">
-            <a:extLst>
-              <a:ext uri="{FF2B5EF4-FFF2-40B4-BE49-F238E27FC236}">
-                <a16:creationId xmlns:a16="http://schemas.microsoft.com/office/drawing/2014/main" id="{B3999638-A8A5-714C-AC06-BECDE7B5C3B9}"/>
-              </a:ext>
-            </a:extLst>
-          </p:cNvPr>
-          <p:cNvSpPr txBox="1"/>
-          <p:nvPr/>
-        </p:nvSpPr>
-        <p:spPr>
-          <a:xfrm>
-            <a:off x="8846711" y="1400784"/>
-            <a:ext cx="3443592" cy="954107"/>
-          </a:xfrm>
-          <a:prstGeom prst="rect">
-            <a:avLst/>
-          </a:prstGeom>
-          <a:noFill/>
-        </p:spPr>
-        <p:txBody>
-          <a:bodyPr wrap="square" rtlCol="0">
-            <a:spAutoFit/>
-          </a:bodyPr>
-          <a:lstStyle/>
-          <a:p>
-            <a:pPr algn="ctr"/>
-            <a:r>
-              <a:rPr lang="en-US" sz="2800" dirty="0">
+              <a:t>shTIA1 </a:t>
+            </a:r>
+            <a:r>
+              <a:rPr lang="en-US" sz="3200" dirty="0">
                 <a:solidFill>
                   <a:srgbClr val="364E54"/>
                 </a:solidFill>
               </a:rPr>
-              <a:t>GENCODE V27 </a:t>
-            </a:r>
-          </a:p>
-          <a:p>
-            <a:pPr algn="ctr"/>
-            <a:r>
-              <a:rPr lang="en-US" sz="2800" dirty="0">
+              <a:t>VS control</a:t>
+            </a:r>
+          </a:p>
+          <a:p>
+            <a:pPr algn="r"/>
+            <a:r>
+              <a:rPr lang="en-US" sz="3200" dirty="0">
+                <a:solidFill>
+                  <a:srgbClr val="F0BE2C"/>
+                </a:solidFill>
+              </a:rPr>
+              <a:t>shSRSF1 </a:t>
+            </a:r>
+            <a:r>
+              <a:rPr lang="en-US" sz="3200" dirty="0">
                 <a:solidFill>
                   <a:srgbClr val="364E54"/>
                 </a:solidFill>
               </a:rPr>
-              <a:t>gene annotation </a:t>
-            </a:r>
-          </a:p>
-        </p:txBody>
-      </p:sp>
-      <p:sp>
-        <p:nvSpPr>
-          <p:cNvPr id="18" name="TextBox 17">
-            <a:extLst>
-              <a:ext uri="{FF2B5EF4-FFF2-40B4-BE49-F238E27FC236}">
-                <a16:creationId xmlns:a16="http://schemas.microsoft.com/office/drawing/2014/main" id="{8959FB27-F6BF-6A4E-BFFE-1DE13FE4A771}"/>
-              </a:ext>
-            </a:extLst>
-          </p:cNvPr>
-          <p:cNvSpPr txBox="1"/>
-          <p:nvPr/>
-        </p:nvSpPr>
-        <p:spPr>
-          <a:xfrm>
-            <a:off x="8768891" y="3109608"/>
-            <a:ext cx="3443592" cy="954107"/>
-          </a:xfrm>
-          <a:prstGeom prst="rect">
-            <a:avLst/>
-          </a:prstGeom>
-          <a:noFill/>
-        </p:spPr>
-        <p:txBody>
-          <a:bodyPr wrap="square" rtlCol="0">
-            <a:spAutoFit/>
-          </a:bodyPr>
-          <a:lstStyle/>
-          <a:p>
-            <a:pPr algn="ctr"/>
-            <a:r>
-              <a:rPr lang="en-US" sz="2800" dirty="0">
+              <a:t>VS control</a:t>
+            </a:r>
+          </a:p>
+          <a:p>
+            <a:pPr algn="r"/>
+            <a:r>
+              <a:rPr lang="en-US" sz="3200" dirty="0">
+                <a:solidFill>
+                  <a:srgbClr val="F0BE2C"/>
+                </a:solidFill>
+              </a:rPr>
+              <a:t>shU2AF2 </a:t>
+            </a:r>
+            <a:r>
+              <a:rPr lang="en-US" sz="3200" dirty="0">
                 <a:solidFill>
                   <a:srgbClr val="364E54"/>
                 </a:solidFill>
               </a:rPr>
-              <a:t>Extract all constitutive introns</a:t>
-            </a:r>
-          </a:p>
-        </p:txBody>
-      </p:sp>
-      <p:sp>
-        <p:nvSpPr>
-          <p:cNvPr id="19" name="TextBox 18">
-            <a:extLst>
-              <a:ext uri="{FF2B5EF4-FFF2-40B4-BE49-F238E27FC236}">
-                <a16:creationId xmlns:a16="http://schemas.microsoft.com/office/drawing/2014/main" id="{C49C8F79-835D-324E-B498-D6B0DC2042EA}"/>
-              </a:ext>
-            </a:extLst>
-          </p:cNvPr>
-          <p:cNvSpPr txBox="1"/>
-          <p:nvPr/>
-        </p:nvSpPr>
-        <p:spPr>
-          <a:xfrm>
-            <a:off x="8768891" y="4843951"/>
-            <a:ext cx="3443592" cy="954107"/>
-          </a:xfrm>
-          <a:prstGeom prst="rect">
-            <a:avLst/>
-          </a:prstGeom>
-          <a:noFill/>
-        </p:spPr>
-        <p:txBody>
-          <a:bodyPr wrap="square" rtlCol="0">
-            <a:spAutoFit/>
-          </a:bodyPr>
-          <a:lstStyle/>
-          <a:p>
-            <a:pPr algn="ctr"/>
-            <a:r>
-              <a:rPr lang="en-US" sz="2800" b="1" dirty="0">
+              <a:t>VS control</a:t>
+            </a:r>
+          </a:p>
+          <a:p>
+            <a:pPr algn="r"/>
+            <a:r>
+              <a:rPr lang="en-US" sz="3200" dirty="0">
+                <a:solidFill>
+                  <a:srgbClr val="F0BE2C"/>
+                </a:solidFill>
+              </a:rPr>
+              <a:t>shPCBP1 </a:t>
+            </a:r>
+            <a:r>
+              <a:rPr lang="en-US" sz="3200" dirty="0">
                 <a:solidFill>
                   <a:srgbClr val="364E54"/>
                 </a:solidFill>
               </a:rPr>
-              <a:t>Remove </a:t>
-            </a:r>
-            <a:r>
-              <a:rPr lang="en-US" sz="2800" b="1" dirty="0">
+              <a:t>VS control</a:t>
+            </a:r>
+          </a:p>
+          <a:p>
+            <a:pPr algn="r"/>
+            <a:r>
+              <a:rPr lang="en-US" sz="3200" dirty="0">
                 <a:solidFill>
-                  <a:srgbClr val="ED2201"/>
+                  <a:srgbClr val="F0BE2C"/>
                 </a:solidFill>
               </a:rPr>
-              <a:t>Sig</a:t>
-            </a:r>
-            <a:r>
-              <a:rPr lang="en-US" sz="2800" b="1" dirty="0">
+              <a:t>shPCBP2 </a:t>
+            </a:r>
+            <a:r>
+              <a:rPr lang="en-US" sz="3200" dirty="0">
                 <a:solidFill>
                   <a:srgbClr val="364E54"/>
                 </a:solidFill>
               </a:rPr>
-              <a:t> </a:t>
-            </a:r>
-            <a:r>
-              <a:rPr lang="en-US" sz="2800" dirty="0">
+              <a:t>VS control</a:t>
+            </a:r>
+          </a:p>
+          <a:p>
+            <a:pPr algn="r"/>
+            <a:r>
+              <a:rPr lang="en-US" sz="3200" dirty="0">
+                <a:solidFill>
+                  <a:srgbClr val="F0BE2C"/>
+                </a:solidFill>
+              </a:rPr>
+              <a:t>shPTBP1 </a:t>
+            </a:r>
+            <a:r>
+              <a:rPr lang="en-US" sz="3200" dirty="0">
                 <a:solidFill>
                   <a:srgbClr val="364E54"/>
                 </a:solidFill>
               </a:rPr>
-              <a:t>and </a:t>
-            </a:r>
-            <a:r>
-              <a:rPr lang="en-US" sz="2800" b="1" dirty="0">
+              <a:t>VS control</a:t>
+            </a:r>
+          </a:p>
+          <a:p>
+            <a:pPr algn="r"/>
+            <a:r>
+              <a:rPr lang="en-US" sz="3200" dirty="0">
                 <a:solidFill>
-                  <a:srgbClr val="004188"/>
+                  <a:srgbClr val="F0BE2C"/>
                 </a:solidFill>
               </a:rPr>
-              <a:t>Non-sig</a:t>
-            </a:r>
-            <a:r>
-              <a:rPr lang="en-US" sz="2800" dirty="0">
+              <a:t>shSRSF7 </a:t>
+            </a:r>
+            <a:r>
+              <a:rPr lang="en-US" sz="3200" dirty="0">
                 <a:solidFill>
                   <a:srgbClr val="364E54"/>
                 </a:solidFill>
               </a:rPr>
-              <a:t> ones from siSDE2</a:t>
-            </a:r>
-          </a:p>
-        </p:txBody>
-      </p:sp>
-      <p:sp>
-        <p:nvSpPr>
-          <p:cNvPr id="20" name="TextBox 19">
-            <a:extLst>
-              <a:ext uri="{FF2B5EF4-FFF2-40B4-BE49-F238E27FC236}">
-                <a16:creationId xmlns:a16="http://schemas.microsoft.com/office/drawing/2014/main" id="{6C0C2B36-7638-2E48-834A-2E9A4D19815D}"/>
-              </a:ext>
-            </a:extLst>
-          </p:cNvPr>
-          <p:cNvSpPr txBox="1"/>
-          <p:nvPr/>
-        </p:nvSpPr>
-        <p:spPr>
-          <a:xfrm>
-            <a:off x="8846711" y="6449435"/>
-            <a:ext cx="3116094" cy="1384995"/>
-          </a:xfrm>
-          <a:prstGeom prst="rect">
-            <a:avLst/>
-          </a:prstGeom>
-          <a:noFill/>
-        </p:spPr>
-        <p:txBody>
-          <a:bodyPr wrap="square" rtlCol="0">
-            <a:spAutoFit/>
-          </a:bodyPr>
-          <a:lstStyle/>
-          <a:p>
-            <a:pPr algn="ctr"/>
-            <a:r>
-              <a:rPr lang="en-US" sz="2800" dirty="0">
+              <a:t>VS control </a:t>
+            </a:r>
+          </a:p>
+          <a:p>
+            <a:pPr algn="r"/>
+            <a:r>
+              <a:rPr lang="en-US" sz="3200" dirty="0">
+                <a:solidFill>
+                  <a:srgbClr val="F0BE2C"/>
+                </a:solidFill>
+              </a:rPr>
+              <a:t>shFUS </a:t>
+            </a:r>
+            <a:r>
+              <a:rPr lang="en-US" sz="3200" dirty="0">
                 <a:solidFill>
                   <a:srgbClr val="364E54"/>
                 </a:solidFill>
               </a:rPr>
-              <a:t>length &lt; 75</a:t>
-            </a:r>
-            <a:r>
-              <a:rPr lang="en-US" sz="2800" baseline="30000" dirty="0">
-                <a:solidFill>
-                  <a:srgbClr val="364E54"/>
-                </a:solidFill>
-              </a:rPr>
-              <a:t>th</a:t>
-            </a:r>
-            <a:r>
-              <a:rPr lang="en-US" sz="2800" dirty="0">
-                <a:solidFill>
-                  <a:srgbClr val="364E54"/>
-                </a:solidFill>
-              </a:rPr>
-              <a:t> percentile of </a:t>
-            </a:r>
-            <a:r>
-              <a:rPr lang="en-US" sz="2800" dirty="0">
-                <a:solidFill>
-                  <a:srgbClr val="ED2201"/>
-                </a:solidFill>
-              </a:rPr>
-              <a:t>Sig</a:t>
-            </a:r>
-            <a:r>
-              <a:rPr lang="en-US" sz="2800" dirty="0">
-                <a:solidFill>
-                  <a:srgbClr val="364E54"/>
-                </a:solidFill>
-              </a:rPr>
-              <a:t> events</a:t>
-            </a:r>
-          </a:p>
-        </p:txBody>
-      </p:sp>
-      <p:sp>
-        <p:nvSpPr>
-          <p:cNvPr id="21" name="TextBox 20">
-            <a:extLst>
-              <a:ext uri="{FF2B5EF4-FFF2-40B4-BE49-F238E27FC236}">
-                <a16:creationId xmlns:a16="http://schemas.microsoft.com/office/drawing/2014/main" id="{9BC82BDD-702A-A442-83BE-F979BFB1284C}"/>
+              <a:t>VS control</a:t>
+            </a:r>
+          </a:p>
+        </p:txBody>
+      </p:sp>
+      <p:sp>
+        <p:nvSpPr>
+          <p:cNvPr id="20" name="TextBox 19">
+            <a:extLst>
+              <a:ext uri="{FF2B5EF4-FFF2-40B4-BE49-F238E27FC236}">
+                <a16:creationId xmlns:a16="http://schemas.microsoft.com/office/drawing/2014/main" id="{FCDAD460-21E9-904C-BBE7-BCA881BD7845}"/>
               </a:ext>
             </a:extLst>
           </p:cNvPr>
@@ -14272,8 +14848,8 @@
         </p:nvSpPr>
         <p:spPr>
           <a:xfrm>
-            <a:off x="8710526" y="8586275"/>
-            <a:ext cx="1634246" cy="1384995"/>
+            <a:off x="1603283" y="791792"/>
+            <a:ext cx="2535382" cy="584775"/>
           </a:xfrm>
           <a:prstGeom prst="rect">
             <a:avLst/>
@@ -14286,25 +14862,9 @@
           </a:bodyPr>
           <a:lstStyle/>
           <a:p>
-            <a:pPr algn="ctr"/>
-            <a:r>
-              <a:rPr lang="en-US" sz="2800" b="1" dirty="0">
-                <a:solidFill>
-                  <a:srgbClr val="3CB13A"/>
-                </a:solidFill>
-              </a:rPr>
-              <a:t>Non-AS-short</a:t>
-            </a:r>
-          </a:p>
-          <a:p>
-            <a:pPr algn="ctr"/>
-            <a:r>
-              <a:rPr lang="en-US" sz="2800" b="1" dirty="0">
-                <a:solidFill>
-                  <a:srgbClr val="3CB13A"/>
-                </a:solidFill>
-              </a:rPr>
-              <a:t>events</a:t>
+            <a:r>
+              <a:rPr lang="en-US" sz="3200" dirty="0"/>
+              <a:t>ENCODE data</a:t>
             </a:r>
           </a:p>
         </p:txBody>
@@ -14314,7 +14874,7 @@
           <p:cNvPr id="22" name="TextBox 21">
             <a:extLst>
               <a:ext uri="{FF2B5EF4-FFF2-40B4-BE49-F238E27FC236}">
-                <a16:creationId xmlns:a16="http://schemas.microsoft.com/office/drawing/2014/main" id="{D79D87E7-60B7-8446-A0F1-9711E912FF74}"/>
+                <a16:creationId xmlns:a16="http://schemas.microsoft.com/office/drawing/2014/main" id="{71C89204-CAAB-0C48-B3FD-51E043340586}"/>
               </a:ext>
             </a:extLst>
           </p:cNvPr>
@@ -14323,8 +14883,8 @@
         </p:nvSpPr>
         <p:spPr>
           <a:xfrm>
-            <a:off x="10461502" y="8586275"/>
-            <a:ext cx="1634246" cy="1384995"/>
+            <a:off x="5975884" y="791792"/>
+            <a:ext cx="2049637" cy="584775"/>
           </a:xfrm>
           <a:prstGeom prst="rect">
             <a:avLst/>
@@ -14337,35 +14897,19 @@
           </a:bodyPr>
           <a:lstStyle/>
           <a:p>
-            <a:pPr algn="ctr"/>
-            <a:r>
-              <a:rPr lang="en-US" sz="2800" b="1" dirty="0">
-                <a:solidFill>
-                  <a:srgbClr val="0E98AF"/>
-                </a:solidFill>
-              </a:rPr>
-              <a:t>Non-AS-long</a:t>
-            </a:r>
-          </a:p>
-          <a:p>
-            <a:pPr algn="ctr"/>
-            <a:r>
-              <a:rPr lang="en-US" sz="2800" b="1" dirty="0">
-                <a:solidFill>
-                  <a:srgbClr val="0E98AF"/>
-                </a:solidFill>
-              </a:rPr>
-              <a:t>events</a:t>
-            </a:r>
-          </a:p>
-        </p:txBody>
-      </p:sp>
-      <p:sp>
-        <p:nvSpPr>
-          <p:cNvPr id="24" name="Rounded Rectangle 23">
-            <a:extLst>
-              <a:ext uri="{FF2B5EF4-FFF2-40B4-BE49-F238E27FC236}">
-                <a16:creationId xmlns:a16="http://schemas.microsoft.com/office/drawing/2014/main" id="{1FF8B547-45A9-FC44-B36A-C1522CF6F19A}"/>
+            <a:r>
+              <a:rPr lang="en-US" sz="3200" dirty="0"/>
+              <a:t>SDE2 data</a:t>
+            </a:r>
+          </a:p>
+        </p:txBody>
+      </p:sp>
+      <p:sp>
+        <p:nvSpPr>
+          <p:cNvPr id="24" name="Down Arrow 23">
+            <a:extLst>
+              <a:ext uri="{FF2B5EF4-FFF2-40B4-BE49-F238E27FC236}">
+                <a16:creationId xmlns:a16="http://schemas.microsoft.com/office/drawing/2014/main" id="{12382B97-CF20-3E4E-9A59-F6388255C035}"/>
               </a:ext>
             </a:extLst>
           </p:cNvPr>
@@ -14374,853 +14918,7 @@
         </p:nvSpPr>
         <p:spPr>
           <a:xfrm>
-            <a:off x="59392" y="1400783"/>
-            <a:ext cx="3443592" cy="954107"/>
-          </a:xfrm>
-          <a:prstGeom prst="roundRect">
-            <a:avLst/>
-          </a:prstGeom>
-          <a:noFill/>
-        </p:spPr>
-        <p:style>
-          <a:lnRef idx="2">
-            <a:schemeClr val="accent1">
-              <a:shade val="50000"/>
-            </a:schemeClr>
-          </a:lnRef>
-          <a:fillRef idx="1">
-            <a:schemeClr val="accent1"/>
-          </a:fillRef>
-          <a:effectRef idx="0">
-            <a:schemeClr val="accent1"/>
-          </a:effectRef>
-          <a:fontRef idx="minor">
-            <a:schemeClr val="lt1"/>
-          </a:fontRef>
-        </p:style>
-        <p:txBody>
-          <a:bodyPr rtlCol="0" anchor="ctr"/>
-          <a:lstStyle/>
-          <a:p>
-            <a:pPr algn="ctr"/>
-            <a:endParaRPr lang="en-US" sz="3200"/>
-          </a:p>
-        </p:txBody>
-      </p:sp>
-      <p:sp>
-        <p:nvSpPr>
-          <p:cNvPr id="25" name="Rounded Rectangle 24">
-            <a:extLst>
-              <a:ext uri="{FF2B5EF4-FFF2-40B4-BE49-F238E27FC236}">
-                <a16:creationId xmlns:a16="http://schemas.microsoft.com/office/drawing/2014/main" id="{46A1557B-225C-AE47-BEC8-D5BE1807D72F}"/>
-              </a:ext>
-            </a:extLst>
-          </p:cNvPr>
-          <p:cNvSpPr/>
-          <p:nvPr/>
-        </p:nvSpPr>
-        <p:spPr>
-          <a:xfrm>
-            <a:off x="59391" y="3154231"/>
-            <a:ext cx="3443592" cy="954107"/>
-          </a:xfrm>
-          <a:prstGeom prst="roundRect">
-            <a:avLst/>
-          </a:prstGeom>
-          <a:noFill/>
-        </p:spPr>
-        <p:style>
-          <a:lnRef idx="2">
-            <a:schemeClr val="accent1">
-              <a:shade val="50000"/>
-            </a:schemeClr>
-          </a:lnRef>
-          <a:fillRef idx="1">
-            <a:schemeClr val="accent1"/>
-          </a:fillRef>
-          <a:effectRef idx="0">
-            <a:schemeClr val="accent1"/>
-          </a:effectRef>
-          <a:fontRef idx="minor">
-            <a:schemeClr val="lt1"/>
-          </a:fontRef>
-        </p:style>
-        <p:txBody>
-          <a:bodyPr rtlCol="0" anchor="ctr"/>
-          <a:lstStyle/>
-          <a:p>
-            <a:pPr algn="ctr"/>
-            <a:endParaRPr lang="en-US" sz="3200"/>
-          </a:p>
-        </p:txBody>
-      </p:sp>
-      <p:sp>
-        <p:nvSpPr>
-          <p:cNvPr id="26" name="Rounded Rectangle 25">
-            <a:extLst>
-              <a:ext uri="{FF2B5EF4-FFF2-40B4-BE49-F238E27FC236}">
-                <a16:creationId xmlns:a16="http://schemas.microsoft.com/office/drawing/2014/main" id="{29ED310D-10DA-A447-87D1-06BD2D01C1C4}"/>
-              </a:ext>
-            </a:extLst>
-          </p:cNvPr>
-          <p:cNvSpPr/>
-          <p:nvPr/>
-        </p:nvSpPr>
-        <p:spPr>
-          <a:xfrm>
-            <a:off x="59391" y="4840743"/>
-            <a:ext cx="3443592" cy="954107"/>
-          </a:xfrm>
-          <a:prstGeom prst="roundRect">
-            <a:avLst/>
-          </a:prstGeom>
-          <a:noFill/>
-        </p:spPr>
-        <p:style>
-          <a:lnRef idx="2">
-            <a:schemeClr val="accent1">
-              <a:shade val="50000"/>
-            </a:schemeClr>
-          </a:lnRef>
-          <a:fillRef idx="1">
-            <a:schemeClr val="accent1"/>
-          </a:fillRef>
-          <a:effectRef idx="0">
-            <a:schemeClr val="accent1"/>
-          </a:effectRef>
-          <a:fontRef idx="minor">
-            <a:schemeClr val="lt1"/>
-          </a:fontRef>
-        </p:style>
-        <p:txBody>
-          <a:bodyPr rtlCol="0" anchor="ctr"/>
-          <a:lstStyle/>
-          <a:p>
-            <a:pPr algn="ctr"/>
-            <a:endParaRPr lang="en-US" sz="3200"/>
-          </a:p>
-        </p:txBody>
-      </p:sp>
-      <p:sp>
-        <p:nvSpPr>
-          <p:cNvPr id="27" name="Rounded Rectangle 26">
-            <a:extLst>
-              <a:ext uri="{FF2B5EF4-FFF2-40B4-BE49-F238E27FC236}">
-                <a16:creationId xmlns:a16="http://schemas.microsoft.com/office/drawing/2014/main" id="{383F23E7-B462-C04F-A0D9-5C6FE396C042}"/>
-              </a:ext>
-            </a:extLst>
-          </p:cNvPr>
-          <p:cNvSpPr/>
-          <p:nvPr/>
-        </p:nvSpPr>
-        <p:spPr>
-          <a:xfrm>
-            <a:off x="59391" y="8586274"/>
-            <a:ext cx="3443592" cy="1380940"/>
-          </a:xfrm>
-          <a:prstGeom prst="roundRect">
-            <a:avLst/>
-          </a:prstGeom>
-          <a:noFill/>
-        </p:spPr>
-        <p:style>
-          <a:lnRef idx="2">
-            <a:schemeClr val="accent1">
-              <a:shade val="50000"/>
-            </a:schemeClr>
-          </a:lnRef>
-          <a:fillRef idx="1">
-            <a:schemeClr val="accent1"/>
-          </a:fillRef>
-          <a:effectRef idx="0">
-            <a:schemeClr val="accent1"/>
-          </a:effectRef>
-          <a:fontRef idx="minor">
-            <a:schemeClr val="lt1"/>
-          </a:fontRef>
-        </p:style>
-        <p:txBody>
-          <a:bodyPr rtlCol="0" anchor="ctr"/>
-          <a:lstStyle/>
-          <a:p>
-            <a:pPr algn="ctr"/>
-            <a:endParaRPr lang="en-US" sz="3200"/>
-          </a:p>
-        </p:txBody>
-      </p:sp>
-      <p:sp>
-        <p:nvSpPr>
-          <p:cNvPr id="28" name="Rounded Rectangle 27">
-            <a:extLst>
-              <a:ext uri="{FF2B5EF4-FFF2-40B4-BE49-F238E27FC236}">
-                <a16:creationId xmlns:a16="http://schemas.microsoft.com/office/drawing/2014/main" id="{6588A687-C098-E34C-9EFB-E2B230B0F2D6}"/>
-              </a:ext>
-            </a:extLst>
-          </p:cNvPr>
-          <p:cNvSpPr/>
-          <p:nvPr/>
-        </p:nvSpPr>
-        <p:spPr>
-          <a:xfrm>
-            <a:off x="4423866" y="1400782"/>
-            <a:ext cx="3443592" cy="954107"/>
-          </a:xfrm>
-          <a:prstGeom prst="roundRect">
-            <a:avLst/>
-          </a:prstGeom>
-          <a:noFill/>
-        </p:spPr>
-        <p:style>
-          <a:lnRef idx="2">
-            <a:schemeClr val="accent1">
-              <a:shade val="50000"/>
-            </a:schemeClr>
-          </a:lnRef>
-          <a:fillRef idx="1">
-            <a:schemeClr val="accent1"/>
-          </a:fillRef>
-          <a:effectRef idx="0">
-            <a:schemeClr val="accent1"/>
-          </a:effectRef>
-          <a:fontRef idx="minor">
-            <a:schemeClr val="lt1"/>
-          </a:fontRef>
-        </p:style>
-        <p:txBody>
-          <a:bodyPr rtlCol="0" anchor="ctr"/>
-          <a:lstStyle/>
-          <a:p>
-            <a:pPr algn="ctr"/>
-            <a:endParaRPr lang="en-US" sz="3200"/>
-          </a:p>
-        </p:txBody>
-      </p:sp>
-      <p:sp>
-        <p:nvSpPr>
-          <p:cNvPr id="29" name="Rounded Rectangle 28">
-            <a:extLst>
-              <a:ext uri="{FF2B5EF4-FFF2-40B4-BE49-F238E27FC236}">
-                <a16:creationId xmlns:a16="http://schemas.microsoft.com/office/drawing/2014/main" id="{F68C4D5E-74FE-1F41-B240-D19C34284067}"/>
-              </a:ext>
-            </a:extLst>
-          </p:cNvPr>
-          <p:cNvSpPr/>
-          <p:nvPr/>
-        </p:nvSpPr>
-        <p:spPr>
-          <a:xfrm>
-            <a:off x="4414141" y="3139830"/>
-            <a:ext cx="3443592" cy="954107"/>
-          </a:xfrm>
-          <a:prstGeom prst="roundRect">
-            <a:avLst/>
-          </a:prstGeom>
-          <a:noFill/>
-        </p:spPr>
-        <p:style>
-          <a:lnRef idx="2">
-            <a:schemeClr val="accent1">
-              <a:shade val="50000"/>
-            </a:schemeClr>
-          </a:lnRef>
-          <a:fillRef idx="1">
-            <a:schemeClr val="accent1"/>
-          </a:fillRef>
-          <a:effectRef idx="0">
-            <a:schemeClr val="accent1"/>
-          </a:effectRef>
-          <a:fontRef idx="minor">
-            <a:schemeClr val="lt1"/>
-          </a:fontRef>
-        </p:style>
-        <p:txBody>
-          <a:bodyPr rtlCol="0" anchor="ctr"/>
-          <a:lstStyle/>
-          <a:p>
-            <a:pPr algn="ctr"/>
-            <a:endParaRPr lang="en-US" sz="3200"/>
-          </a:p>
-        </p:txBody>
-      </p:sp>
-      <p:sp>
-        <p:nvSpPr>
-          <p:cNvPr id="30" name="Rounded Rectangle 29">
-            <a:extLst>
-              <a:ext uri="{FF2B5EF4-FFF2-40B4-BE49-F238E27FC236}">
-                <a16:creationId xmlns:a16="http://schemas.microsoft.com/office/drawing/2014/main" id="{F5D39CDD-89C8-AD4D-AA11-062D2FD3201C}"/>
-              </a:ext>
-            </a:extLst>
-          </p:cNvPr>
-          <p:cNvSpPr/>
-          <p:nvPr/>
-        </p:nvSpPr>
-        <p:spPr>
-          <a:xfrm>
-            <a:off x="4414141" y="4818429"/>
-            <a:ext cx="3443592" cy="954107"/>
-          </a:xfrm>
-          <a:prstGeom prst="roundRect">
-            <a:avLst/>
-          </a:prstGeom>
-          <a:noFill/>
-        </p:spPr>
-        <p:style>
-          <a:lnRef idx="2">
-            <a:schemeClr val="accent1">
-              <a:shade val="50000"/>
-            </a:schemeClr>
-          </a:lnRef>
-          <a:fillRef idx="1">
-            <a:schemeClr val="accent1"/>
-          </a:fillRef>
-          <a:effectRef idx="0">
-            <a:schemeClr val="accent1"/>
-          </a:effectRef>
-          <a:fontRef idx="minor">
-            <a:schemeClr val="lt1"/>
-          </a:fontRef>
-        </p:style>
-        <p:txBody>
-          <a:bodyPr rtlCol="0" anchor="ctr"/>
-          <a:lstStyle/>
-          <a:p>
-            <a:pPr algn="ctr"/>
-            <a:endParaRPr lang="en-US" sz="3200"/>
-          </a:p>
-        </p:txBody>
-      </p:sp>
-      <p:sp>
-        <p:nvSpPr>
-          <p:cNvPr id="31" name="Rounded Rectangle 30">
-            <a:extLst>
-              <a:ext uri="{FF2B5EF4-FFF2-40B4-BE49-F238E27FC236}">
-                <a16:creationId xmlns:a16="http://schemas.microsoft.com/office/drawing/2014/main" id="{D261D438-E713-D545-B43A-0748A9622236}"/>
-              </a:ext>
-            </a:extLst>
-          </p:cNvPr>
-          <p:cNvSpPr/>
-          <p:nvPr/>
-        </p:nvSpPr>
-        <p:spPr>
-          <a:xfrm>
-            <a:off x="4453051" y="8586274"/>
-            <a:ext cx="3443592" cy="1384996"/>
-          </a:xfrm>
-          <a:prstGeom prst="roundRect">
-            <a:avLst/>
-          </a:prstGeom>
-          <a:noFill/>
-        </p:spPr>
-        <p:style>
-          <a:lnRef idx="2">
-            <a:schemeClr val="accent1">
-              <a:shade val="50000"/>
-            </a:schemeClr>
-          </a:lnRef>
-          <a:fillRef idx="1">
-            <a:schemeClr val="accent1"/>
-          </a:fillRef>
-          <a:effectRef idx="0">
-            <a:schemeClr val="accent1"/>
-          </a:effectRef>
-          <a:fontRef idx="minor">
-            <a:schemeClr val="lt1"/>
-          </a:fontRef>
-        </p:style>
-        <p:txBody>
-          <a:bodyPr rtlCol="0" anchor="ctr"/>
-          <a:lstStyle/>
-          <a:p>
-            <a:pPr algn="ctr"/>
-            <a:endParaRPr lang="en-US" sz="3200"/>
-          </a:p>
-        </p:txBody>
-      </p:sp>
-      <p:sp>
-        <p:nvSpPr>
-          <p:cNvPr id="32" name="Rounded Rectangle 31">
-            <a:extLst>
-              <a:ext uri="{FF2B5EF4-FFF2-40B4-BE49-F238E27FC236}">
-                <a16:creationId xmlns:a16="http://schemas.microsoft.com/office/drawing/2014/main" id="{5F416F37-46C2-3F4D-A21A-1A8DF783F885}"/>
-              </a:ext>
-            </a:extLst>
-          </p:cNvPr>
-          <p:cNvSpPr/>
-          <p:nvPr/>
-        </p:nvSpPr>
-        <p:spPr>
-          <a:xfrm>
-            <a:off x="8652156" y="3139829"/>
-            <a:ext cx="3443592" cy="954107"/>
-          </a:xfrm>
-          <a:prstGeom prst="roundRect">
-            <a:avLst/>
-          </a:prstGeom>
-          <a:noFill/>
-        </p:spPr>
-        <p:style>
-          <a:lnRef idx="2">
-            <a:schemeClr val="accent1">
-              <a:shade val="50000"/>
-            </a:schemeClr>
-          </a:lnRef>
-          <a:fillRef idx="1">
-            <a:schemeClr val="accent1"/>
-          </a:fillRef>
-          <a:effectRef idx="0">
-            <a:schemeClr val="accent1"/>
-          </a:effectRef>
-          <a:fontRef idx="minor">
-            <a:schemeClr val="lt1"/>
-          </a:fontRef>
-        </p:style>
-        <p:txBody>
-          <a:bodyPr rtlCol="0" anchor="ctr"/>
-          <a:lstStyle/>
-          <a:p>
-            <a:pPr algn="ctr"/>
-            <a:endParaRPr lang="en-US" sz="3200"/>
-          </a:p>
-        </p:txBody>
-      </p:sp>
-      <p:sp>
-        <p:nvSpPr>
-          <p:cNvPr id="33" name="Rounded Rectangle 32">
-            <a:extLst>
-              <a:ext uri="{FF2B5EF4-FFF2-40B4-BE49-F238E27FC236}">
-                <a16:creationId xmlns:a16="http://schemas.microsoft.com/office/drawing/2014/main" id="{BD5037DA-4042-8142-8712-A43EB8A0BBC0}"/>
-              </a:ext>
-            </a:extLst>
-          </p:cNvPr>
-          <p:cNvSpPr/>
-          <p:nvPr/>
-        </p:nvSpPr>
-        <p:spPr>
-          <a:xfrm>
-            <a:off x="8652156" y="1400781"/>
-            <a:ext cx="3443592" cy="954107"/>
-          </a:xfrm>
-          <a:prstGeom prst="roundRect">
-            <a:avLst/>
-          </a:prstGeom>
-          <a:noFill/>
-        </p:spPr>
-        <p:style>
-          <a:lnRef idx="2">
-            <a:schemeClr val="accent1">
-              <a:shade val="50000"/>
-            </a:schemeClr>
-          </a:lnRef>
-          <a:fillRef idx="1">
-            <a:schemeClr val="accent1"/>
-          </a:fillRef>
-          <a:effectRef idx="0">
-            <a:schemeClr val="accent1"/>
-          </a:effectRef>
-          <a:fontRef idx="minor">
-            <a:schemeClr val="lt1"/>
-          </a:fontRef>
-        </p:style>
-        <p:txBody>
-          <a:bodyPr rtlCol="0" anchor="ctr"/>
-          <a:lstStyle/>
-          <a:p>
-            <a:pPr algn="ctr"/>
-            <a:endParaRPr lang="en-US" sz="3200"/>
-          </a:p>
-        </p:txBody>
-      </p:sp>
-      <p:sp>
-        <p:nvSpPr>
-          <p:cNvPr id="34" name="Rounded Rectangle 33">
-            <a:extLst>
-              <a:ext uri="{FF2B5EF4-FFF2-40B4-BE49-F238E27FC236}">
-                <a16:creationId xmlns:a16="http://schemas.microsoft.com/office/drawing/2014/main" id="{A64481BD-FEE4-094C-9A44-8F7123E002F7}"/>
-              </a:ext>
-            </a:extLst>
-          </p:cNvPr>
-          <p:cNvSpPr/>
-          <p:nvPr/>
-        </p:nvSpPr>
-        <p:spPr>
-          <a:xfrm>
-            <a:off x="8652156" y="4840742"/>
-            <a:ext cx="3443592" cy="954107"/>
-          </a:xfrm>
-          <a:prstGeom prst="roundRect">
-            <a:avLst/>
-          </a:prstGeom>
-          <a:noFill/>
-        </p:spPr>
-        <p:style>
-          <a:lnRef idx="2">
-            <a:schemeClr val="accent1">
-              <a:shade val="50000"/>
-            </a:schemeClr>
-          </a:lnRef>
-          <a:fillRef idx="1">
-            <a:schemeClr val="accent1"/>
-          </a:fillRef>
-          <a:effectRef idx="0">
-            <a:schemeClr val="accent1"/>
-          </a:effectRef>
-          <a:fontRef idx="minor">
-            <a:schemeClr val="lt1"/>
-          </a:fontRef>
-        </p:style>
-        <p:txBody>
-          <a:bodyPr rtlCol="0" anchor="ctr"/>
-          <a:lstStyle/>
-          <a:p>
-            <a:pPr algn="ctr"/>
-            <a:endParaRPr lang="en-US" sz="3200"/>
-          </a:p>
-        </p:txBody>
-      </p:sp>
-      <p:sp>
-        <p:nvSpPr>
-          <p:cNvPr id="36" name="Rounded Rectangle 35">
-            <a:extLst>
-              <a:ext uri="{FF2B5EF4-FFF2-40B4-BE49-F238E27FC236}">
-                <a16:creationId xmlns:a16="http://schemas.microsoft.com/office/drawing/2014/main" id="{C5A55A91-66B1-0847-892A-10B604463F1A}"/>
-              </a:ext>
-            </a:extLst>
-          </p:cNvPr>
-          <p:cNvSpPr/>
-          <p:nvPr/>
-        </p:nvSpPr>
-        <p:spPr>
-          <a:xfrm>
-            <a:off x="8652156" y="6468874"/>
-            <a:ext cx="3443592" cy="1337165"/>
-          </a:xfrm>
-          <a:prstGeom prst="roundRect">
-            <a:avLst/>
-          </a:prstGeom>
-          <a:noFill/>
-        </p:spPr>
-        <p:style>
-          <a:lnRef idx="2">
-            <a:schemeClr val="accent1">
-              <a:shade val="50000"/>
-            </a:schemeClr>
-          </a:lnRef>
-          <a:fillRef idx="1">
-            <a:schemeClr val="accent1"/>
-          </a:fillRef>
-          <a:effectRef idx="0">
-            <a:schemeClr val="accent1"/>
-          </a:effectRef>
-          <a:fontRef idx="minor">
-            <a:schemeClr val="lt1"/>
-          </a:fontRef>
-        </p:style>
-        <p:txBody>
-          <a:bodyPr rtlCol="0" anchor="ctr"/>
-          <a:lstStyle/>
-          <a:p>
-            <a:pPr algn="ctr"/>
-            <a:endParaRPr lang="en-US" sz="3200"/>
-          </a:p>
-        </p:txBody>
-      </p:sp>
-      <p:sp>
-        <p:nvSpPr>
-          <p:cNvPr id="38" name="Rounded Rectangle 37">
-            <a:extLst>
-              <a:ext uri="{FF2B5EF4-FFF2-40B4-BE49-F238E27FC236}">
-                <a16:creationId xmlns:a16="http://schemas.microsoft.com/office/drawing/2014/main" id="{B462F1E4-74CA-4A42-ADE6-4AE089252FC0}"/>
-              </a:ext>
-            </a:extLst>
-          </p:cNvPr>
-          <p:cNvSpPr/>
-          <p:nvPr/>
-        </p:nvSpPr>
-        <p:spPr>
-          <a:xfrm>
-            <a:off x="6262396" y="6468874"/>
-            <a:ext cx="1595337" cy="1337165"/>
-          </a:xfrm>
-          <a:prstGeom prst="roundRect">
-            <a:avLst/>
-          </a:prstGeom>
-          <a:noFill/>
-        </p:spPr>
-        <p:style>
-          <a:lnRef idx="2">
-            <a:schemeClr val="accent1">
-              <a:shade val="50000"/>
-            </a:schemeClr>
-          </a:lnRef>
-          <a:fillRef idx="1">
-            <a:schemeClr val="accent1"/>
-          </a:fillRef>
-          <a:effectRef idx="0">
-            <a:schemeClr val="accent1"/>
-          </a:effectRef>
-          <a:fontRef idx="minor">
-            <a:schemeClr val="lt1"/>
-          </a:fontRef>
-        </p:style>
-        <p:txBody>
-          <a:bodyPr rtlCol="0" anchor="ctr"/>
-          <a:lstStyle/>
-          <a:p>
-            <a:pPr algn="ctr"/>
-            <a:endParaRPr lang="en-US" sz="3200"/>
-          </a:p>
-        </p:txBody>
-      </p:sp>
-      <p:sp>
-        <p:nvSpPr>
-          <p:cNvPr id="39" name="Rounded Rectangle 38">
-            <a:extLst>
-              <a:ext uri="{FF2B5EF4-FFF2-40B4-BE49-F238E27FC236}">
-                <a16:creationId xmlns:a16="http://schemas.microsoft.com/office/drawing/2014/main" id="{68587E80-02A1-1B4D-81FA-DD3387C668D6}"/>
-              </a:ext>
-            </a:extLst>
-          </p:cNvPr>
-          <p:cNvSpPr/>
-          <p:nvPr/>
-        </p:nvSpPr>
-        <p:spPr>
-          <a:xfrm>
-            <a:off x="4423866" y="6468874"/>
-            <a:ext cx="1591056" cy="1337165"/>
-          </a:xfrm>
-          <a:prstGeom prst="roundRect">
-            <a:avLst/>
-          </a:prstGeom>
-          <a:noFill/>
-        </p:spPr>
-        <p:style>
-          <a:lnRef idx="2">
-            <a:schemeClr val="accent1">
-              <a:shade val="50000"/>
-            </a:schemeClr>
-          </a:lnRef>
-          <a:fillRef idx="1">
-            <a:schemeClr val="accent1"/>
-          </a:fillRef>
-          <a:effectRef idx="0">
-            <a:schemeClr val="accent1"/>
-          </a:effectRef>
-          <a:fontRef idx="minor">
-            <a:schemeClr val="lt1"/>
-          </a:fontRef>
-        </p:style>
-        <p:txBody>
-          <a:bodyPr rtlCol="0" anchor="ctr"/>
-          <a:lstStyle/>
-          <a:p>
-            <a:pPr algn="ctr"/>
-            <a:endParaRPr lang="en-US" sz="3200"/>
-          </a:p>
-        </p:txBody>
-      </p:sp>
-      <p:sp>
-        <p:nvSpPr>
-          <p:cNvPr id="40" name="Rounded Rectangle 39">
-            <a:extLst>
-              <a:ext uri="{FF2B5EF4-FFF2-40B4-BE49-F238E27FC236}">
-                <a16:creationId xmlns:a16="http://schemas.microsoft.com/office/drawing/2014/main" id="{A698744F-391E-2044-B04B-2F227965EC84}"/>
-              </a:ext>
-            </a:extLst>
-          </p:cNvPr>
-          <p:cNvSpPr/>
-          <p:nvPr/>
-        </p:nvSpPr>
-        <p:spPr>
-          <a:xfrm>
-            <a:off x="59391" y="6468873"/>
-            <a:ext cx="1591056" cy="1337165"/>
-          </a:xfrm>
-          <a:prstGeom prst="roundRect">
-            <a:avLst/>
-          </a:prstGeom>
-          <a:noFill/>
-        </p:spPr>
-        <p:style>
-          <a:lnRef idx="2">
-            <a:schemeClr val="accent1">
-              <a:shade val="50000"/>
-            </a:schemeClr>
-          </a:lnRef>
-          <a:fillRef idx="1">
-            <a:schemeClr val="accent1"/>
-          </a:fillRef>
-          <a:effectRef idx="0">
-            <a:schemeClr val="accent1"/>
-          </a:effectRef>
-          <a:fontRef idx="minor">
-            <a:schemeClr val="lt1"/>
-          </a:fontRef>
-        </p:style>
-        <p:txBody>
-          <a:bodyPr rtlCol="0" anchor="ctr"/>
-          <a:lstStyle/>
-          <a:p>
-            <a:pPr algn="ctr"/>
-            <a:endParaRPr lang="en-US" sz="3200"/>
-          </a:p>
-        </p:txBody>
-      </p:sp>
-      <p:sp>
-        <p:nvSpPr>
-          <p:cNvPr id="41" name="Rounded Rectangle 40">
-            <a:extLst>
-              <a:ext uri="{FF2B5EF4-FFF2-40B4-BE49-F238E27FC236}">
-                <a16:creationId xmlns:a16="http://schemas.microsoft.com/office/drawing/2014/main" id="{C0E43CEE-0807-C046-AE1B-2B96A20FF3C2}"/>
-              </a:ext>
-            </a:extLst>
-          </p:cNvPr>
-          <p:cNvSpPr/>
-          <p:nvPr/>
-        </p:nvSpPr>
-        <p:spPr>
-          <a:xfrm>
-            <a:off x="1884949" y="6449435"/>
-            <a:ext cx="1591056" cy="1337165"/>
-          </a:xfrm>
-          <a:prstGeom prst="roundRect">
-            <a:avLst/>
-          </a:prstGeom>
-          <a:noFill/>
-        </p:spPr>
-        <p:style>
-          <a:lnRef idx="2">
-            <a:schemeClr val="accent1">
-              <a:shade val="50000"/>
-            </a:schemeClr>
-          </a:lnRef>
-          <a:fillRef idx="1">
-            <a:schemeClr val="accent1"/>
-          </a:fillRef>
-          <a:effectRef idx="0">
-            <a:schemeClr val="accent1"/>
-          </a:effectRef>
-          <a:fontRef idx="minor">
-            <a:schemeClr val="lt1"/>
-          </a:fontRef>
-        </p:style>
-        <p:txBody>
-          <a:bodyPr rtlCol="0" anchor="ctr"/>
-          <a:lstStyle/>
-          <a:p>
-            <a:pPr algn="ctr"/>
-            <a:endParaRPr lang="en-US" sz="3200"/>
-          </a:p>
-        </p:txBody>
-      </p:sp>
-      <p:sp>
-        <p:nvSpPr>
-          <p:cNvPr id="42" name="Rounded Rectangle 41">
-            <a:extLst>
-              <a:ext uri="{FF2B5EF4-FFF2-40B4-BE49-F238E27FC236}">
-                <a16:creationId xmlns:a16="http://schemas.microsoft.com/office/drawing/2014/main" id="{3983763C-DC4C-6343-BC47-54A384289FF1}"/>
-              </a:ext>
-            </a:extLst>
-          </p:cNvPr>
-          <p:cNvSpPr/>
-          <p:nvPr/>
-        </p:nvSpPr>
-        <p:spPr>
-          <a:xfrm>
-            <a:off x="8652156" y="8505246"/>
-            <a:ext cx="1601822" cy="1466024"/>
-          </a:xfrm>
-          <a:prstGeom prst="roundRect">
-            <a:avLst/>
-          </a:prstGeom>
-          <a:noFill/>
-        </p:spPr>
-        <p:style>
-          <a:lnRef idx="2">
-            <a:schemeClr val="accent1">
-              <a:shade val="50000"/>
-            </a:schemeClr>
-          </a:lnRef>
-          <a:fillRef idx="1">
-            <a:schemeClr val="accent1"/>
-          </a:fillRef>
-          <a:effectRef idx="0">
-            <a:schemeClr val="accent1"/>
-          </a:effectRef>
-          <a:fontRef idx="minor">
-            <a:schemeClr val="lt1"/>
-          </a:fontRef>
-        </p:style>
-        <p:txBody>
-          <a:bodyPr rtlCol="0" anchor="ctr"/>
-          <a:lstStyle/>
-          <a:p>
-            <a:pPr algn="ctr"/>
-            <a:endParaRPr lang="en-US" sz="3200"/>
-          </a:p>
-        </p:txBody>
-      </p:sp>
-      <p:sp>
-        <p:nvSpPr>
-          <p:cNvPr id="43" name="Rounded Rectangle 42">
-            <a:extLst>
-              <a:ext uri="{FF2B5EF4-FFF2-40B4-BE49-F238E27FC236}">
-                <a16:creationId xmlns:a16="http://schemas.microsoft.com/office/drawing/2014/main" id="{6578BD14-0EFE-AB47-85C2-A5DBAC774164}"/>
-              </a:ext>
-            </a:extLst>
-          </p:cNvPr>
-          <p:cNvSpPr/>
-          <p:nvPr/>
-        </p:nvSpPr>
-        <p:spPr>
-          <a:xfrm>
-            <a:off x="10519870" y="8505246"/>
-            <a:ext cx="1575878" cy="1466024"/>
-          </a:xfrm>
-          <a:prstGeom prst="roundRect">
-            <a:avLst/>
-          </a:prstGeom>
-          <a:noFill/>
-        </p:spPr>
-        <p:style>
-          <a:lnRef idx="2">
-            <a:schemeClr val="accent1">
-              <a:shade val="50000"/>
-            </a:schemeClr>
-          </a:lnRef>
-          <a:fillRef idx="1">
-            <a:schemeClr val="accent1"/>
-          </a:fillRef>
-          <a:effectRef idx="0">
-            <a:schemeClr val="accent1"/>
-          </a:effectRef>
-          <a:fontRef idx="minor">
-            <a:schemeClr val="lt1"/>
-          </a:fontRef>
-        </p:style>
-        <p:txBody>
-          <a:bodyPr rtlCol="0" anchor="ctr"/>
-          <a:lstStyle/>
-          <a:p>
-            <a:pPr algn="ctr"/>
-            <a:endParaRPr lang="en-US" sz="3200"/>
-          </a:p>
-        </p:txBody>
-      </p:sp>
-      <p:sp>
-        <p:nvSpPr>
-          <p:cNvPr id="44" name="Down Arrow 43">
-            <a:extLst>
-              <a:ext uri="{FF2B5EF4-FFF2-40B4-BE49-F238E27FC236}">
-                <a16:creationId xmlns:a16="http://schemas.microsoft.com/office/drawing/2014/main" id="{E1864245-4BE4-E948-A08F-4418CA1F7A23}"/>
-              </a:ext>
-            </a:extLst>
-          </p:cNvPr>
-          <p:cNvSpPr/>
-          <p:nvPr/>
-        </p:nvSpPr>
-        <p:spPr>
-          <a:xfrm>
-            <a:off x="1500408" y="2432710"/>
+            <a:off x="2486554" y="5308060"/>
             <a:ext cx="561558" cy="673431"/>
           </a:xfrm>
           <a:prstGeom prst="downArrow">
@@ -15267,10 +14965,10 @@
       </p:sp>
       <p:sp>
         <p:nvSpPr>
-          <p:cNvPr id="45" name="Down Arrow 44">
-            <a:extLst>
-              <a:ext uri="{FF2B5EF4-FFF2-40B4-BE49-F238E27FC236}">
-                <a16:creationId xmlns:a16="http://schemas.microsoft.com/office/drawing/2014/main" id="{D4EFA51B-2A7B-EB4D-A324-F07D6E581125}"/>
+          <p:cNvPr id="25" name="Rounded Rectangle 24">
+            <a:extLst>
+              <a:ext uri="{FF2B5EF4-FFF2-40B4-BE49-F238E27FC236}">
+                <a16:creationId xmlns:a16="http://schemas.microsoft.com/office/drawing/2014/main" id="{67EF70C3-7C07-C34F-B3A4-0FBED081C112}"/>
               </a:ext>
             </a:extLst>
           </p:cNvPr>
@@ -15279,7 +14977,183 @@
         </p:nvSpPr>
         <p:spPr>
           <a:xfrm>
-            <a:off x="1497166" y="4166696"/>
+            <a:off x="1454396" y="557867"/>
+            <a:ext cx="2625875" cy="1052623"/>
+          </a:xfrm>
+          <a:prstGeom prst="roundRect">
+            <a:avLst/>
+          </a:prstGeom>
+          <a:noFill/>
+        </p:spPr>
+        <p:style>
+          <a:lnRef idx="2">
+            <a:schemeClr val="accent1">
+              <a:shade val="50000"/>
+            </a:schemeClr>
+          </a:lnRef>
+          <a:fillRef idx="1">
+            <a:schemeClr val="accent1"/>
+          </a:fillRef>
+          <a:effectRef idx="0">
+            <a:schemeClr val="accent1"/>
+          </a:effectRef>
+          <a:fontRef idx="minor">
+            <a:schemeClr val="lt1"/>
+          </a:fontRef>
+        </p:style>
+        <p:txBody>
+          <a:bodyPr rtlCol="0" anchor="ctr"/>
+          <a:lstStyle/>
+          <a:p>
+            <a:pPr algn="ctr"/>
+            <a:endParaRPr lang="en-US" sz="3200"/>
+          </a:p>
+        </p:txBody>
+      </p:sp>
+      <p:sp>
+        <p:nvSpPr>
+          <p:cNvPr id="26" name="Rounded Rectangle 25">
+            <a:extLst>
+              <a:ext uri="{FF2B5EF4-FFF2-40B4-BE49-F238E27FC236}">
+                <a16:creationId xmlns:a16="http://schemas.microsoft.com/office/drawing/2014/main" id="{A5FA94FB-E294-CB40-B190-33F8279AAB70}"/>
+              </a:ext>
+            </a:extLst>
+          </p:cNvPr>
+          <p:cNvSpPr/>
+          <p:nvPr/>
+        </p:nvSpPr>
+        <p:spPr>
+          <a:xfrm>
+            <a:off x="5631452" y="554796"/>
+            <a:ext cx="2625875" cy="1052623"/>
+          </a:xfrm>
+          <a:prstGeom prst="roundRect">
+            <a:avLst/>
+          </a:prstGeom>
+          <a:noFill/>
+        </p:spPr>
+        <p:style>
+          <a:lnRef idx="2">
+            <a:schemeClr val="accent1">
+              <a:shade val="50000"/>
+            </a:schemeClr>
+          </a:lnRef>
+          <a:fillRef idx="1">
+            <a:schemeClr val="accent1"/>
+          </a:fillRef>
+          <a:effectRef idx="0">
+            <a:schemeClr val="accent1"/>
+          </a:effectRef>
+          <a:fontRef idx="minor">
+            <a:schemeClr val="lt1"/>
+          </a:fontRef>
+        </p:style>
+        <p:txBody>
+          <a:bodyPr rtlCol="0" anchor="ctr"/>
+          <a:lstStyle/>
+          <a:p>
+            <a:pPr algn="ctr"/>
+            <a:endParaRPr lang="en-US" sz="3200"/>
+          </a:p>
+        </p:txBody>
+      </p:sp>
+      <p:sp>
+        <p:nvSpPr>
+          <p:cNvPr id="27" name="Rounded Rectangle 26">
+            <a:extLst>
+              <a:ext uri="{FF2B5EF4-FFF2-40B4-BE49-F238E27FC236}">
+                <a16:creationId xmlns:a16="http://schemas.microsoft.com/office/drawing/2014/main" id="{8A19DEAD-EADE-894F-8545-67AF88BA884B}"/>
+              </a:ext>
+            </a:extLst>
+          </p:cNvPr>
+          <p:cNvSpPr/>
+          <p:nvPr/>
+        </p:nvSpPr>
+        <p:spPr>
+          <a:xfrm>
+            <a:off x="1454395" y="6072332"/>
+            <a:ext cx="2625875" cy="1052623"/>
+          </a:xfrm>
+          <a:prstGeom prst="roundRect">
+            <a:avLst/>
+          </a:prstGeom>
+          <a:noFill/>
+        </p:spPr>
+        <p:style>
+          <a:lnRef idx="2">
+            <a:schemeClr val="accent1">
+              <a:shade val="50000"/>
+            </a:schemeClr>
+          </a:lnRef>
+          <a:fillRef idx="1">
+            <a:schemeClr val="accent1"/>
+          </a:fillRef>
+          <a:effectRef idx="0">
+            <a:schemeClr val="accent1"/>
+          </a:effectRef>
+          <a:fontRef idx="minor">
+            <a:schemeClr val="lt1"/>
+          </a:fontRef>
+        </p:style>
+        <p:txBody>
+          <a:bodyPr rtlCol="0" anchor="ctr"/>
+          <a:lstStyle/>
+          <a:p>
+            <a:pPr algn="ctr"/>
+            <a:endParaRPr lang="en-US" sz="3200"/>
+          </a:p>
+        </p:txBody>
+      </p:sp>
+      <p:sp>
+        <p:nvSpPr>
+          <p:cNvPr id="28" name="TextBox 27">
+            <a:extLst>
+              <a:ext uri="{FF2B5EF4-FFF2-40B4-BE49-F238E27FC236}">
+                <a16:creationId xmlns:a16="http://schemas.microsoft.com/office/drawing/2014/main" id="{1EFE0E1F-A721-044D-9F52-649B7435CAB5}"/>
+              </a:ext>
+            </a:extLst>
+          </p:cNvPr>
+          <p:cNvSpPr txBox="1"/>
+          <p:nvPr/>
+        </p:nvSpPr>
+        <p:spPr>
+          <a:xfrm>
+            <a:off x="6242321" y="6326212"/>
+            <a:ext cx="1516762" cy="584775"/>
+          </a:xfrm>
+          <a:prstGeom prst="rect">
+            <a:avLst/>
+          </a:prstGeom>
+          <a:noFill/>
+        </p:spPr>
+        <p:txBody>
+          <a:bodyPr wrap="square" rtlCol="0">
+            <a:spAutoFit/>
+          </a:bodyPr>
+          <a:lstStyle/>
+          <a:p>
+            <a:r>
+              <a:rPr lang="en-US" sz="3200" dirty="0"/>
+              <a:t>P &lt; 0.05</a:t>
+            </a:r>
+          </a:p>
+        </p:txBody>
+      </p:sp>
+      <p:sp>
+        <p:nvSpPr>
+          <p:cNvPr id="29" name="Down Arrow 28">
+            <a:extLst>
+              <a:ext uri="{FF2B5EF4-FFF2-40B4-BE49-F238E27FC236}">
+                <a16:creationId xmlns:a16="http://schemas.microsoft.com/office/drawing/2014/main" id="{B8AFA58A-922B-0547-B2DA-B0EEB2DA106B}"/>
+              </a:ext>
+            </a:extLst>
+          </p:cNvPr>
+          <p:cNvSpPr/>
+          <p:nvPr/>
+        </p:nvSpPr>
+        <p:spPr>
+          <a:xfrm>
+            <a:off x="6553730" y="5308060"/>
             <a:ext cx="561558" cy="673431"/>
           </a:xfrm>
           <a:prstGeom prst="downArrow">
@@ -15326,10 +15200,10 @@
       </p:sp>
       <p:sp>
         <p:nvSpPr>
-          <p:cNvPr id="46" name="Down Arrow 45">
-            <a:extLst>
-              <a:ext uri="{FF2B5EF4-FFF2-40B4-BE49-F238E27FC236}">
-                <a16:creationId xmlns:a16="http://schemas.microsoft.com/office/drawing/2014/main" id="{C1EC82CF-48E7-4142-B772-70659E5D6EC7}"/>
+          <p:cNvPr id="30" name="Rounded Rectangle 29">
+            <a:extLst>
+              <a:ext uri="{FF2B5EF4-FFF2-40B4-BE49-F238E27FC236}">
+                <a16:creationId xmlns:a16="http://schemas.microsoft.com/office/drawing/2014/main" id="{463840B7-057A-6C48-9A56-5DDAAE745B43}"/>
               </a:ext>
             </a:extLst>
           </p:cNvPr>
@@ -15338,7 +15212,54 @@
         </p:nvSpPr>
         <p:spPr>
           <a:xfrm>
-            <a:off x="5894068" y="2421814"/>
+            <a:off x="5631452" y="6072332"/>
+            <a:ext cx="2625875" cy="1052623"/>
+          </a:xfrm>
+          <a:prstGeom prst="roundRect">
+            <a:avLst/>
+          </a:prstGeom>
+          <a:noFill/>
+        </p:spPr>
+        <p:style>
+          <a:lnRef idx="2">
+            <a:schemeClr val="accent1">
+              <a:shade val="50000"/>
+            </a:schemeClr>
+          </a:lnRef>
+          <a:fillRef idx="1">
+            <a:schemeClr val="accent1"/>
+          </a:fillRef>
+          <a:effectRef idx="0">
+            <a:schemeClr val="accent1"/>
+          </a:effectRef>
+          <a:fontRef idx="minor">
+            <a:schemeClr val="lt1"/>
+          </a:fontRef>
+        </p:style>
+        <p:txBody>
+          <a:bodyPr rtlCol="0" anchor="ctr"/>
+          <a:lstStyle/>
+          <a:p>
+            <a:pPr algn="ctr"/>
+            <a:endParaRPr lang="en-US" sz="3200"/>
+          </a:p>
+        </p:txBody>
+      </p:sp>
+      <p:sp>
+        <p:nvSpPr>
+          <p:cNvPr id="31" name="Down Arrow 30">
+            <a:extLst>
+              <a:ext uri="{FF2B5EF4-FFF2-40B4-BE49-F238E27FC236}">
+                <a16:creationId xmlns:a16="http://schemas.microsoft.com/office/drawing/2014/main" id="{34D177AD-C501-BC43-8856-87711BEFF717}"/>
+              </a:ext>
+            </a:extLst>
+          </p:cNvPr>
+          <p:cNvSpPr/>
+          <p:nvPr/>
+        </p:nvSpPr>
+        <p:spPr>
+          <a:xfrm>
+            <a:off x="2486554" y="7256383"/>
             <a:ext cx="561558" cy="673431"/>
           </a:xfrm>
           <a:prstGeom prst="downArrow">
@@ -15385,10 +15306,10 @@
       </p:sp>
       <p:sp>
         <p:nvSpPr>
-          <p:cNvPr id="47" name="Down Arrow 46">
-            <a:extLst>
-              <a:ext uri="{FF2B5EF4-FFF2-40B4-BE49-F238E27FC236}">
-                <a16:creationId xmlns:a16="http://schemas.microsoft.com/office/drawing/2014/main" id="{4333DBD3-80B3-C942-9E69-DE2F86078424}"/>
+          <p:cNvPr id="32" name="Down Arrow 31">
+            <a:extLst>
+              <a:ext uri="{FF2B5EF4-FFF2-40B4-BE49-F238E27FC236}">
+                <a16:creationId xmlns:a16="http://schemas.microsoft.com/office/drawing/2014/main" id="{CFBC5734-66B8-124D-940F-3770B17D6BE6}"/>
               </a:ext>
             </a:extLst>
           </p:cNvPr>
@@ -15397,7 +15318,7 @@
         </p:nvSpPr>
         <p:spPr>
           <a:xfrm>
-            <a:off x="5855157" y="4133071"/>
+            <a:off x="6553730" y="7221877"/>
             <a:ext cx="561558" cy="673431"/>
           </a:xfrm>
           <a:prstGeom prst="downArrow">
@@ -15444,10 +15365,10 @@
       </p:sp>
       <p:sp>
         <p:nvSpPr>
-          <p:cNvPr id="48" name="Down Arrow 47">
-            <a:extLst>
-              <a:ext uri="{FF2B5EF4-FFF2-40B4-BE49-F238E27FC236}">
-                <a16:creationId xmlns:a16="http://schemas.microsoft.com/office/drawing/2014/main" id="{DDEFEE6C-788C-0541-969B-C9A5CB2CE66B}"/>
+          <p:cNvPr id="34" name="Rounded Rectangle 33">
+            <a:extLst>
+              <a:ext uri="{FF2B5EF4-FFF2-40B4-BE49-F238E27FC236}">
+                <a16:creationId xmlns:a16="http://schemas.microsoft.com/office/drawing/2014/main" id="{1DD2C1A6-2116-394C-B171-55212123D3F8}"/>
               </a:ext>
             </a:extLst>
           </p:cNvPr>
@@ -15456,8 +15377,160 @@
         </p:nvSpPr>
         <p:spPr>
           <a:xfrm>
-            <a:off x="10093173" y="2437485"/>
-            <a:ext cx="561558" cy="673431"/>
+            <a:off x="1454394" y="8018394"/>
+            <a:ext cx="2625875" cy="2386007"/>
+          </a:xfrm>
+          <a:prstGeom prst="roundRect">
+            <a:avLst/>
+          </a:prstGeom>
+          <a:noFill/>
+        </p:spPr>
+        <p:style>
+          <a:lnRef idx="2">
+            <a:schemeClr val="accent1">
+              <a:shade val="50000"/>
+            </a:schemeClr>
+          </a:lnRef>
+          <a:fillRef idx="1">
+            <a:schemeClr val="accent1"/>
+          </a:fillRef>
+          <a:effectRef idx="0">
+            <a:schemeClr val="accent1"/>
+          </a:effectRef>
+          <a:fontRef idx="minor">
+            <a:schemeClr val="lt1"/>
+          </a:fontRef>
+        </p:style>
+        <p:txBody>
+          <a:bodyPr rtlCol="0" anchor="ctr"/>
+          <a:lstStyle/>
+          <a:p>
+            <a:pPr algn="ctr"/>
+            <a:endParaRPr lang="en-US" sz="3200"/>
+          </a:p>
+        </p:txBody>
+      </p:sp>
+      <p:sp>
+        <p:nvSpPr>
+          <p:cNvPr id="35" name="TextBox 34">
+            <a:extLst>
+              <a:ext uri="{FF2B5EF4-FFF2-40B4-BE49-F238E27FC236}">
+                <a16:creationId xmlns:a16="http://schemas.microsoft.com/office/drawing/2014/main" id="{CF594CB9-F156-C546-8712-7D7CFED3DCC6}"/>
+              </a:ext>
+            </a:extLst>
+          </p:cNvPr>
+          <p:cNvSpPr txBox="1"/>
+          <p:nvPr/>
+        </p:nvSpPr>
+        <p:spPr>
+          <a:xfrm>
+            <a:off x="5521571" y="8139816"/>
+            <a:ext cx="2845383" cy="2062103"/>
+          </a:xfrm>
+          <a:prstGeom prst="rect">
+            <a:avLst/>
+          </a:prstGeom>
+          <a:noFill/>
+        </p:spPr>
+        <p:txBody>
+          <a:bodyPr wrap="square" rtlCol="0">
+            <a:spAutoFit/>
+          </a:bodyPr>
+          <a:lstStyle/>
+          <a:p>
+            <a:pPr algn="ctr"/>
+            <a:r>
+              <a:rPr lang="en-US" sz="3200" dirty="0"/>
+              <a:t>KD_IRratio &gt; CTRL_IRratio </a:t>
+            </a:r>
+          </a:p>
+          <a:p>
+            <a:pPr algn="ctr"/>
+            <a:r>
+              <a:rPr lang="en-US" sz="3200" dirty="0"/>
+              <a:t>for </a:t>
+            </a:r>
+            <a:r>
+              <a:rPr lang="en-US" sz="3200" b="1" dirty="0"/>
+              <a:t>increased</a:t>
+            </a:r>
+            <a:r>
+              <a:rPr lang="en-US" sz="3200" dirty="0"/>
+              <a:t> </a:t>
+            </a:r>
+          </a:p>
+          <a:p>
+            <a:pPr algn="ctr"/>
+            <a:r>
+              <a:rPr lang="en-US" sz="3200" dirty="0"/>
+              <a:t>IR events in KD</a:t>
+            </a:r>
+          </a:p>
+        </p:txBody>
+      </p:sp>
+      <p:sp>
+        <p:nvSpPr>
+          <p:cNvPr id="36" name="Rounded Rectangle 35">
+            <a:extLst>
+              <a:ext uri="{FF2B5EF4-FFF2-40B4-BE49-F238E27FC236}">
+                <a16:creationId xmlns:a16="http://schemas.microsoft.com/office/drawing/2014/main" id="{024C3104-64E3-194B-989F-4D3359E43082}"/>
+              </a:ext>
+            </a:extLst>
+          </p:cNvPr>
+          <p:cNvSpPr/>
+          <p:nvPr/>
+        </p:nvSpPr>
+        <p:spPr>
+          <a:xfrm>
+            <a:off x="5631326" y="7977865"/>
+            <a:ext cx="2625875" cy="2386007"/>
+          </a:xfrm>
+          <a:prstGeom prst="roundRect">
+            <a:avLst/>
+          </a:prstGeom>
+          <a:noFill/>
+        </p:spPr>
+        <p:style>
+          <a:lnRef idx="2">
+            <a:schemeClr val="accent1">
+              <a:shade val="50000"/>
+            </a:schemeClr>
+          </a:lnRef>
+          <a:fillRef idx="1">
+            <a:schemeClr val="accent1"/>
+          </a:fillRef>
+          <a:effectRef idx="0">
+            <a:schemeClr val="accent1"/>
+          </a:effectRef>
+          <a:fontRef idx="minor">
+            <a:schemeClr val="lt1"/>
+          </a:fontRef>
+        </p:style>
+        <p:txBody>
+          <a:bodyPr rtlCol="0" anchor="ctr"/>
+          <a:lstStyle/>
+          <a:p>
+            <a:pPr algn="ctr"/>
+            <a:endParaRPr lang="en-US" sz="3200"/>
+          </a:p>
+        </p:txBody>
+      </p:sp>
+      <p:sp>
+        <p:nvSpPr>
+          <p:cNvPr id="37" name="Down Arrow 36">
+            <a:extLst>
+              <a:ext uri="{FF2B5EF4-FFF2-40B4-BE49-F238E27FC236}">
+                <a16:creationId xmlns:a16="http://schemas.microsoft.com/office/drawing/2014/main" id="{2F0010C4-3FEF-384A-B641-6B2703380E9E}"/>
+              </a:ext>
+            </a:extLst>
+          </p:cNvPr>
+          <p:cNvSpPr/>
+          <p:nvPr/>
+        </p:nvSpPr>
+        <p:spPr>
+          <a:xfrm rot="18244720">
+            <a:off x="4197618" y="15146012"/>
+            <a:ext cx="561558" cy="911908"/>
           </a:xfrm>
           <a:prstGeom prst="downArrow">
             <a:avLst/>
@@ -15503,10 +15576,10 @@
       </p:sp>
       <p:sp>
         <p:nvSpPr>
-          <p:cNvPr id="49" name="Down Arrow 48">
-            <a:extLst>
-              <a:ext uri="{FF2B5EF4-FFF2-40B4-BE49-F238E27FC236}">
-                <a16:creationId xmlns:a16="http://schemas.microsoft.com/office/drawing/2014/main" id="{E8758B75-1FDC-5844-9BA2-4874C6A430E9}"/>
+          <p:cNvPr id="38" name="Down Arrow 37">
+            <a:extLst>
+              <a:ext uri="{FF2B5EF4-FFF2-40B4-BE49-F238E27FC236}">
+                <a16:creationId xmlns:a16="http://schemas.microsoft.com/office/drawing/2014/main" id="{68C08946-EDBF-754A-9DF6-7A56E41CCE80}"/>
               </a:ext>
             </a:extLst>
           </p:cNvPr>
@@ -15514,9 +15587,9 @@
           <p:nvPr/>
         </p:nvSpPr>
         <p:spPr>
-          <a:xfrm>
-            <a:off x="10093173" y="4170520"/>
-            <a:ext cx="561558" cy="673431"/>
+          <a:xfrm rot="3263484">
+            <a:off x="5036311" y="15137105"/>
+            <a:ext cx="561558" cy="911908"/>
           </a:xfrm>
           <a:prstGeom prst="downArrow">
             <a:avLst/>
@@ -15562,10 +15635,10 @@
       </p:sp>
       <p:sp>
         <p:nvSpPr>
-          <p:cNvPr id="50" name="Down Arrow 49">
-            <a:extLst>
-              <a:ext uri="{FF2B5EF4-FFF2-40B4-BE49-F238E27FC236}">
-                <a16:creationId xmlns:a16="http://schemas.microsoft.com/office/drawing/2014/main" id="{7AD91C9B-6B2A-5641-BE02-093E09F0AD36}"/>
+          <p:cNvPr id="39" name="Down Arrow 38">
+            <a:extLst>
+              <a:ext uri="{FF2B5EF4-FFF2-40B4-BE49-F238E27FC236}">
+                <a16:creationId xmlns:a16="http://schemas.microsoft.com/office/drawing/2014/main" id="{7206F352-9EED-574C-B0E4-8040A9D2B608}"/>
               </a:ext>
             </a:extLst>
           </p:cNvPr>
@@ -15573,8 +15646,8 @@
           <p:nvPr/>
         </p:nvSpPr>
         <p:spPr>
-          <a:xfrm rot="3445397">
-            <a:off x="5530793" y="5812144"/>
+          <a:xfrm>
+            <a:off x="2486554" y="10524637"/>
             <a:ext cx="561558" cy="673431"/>
           </a:xfrm>
           <a:prstGeom prst="downArrow">
@@ -15621,10 +15694,10 @@
       </p:sp>
       <p:sp>
         <p:nvSpPr>
-          <p:cNvPr id="51" name="Down Arrow 50">
-            <a:extLst>
-              <a:ext uri="{FF2B5EF4-FFF2-40B4-BE49-F238E27FC236}">
-                <a16:creationId xmlns:a16="http://schemas.microsoft.com/office/drawing/2014/main" id="{240B683A-5CAC-7B49-AB47-8E6F83D1BF63}"/>
+          <p:cNvPr id="40" name="Down Arrow 39">
+            <a:extLst>
+              <a:ext uri="{FF2B5EF4-FFF2-40B4-BE49-F238E27FC236}">
+                <a16:creationId xmlns:a16="http://schemas.microsoft.com/office/drawing/2014/main" id="{C2611065-E1DF-9248-9B17-E6466091F21B}"/>
               </a:ext>
             </a:extLst>
           </p:cNvPr>
@@ -15632,8 +15705,8 @@
           <p:nvPr/>
         </p:nvSpPr>
         <p:spPr>
-          <a:xfrm rot="17935264">
-            <a:off x="6239004" y="5803183"/>
+          <a:xfrm>
+            <a:off x="6553730" y="10490131"/>
             <a:ext cx="561558" cy="673431"/>
           </a:xfrm>
           <a:prstGeom prst="downArrow">
@@ -15680,10 +15753,10 @@
       </p:sp>
       <p:sp>
         <p:nvSpPr>
-          <p:cNvPr id="52" name="Down Arrow 51">
-            <a:extLst>
-              <a:ext uri="{FF2B5EF4-FFF2-40B4-BE49-F238E27FC236}">
-                <a16:creationId xmlns:a16="http://schemas.microsoft.com/office/drawing/2014/main" id="{53F6C647-2276-3844-8545-C250F594A95B}"/>
+          <p:cNvPr id="41" name="Rounded Rectangle 40">
+            <a:extLst>
+              <a:ext uri="{FF2B5EF4-FFF2-40B4-BE49-F238E27FC236}">
+                <a16:creationId xmlns:a16="http://schemas.microsoft.com/office/drawing/2014/main" id="{FA5E574C-14C8-7F45-88EB-2250371F91F1}"/>
               </a:ext>
             </a:extLst>
           </p:cNvPr>
@@ -15692,8 +15765,180 @@
         </p:nvSpPr>
         <p:spPr>
           <a:xfrm>
-            <a:off x="10127964" y="5875878"/>
-            <a:ext cx="526767" cy="568217"/>
+            <a:off x="1454394" y="11301541"/>
+            <a:ext cx="2625875" cy="2083674"/>
+          </a:xfrm>
+          <a:prstGeom prst="roundRect">
+            <a:avLst/>
+          </a:prstGeom>
+          <a:noFill/>
+        </p:spPr>
+        <p:style>
+          <a:lnRef idx="2">
+            <a:schemeClr val="accent1">
+              <a:shade val="50000"/>
+            </a:schemeClr>
+          </a:lnRef>
+          <a:fillRef idx="1">
+            <a:schemeClr val="accent1"/>
+          </a:fillRef>
+          <a:effectRef idx="0">
+            <a:schemeClr val="accent1"/>
+          </a:effectRef>
+          <a:fontRef idx="minor">
+            <a:schemeClr val="lt1"/>
+          </a:fontRef>
+        </p:style>
+        <p:txBody>
+          <a:bodyPr rtlCol="0" anchor="ctr"/>
+          <a:lstStyle/>
+          <a:p>
+            <a:pPr algn="ctr"/>
+            <a:endParaRPr lang="en-US" sz="3200"/>
+          </a:p>
+        </p:txBody>
+      </p:sp>
+      <p:sp>
+        <p:nvSpPr>
+          <p:cNvPr id="43" name="TextBox 42">
+            <a:extLst>
+              <a:ext uri="{FF2B5EF4-FFF2-40B4-BE49-F238E27FC236}">
+                <a16:creationId xmlns:a16="http://schemas.microsoft.com/office/drawing/2014/main" id="{F3FAFA6E-7803-5F40-B4C1-B39FF036EF56}"/>
+              </a:ext>
+            </a:extLst>
+          </p:cNvPr>
+          <p:cNvSpPr txBox="1"/>
+          <p:nvPr/>
+        </p:nvSpPr>
+        <p:spPr>
+          <a:xfrm>
+            <a:off x="1615821" y="11323112"/>
+            <a:ext cx="2415900" cy="2062103"/>
+          </a:xfrm>
+          <a:prstGeom prst="rect">
+            <a:avLst/>
+          </a:prstGeom>
+          <a:noFill/>
+        </p:spPr>
+        <p:txBody>
+          <a:bodyPr wrap="square" rtlCol="0">
+            <a:spAutoFit/>
+          </a:bodyPr>
+          <a:lstStyle/>
+          <a:p>
+            <a:r>
+              <a:rPr lang="en-US" sz="3200" dirty="0"/>
+              <a:t>Divide by </a:t>
+            </a:r>
+            <a:r>
+              <a:rPr lang="en-US" sz="3200" i="1" dirty="0"/>
+              <a:t>the total number of introns in the genome</a:t>
+            </a:r>
+          </a:p>
+        </p:txBody>
+      </p:sp>
+      <p:sp>
+        <p:nvSpPr>
+          <p:cNvPr id="44" name="Rounded Rectangle 43">
+            <a:extLst>
+              <a:ext uri="{FF2B5EF4-FFF2-40B4-BE49-F238E27FC236}">
+                <a16:creationId xmlns:a16="http://schemas.microsoft.com/office/drawing/2014/main" id="{0EC93581-1129-C143-A5DD-995FD15B6F3C}"/>
+              </a:ext>
+            </a:extLst>
+          </p:cNvPr>
+          <p:cNvSpPr/>
+          <p:nvPr/>
+        </p:nvSpPr>
+        <p:spPr>
+          <a:xfrm>
+            <a:off x="5631326" y="11319982"/>
+            <a:ext cx="2625875" cy="2083674"/>
+          </a:xfrm>
+          <a:prstGeom prst="roundRect">
+            <a:avLst/>
+          </a:prstGeom>
+          <a:noFill/>
+        </p:spPr>
+        <p:style>
+          <a:lnRef idx="2">
+            <a:schemeClr val="accent1">
+              <a:shade val="50000"/>
+            </a:schemeClr>
+          </a:lnRef>
+          <a:fillRef idx="1">
+            <a:schemeClr val="accent1"/>
+          </a:fillRef>
+          <a:effectRef idx="0">
+            <a:schemeClr val="accent1"/>
+          </a:effectRef>
+          <a:fontRef idx="minor">
+            <a:schemeClr val="lt1"/>
+          </a:fontRef>
+        </p:style>
+        <p:txBody>
+          <a:bodyPr rtlCol="0" anchor="ctr"/>
+          <a:lstStyle/>
+          <a:p>
+            <a:pPr algn="ctr"/>
+            <a:endParaRPr lang="en-US" sz="3200"/>
+          </a:p>
+        </p:txBody>
+      </p:sp>
+      <p:sp>
+        <p:nvSpPr>
+          <p:cNvPr id="45" name="TextBox 44">
+            <a:extLst>
+              <a:ext uri="{FF2B5EF4-FFF2-40B4-BE49-F238E27FC236}">
+                <a16:creationId xmlns:a16="http://schemas.microsoft.com/office/drawing/2014/main" id="{F505E1A8-50A3-1B4E-9845-8717C62DA6A4}"/>
+              </a:ext>
+            </a:extLst>
+          </p:cNvPr>
+          <p:cNvSpPr txBox="1"/>
+          <p:nvPr/>
+        </p:nvSpPr>
+        <p:spPr>
+          <a:xfrm>
+            <a:off x="5792753" y="11341553"/>
+            <a:ext cx="2415900" cy="2062103"/>
+          </a:xfrm>
+          <a:prstGeom prst="rect">
+            <a:avLst/>
+          </a:prstGeom>
+          <a:noFill/>
+        </p:spPr>
+        <p:txBody>
+          <a:bodyPr wrap="square" rtlCol="0">
+            <a:spAutoFit/>
+          </a:bodyPr>
+          <a:lstStyle/>
+          <a:p>
+            <a:r>
+              <a:rPr lang="en-US" sz="3200" dirty="0"/>
+              <a:t>Divide by </a:t>
+            </a:r>
+            <a:r>
+              <a:rPr lang="en-US" sz="3200" i="1" dirty="0"/>
+              <a:t>the total number of introns in the genome</a:t>
+            </a:r>
+          </a:p>
+        </p:txBody>
+      </p:sp>
+      <p:sp>
+        <p:nvSpPr>
+          <p:cNvPr id="46" name="Down Arrow 45">
+            <a:extLst>
+              <a:ext uri="{FF2B5EF4-FFF2-40B4-BE49-F238E27FC236}">
+                <a16:creationId xmlns:a16="http://schemas.microsoft.com/office/drawing/2014/main" id="{1CA963C3-CB45-1047-AC13-7AE0DD91CDC2}"/>
+              </a:ext>
+            </a:extLst>
+          </p:cNvPr>
+          <p:cNvSpPr/>
+          <p:nvPr/>
+        </p:nvSpPr>
+        <p:spPr>
+          <a:xfrm>
+            <a:off x="2486551" y="13488688"/>
+            <a:ext cx="561558" cy="673431"/>
           </a:xfrm>
           <a:prstGeom prst="downArrow">
             <a:avLst/>
@@ -15739,10 +15984,10 @@
       </p:sp>
       <p:sp>
         <p:nvSpPr>
-          <p:cNvPr id="53" name="Down Arrow 52">
-            <a:extLst>
-              <a:ext uri="{FF2B5EF4-FFF2-40B4-BE49-F238E27FC236}">
-                <a16:creationId xmlns:a16="http://schemas.microsoft.com/office/drawing/2014/main" id="{7A6FBA6E-00F9-A948-A098-E689B79EC763}"/>
+          <p:cNvPr id="47" name="Down Arrow 46">
+            <a:extLst>
+              <a:ext uri="{FF2B5EF4-FFF2-40B4-BE49-F238E27FC236}">
+                <a16:creationId xmlns:a16="http://schemas.microsoft.com/office/drawing/2014/main" id="{82CB5E1C-4CC4-FF4B-8A62-15B30CCF1701}"/>
               </a:ext>
             </a:extLst>
           </p:cNvPr>
@@ -15750,8 +15995,8 @@
           <p:nvPr/>
         </p:nvSpPr>
         <p:spPr>
-          <a:xfrm rot="3445397">
-            <a:off x="1128993" y="5790901"/>
+          <a:xfrm>
+            <a:off x="6553730" y="13557647"/>
             <a:ext cx="561558" cy="673431"/>
           </a:xfrm>
           <a:prstGeom prst="downArrow">
@@ -15798,10 +16043,49 @@
       </p:sp>
       <p:sp>
         <p:nvSpPr>
-          <p:cNvPr id="54" name="Down Arrow 53">
-            <a:extLst>
-              <a:ext uri="{FF2B5EF4-FFF2-40B4-BE49-F238E27FC236}">
-                <a16:creationId xmlns:a16="http://schemas.microsoft.com/office/drawing/2014/main" id="{ACCBFCCC-76B5-8D42-837B-678EA8845E10}"/>
+          <p:cNvPr id="49" name="TextBox 48">
+            <a:extLst>
+              <a:ext uri="{FF2B5EF4-FFF2-40B4-BE49-F238E27FC236}">
+                <a16:creationId xmlns:a16="http://schemas.microsoft.com/office/drawing/2014/main" id="{B19437E8-9B66-A040-8B7A-A2AEC7EC894A}"/>
+              </a:ext>
+            </a:extLst>
+          </p:cNvPr>
+          <p:cNvSpPr txBox="1"/>
+          <p:nvPr/>
+        </p:nvSpPr>
+        <p:spPr>
+          <a:xfrm>
+            <a:off x="1650119" y="14516278"/>
+            <a:ext cx="2234421" cy="584775"/>
+          </a:xfrm>
+          <a:prstGeom prst="rect">
+            <a:avLst/>
+          </a:prstGeom>
+          <a:noFill/>
+        </p:spPr>
+        <p:txBody>
+          <a:bodyPr wrap="square" rtlCol="0">
+            <a:spAutoFit/>
+          </a:bodyPr>
+          <a:lstStyle/>
+          <a:p>
+            <a:r>
+              <a:rPr lang="en-US" sz="3200" dirty="0">
+                <a:solidFill>
+                  <a:srgbClr val="F0BE2C"/>
+                </a:solidFill>
+              </a:rPr>
+              <a:t>Percentages</a:t>
+            </a:r>
+          </a:p>
+        </p:txBody>
+      </p:sp>
+      <p:sp>
+        <p:nvSpPr>
+          <p:cNvPr id="50" name="Rounded Rectangle 49">
+            <a:extLst>
+              <a:ext uri="{FF2B5EF4-FFF2-40B4-BE49-F238E27FC236}">
+                <a16:creationId xmlns:a16="http://schemas.microsoft.com/office/drawing/2014/main" id="{89C4D7E3-E19E-1846-8A16-1D432A621C5F}"/>
               </a:ext>
             </a:extLst>
           </p:cNvPr>
@@ -15809,21 +16093,14 @@
           <p:nvPr/>
         </p:nvSpPr>
         <p:spPr>
-          <a:xfrm rot="17935264">
-            <a:off x="1837204" y="5781940"/>
-            <a:ext cx="561558" cy="673431"/>
-          </a:xfrm>
-          <a:prstGeom prst="downArrow">
-            <a:avLst/>
-          </a:prstGeom>
-          <a:solidFill>
-            <a:srgbClr val="1F77B4">
-              <a:alpha val="50000"/>
-            </a:srgbClr>
-          </a:solidFill>
-          <a:ln>
-            <a:noFill/>
-          </a:ln>
+          <a:xfrm>
+            <a:off x="1454394" y="14282355"/>
+            <a:ext cx="2625875" cy="1052623"/>
+          </a:xfrm>
+          <a:prstGeom prst="roundRect">
+            <a:avLst/>
+          </a:prstGeom>
+          <a:noFill/>
         </p:spPr>
         <p:style>
           <a:lnRef idx="2">
@@ -15842,25 +16119,59 @@
           </a:fontRef>
         </p:style>
         <p:txBody>
-          <a:bodyPr rot="0" spcFirstLastPara="0" vertOverflow="overflow" horzOverflow="overflow" vert="horz" wrap="square" lIns="162556" tIns="81278" rIns="162556" bIns="81278" numCol="1" spcCol="0" rtlCol="0" fromWordArt="0" anchor="ctr" anchorCtr="0" forceAA="0" compatLnSpc="1">
-            <a:prstTxWarp prst="textNoShape">
-              <a:avLst/>
-            </a:prstTxWarp>
-            <a:noAutofit/>
+          <a:bodyPr rtlCol="0" anchor="ctr"/>
+          <a:lstStyle/>
+          <a:p>
+            <a:pPr algn="ctr"/>
+            <a:endParaRPr lang="en-US" sz="3200"/>
+          </a:p>
+        </p:txBody>
+      </p:sp>
+      <p:sp>
+        <p:nvSpPr>
+          <p:cNvPr id="51" name="TextBox 50">
+            <a:extLst>
+              <a:ext uri="{FF2B5EF4-FFF2-40B4-BE49-F238E27FC236}">
+                <a16:creationId xmlns:a16="http://schemas.microsoft.com/office/drawing/2014/main" id="{B1C3E4E1-86E4-504B-9DF6-FA2CAF782624}"/>
+              </a:ext>
+            </a:extLst>
+          </p:cNvPr>
+          <p:cNvSpPr txBox="1"/>
+          <p:nvPr/>
+        </p:nvSpPr>
+        <p:spPr>
+          <a:xfrm>
+            <a:off x="5884250" y="14507276"/>
+            <a:ext cx="2234421" cy="584775"/>
+          </a:xfrm>
+          <a:prstGeom prst="rect">
+            <a:avLst/>
+          </a:prstGeom>
+          <a:noFill/>
+        </p:spPr>
+        <p:txBody>
+          <a:bodyPr wrap="square" rtlCol="0">
+            <a:spAutoFit/>
           </a:bodyPr>
           <a:lstStyle/>
           <a:p>
-            <a:pPr algn="ctr"/>
-            <a:endParaRPr lang="en-US" sz="3200"/>
-          </a:p>
-        </p:txBody>
-      </p:sp>
-      <p:sp>
-        <p:nvSpPr>
-          <p:cNvPr id="55" name="Down Arrow 54">
-            <a:extLst>
-              <a:ext uri="{FF2B5EF4-FFF2-40B4-BE49-F238E27FC236}">
-                <a16:creationId xmlns:a16="http://schemas.microsoft.com/office/drawing/2014/main" id="{CAFC54A7-C295-FB4F-86A1-A23F6F01216A}"/>
+            <a:r>
+              <a:rPr lang="en-US" sz="3200" dirty="0">
+                <a:solidFill>
+                  <a:srgbClr val="1075C0"/>
+                </a:solidFill>
+              </a:rPr>
+              <a:t>Percentages</a:t>
+            </a:r>
+          </a:p>
+        </p:txBody>
+      </p:sp>
+      <p:sp>
+        <p:nvSpPr>
+          <p:cNvPr id="52" name="Rounded Rectangle 51">
+            <a:extLst>
+              <a:ext uri="{FF2B5EF4-FFF2-40B4-BE49-F238E27FC236}">
+                <a16:creationId xmlns:a16="http://schemas.microsoft.com/office/drawing/2014/main" id="{E70CDEAD-9B6C-5944-A485-4D593515324D}"/>
               </a:ext>
             </a:extLst>
           </p:cNvPr>
@@ -15868,21 +16179,14 @@
           <p:nvPr/>
         </p:nvSpPr>
         <p:spPr>
-          <a:xfrm rot="3445397">
-            <a:off x="9799846" y="7856036"/>
-            <a:ext cx="561558" cy="673431"/>
-          </a:xfrm>
-          <a:prstGeom prst="downArrow">
-            <a:avLst/>
-          </a:prstGeom>
-          <a:solidFill>
-            <a:srgbClr val="1F77B4">
-              <a:alpha val="50000"/>
-            </a:srgbClr>
-          </a:solidFill>
-          <a:ln>
-            <a:noFill/>
-          </a:ln>
+          <a:xfrm>
+            <a:off x="5688525" y="14282928"/>
+            <a:ext cx="2625875" cy="1052623"/>
+          </a:xfrm>
+          <a:prstGeom prst="roundRect">
+            <a:avLst/>
+          </a:prstGeom>
+          <a:noFill/>
         </p:spPr>
         <p:style>
           <a:lnRef idx="2">
@@ -15901,12 +16205,7 @@
           </a:fontRef>
         </p:style>
         <p:txBody>
-          <a:bodyPr rot="0" spcFirstLastPara="0" vertOverflow="overflow" horzOverflow="overflow" vert="horz" wrap="square" lIns="162556" tIns="81278" rIns="162556" bIns="81278" numCol="1" spcCol="0" rtlCol="0" fromWordArt="0" anchor="ctr" anchorCtr="0" forceAA="0" compatLnSpc="1">
-            <a:prstTxWarp prst="textNoShape">
-              <a:avLst/>
-            </a:prstTxWarp>
-            <a:noAutofit/>
-          </a:bodyPr>
+          <a:bodyPr rtlCol="0" anchor="ctr"/>
           <a:lstStyle/>
           <a:p>
             <a:pPr algn="ctr"/>
@@ -15916,305 +16215,10 @@
       </p:sp>
       <p:sp>
         <p:nvSpPr>
-          <p:cNvPr id="56" name="Down Arrow 55">
-            <a:extLst>
-              <a:ext uri="{FF2B5EF4-FFF2-40B4-BE49-F238E27FC236}">
-                <a16:creationId xmlns:a16="http://schemas.microsoft.com/office/drawing/2014/main" id="{4E12B3CF-0E70-AD4A-8155-74D5A6CD92AB}"/>
-              </a:ext>
-            </a:extLst>
-          </p:cNvPr>
-          <p:cNvSpPr/>
-          <p:nvPr/>
-        </p:nvSpPr>
-        <p:spPr>
-          <a:xfrm rot="17935264">
-            <a:off x="10508057" y="7847075"/>
-            <a:ext cx="561558" cy="673431"/>
-          </a:xfrm>
-          <a:prstGeom prst="downArrow">
-            <a:avLst/>
-          </a:prstGeom>
-          <a:solidFill>
-            <a:srgbClr val="1F77B4">
-              <a:alpha val="50000"/>
-            </a:srgbClr>
-          </a:solidFill>
-          <a:ln>
-            <a:noFill/>
-          </a:ln>
-        </p:spPr>
-        <p:style>
-          <a:lnRef idx="2">
-            <a:schemeClr val="accent1">
-              <a:shade val="50000"/>
-            </a:schemeClr>
-          </a:lnRef>
-          <a:fillRef idx="1">
-            <a:schemeClr val="accent1"/>
-          </a:fillRef>
-          <a:effectRef idx="0">
-            <a:schemeClr val="accent1"/>
-          </a:effectRef>
-          <a:fontRef idx="minor">
-            <a:schemeClr val="lt1"/>
-          </a:fontRef>
-        </p:style>
-        <p:txBody>
-          <a:bodyPr rot="0" spcFirstLastPara="0" vertOverflow="overflow" horzOverflow="overflow" vert="horz" wrap="square" lIns="162556" tIns="81278" rIns="162556" bIns="81278" numCol="1" spcCol="0" rtlCol="0" fromWordArt="0" anchor="ctr" anchorCtr="0" forceAA="0" compatLnSpc="1">
-            <a:prstTxWarp prst="textNoShape">
-              <a:avLst/>
-            </a:prstTxWarp>
-            <a:noAutofit/>
-          </a:bodyPr>
-          <a:lstStyle/>
-          <a:p>
-            <a:pPr algn="ctr"/>
-            <a:endParaRPr lang="en-US" sz="3200"/>
-          </a:p>
-        </p:txBody>
-      </p:sp>
-      <p:sp>
-        <p:nvSpPr>
-          <p:cNvPr id="58" name="Down Arrow 57">
-            <a:extLst>
-              <a:ext uri="{FF2B5EF4-FFF2-40B4-BE49-F238E27FC236}">
-                <a16:creationId xmlns:a16="http://schemas.microsoft.com/office/drawing/2014/main" id="{1EDDA4EC-F99A-BA4F-9E33-A0D198897F7D}"/>
-              </a:ext>
-            </a:extLst>
-          </p:cNvPr>
-          <p:cNvSpPr/>
-          <p:nvPr/>
-        </p:nvSpPr>
-        <p:spPr>
-          <a:xfrm>
-            <a:off x="574140" y="7905264"/>
-            <a:ext cx="561558" cy="673431"/>
-          </a:xfrm>
-          <a:prstGeom prst="downArrow">
-            <a:avLst/>
-          </a:prstGeom>
-          <a:solidFill>
-            <a:srgbClr val="1F77B4">
-              <a:alpha val="50000"/>
-            </a:srgbClr>
-          </a:solidFill>
-          <a:ln>
-            <a:noFill/>
-          </a:ln>
-        </p:spPr>
-        <p:style>
-          <a:lnRef idx="2">
-            <a:schemeClr val="accent1">
-              <a:shade val="50000"/>
-            </a:schemeClr>
-          </a:lnRef>
-          <a:fillRef idx="1">
-            <a:schemeClr val="accent1"/>
-          </a:fillRef>
-          <a:effectRef idx="0">
-            <a:schemeClr val="accent1"/>
-          </a:effectRef>
-          <a:fontRef idx="minor">
-            <a:schemeClr val="lt1"/>
-          </a:fontRef>
-        </p:style>
-        <p:txBody>
-          <a:bodyPr rot="0" spcFirstLastPara="0" vertOverflow="overflow" horzOverflow="overflow" vert="horz" wrap="square" lIns="162556" tIns="81278" rIns="162556" bIns="81278" numCol="1" spcCol="0" rtlCol="0" fromWordArt="0" anchor="ctr" anchorCtr="0" forceAA="0" compatLnSpc="1">
-            <a:prstTxWarp prst="textNoShape">
-              <a:avLst/>
-            </a:prstTxWarp>
-            <a:noAutofit/>
-          </a:bodyPr>
-          <a:lstStyle/>
-          <a:p>
-            <a:pPr algn="ctr"/>
-            <a:endParaRPr lang="en-US" sz="3200"/>
-          </a:p>
-        </p:txBody>
-      </p:sp>
-      <p:sp>
-        <p:nvSpPr>
-          <p:cNvPr id="59" name="Down Arrow 58">
-            <a:extLst>
-              <a:ext uri="{FF2B5EF4-FFF2-40B4-BE49-F238E27FC236}">
-                <a16:creationId xmlns:a16="http://schemas.microsoft.com/office/drawing/2014/main" id="{037E3961-0511-CF4F-B96D-73ABA9EB5C70}"/>
-              </a:ext>
-            </a:extLst>
-          </p:cNvPr>
-          <p:cNvSpPr/>
-          <p:nvPr/>
-        </p:nvSpPr>
-        <p:spPr>
-          <a:xfrm>
-            <a:off x="6779285" y="7905263"/>
-            <a:ext cx="561558" cy="673431"/>
-          </a:xfrm>
-          <a:prstGeom prst="downArrow">
-            <a:avLst/>
-          </a:prstGeom>
-          <a:solidFill>
-            <a:srgbClr val="1F77B4">
-              <a:alpha val="50000"/>
-            </a:srgbClr>
-          </a:solidFill>
-          <a:ln>
-            <a:noFill/>
-          </a:ln>
-        </p:spPr>
-        <p:style>
-          <a:lnRef idx="2">
-            <a:schemeClr val="accent1">
-              <a:shade val="50000"/>
-            </a:schemeClr>
-          </a:lnRef>
-          <a:fillRef idx="1">
-            <a:schemeClr val="accent1"/>
-          </a:fillRef>
-          <a:effectRef idx="0">
-            <a:schemeClr val="accent1"/>
-          </a:effectRef>
-          <a:fontRef idx="minor">
-            <a:schemeClr val="lt1"/>
-          </a:fontRef>
-        </p:style>
-        <p:txBody>
-          <a:bodyPr rot="0" spcFirstLastPara="0" vertOverflow="overflow" horzOverflow="overflow" vert="horz" wrap="square" lIns="162556" tIns="81278" rIns="162556" bIns="81278" numCol="1" spcCol="0" rtlCol="0" fromWordArt="0" anchor="ctr" anchorCtr="0" forceAA="0" compatLnSpc="1">
-            <a:prstTxWarp prst="textNoShape">
-              <a:avLst/>
-            </a:prstTxWarp>
-            <a:noAutofit/>
-          </a:bodyPr>
-          <a:lstStyle/>
-          <a:p>
-            <a:pPr algn="ctr"/>
-            <a:endParaRPr lang="en-US" sz="3200"/>
-          </a:p>
-        </p:txBody>
-      </p:sp>
-      <p:sp>
-        <p:nvSpPr>
-          <p:cNvPr id="60" name="Down Arrow 59">
-            <a:extLst>
-              <a:ext uri="{FF2B5EF4-FFF2-40B4-BE49-F238E27FC236}">
-                <a16:creationId xmlns:a16="http://schemas.microsoft.com/office/drawing/2014/main" id="{659D45BF-CEEC-B64C-8C73-10070CB6005F}"/>
-              </a:ext>
-            </a:extLst>
-          </p:cNvPr>
-          <p:cNvSpPr/>
-          <p:nvPr/>
-        </p:nvSpPr>
-        <p:spPr>
-          <a:xfrm rot="4242807">
-            <a:off x="3716195" y="7319626"/>
-            <a:ext cx="561558" cy="1832899"/>
-          </a:xfrm>
-          <a:prstGeom prst="downArrow">
-            <a:avLst/>
-          </a:prstGeom>
-          <a:solidFill>
-            <a:srgbClr val="1F77B4">
-              <a:alpha val="50000"/>
-            </a:srgbClr>
-          </a:solidFill>
-          <a:ln>
-            <a:noFill/>
-          </a:ln>
-        </p:spPr>
-        <p:style>
-          <a:lnRef idx="2">
-            <a:schemeClr val="accent1">
-              <a:shade val="50000"/>
-            </a:schemeClr>
-          </a:lnRef>
-          <a:fillRef idx="1">
-            <a:schemeClr val="accent1"/>
-          </a:fillRef>
-          <a:effectRef idx="0">
-            <a:schemeClr val="accent1"/>
-          </a:effectRef>
-          <a:fontRef idx="minor">
-            <a:schemeClr val="lt1"/>
-          </a:fontRef>
-        </p:style>
-        <p:txBody>
-          <a:bodyPr rot="0" spcFirstLastPara="0" vertOverflow="overflow" horzOverflow="overflow" vert="horz" wrap="square" lIns="162556" tIns="81278" rIns="162556" bIns="81278" numCol="1" spcCol="0" rtlCol="0" fromWordArt="0" anchor="ctr" anchorCtr="0" forceAA="0" compatLnSpc="1">
-            <a:prstTxWarp prst="textNoShape">
-              <a:avLst/>
-            </a:prstTxWarp>
-            <a:noAutofit/>
-          </a:bodyPr>
-          <a:lstStyle/>
-          <a:p>
-            <a:pPr algn="ctr"/>
-            <a:endParaRPr lang="en-US" sz="3200"/>
-          </a:p>
-        </p:txBody>
-      </p:sp>
-      <p:sp>
-        <p:nvSpPr>
-          <p:cNvPr id="62" name="Down Arrow 61">
-            <a:extLst>
-              <a:ext uri="{FF2B5EF4-FFF2-40B4-BE49-F238E27FC236}">
-                <a16:creationId xmlns:a16="http://schemas.microsoft.com/office/drawing/2014/main" id="{D77AFE79-4BB4-704C-A29B-7D11CBB7B4B5}"/>
-              </a:ext>
-            </a:extLst>
-          </p:cNvPr>
-          <p:cNvSpPr/>
-          <p:nvPr/>
-        </p:nvSpPr>
-        <p:spPr>
-          <a:xfrm rot="17445446">
-            <a:off x="3765244" y="7299124"/>
-            <a:ext cx="561558" cy="1832899"/>
-          </a:xfrm>
-          <a:prstGeom prst="downArrow">
-            <a:avLst/>
-          </a:prstGeom>
-          <a:solidFill>
-            <a:srgbClr val="1F77B4">
-              <a:alpha val="50000"/>
-            </a:srgbClr>
-          </a:solidFill>
-          <a:ln>
-            <a:noFill/>
-          </a:ln>
-        </p:spPr>
-        <p:style>
-          <a:lnRef idx="2">
-            <a:schemeClr val="accent1">
-              <a:shade val="50000"/>
-            </a:schemeClr>
-          </a:lnRef>
-          <a:fillRef idx="1">
-            <a:schemeClr val="accent1"/>
-          </a:fillRef>
-          <a:effectRef idx="0">
-            <a:schemeClr val="accent1"/>
-          </a:effectRef>
-          <a:fontRef idx="minor">
-            <a:schemeClr val="lt1"/>
-          </a:fontRef>
-        </p:style>
-        <p:txBody>
-          <a:bodyPr rot="0" spcFirstLastPara="0" vertOverflow="overflow" horzOverflow="overflow" vert="horz" wrap="square" lIns="162556" tIns="81278" rIns="162556" bIns="81278" numCol="1" spcCol="0" rtlCol="0" fromWordArt="0" anchor="ctr" anchorCtr="0" forceAA="0" compatLnSpc="1">
-            <a:prstTxWarp prst="textNoShape">
-              <a:avLst/>
-            </a:prstTxWarp>
-            <a:noAutofit/>
-          </a:bodyPr>
-          <a:lstStyle/>
-          <a:p>
-            <a:pPr algn="ctr"/>
-            <a:endParaRPr lang="en-US" sz="3200"/>
-          </a:p>
-        </p:txBody>
-      </p:sp>
-      <p:sp>
-        <p:nvSpPr>
-          <p:cNvPr id="63" name="TextBox 62">
-            <a:extLst>
-              <a:ext uri="{FF2B5EF4-FFF2-40B4-BE49-F238E27FC236}">
-                <a16:creationId xmlns:a16="http://schemas.microsoft.com/office/drawing/2014/main" id="{F67584D0-BE91-A946-9017-A407E108F37C}"/>
+          <p:cNvPr id="53" name="TextBox 52">
+            <a:extLst>
+              <a:ext uri="{FF2B5EF4-FFF2-40B4-BE49-F238E27FC236}">
+                <a16:creationId xmlns:a16="http://schemas.microsoft.com/office/drawing/2014/main" id="{F76C4CA5-1D3C-3048-B6BA-EF8B4A338BC1}"/>
               </a:ext>
             </a:extLst>
           </p:cNvPr>
@@ -16223,8 +16227,8 @@
         </p:nvSpPr>
         <p:spPr>
           <a:xfrm>
-            <a:off x="1076605" y="5940150"/>
-            <a:ext cx="669367" cy="400110"/>
+            <a:off x="2348460" y="5295720"/>
+            <a:ext cx="1045028" cy="461665"/>
           </a:xfrm>
           <a:prstGeom prst="rect">
             <a:avLst/>
@@ -16238,18 +16242,18 @@
           <a:lstStyle/>
           <a:p>
             <a:r>
-              <a:rPr lang="en-US" sz="2000" dirty="0"/>
-              <a:t>YES</a:t>
-            </a:r>
-          </a:p>
-        </p:txBody>
-      </p:sp>
-      <p:sp>
-        <p:nvSpPr>
-          <p:cNvPr id="64" name="TextBox 63">
-            <a:extLst>
-              <a:ext uri="{FF2B5EF4-FFF2-40B4-BE49-F238E27FC236}">
-                <a16:creationId xmlns:a16="http://schemas.microsoft.com/office/drawing/2014/main" id="{DB78195B-7096-9544-8DC6-6EE031EBDABE}"/>
+              <a:rPr lang="en-US" sz="2400" dirty="0"/>
+              <a:t>Filter</a:t>
+            </a:r>
+          </a:p>
+        </p:txBody>
+      </p:sp>
+      <p:sp>
+        <p:nvSpPr>
+          <p:cNvPr id="54" name="TextBox 53">
+            <a:extLst>
+              <a:ext uri="{FF2B5EF4-FFF2-40B4-BE49-F238E27FC236}">
+                <a16:creationId xmlns:a16="http://schemas.microsoft.com/office/drawing/2014/main" id="{D7F98675-0B51-884D-AD22-814E81C038B8}"/>
               </a:ext>
             </a:extLst>
           </p:cNvPr>
@@ -16258,8 +16262,8 @@
         </p:nvSpPr>
         <p:spPr>
           <a:xfrm>
-            <a:off x="5505480" y="5932301"/>
-            <a:ext cx="669367" cy="400110"/>
+            <a:off x="6421748" y="5289696"/>
+            <a:ext cx="1045028" cy="461665"/>
           </a:xfrm>
           <a:prstGeom prst="rect">
             <a:avLst/>
@@ -16273,18 +16277,18 @@
           <a:lstStyle/>
           <a:p>
             <a:r>
-              <a:rPr lang="en-US" sz="2000" dirty="0"/>
-              <a:t>YES</a:t>
-            </a:r>
-          </a:p>
-        </p:txBody>
-      </p:sp>
-      <p:sp>
-        <p:nvSpPr>
-          <p:cNvPr id="65" name="TextBox 64">
-            <a:extLst>
-              <a:ext uri="{FF2B5EF4-FFF2-40B4-BE49-F238E27FC236}">
-                <a16:creationId xmlns:a16="http://schemas.microsoft.com/office/drawing/2014/main" id="{91EECA33-B982-E748-8960-3BF51A8B54E6}"/>
+              <a:rPr lang="en-US" sz="2400" dirty="0"/>
+              <a:t>Filter</a:t>
+            </a:r>
+          </a:p>
+        </p:txBody>
+      </p:sp>
+      <p:sp>
+        <p:nvSpPr>
+          <p:cNvPr id="55" name="TextBox 54">
+            <a:extLst>
+              <a:ext uri="{FF2B5EF4-FFF2-40B4-BE49-F238E27FC236}">
+                <a16:creationId xmlns:a16="http://schemas.microsoft.com/office/drawing/2014/main" id="{2D24EED8-F375-BB4C-BF55-98F0941585B6}"/>
               </a:ext>
             </a:extLst>
           </p:cNvPr>
@@ -16293,8 +16297,8 @@
         </p:nvSpPr>
         <p:spPr>
           <a:xfrm>
-            <a:off x="9790636" y="7976256"/>
-            <a:ext cx="669367" cy="400110"/>
+            <a:off x="2348460" y="7225139"/>
+            <a:ext cx="1045028" cy="461665"/>
           </a:xfrm>
           <a:prstGeom prst="rect">
             <a:avLst/>
@@ -16308,22 +16312,18 @@
           <a:lstStyle/>
           <a:p>
             <a:r>
-              <a:rPr lang="en-US" sz="2000" dirty="0">
-                <a:solidFill>
-                  <a:srgbClr val="364E54"/>
-                </a:solidFill>
-              </a:rPr>
-              <a:t>YES</a:t>
-            </a:r>
-          </a:p>
-        </p:txBody>
-      </p:sp>
-      <p:sp>
-        <p:nvSpPr>
-          <p:cNvPr id="66" name="TextBox 65">
-            <a:extLst>
-              <a:ext uri="{FF2B5EF4-FFF2-40B4-BE49-F238E27FC236}">
-                <a16:creationId xmlns:a16="http://schemas.microsoft.com/office/drawing/2014/main" id="{1DE414BA-AB56-0641-A911-A3E087B2BB51}"/>
+              <a:rPr lang="en-US" sz="2400" dirty="0"/>
+              <a:t>Filter</a:t>
+            </a:r>
+          </a:p>
+        </p:txBody>
+      </p:sp>
+      <p:sp>
+        <p:nvSpPr>
+          <p:cNvPr id="56" name="TextBox 55">
+            <a:extLst>
+              <a:ext uri="{FF2B5EF4-FFF2-40B4-BE49-F238E27FC236}">
+                <a16:creationId xmlns:a16="http://schemas.microsoft.com/office/drawing/2014/main" id="{DAE3B391-C46C-BE4F-AEED-61E6A32A4734}"/>
               </a:ext>
             </a:extLst>
           </p:cNvPr>
@@ -16332,8 +16332,8 @@
         </p:nvSpPr>
         <p:spPr>
           <a:xfrm>
-            <a:off x="1894020" y="5932301"/>
-            <a:ext cx="669367" cy="400110"/>
+            <a:off x="6421748" y="7223612"/>
+            <a:ext cx="1045028" cy="461665"/>
           </a:xfrm>
           <a:prstGeom prst="rect">
             <a:avLst/>
@@ -16347,90 +16347,46 @@
           <a:lstStyle/>
           <a:p>
             <a:r>
-              <a:rPr lang="en-US" sz="2000" dirty="0"/>
-              <a:t>NO</a:t>
-            </a:r>
-          </a:p>
-        </p:txBody>
-      </p:sp>
-      <p:sp>
-        <p:nvSpPr>
-          <p:cNvPr id="67" name="TextBox 66">
-            <a:extLst>
-              <a:ext uri="{FF2B5EF4-FFF2-40B4-BE49-F238E27FC236}">
-                <a16:creationId xmlns:a16="http://schemas.microsoft.com/office/drawing/2014/main" id="{EAFC4491-85E1-D740-ADBB-5F150EAE6E2C}"/>
-              </a:ext>
-            </a:extLst>
-          </p:cNvPr>
-          <p:cNvSpPr txBox="1"/>
-          <p:nvPr/>
-        </p:nvSpPr>
-        <p:spPr>
-          <a:xfrm>
-            <a:off x="6235036" y="5927561"/>
-            <a:ext cx="669367" cy="400110"/>
+              <a:rPr lang="en-US" sz="2400" dirty="0"/>
+              <a:t>Filter</a:t>
+            </a:r>
+          </a:p>
+        </p:txBody>
+      </p:sp>
+      <p:pic>
+        <p:nvPicPr>
+          <p:cNvPr id="58" name="Picture 57">
+            <a:extLst>
+              <a:ext uri="{FF2B5EF4-FFF2-40B4-BE49-F238E27FC236}">
+                <a16:creationId xmlns:a16="http://schemas.microsoft.com/office/drawing/2014/main" id="{A86BB593-EFEA-F84C-89FD-BD6D9DF954EC}"/>
+              </a:ext>
+            </a:extLst>
+          </p:cNvPr>
+          <p:cNvPicPr>
+            <a:picLocks noChangeAspect="1"/>
+          </p:cNvPicPr>
+          <p:nvPr/>
+        </p:nvPicPr>
+        <p:blipFill>
+          <a:blip r:embed="rId3"/>
+          <a:stretch>
+            <a:fillRect/>
+          </a:stretch>
+        </p:blipFill>
+        <p:spPr>
+          <a:xfrm>
+            <a:off x="4032508" y="16042361"/>
+            <a:ext cx="1851742" cy="1747677"/>
           </a:xfrm>
           <a:prstGeom prst="rect">
             <a:avLst/>
           </a:prstGeom>
-          <a:noFill/>
-        </p:spPr>
-        <p:txBody>
-          <a:bodyPr wrap="square" rtlCol="0">
-            <a:spAutoFit/>
-          </a:bodyPr>
-          <a:lstStyle/>
-          <a:p>
-            <a:r>
-              <a:rPr lang="en-US" sz="2000" dirty="0"/>
-              <a:t>NO</a:t>
-            </a:r>
-          </a:p>
-        </p:txBody>
-      </p:sp>
-      <p:sp>
-        <p:nvSpPr>
-          <p:cNvPr id="68" name="TextBox 67">
-            <a:extLst>
-              <a:ext uri="{FF2B5EF4-FFF2-40B4-BE49-F238E27FC236}">
-                <a16:creationId xmlns:a16="http://schemas.microsoft.com/office/drawing/2014/main" id="{B605BB20-A596-3A44-90C9-E5D64D8C5C95}"/>
-              </a:ext>
-            </a:extLst>
-          </p:cNvPr>
-          <p:cNvSpPr txBox="1"/>
-          <p:nvPr/>
-        </p:nvSpPr>
-        <p:spPr>
-          <a:xfrm>
-            <a:off x="10529100" y="7979196"/>
-            <a:ext cx="669367" cy="400110"/>
-          </a:xfrm>
-          <a:prstGeom prst="rect">
-            <a:avLst/>
-          </a:prstGeom>
-          <a:noFill/>
-        </p:spPr>
-        <p:txBody>
-          <a:bodyPr wrap="square" rtlCol="0">
-            <a:spAutoFit/>
-          </a:bodyPr>
-          <a:lstStyle/>
-          <a:p>
-            <a:r>
-              <a:rPr lang="en-US" sz="2000" dirty="0">
-                <a:solidFill>
-                  <a:srgbClr val="364E54"/>
-                </a:solidFill>
-              </a:rPr>
-              <a:t>NO</a:t>
-            </a:r>
-          </a:p>
-        </p:txBody>
-      </p:sp>
+        </p:spPr>
+      </p:pic>
     </p:spTree>
     <p:extLst>
       <p:ext uri="{BB962C8B-B14F-4D97-AF65-F5344CB8AC3E}">
-        <p14:creationId xmlns:p14="http://schemas.microsoft.com/office/powerpoint/2010/main" val="2705136999"/>
+        <p14:creationId xmlns:p14="http://schemas.microsoft.com/office/powerpoint/2010/main" val="3349052449"/>
       </p:ext>
     </p:extLst>
   </p:cSld>
@@ -17683,10 +17639,1003 @@
           </a:prstGeom>
         </p:spPr>
       </p:pic>
+      <p:sp>
+        <p:nvSpPr>
+          <p:cNvPr id="34" name="TextBox 33">
+            <a:extLst>
+              <a:ext uri="{FF2B5EF4-FFF2-40B4-BE49-F238E27FC236}">
+                <a16:creationId xmlns:a16="http://schemas.microsoft.com/office/drawing/2014/main" id="{2CC8C886-C78B-FD4F-A51E-B67AB58F1F8B}"/>
+              </a:ext>
+            </a:extLst>
+          </p:cNvPr>
+          <p:cNvSpPr txBox="1"/>
+          <p:nvPr/>
+        </p:nvSpPr>
+        <p:spPr>
+          <a:xfrm>
+            <a:off x="568815" y="12569968"/>
+            <a:ext cx="2629712" cy="584775"/>
+          </a:xfrm>
+          <a:prstGeom prst="rect">
+            <a:avLst/>
+          </a:prstGeom>
+          <a:noFill/>
+        </p:spPr>
+        <p:txBody>
+          <a:bodyPr wrap="square" rtlCol="0">
+            <a:spAutoFit/>
+          </a:bodyPr>
+          <a:lstStyle/>
+          <a:p>
+            <a:pPr algn="ctr"/>
+            <a:r>
+              <a:rPr lang="en-US" sz="3200" b="1" dirty="0">
+                <a:solidFill>
+                  <a:srgbClr val="ED2200"/>
+                </a:solidFill>
+              </a:rPr>
+              <a:t>Sig IR events</a:t>
+            </a:r>
+          </a:p>
+        </p:txBody>
+      </p:sp>
+      <p:sp>
+        <p:nvSpPr>
+          <p:cNvPr id="36" name="Rounded Rectangle 35">
+            <a:extLst>
+              <a:ext uri="{FF2B5EF4-FFF2-40B4-BE49-F238E27FC236}">
+                <a16:creationId xmlns:a16="http://schemas.microsoft.com/office/drawing/2014/main" id="{015F7CA6-0F1E-C340-8173-1373E4A6F763}"/>
+              </a:ext>
+            </a:extLst>
+          </p:cNvPr>
+          <p:cNvSpPr/>
+          <p:nvPr/>
+        </p:nvSpPr>
+        <p:spPr>
+          <a:xfrm>
+            <a:off x="631441" y="12360257"/>
+            <a:ext cx="2410697" cy="954107"/>
+          </a:xfrm>
+          <a:prstGeom prst="roundRect">
+            <a:avLst/>
+          </a:prstGeom>
+          <a:noFill/>
+        </p:spPr>
+        <p:style>
+          <a:lnRef idx="2">
+            <a:schemeClr val="accent1">
+              <a:shade val="50000"/>
+            </a:schemeClr>
+          </a:lnRef>
+          <a:fillRef idx="1">
+            <a:schemeClr val="accent1"/>
+          </a:fillRef>
+          <a:effectRef idx="0">
+            <a:schemeClr val="accent1"/>
+          </a:effectRef>
+          <a:fontRef idx="minor">
+            <a:schemeClr val="lt1"/>
+          </a:fontRef>
+        </p:style>
+        <p:txBody>
+          <a:bodyPr rtlCol="0" anchor="ctr"/>
+          <a:lstStyle/>
+          <a:p>
+            <a:pPr algn="ctr"/>
+            <a:endParaRPr lang="en-US" sz="3200"/>
+          </a:p>
+        </p:txBody>
+      </p:sp>
+      <p:sp>
+        <p:nvSpPr>
+          <p:cNvPr id="37" name="TextBox 36">
+            <a:extLst>
+              <a:ext uri="{FF2B5EF4-FFF2-40B4-BE49-F238E27FC236}">
+                <a16:creationId xmlns:a16="http://schemas.microsoft.com/office/drawing/2014/main" id="{207BAA16-AD32-204E-A218-22BED1CC0CB5}"/>
+              </a:ext>
+            </a:extLst>
+          </p:cNvPr>
+          <p:cNvSpPr txBox="1"/>
+          <p:nvPr/>
+        </p:nvSpPr>
+        <p:spPr>
+          <a:xfrm>
+            <a:off x="3142368" y="12320528"/>
+            <a:ext cx="2629712" cy="1077218"/>
+          </a:xfrm>
+          <a:prstGeom prst="rect">
+            <a:avLst/>
+          </a:prstGeom>
+          <a:noFill/>
+        </p:spPr>
+        <p:txBody>
+          <a:bodyPr wrap="square" rtlCol="0">
+            <a:spAutoFit/>
+          </a:bodyPr>
+          <a:lstStyle/>
+          <a:p>
+            <a:pPr algn="ctr"/>
+            <a:r>
+              <a:rPr lang="en-US" sz="3200" b="1" dirty="0">
+                <a:solidFill>
+                  <a:srgbClr val="004188"/>
+                </a:solidFill>
+              </a:rPr>
+              <a:t>Non-sig IR events</a:t>
+            </a:r>
+          </a:p>
+        </p:txBody>
+      </p:sp>
+      <p:sp>
+        <p:nvSpPr>
+          <p:cNvPr id="38" name="Rounded Rectangle 37">
+            <a:extLst>
+              <a:ext uri="{FF2B5EF4-FFF2-40B4-BE49-F238E27FC236}">
+                <a16:creationId xmlns:a16="http://schemas.microsoft.com/office/drawing/2014/main" id="{B9646F04-1E1C-BC4D-A860-9883114C8E89}"/>
+              </a:ext>
+            </a:extLst>
+          </p:cNvPr>
+          <p:cNvSpPr/>
+          <p:nvPr/>
+        </p:nvSpPr>
+        <p:spPr>
+          <a:xfrm>
+            <a:off x="3250216" y="12360256"/>
+            <a:ext cx="2414016" cy="954107"/>
+          </a:xfrm>
+          <a:prstGeom prst="roundRect">
+            <a:avLst/>
+          </a:prstGeom>
+          <a:noFill/>
+        </p:spPr>
+        <p:style>
+          <a:lnRef idx="2">
+            <a:schemeClr val="accent1">
+              <a:shade val="50000"/>
+            </a:schemeClr>
+          </a:lnRef>
+          <a:fillRef idx="1">
+            <a:schemeClr val="accent1"/>
+          </a:fillRef>
+          <a:effectRef idx="0">
+            <a:schemeClr val="accent1"/>
+          </a:effectRef>
+          <a:fontRef idx="minor">
+            <a:schemeClr val="lt1"/>
+          </a:fontRef>
+        </p:style>
+        <p:txBody>
+          <a:bodyPr rtlCol="0" anchor="ctr"/>
+          <a:lstStyle/>
+          <a:p>
+            <a:pPr algn="ctr"/>
+            <a:endParaRPr lang="en-US" sz="3200"/>
+          </a:p>
+        </p:txBody>
+      </p:sp>
+      <p:sp>
+        <p:nvSpPr>
+          <p:cNvPr id="39" name="Rounded Rectangle 38">
+            <a:extLst>
+              <a:ext uri="{FF2B5EF4-FFF2-40B4-BE49-F238E27FC236}">
+                <a16:creationId xmlns:a16="http://schemas.microsoft.com/office/drawing/2014/main" id="{463227D3-30C3-EA43-8242-CAF4C3F7BFBC}"/>
+              </a:ext>
+            </a:extLst>
+          </p:cNvPr>
+          <p:cNvSpPr/>
+          <p:nvPr/>
+        </p:nvSpPr>
+        <p:spPr>
+          <a:xfrm>
+            <a:off x="5847721" y="12360254"/>
+            <a:ext cx="2414016" cy="954107"/>
+          </a:xfrm>
+          <a:prstGeom prst="roundRect">
+            <a:avLst/>
+          </a:prstGeom>
+          <a:noFill/>
+        </p:spPr>
+        <p:style>
+          <a:lnRef idx="2">
+            <a:schemeClr val="accent1">
+              <a:shade val="50000"/>
+            </a:schemeClr>
+          </a:lnRef>
+          <a:fillRef idx="1">
+            <a:schemeClr val="accent1"/>
+          </a:fillRef>
+          <a:effectRef idx="0">
+            <a:schemeClr val="accent1"/>
+          </a:effectRef>
+          <a:fontRef idx="minor">
+            <a:schemeClr val="lt1"/>
+          </a:fontRef>
+        </p:style>
+        <p:txBody>
+          <a:bodyPr rtlCol="0" anchor="ctr"/>
+          <a:lstStyle/>
+          <a:p>
+            <a:pPr algn="ctr"/>
+            <a:endParaRPr lang="en-US" sz="3200"/>
+          </a:p>
+        </p:txBody>
+      </p:sp>
+      <p:sp>
+        <p:nvSpPr>
+          <p:cNvPr id="40" name="TextBox 39">
+            <a:extLst>
+              <a:ext uri="{FF2B5EF4-FFF2-40B4-BE49-F238E27FC236}">
+                <a16:creationId xmlns:a16="http://schemas.microsoft.com/office/drawing/2014/main" id="{7FCD98E5-D179-D84B-B9EA-E4F50D2AF9CA}"/>
+              </a:ext>
+            </a:extLst>
+          </p:cNvPr>
+          <p:cNvSpPr txBox="1"/>
+          <p:nvPr/>
+        </p:nvSpPr>
+        <p:spPr>
+          <a:xfrm>
+            <a:off x="5744088" y="12360254"/>
+            <a:ext cx="2629712" cy="584775"/>
+          </a:xfrm>
+          <a:prstGeom prst="rect">
+            <a:avLst/>
+          </a:prstGeom>
+          <a:noFill/>
+        </p:spPr>
+        <p:txBody>
+          <a:bodyPr wrap="square" rtlCol="0">
+            <a:spAutoFit/>
+          </a:bodyPr>
+          <a:lstStyle/>
+          <a:p>
+            <a:pPr algn="ctr"/>
+            <a:r>
+              <a:rPr lang="en-US" sz="3200" b="1" dirty="0">
+                <a:solidFill>
+                  <a:srgbClr val="364E54"/>
+                </a:solidFill>
+              </a:rPr>
+              <a:t>Non-AS</a:t>
+            </a:r>
+          </a:p>
+        </p:txBody>
+      </p:sp>
+      <p:sp>
+        <p:nvSpPr>
+          <p:cNvPr id="4" name="TextBox 3">
+            <a:extLst>
+              <a:ext uri="{FF2B5EF4-FFF2-40B4-BE49-F238E27FC236}">
+                <a16:creationId xmlns:a16="http://schemas.microsoft.com/office/drawing/2014/main" id="{5E0045CE-8808-394B-9D63-67C6FCA04A07}"/>
+              </a:ext>
+            </a:extLst>
+          </p:cNvPr>
+          <p:cNvSpPr txBox="1"/>
+          <p:nvPr/>
+        </p:nvSpPr>
+        <p:spPr>
+          <a:xfrm>
+            <a:off x="5817443" y="12837307"/>
+            <a:ext cx="2483001" cy="523220"/>
+          </a:xfrm>
+          <a:prstGeom prst="rect">
+            <a:avLst/>
+          </a:prstGeom>
+          <a:noFill/>
+        </p:spPr>
+        <p:txBody>
+          <a:bodyPr wrap="square" rtlCol="0">
+            <a:spAutoFit/>
+          </a:bodyPr>
+          <a:lstStyle/>
+          <a:p>
+            <a:pPr algn="ctr"/>
+            <a:r>
+              <a:rPr lang="en-US" sz="1400" dirty="0">
+                <a:solidFill>
+                  <a:srgbClr val="364E54"/>
+                </a:solidFill>
+              </a:rPr>
+              <a:t>All the introns in the genome except the </a:t>
+            </a:r>
+            <a:r>
+              <a:rPr lang="en-US" sz="1400" dirty="0">
+                <a:solidFill>
+                  <a:srgbClr val="ED2200"/>
+                </a:solidFill>
+              </a:rPr>
+              <a:t>Sig</a:t>
+            </a:r>
+            <a:r>
+              <a:rPr lang="en-US" sz="1400" dirty="0">
+                <a:solidFill>
+                  <a:srgbClr val="364E54"/>
+                </a:solidFill>
+              </a:rPr>
+              <a:t> and </a:t>
+            </a:r>
+            <a:r>
+              <a:rPr lang="en-US" sz="1400" dirty="0">
+                <a:solidFill>
+                  <a:srgbClr val="004188"/>
+                </a:solidFill>
+              </a:rPr>
+              <a:t>Non-sig</a:t>
+            </a:r>
+            <a:r>
+              <a:rPr lang="en-US" sz="1400" dirty="0">
+                <a:solidFill>
+                  <a:srgbClr val="364E54"/>
+                </a:solidFill>
+              </a:rPr>
+              <a:t> ones</a:t>
+            </a:r>
+          </a:p>
+        </p:txBody>
+      </p:sp>
+      <p:sp>
+        <p:nvSpPr>
+          <p:cNvPr id="41" name="Rounded Rectangle 40">
+            <a:extLst>
+              <a:ext uri="{FF2B5EF4-FFF2-40B4-BE49-F238E27FC236}">
+                <a16:creationId xmlns:a16="http://schemas.microsoft.com/office/drawing/2014/main" id="{2B0BD9ED-1906-664C-AB89-C5E3546571CD}"/>
+              </a:ext>
+            </a:extLst>
+          </p:cNvPr>
+          <p:cNvSpPr/>
+          <p:nvPr/>
+        </p:nvSpPr>
+        <p:spPr>
+          <a:xfrm>
+            <a:off x="676663" y="14138611"/>
+            <a:ext cx="2414016" cy="954107"/>
+          </a:xfrm>
+          <a:prstGeom prst="roundRect">
+            <a:avLst/>
+          </a:prstGeom>
+          <a:noFill/>
+        </p:spPr>
+        <p:style>
+          <a:lnRef idx="2">
+            <a:schemeClr val="accent1">
+              <a:shade val="50000"/>
+            </a:schemeClr>
+          </a:lnRef>
+          <a:fillRef idx="1">
+            <a:schemeClr val="accent1"/>
+          </a:fillRef>
+          <a:effectRef idx="0">
+            <a:schemeClr val="accent1"/>
+          </a:effectRef>
+          <a:fontRef idx="minor">
+            <a:schemeClr val="lt1"/>
+          </a:fontRef>
+        </p:style>
+        <p:txBody>
+          <a:bodyPr rtlCol="0" anchor="ctr"/>
+          <a:lstStyle/>
+          <a:p>
+            <a:pPr algn="ctr"/>
+            <a:endParaRPr lang="en-US" sz="3200"/>
+          </a:p>
+        </p:txBody>
+      </p:sp>
+      <p:sp>
+        <p:nvSpPr>
+          <p:cNvPr id="42" name="Down Arrow 41">
+            <a:extLst>
+              <a:ext uri="{FF2B5EF4-FFF2-40B4-BE49-F238E27FC236}">
+                <a16:creationId xmlns:a16="http://schemas.microsoft.com/office/drawing/2014/main" id="{442C6F2B-8938-7F47-8449-4AB5522CD42C}"/>
+              </a:ext>
+            </a:extLst>
+          </p:cNvPr>
+          <p:cNvSpPr/>
+          <p:nvPr/>
+        </p:nvSpPr>
+        <p:spPr>
+          <a:xfrm>
+            <a:off x="1552886" y="13389772"/>
+            <a:ext cx="561558" cy="673431"/>
+          </a:xfrm>
+          <a:prstGeom prst="downArrow">
+            <a:avLst/>
+          </a:prstGeom>
+          <a:solidFill>
+            <a:srgbClr val="1F77B4">
+              <a:alpha val="50000"/>
+            </a:srgbClr>
+          </a:solidFill>
+          <a:ln>
+            <a:noFill/>
+          </a:ln>
+        </p:spPr>
+        <p:style>
+          <a:lnRef idx="2">
+            <a:schemeClr val="accent1">
+              <a:shade val="50000"/>
+            </a:schemeClr>
+          </a:lnRef>
+          <a:fillRef idx="1">
+            <a:schemeClr val="accent1"/>
+          </a:fillRef>
+          <a:effectRef idx="0">
+            <a:schemeClr val="accent1"/>
+          </a:effectRef>
+          <a:fontRef idx="minor">
+            <a:schemeClr val="lt1"/>
+          </a:fontRef>
+        </p:style>
+        <p:txBody>
+          <a:bodyPr rot="0" spcFirstLastPara="0" vertOverflow="overflow" horzOverflow="overflow" vert="horz" wrap="square" lIns="162556" tIns="81278" rIns="162556" bIns="81278" numCol="1" spcCol="0" rtlCol="0" fromWordArt="0" anchor="ctr" anchorCtr="0" forceAA="0" compatLnSpc="1">
+            <a:prstTxWarp prst="textNoShape">
+              <a:avLst/>
+            </a:prstTxWarp>
+            <a:noAutofit/>
+          </a:bodyPr>
+          <a:lstStyle/>
+          <a:p>
+            <a:pPr algn="ctr"/>
+            <a:endParaRPr lang="en-US" sz="3200"/>
+          </a:p>
+        </p:txBody>
+      </p:sp>
+      <p:sp>
+        <p:nvSpPr>
+          <p:cNvPr id="6" name="TextBox 5">
+            <a:extLst>
+              <a:ext uri="{FF2B5EF4-FFF2-40B4-BE49-F238E27FC236}">
+                <a16:creationId xmlns:a16="http://schemas.microsoft.com/office/drawing/2014/main" id="{48722479-8571-444D-915B-5E97B942119F}"/>
+              </a:ext>
+            </a:extLst>
+          </p:cNvPr>
+          <p:cNvSpPr txBox="1"/>
+          <p:nvPr/>
+        </p:nvSpPr>
+        <p:spPr>
+          <a:xfrm>
+            <a:off x="588468" y="14402844"/>
+            <a:ext cx="2614434" cy="523220"/>
+          </a:xfrm>
+          <a:prstGeom prst="rect">
+            <a:avLst/>
+          </a:prstGeom>
+          <a:noFill/>
+        </p:spPr>
+        <p:txBody>
+          <a:bodyPr wrap="none" rtlCol="0">
+            <a:spAutoFit/>
+          </a:bodyPr>
+          <a:lstStyle/>
+          <a:p>
+            <a:r>
+              <a:rPr lang="en-US" sz="2800" dirty="0"/>
+              <a:t>Len = end – start</a:t>
+            </a:r>
+          </a:p>
+        </p:txBody>
+      </p:sp>
+      <p:sp>
+        <p:nvSpPr>
+          <p:cNvPr id="45" name="Rounded Rectangle 44">
+            <a:extLst>
+              <a:ext uri="{FF2B5EF4-FFF2-40B4-BE49-F238E27FC236}">
+                <a16:creationId xmlns:a16="http://schemas.microsoft.com/office/drawing/2014/main" id="{D8F3D284-F44C-8744-BFEA-36AB8703344C}"/>
+              </a:ext>
+            </a:extLst>
+          </p:cNvPr>
+          <p:cNvSpPr/>
+          <p:nvPr/>
+        </p:nvSpPr>
+        <p:spPr>
+          <a:xfrm>
+            <a:off x="3250216" y="14138611"/>
+            <a:ext cx="2414016" cy="954107"/>
+          </a:xfrm>
+          <a:prstGeom prst="roundRect">
+            <a:avLst/>
+          </a:prstGeom>
+          <a:noFill/>
+        </p:spPr>
+        <p:style>
+          <a:lnRef idx="2">
+            <a:schemeClr val="accent1">
+              <a:shade val="50000"/>
+            </a:schemeClr>
+          </a:lnRef>
+          <a:fillRef idx="1">
+            <a:schemeClr val="accent1"/>
+          </a:fillRef>
+          <a:effectRef idx="0">
+            <a:schemeClr val="accent1"/>
+          </a:effectRef>
+          <a:fontRef idx="minor">
+            <a:schemeClr val="lt1"/>
+          </a:fontRef>
+        </p:style>
+        <p:txBody>
+          <a:bodyPr rtlCol="0" anchor="ctr"/>
+          <a:lstStyle/>
+          <a:p>
+            <a:pPr algn="ctr"/>
+            <a:endParaRPr lang="en-US" sz="3200"/>
+          </a:p>
+        </p:txBody>
+      </p:sp>
+      <p:sp>
+        <p:nvSpPr>
+          <p:cNvPr id="46" name="TextBox 45">
+            <a:extLst>
+              <a:ext uri="{FF2B5EF4-FFF2-40B4-BE49-F238E27FC236}">
+                <a16:creationId xmlns:a16="http://schemas.microsoft.com/office/drawing/2014/main" id="{2B8F08BA-EEB7-7249-B081-7389C8E424B1}"/>
+              </a:ext>
+            </a:extLst>
+          </p:cNvPr>
+          <p:cNvSpPr txBox="1"/>
+          <p:nvPr/>
+        </p:nvSpPr>
+        <p:spPr>
+          <a:xfrm>
+            <a:off x="3178138" y="14390707"/>
+            <a:ext cx="2614434" cy="523220"/>
+          </a:xfrm>
+          <a:prstGeom prst="rect">
+            <a:avLst/>
+          </a:prstGeom>
+          <a:noFill/>
+        </p:spPr>
+        <p:txBody>
+          <a:bodyPr wrap="none" rtlCol="0">
+            <a:spAutoFit/>
+          </a:bodyPr>
+          <a:lstStyle/>
+          <a:p>
+            <a:r>
+              <a:rPr lang="en-US" sz="2800" dirty="0"/>
+              <a:t>Len = end – start</a:t>
+            </a:r>
+          </a:p>
+        </p:txBody>
+      </p:sp>
+      <p:sp>
+        <p:nvSpPr>
+          <p:cNvPr id="49" name="Rounded Rectangle 48">
+            <a:extLst>
+              <a:ext uri="{FF2B5EF4-FFF2-40B4-BE49-F238E27FC236}">
+                <a16:creationId xmlns:a16="http://schemas.microsoft.com/office/drawing/2014/main" id="{A4521454-C8A4-E44B-92EB-990F1D676AC7}"/>
+              </a:ext>
+            </a:extLst>
+          </p:cNvPr>
+          <p:cNvSpPr/>
+          <p:nvPr/>
+        </p:nvSpPr>
+        <p:spPr>
+          <a:xfrm>
+            <a:off x="5849394" y="14138611"/>
+            <a:ext cx="2414016" cy="954107"/>
+          </a:xfrm>
+          <a:prstGeom prst="roundRect">
+            <a:avLst/>
+          </a:prstGeom>
+          <a:noFill/>
+        </p:spPr>
+        <p:style>
+          <a:lnRef idx="2">
+            <a:schemeClr val="accent1">
+              <a:shade val="50000"/>
+            </a:schemeClr>
+          </a:lnRef>
+          <a:fillRef idx="1">
+            <a:schemeClr val="accent1"/>
+          </a:fillRef>
+          <a:effectRef idx="0">
+            <a:schemeClr val="accent1"/>
+          </a:effectRef>
+          <a:fontRef idx="minor">
+            <a:schemeClr val="lt1"/>
+          </a:fontRef>
+        </p:style>
+        <p:txBody>
+          <a:bodyPr rtlCol="0" anchor="ctr"/>
+          <a:lstStyle/>
+          <a:p>
+            <a:pPr algn="ctr"/>
+            <a:endParaRPr lang="en-US" sz="3200"/>
+          </a:p>
+        </p:txBody>
+      </p:sp>
+      <p:sp>
+        <p:nvSpPr>
+          <p:cNvPr id="50" name="TextBox 49">
+            <a:extLst>
+              <a:ext uri="{FF2B5EF4-FFF2-40B4-BE49-F238E27FC236}">
+                <a16:creationId xmlns:a16="http://schemas.microsoft.com/office/drawing/2014/main" id="{3C383EDE-AD73-984E-96AD-1AD41ECB767E}"/>
+              </a:ext>
+            </a:extLst>
+          </p:cNvPr>
+          <p:cNvSpPr txBox="1"/>
+          <p:nvPr/>
+        </p:nvSpPr>
+        <p:spPr>
+          <a:xfrm>
+            <a:off x="5769165" y="14384930"/>
+            <a:ext cx="2614434" cy="523220"/>
+          </a:xfrm>
+          <a:prstGeom prst="rect">
+            <a:avLst/>
+          </a:prstGeom>
+          <a:noFill/>
+        </p:spPr>
+        <p:txBody>
+          <a:bodyPr wrap="none" rtlCol="0">
+            <a:spAutoFit/>
+          </a:bodyPr>
+          <a:lstStyle/>
+          <a:p>
+            <a:r>
+              <a:rPr lang="en-US" sz="2800" dirty="0"/>
+              <a:t>Len = end – start</a:t>
+            </a:r>
+          </a:p>
+        </p:txBody>
+      </p:sp>
+      <p:sp>
+        <p:nvSpPr>
+          <p:cNvPr id="51" name="Down Arrow 50">
+            <a:extLst>
+              <a:ext uri="{FF2B5EF4-FFF2-40B4-BE49-F238E27FC236}">
+                <a16:creationId xmlns:a16="http://schemas.microsoft.com/office/drawing/2014/main" id="{2A6A7763-216D-A148-8E04-C387C3CE8273}"/>
+              </a:ext>
+            </a:extLst>
+          </p:cNvPr>
+          <p:cNvSpPr/>
+          <p:nvPr/>
+        </p:nvSpPr>
+        <p:spPr>
+          <a:xfrm>
+            <a:off x="4182598" y="13389772"/>
+            <a:ext cx="561558" cy="673431"/>
+          </a:xfrm>
+          <a:prstGeom prst="downArrow">
+            <a:avLst/>
+          </a:prstGeom>
+          <a:solidFill>
+            <a:srgbClr val="1F77B4">
+              <a:alpha val="50000"/>
+            </a:srgbClr>
+          </a:solidFill>
+          <a:ln>
+            <a:noFill/>
+          </a:ln>
+        </p:spPr>
+        <p:style>
+          <a:lnRef idx="2">
+            <a:schemeClr val="accent1">
+              <a:shade val="50000"/>
+            </a:schemeClr>
+          </a:lnRef>
+          <a:fillRef idx="1">
+            <a:schemeClr val="accent1"/>
+          </a:fillRef>
+          <a:effectRef idx="0">
+            <a:schemeClr val="accent1"/>
+          </a:effectRef>
+          <a:fontRef idx="minor">
+            <a:schemeClr val="lt1"/>
+          </a:fontRef>
+        </p:style>
+        <p:txBody>
+          <a:bodyPr rot="0" spcFirstLastPara="0" vertOverflow="overflow" horzOverflow="overflow" vert="horz" wrap="square" lIns="162556" tIns="81278" rIns="162556" bIns="81278" numCol="1" spcCol="0" rtlCol="0" fromWordArt="0" anchor="ctr" anchorCtr="0" forceAA="0" compatLnSpc="1">
+            <a:prstTxWarp prst="textNoShape">
+              <a:avLst/>
+            </a:prstTxWarp>
+            <a:noAutofit/>
+          </a:bodyPr>
+          <a:lstStyle/>
+          <a:p>
+            <a:pPr algn="ctr"/>
+            <a:endParaRPr lang="en-US" sz="3200" dirty="0"/>
+          </a:p>
+        </p:txBody>
+      </p:sp>
+      <p:sp>
+        <p:nvSpPr>
+          <p:cNvPr id="52" name="Down Arrow 51">
+            <a:extLst>
+              <a:ext uri="{FF2B5EF4-FFF2-40B4-BE49-F238E27FC236}">
+                <a16:creationId xmlns:a16="http://schemas.microsoft.com/office/drawing/2014/main" id="{3BE0F1D2-6009-1048-9C3D-4B441349BF17}"/>
+              </a:ext>
+            </a:extLst>
+          </p:cNvPr>
+          <p:cNvSpPr/>
+          <p:nvPr/>
+        </p:nvSpPr>
+        <p:spPr>
+          <a:xfrm>
+            <a:off x="6739401" y="13397746"/>
+            <a:ext cx="561558" cy="673431"/>
+          </a:xfrm>
+          <a:prstGeom prst="downArrow">
+            <a:avLst/>
+          </a:prstGeom>
+          <a:solidFill>
+            <a:srgbClr val="1F77B4">
+              <a:alpha val="50000"/>
+            </a:srgbClr>
+          </a:solidFill>
+          <a:ln>
+            <a:noFill/>
+          </a:ln>
+        </p:spPr>
+        <p:style>
+          <a:lnRef idx="2">
+            <a:schemeClr val="accent1">
+              <a:shade val="50000"/>
+            </a:schemeClr>
+          </a:lnRef>
+          <a:fillRef idx="1">
+            <a:schemeClr val="accent1"/>
+          </a:fillRef>
+          <a:effectRef idx="0">
+            <a:schemeClr val="accent1"/>
+          </a:effectRef>
+          <a:fontRef idx="minor">
+            <a:schemeClr val="lt1"/>
+          </a:fontRef>
+        </p:style>
+        <p:txBody>
+          <a:bodyPr rot="0" spcFirstLastPara="0" vertOverflow="overflow" horzOverflow="overflow" vert="horz" wrap="square" lIns="162556" tIns="81278" rIns="162556" bIns="81278" numCol="1" spcCol="0" rtlCol="0" fromWordArt="0" anchor="ctr" anchorCtr="0" forceAA="0" compatLnSpc="1">
+            <a:prstTxWarp prst="textNoShape">
+              <a:avLst/>
+            </a:prstTxWarp>
+            <a:noAutofit/>
+          </a:bodyPr>
+          <a:lstStyle/>
+          <a:p>
+            <a:pPr algn="ctr"/>
+            <a:endParaRPr lang="en-US" sz="3200"/>
+          </a:p>
+        </p:txBody>
+      </p:sp>
+      <p:sp>
+        <p:nvSpPr>
+          <p:cNvPr id="53" name="Down Arrow 52">
+            <a:extLst>
+              <a:ext uri="{FF2B5EF4-FFF2-40B4-BE49-F238E27FC236}">
+                <a16:creationId xmlns:a16="http://schemas.microsoft.com/office/drawing/2014/main" id="{02639317-3955-AA42-970C-606697E9DB08}"/>
+              </a:ext>
+            </a:extLst>
+          </p:cNvPr>
+          <p:cNvSpPr/>
+          <p:nvPr/>
+        </p:nvSpPr>
+        <p:spPr>
+          <a:xfrm rot="18244720">
+            <a:off x="1916719" y="15027904"/>
+            <a:ext cx="561558" cy="911908"/>
+          </a:xfrm>
+          <a:prstGeom prst="downArrow">
+            <a:avLst/>
+          </a:prstGeom>
+          <a:solidFill>
+            <a:srgbClr val="1F77B4">
+              <a:alpha val="50000"/>
+            </a:srgbClr>
+          </a:solidFill>
+          <a:ln>
+            <a:noFill/>
+          </a:ln>
+        </p:spPr>
+        <p:style>
+          <a:lnRef idx="2">
+            <a:schemeClr val="accent1">
+              <a:shade val="50000"/>
+            </a:schemeClr>
+          </a:lnRef>
+          <a:fillRef idx="1">
+            <a:schemeClr val="accent1"/>
+          </a:fillRef>
+          <a:effectRef idx="0">
+            <a:schemeClr val="accent1"/>
+          </a:effectRef>
+          <a:fontRef idx="minor">
+            <a:schemeClr val="lt1"/>
+          </a:fontRef>
+        </p:style>
+        <p:txBody>
+          <a:bodyPr rot="0" spcFirstLastPara="0" vertOverflow="overflow" horzOverflow="overflow" vert="horz" wrap="square" lIns="162556" tIns="81278" rIns="162556" bIns="81278" numCol="1" spcCol="0" rtlCol="0" fromWordArt="0" anchor="ctr" anchorCtr="0" forceAA="0" compatLnSpc="1">
+            <a:prstTxWarp prst="textNoShape">
+              <a:avLst/>
+            </a:prstTxWarp>
+            <a:noAutofit/>
+          </a:bodyPr>
+          <a:lstStyle/>
+          <a:p>
+            <a:pPr algn="ctr"/>
+            <a:endParaRPr lang="en-US" sz="3200"/>
+          </a:p>
+        </p:txBody>
+      </p:sp>
+      <p:sp>
+        <p:nvSpPr>
+          <p:cNvPr id="54" name="Down Arrow 53">
+            <a:extLst>
+              <a:ext uri="{FF2B5EF4-FFF2-40B4-BE49-F238E27FC236}">
+                <a16:creationId xmlns:a16="http://schemas.microsoft.com/office/drawing/2014/main" id="{B52D162C-F53B-2544-BBE4-0944B59213EC}"/>
+              </a:ext>
+            </a:extLst>
+          </p:cNvPr>
+          <p:cNvSpPr/>
+          <p:nvPr/>
+        </p:nvSpPr>
+        <p:spPr>
+          <a:xfrm rot="3263484">
+            <a:off x="6458623" y="15080131"/>
+            <a:ext cx="561558" cy="911908"/>
+          </a:xfrm>
+          <a:prstGeom prst="downArrow">
+            <a:avLst/>
+          </a:prstGeom>
+          <a:solidFill>
+            <a:srgbClr val="1F77B4">
+              <a:alpha val="50000"/>
+            </a:srgbClr>
+          </a:solidFill>
+          <a:ln>
+            <a:noFill/>
+          </a:ln>
+        </p:spPr>
+        <p:style>
+          <a:lnRef idx="2">
+            <a:schemeClr val="accent1">
+              <a:shade val="50000"/>
+            </a:schemeClr>
+          </a:lnRef>
+          <a:fillRef idx="1">
+            <a:schemeClr val="accent1"/>
+          </a:fillRef>
+          <a:effectRef idx="0">
+            <a:schemeClr val="accent1"/>
+          </a:effectRef>
+          <a:fontRef idx="minor">
+            <a:schemeClr val="lt1"/>
+          </a:fontRef>
+        </p:style>
+        <p:txBody>
+          <a:bodyPr rot="0" spcFirstLastPara="0" vertOverflow="overflow" horzOverflow="overflow" vert="horz" wrap="square" lIns="162556" tIns="81278" rIns="162556" bIns="81278" numCol="1" spcCol="0" rtlCol="0" fromWordArt="0" anchor="ctr" anchorCtr="0" forceAA="0" compatLnSpc="1">
+            <a:prstTxWarp prst="textNoShape">
+              <a:avLst/>
+            </a:prstTxWarp>
+            <a:noAutofit/>
+          </a:bodyPr>
+          <a:lstStyle/>
+          <a:p>
+            <a:pPr algn="ctr"/>
+            <a:endParaRPr lang="en-US" sz="3200"/>
+          </a:p>
+        </p:txBody>
+      </p:sp>
+      <p:sp>
+        <p:nvSpPr>
+          <p:cNvPr id="55" name="Down Arrow 54">
+            <a:extLst>
+              <a:ext uri="{FF2B5EF4-FFF2-40B4-BE49-F238E27FC236}">
+                <a16:creationId xmlns:a16="http://schemas.microsoft.com/office/drawing/2014/main" id="{D9990272-C2E1-F64D-9FA7-60B6C131701B}"/>
+              </a:ext>
+            </a:extLst>
+          </p:cNvPr>
+          <p:cNvSpPr/>
+          <p:nvPr/>
+        </p:nvSpPr>
+        <p:spPr>
+          <a:xfrm>
+            <a:off x="4182598" y="15166023"/>
+            <a:ext cx="561558" cy="667560"/>
+          </a:xfrm>
+          <a:prstGeom prst="downArrow">
+            <a:avLst/>
+          </a:prstGeom>
+          <a:solidFill>
+            <a:srgbClr val="1F77B4">
+              <a:alpha val="50000"/>
+            </a:srgbClr>
+          </a:solidFill>
+          <a:ln>
+            <a:noFill/>
+          </a:ln>
+        </p:spPr>
+        <p:style>
+          <a:lnRef idx="2">
+            <a:schemeClr val="accent1">
+              <a:shade val="50000"/>
+            </a:schemeClr>
+          </a:lnRef>
+          <a:fillRef idx="1">
+            <a:schemeClr val="accent1"/>
+          </a:fillRef>
+          <a:effectRef idx="0">
+            <a:schemeClr val="accent1"/>
+          </a:effectRef>
+          <a:fontRef idx="minor">
+            <a:schemeClr val="lt1"/>
+          </a:fontRef>
+        </p:style>
+        <p:txBody>
+          <a:bodyPr rot="0" spcFirstLastPara="0" vertOverflow="overflow" horzOverflow="overflow" vert="horz" wrap="square" lIns="162556" tIns="81278" rIns="162556" bIns="81278" numCol="1" spcCol="0" rtlCol="0" fromWordArt="0" anchor="ctr" anchorCtr="0" forceAA="0" compatLnSpc="1">
+            <a:prstTxWarp prst="textNoShape">
+              <a:avLst/>
+            </a:prstTxWarp>
+            <a:noAutofit/>
+          </a:bodyPr>
+          <a:lstStyle/>
+          <a:p>
+            <a:pPr algn="ctr"/>
+            <a:endParaRPr lang="en-US" sz="3200" dirty="0"/>
+          </a:p>
+        </p:txBody>
+      </p:sp>
+      <p:pic>
+        <p:nvPicPr>
+          <p:cNvPr id="15" name="Picture 14">
+            <a:extLst>
+              <a:ext uri="{FF2B5EF4-FFF2-40B4-BE49-F238E27FC236}">
+                <a16:creationId xmlns:a16="http://schemas.microsoft.com/office/drawing/2014/main" id="{0EB1206B-5EDF-1C4F-940E-A9D05044275B}"/>
+              </a:ext>
+            </a:extLst>
+          </p:cNvPr>
+          <p:cNvPicPr>
+            <a:picLocks noChangeAspect="1"/>
+          </p:cNvPicPr>
+          <p:nvPr/>
+        </p:nvPicPr>
+        <p:blipFill>
+          <a:blip r:embed="rId3"/>
+          <a:stretch>
+            <a:fillRect/>
+          </a:stretch>
+        </p:blipFill>
+        <p:spPr>
+          <a:xfrm>
+            <a:off x="3396819" y="15833583"/>
+            <a:ext cx="2075688" cy="1745465"/>
+          </a:xfrm>
+          <a:prstGeom prst="rect">
+            <a:avLst/>
+          </a:prstGeom>
+        </p:spPr>
+      </p:pic>
     </p:spTree>
     <p:extLst>
       <p:ext uri="{BB962C8B-B14F-4D97-AF65-F5344CB8AC3E}">
         <p14:creationId xmlns:p14="http://schemas.microsoft.com/office/powerpoint/2010/main" val="3619014206"/>
+      </p:ext>
+    </p:extLst>
+  </p:cSld>
+  <p:clrMapOvr>
+    <a:masterClrMapping/>
+  </p:clrMapOvr>
+</p:sld>
+</file>
+
+<file path=ppt/slides/slide6.xml><?xml version="1.0" encoding="utf-8"?>
+<p:sld xmlns:a="http://schemas.openxmlformats.org/drawingml/2006/main" xmlns:r="http://schemas.openxmlformats.org/officeDocument/2006/relationships" xmlns:p="http://schemas.openxmlformats.org/presentationml/2006/main">
+  <p:cSld>
+    <p:spTree>
+      <p:nvGrpSpPr>
+        <p:cNvPr id="1" name=""/>
+        <p:cNvGrpSpPr/>
+        <p:nvPr/>
+      </p:nvGrpSpPr>
+      <p:grpSpPr>
+        <a:xfrm>
+          <a:off x="0" y="0"/>
+          <a:ext cx="0" cy="0"/>
+          <a:chOff x="0" y="0"/>
+          <a:chExt cx="0" cy="0"/>
+        </a:xfrm>
+      </p:grpSpPr>
+    </p:spTree>
+    <p:extLst>
+      <p:ext uri="{BB962C8B-B14F-4D97-AF65-F5344CB8AC3E}">
+        <p14:creationId xmlns:p14="http://schemas.microsoft.com/office/powerpoint/2010/main" val="1840685457"/>
       </p:ext>
     </p:extLst>
   </p:cSld>

--- a/analysis/14_Day3/analysis/15_true_and_false/workflow chart/workflow chart.pptx
+++ b/analysis/14_Day3/analysis/15_true_and_false/workflow chart/workflow chart.pptx
@@ -5,7 +5,7 @@
     <p:sldMasterId id="2147483684" r:id="rId1"/>
   </p:sldMasterIdLst>
   <p:notesMasterIdLst>
-    <p:notesMasterId r:id="rId8"/>
+    <p:notesMasterId r:id="rId11"/>
   </p:notesMasterIdLst>
   <p:sldIdLst>
     <p:sldId id="256" r:id="rId2"/>
@@ -13,7 +13,10 @@
     <p:sldId id="260" r:id="rId4"/>
     <p:sldId id="259" r:id="rId5"/>
     <p:sldId id="261" r:id="rId6"/>
-    <p:sldId id="262" r:id="rId7"/>
+    <p:sldId id="266" r:id="rId7"/>
+    <p:sldId id="262" r:id="rId8"/>
+    <p:sldId id="265" r:id="rId9"/>
+    <p:sldId id="264" r:id="rId10"/>
   </p:sldIdLst>
   <p:sldSz cx="12192000" cy="21674138"/>
   <p:notesSz cx="9144000" cy="6858000"/>
@@ -205,7 +208,7 @@
           <a:p>
             <a:fld id="{02B5B0D4-E21E-2644-AC1D-8AC3E54BFD57}" type="datetimeFigureOut">
               <a:rPr lang="en-US" smtClean="0"/>
-              <a:t>6/18/19</a:t>
+              <a:t>6/25/19</a:t>
             </a:fld>
             <a:endParaRPr lang="en-US"/>
           </a:p>
@@ -774,7 +777,7 @@
           <a:p>
             <a:fld id="{A8C9D3DF-80D7-1E4E-AC6C-6FC49E9FFBBC}" type="datetimeFigureOut">
               <a:rPr lang="en-US" smtClean="0"/>
-              <a:t>6/18/19</a:t>
+              <a:t>6/25/19</a:t>
             </a:fld>
             <a:endParaRPr lang="en-US"/>
           </a:p>
@@ -944,7 +947,7 @@
           <a:p>
             <a:fld id="{A8C9D3DF-80D7-1E4E-AC6C-6FC49E9FFBBC}" type="datetimeFigureOut">
               <a:rPr lang="en-US" smtClean="0"/>
-              <a:t>6/18/19</a:t>
+              <a:t>6/25/19</a:t>
             </a:fld>
             <a:endParaRPr lang="en-US"/>
           </a:p>
@@ -1124,7 +1127,7 @@
           <a:p>
             <a:fld id="{A8C9D3DF-80D7-1E4E-AC6C-6FC49E9FFBBC}" type="datetimeFigureOut">
               <a:rPr lang="en-US" smtClean="0"/>
-              <a:t>6/18/19</a:t>
+              <a:t>6/25/19</a:t>
             </a:fld>
             <a:endParaRPr lang="en-US"/>
           </a:p>
@@ -1294,7 +1297,7 @@
           <a:p>
             <a:fld id="{A8C9D3DF-80D7-1E4E-AC6C-6FC49E9FFBBC}" type="datetimeFigureOut">
               <a:rPr lang="en-US" smtClean="0"/>
-              <a:t>6/18/19</a:t>
+              <a:t>6/25/19</a:t>
             </a:fld>
             <a:endParaRPr lang="en-US"/>
           </a:p>
@@ -1538,7 +1541,7 @@
           <a:p>
             <a:fld id="{A8C9D3DF-80D7-1E4E-AC6C-6FC49E9FFBBC}" type="datetimeFigureOut">
               <a:rPr lang="en-US" smtClean="0"/>
-              <a:t>6/18/19</a:t>
+              <a:t>6/25/19</a:t>
             </a:fld>
             <a:endParaRPr lang="en-US"/>
           </a:p>
@@ -1770,7 +1773,7 @@
           <a:p>
             <a:fld id="{A8C9D3DF-80D7-1E4E-AC6C-6FC49E9FFBBC}" type="datetimeFigureOut">
               <a:rPr lang="en-US" smtClean="0"/>
-              <a:t>6/18/19</a:t>
+              <a:t>6/25/19</a:t>
             </a:fld>
             <a:endParaRPr lang="en-US"/>
           </a:p>
@@ -2137,7 +2140,7 @@
           <a:p>
             <a:fld id="{A8C9D3DF-80D7-1E4E-AC6C-6FC49E9FFBBC}" type="datetimeFigureOut">
               <a:rPr lang="en-US" smtClean="0"/>
-              <a:t>6/18/19</a:t>
+              <a:t>6/25/19</a:t>
             </a:fld>
             <a:endParaRPr lang="en-US"/>
           </a:p>
@@ -2255,7 +2258,7 @@
           <a:p>
             <a:fld id="{A8C9D3DF-80D7-1E4E-AC6C-6FC49E9FFBBC}" type="datetimeFigureOut">
               <a:rPr lang="en-US" smtClean="0"/>
-              <a:t>6/18/19</a:t>
+              <a:t>6/25/19</a:t>
             </a:fld>
             <a:endParaRPr lang="en-US"/>
           </a:p>
@@ -2350,7 +2353,7 @@
           <a:p>
             <a:fld id="{A8C9D3DF-80D7-1E4E-AC6C-6FC49E9FFBBC}" type="datetimeFigureOut">
               <a:rPr lang="en-US" smtClean="0"/>
-              <a:t>6/18/19</a:t>
+              <a:t>6/25/19</a:t>
             </a:fld>
             <a:endParaRPr lang="en-US"/>
           </a:p>
@@ -2627,7 +2630,7 @@
           <a:p>
             <a:fld id="{A8C9D3DF-80D7-1E4E-AC6C-6FC49E9FFBBC}" type="datetimeFigureOut">
               <a:rPr lang="en-US" smtClean="0"/>
-              <a:t>6/18/19</a:t>
+              <a:t>6/25/19</a:t>
             </a:fld>
             <a:endParaRPr lang="en-US"/>
           </a:p>
@@ -2884,7 +2887,7 @@
           <a:p>
             <a:fld id="{A8C9D3DF-80D7-1E4E-AC6C-6FC49E9FFBBC}" type="datetimeFigureOut">
               <a:rPr lang="en-US" smtClean="0"/>
-              <a:t>6/18/19</a:t>
+              <a:t>6/25/19</a:t>
             </a:fld>
             <a:endParaRPr lang="en-US"/>
           </a:p>
@@ -3097,7 +3100,7 @@
           <a:p>
             <a:fld id="{A8C9D3DF-80D7-1E4E-AC6C-6FC49E9FFBBC}" type="datetimeFigureOut">
               <a:rPr lang="en-US" smtClean="0"/>
-              <a:t>6/18/19</a:t>
+              <a:t>6/25/19</a:t>
             </a:fld>
             <a:endParaRPr lang="en-US"/>
           </a:p>
@@ -17287,10 +17290,10 @@
         </p:nvGrpSpPr>
         <p:grpSpPr>
           <a:xfrm>
-            <a:off x="930457" y="7811383"/>
-            <a:ext cx="6370502" cy="830997"/>
-            <a:chOff x="1003366" y="7739559"/>
-            <a:chExt cx="6370502" cy="830997"/>
+            <a:off x="922775" y="7719050"/>
+            <a:ext cx="6378184" cy="1015663"/>
+            <a:chOff x="995684" y="7647226"/>
+            <a:chExt cx="6378184" cy="1015663"/>
           </a:xfrm>
         </p:grpSpPr>
         <p:sp>
@@ -17348,8 +17351,8 @@
           </p:nvSpPr>
           <p:spPr>
             <a:xfrm>
-              <a:off x="1003366" y="7739559"/>
-              <a:ext cx="1595635" cy="830997"/>
+              <a:off x="995684" y="7647226"/>
+              <a:ext cx="1595635" cy="1015663"/>
             </a:xfrm>
             <a:prstGeom prst="rect">
               <a:avLst/>
@@ -17362,9 +17365,10 @@
             </a:bodyPr>
             <a:lstStyle/>
             <a:p>
+              <a:pPr algn="ctr"/>
               <a:r>
-                <a:rPr lang="en-US" sz="2400" dirty="0"/>
-                <a:t>Location proportion </a:t>
+                <a:rPr lang="en-US" sz="2000" dirty="0"/>
+                <a:t>Normalized gene body position</a:t>
               </a:r>
             </a:p>
           </p:txBody>
@@ -17414,15 +17418,15 @@
               </a:extLst>
             </p:cNvPr>
             <p:cNvCxnSpPr>
+              <a:cxnSpLocks/>
               <a:stCxn id="25" idx="1"/>
-              <a:endCxn id="25" idx="3"/>
             </p:cNvCxnSpPr>
             <p:nvPr/>
           </p:nvCxnSpPr>
           <p:spPr>
             <a:xfrm>
               <a:off x="2864557" y="8155058"/>
-              <a:ext cx="4509311" cy="0"/>
+              <a:ext cx="4388641" cy="0"/>
             </a:xfrm>
             <a:prstGeom prst="line">
               <a:avLst/>
@@ -17633,969 +17637,6 @@
           <a:xfrm>
             <a:off x="3178138" y="9999217"/>
             <a:ext cx="2079694" cy="1746504"/>
-          </a:xfrm>
-          <a:prstGeom prst="rect">
-            <a:avLst/>
-          </a:prstGeom>
-        </p:spPr>
-      </p:pic>
-      <p:sp>
-        <p:nvSpPr>
-          <p:cNvPr id="34" name="TextBox 33">
-            <a:extLst>
-              <a:ext uri="{FF2B5EF4-FFF2-40B4-BE49-F238E27FC236}">
-                <a16:creationId xmlns:a16="http://schemas.microsoft.com/office/drawing/2014/main" id="{2CC8C886-C78B-FD4F-A51E-B67AB58F1F8B}"/>
-              </a:ext>
-            </a:extLst>
-          </p:cNvPr>
-          <p:cNvSpPr txBox="1"/>
-          <p:nvPr/>
-        </p:nvSpPr>
-        <p:spPr>
-          <a:xfrm>
-            <a:off x="568815" y="12569968"/>
-            <a:ext cx="2629712" cy="584775"/>
-          </a:xfrm>
-          <a:prstGeom prst="rect">
-            <a:avLst/>
-          </a:prstGeom>
-          <a:noFill/>
-        </p:spPr>
-        <p:txBody>
-          <a:bodyPr wrap="square" rtlCol="0">
-            <a:spAutoFit/>
-          </a:bodyPr>
-          <a:lstStyle/>
-          <a:p>
-            <a:pPr algn="ctr"/>
-            <a:r>
-              <a:rPr lang="en-US" sz="3200" b="1" dirty="0">
-                <a:solidFill>
-                  <a:srgbClr val="ED2200"/>
-                </a:solidFill>
-              </a:rPr>
-              <a:t>Sig IR events</a:t>
-            </a:r>
-          </a:p>
-        </p:txBody>
-      </p:sp>
-      <p:sp>
-        <p:nvSpPr>
-          <p:cNvPr id="36" name="Rounded Rectangle 35">
-            <a:extLst>
-              <a:ext uri="{FF2B5EF4-FFF2-40B4-BE49-F238E27FC236}">
-                <a16:creationId xmlns:a16="http://schemas.microsoft.com/office/drawing/2014/main" id="{015F7CA6-0F1E-C340-8173-1373E4A6F763}"/>
-              </a:ext>
-            </a:extLst>
-          </p:cNvPr>
-          <p:cNvSpPr/>
-          <p:nvPr/>
-        </p:nvSpPr>
-        <p:spPr>
-          <a:xfrm>
-            <a:off x="631441" y="12360257"/>
-            <a:ext cx="2410697" cy="954107"/>
-          </a:xfrm>
-          <a:prstGeom prst="roundRect">
-            <a:avLst/>
-          </a:prstGeom>
-          <a:noFill/>
-        </p:spPr>
-        <p:style>
-          <a:lnRef idx="2">
-            <a:schemeClr val="accent1">
-              <a:shade val="50000"/>
-            </a:schemeClr>
-          </a:lnRef>
-          <a:fillRef idx="1">
-            <a:schemeClr val="accent1"/>
-          </a:fillRef>
-          <a:effectRef idx="0">
-            <a:schemeClr val="accent1"/>
-          </a:effectRef>
-          <a:fontRef idx="minor">
-            <a:schemeClr val="lt1"/>
-          </a:fontRef>
-        </p:style>
-        <p:txBody>
-          <a:bodyPr rtlCol="0" anchor="ctr"/>
-          <a:lstStyle/>
-          <a:p>
-            <a:pPr algn="ctr"/>
-            <a:endParaRPr lang="en-US" sz="3200"/>
-          </a:p>
-        </p:txBody>
-      </p:sp>
-      <p:sp>
-        <p:nvSpPr>
-          <p:cNvPr id="37" name="TextBox 36">
-            <a:extLst>
-              <a:ext uri="{FF2B5EF4-FFF2-40B4-BE49-F238E27FC236}">
-                <a16:creationId xmlns:a16="http://schemas.microsoft.com/office/drawing/2014/main" id="{207BAA16-AD32-204E-A218-22BED1CC0CB5}"/>
-              </a:ext>
-            </a:extLst>
-          </p:cNvPr>
-          <p:cNvSpPr txBox="1"/>
-          <p:nvPr/>
-        </p:nvSpPr>
-        <p:spPr>
-          <a:xfrm>
-            <a:off x="3142368" y="12320528"/>
-            <a:ext cx="2629712" cy="1077218"/>
-          </a:xfrm>
-          <a:prstGeom prst="rect">
-            <a:avLst/>
-          </a:prstGeom>
-          <a:noFill/>
-        </p:spPr>
-        <p:txBody>
-          <a:bodyPr wrap="square" rtlCol="0">
-            <a:spAutoFit/>
-          </a:bodyPr>
-          <a:lstStyle/>
-          <a:p>
-            <a:pPr algn="ctr"/>
-            <a:r>
-              <a:rPr lang="en-US" sz="3200" b="1" dirty="0">
-                <a:solidFill>
-                  <a:srgbClr val="004188"/>
-                </a:solidFill>
-              </a:rPr>
-              <a:t>Non-sig IR events</a:t>
-            </a:r>
-          </a:p>
-        </p:txBody>
-      </p:sp>
-      <p:sp>
-        <p:nvSpPr>
-          <p:cNvPr id="38" name="Rounded Rectangle 37">
-            <a:extLst>
-              <a:ext uri="{FF2B5EF4-FFF2-40B4-BE49-F238E27FC236}">
-                <a16:creationId xmlns:a16="http://schemas.microsoft.com/office/drawing/2014/main" id="{B9646F04-1E1C-BC4D-A860-9883114C8E89}"/>
-              </a:ext>
-            </a:extLst>
-          </p:cNvPr>
-          <p:cNvSpPr/>
-          <p:nvPr/>
-        </p:nvSpPr>
-        <p:spPr>
-          <a:xfrm>
-            <a:off x="3250216" y="12360256"/>
-            <a:ext cx="2414016" cy="954107"/>
-          </a:xfrm>
-          <a:prstGeom prst="roundRect">
-            <a:avLst/>
-          </a:prstGeom>
-          <a:noFill/>
-        </p:spPr>
-        <p:style>
-          <a:lnRef idx="2">
-            <a:schemeClr val="accent1">
-              <a:shade val="50000"/>
-            </a:schemeClr>
-          </a:lnRef>
-          <a:fillRef idx="1">
-            <a:schemeClr val="accent1"/>
-          </a:fillRef>
-          <a:effectRef idx="0">
-            <a:schemeClr val="accent1"/>
-          </a:effectRef>
-          <a:fontRef idx="minor">
-            <a:schemeClr val="lt1"/>
-          </a:fontRef>
-        </p:style>
-        <p:txBody>
-          <a:bodyPr rtlCol="0" anchor="ctr"/>
-          <a:lstStyle/>
-          <a:p>
-            <a:pPr algn="ctr"/>
-            <a:endParaRPr lang="en-US" sz="3200"/>
-          </a:p>
-        </p:txBody>
-      </p:sp>
-      <p:sp>
-        <p:nvSpPr>
-          <p:cNvPr id="39" name="Rounded Rectangle 38">
-            <a:extLst>
-              <a:ext uri="{FF2B5EF4-FFF2-40B4-BE49-F238E27FC236}">
-                <a16:creationId xmlns:a16="http://schemas.microsoft.com/office/drawing/2014/main" id="{463227D3-30C3-EA43-8242-CAF4C3F7BFBC}"/>
-              </a:ext>
-            </a:extLst>
-          </p:cNvPr>
-          <p:cNvSpPr/>
-          <p:nvPr/>
-        </p:nvSpPr>
-        <p:spPr>
-          <a:xfrm>
-            <a:off x="5847721" y="12360254"/>
-            <a:ext cx="2414016" cy="954107"/>
-          </a:xfrm>
-          <a:prstGeom prst="roundRect">
-            <a:avLst/>
-          </a:prstGeom>
-          <a:noFill/>
-        </p:spPr>
-        <p:style>
-          <a:lnRef idx="2">
-            <a:schemeClr val="accent1">
-              <a:shade val="50000"/>
-            </a:schemeClr>
-          </a:lnRef>
-          <a:fillRef idx="1">
-            <a:schemeClr val="accent1"/>
-          </a:fillRef>
-          <a:effectRef idx="0">
-            <a:schemeClr val="accent1"/>
-          </a:effectRef>
-          <a:fontRef idx="minor">
-            <a:schemeClr val="lt1"/>
-          </a:fontRef>
-        </p:style>
-        <p:txBody>
-          <a:bodyPr rtlCol="0" anchor="ctr"/>
-          <a:lstStyle/>
-          <a:p>
-            <a:pPr algn="ctr"/>
-            <a:endParaRPr lang="en-US" sz="3200"/>
-          </a:p>
-        </p:txBody>
-      </p:sp>
-      <p:sp>
-        <p:nvSpPr>
-          <p:cNvPr id="40" name="TextBox 39">
-            <a:extLst>
-              <a:ext uri="{FF2B5EF4-FFF2-40B4-BE49-F238E27FC236}">
-                <a16:creationId xmlns:a16="http://schemas.microsoft.com/office/drawing/2014/main" id="{7FCD98E5-D179-D84B-B9EA-E4F50D2AF9CA}"/>
-              </a:ext>
-            </a:extLst>
-          </p:cNvPr>
-          <p:cNvSpPr txBox="1"/>
-          <p:nvPr/>
-        </p:nvSpPr>
-        <p:spPr>
-          <a:xfrm>
-            <a:off x="5744088" y="12360254"/>
-            <a:ext cx="2629712" cy="584775"/>
-          </a:xfrm>
-          <a:prstGeom prst="rect">
-            <a:avLst/>
-          </a:prstGeom>
-          <a:noFill/>
-        </p:spPr>
-        <p:txBody>
-          <a:bodyPr wrap="square" rtlCol="0">
-            <a:spAutoFit/>
-          </a:bodyPr>
-          <a:lstStyle/>
-          <a:p>
-            <a:pPr algn="ctr"/>
-            <a:r>
-              <a:rPr lang="en-US" sz="3200" b="1" dirty="0">
-                <a:solidFill>
-                  <a:srgbClr val="364E54"/>
-                </a:solidFill>
-              </a:rPr>
-              <a:t>Non-AS</a:t>
-            </a:r>
-          </a:p>
-        </p:txBody>
-      </p:sp>
-      <p:sp>
-        <p:nvSpPr>
-          <p:cNvPr id="4" name="TextBox 3">
-            <a:extLst>
-              <a:ext uri="{FF2B5EF4-FFF2-40B4-BE49-F238E27FC236}">
-                <a16:creationId xmlns:a16="http://schemas.microsoft.com/office/drawing/2014/main" id="{5E0045CE-8808-394B-9D63-67C6FCA04A07}"/>
-              </a:ext>
-            </a:extLst>
-          </p:cNvPr>
-          <p:cNvSpPr txBox="1"/>
-          <p:nvPr/>
-        </p:nvSpPr>
-        <p:spPr>
-          <a:xfrm>
-            <a:off x="5817443" y="12837307"/>
-            <a:ext cx="2483001" cy="523220"/>
-          </a:xfrm>
-          <a:prstGeom prst="rect">
-            <a:avLst/>
-          </a:prstGeom>
-          <a:noFill/>
-        </p:spPr>
-        <p:txBody>
-          <a:bodyPr wrap="square" rtlCol="0">
-            <a:spAutoFit/>
-          </a:bodyPr>
-          <a:lstStyle/>
-          <a:p>
-            <a:pPr algn="ctr"/>
-            <a:r>
-              <a:rPr lang="en-US" sz="1400" dirty="0">
-                <a:solidFill>
-                  <a:srgbClr val="364E54"/>
-                </a:solidFill>
-              </a:rPr>
-              <a:t>All the introns in the genome except the </a:t>
-            </a:r>
-            <a:r>
-              <a:rPr lang="en-US" sz="1400" dirty="0">
-                <a:solidFill>
-                  <a:srgbClr val="ED2200"/>
-                </a:solidFill>
-              </a:rPr>
-              <a:t>Sig</a:t>
-            </a:r>
-            <a:r>
-              <a:rPr lang="en-US" sz="1400" dirty="0">
-                <a:solidFill>
-                  <a:srgbClr val="364E54"/>
-                </a:solidFill>
-              </a:rPr>
-              <a:t> and </a:t>
-            </a:r>
-            <a:r>
-              <a:rPr lang="en-US" sz="1400" dirty="0">
-                <a:solidFill>
-                  <a:srgbClr val="004188"/>
-                </a:solidFill>
-              </a:rPr>
-              <a:t>Non-sig</a:t>
-            </a:r>
-            <a:r>
-              <a:rPr lang="en-US" sz="1400" dirty="0">
-                <a:solidFill>
-                  <a:srgbClr val="364E54"/>
-                </a:solidFill>
-              </a:rPr>
-              <a:t> ones</a:t>
-            </a:r>
-          </a:p>
-        </p:txBody>
-      </p:sp>
-      <p:sp>
-        <p:nvSpPr>
-          <p:cNvPr id="41" name="Rounded Rectangle 40">
-            <a:extLst>
-              <a:ext uri="{FF2B5EF4-FFF2-40B4-BE49-F238E27FC236}">
-                <a16:creationId xmlns:a16="http://schemas.microsoft.com/office/drawing/2014/main" id="{2B0BD9ED-1906-664C-AB89-C5E3546571CD}"/>
-              </a:ext>
-            </a:extLst>
-          </p:cNvPr>
-          <p:cNvSpPr/>
-          <p:nvPr/>
-        </p:nvSpPr>
-        <p:spPr>
-          <a:xfrm>
-            <a:off x="676663" y="14138611"/>
-            <a:ext cx="2414016" cy="954107"/>
-          </a:xfrm>
-          <a:prstGeom prst="roundRect">
-            <a:avLst/>
-          </a:prstGeom>
-          <a:noFill/>
-        </p:spPr>
-        <p:style>
-          <a:lnRef idx="2">
-            <a:schemeClr val="accent1">
-              <a:shade val="50000"/>
-            </a:schemeClr>
-          </a:lnRef>
-          <a:fillRef idx="1">
-            <a:schemeClr val="accent1"/>
-          </a:fillRef>
-          <a:effectRef idx="0">
-            <a:schemeClr val="accent1"/>
-          </a:effectRef>
-          <a:fontRef idx="minor">
-            <a:schemeClr val="lt1"/>
-          </a:fontRef>
-        </p:style>
-        <p:txBody>
-          <a:bodyPr rtlCol="0" anchor="ctr"/>
-          <a:lstStyle/>
-          <a:p>
-            <a:pPr algn="ctr"/>
-            <a:endParaRPr lang="en-US" sz="3200"/>
-          </a:p>
-        </p:txBody>
-      </p:sp>
-      <p:sp>
-        <p:nvSpPr>
-          <p:cNvPr id="42" name="Down Arrow 41">
-            <a:extLst>
-              <a:ext uri="{FF2B5EF4-FFF2-40B4-BE49-F238E27FC236}">
-                <a16:creationId xmlns:a16="http://schemas.microsoft.com/office/drawing/2014/main" id="{442C6F2B-8938-7F47-8449-4AB5522CD42C}"/>
-              </a:ext>
-            </a:extLst>
-          </p:cNvPr>
-          <p:cNvSpPr/>
-          <p:nvPr/>
-        </p:nvSpPr>
-        <p:spPr>
-          <a:xfrm>
-            <a:off x="1552886" y="13389772"/>
-            <a:ext cx="561558" cy="673431"/>
-          </a:xfrm>
-          <a:prstGeom prst="downArrow">
-            <a:avLst/>
-          </a:prstGeom>
-          <a:solidFill>
-            <a:srgbClr val="1F77B4">
-              <a:alpha val="50000"/>
-            </a:srgbClr>
-          </a:solidFill>
-          <a:ln>
-            <a:noFill/>
-          </a:ln>
-        </p:spPr>
-        <p:style>
-          <a:lnRef idx="2">
-            <a:schemeClr val="accent1">
-              <a:shade val="50000"/>
-            </a:schemeClr>
-          </a:lnRef>
-          <a:fillRef idx="1">
-            <a:schemeClr val="accent1"/>
-          </a:fillRef>
-          <a:effectRef idx="0">
-            <a:schemeClr val="accent1"/>
-          </a:effectRef>
-          <a:fontRef idx="minor">
-            <a:schemeClr val="lt1"/>
-          </a:fontRef>
-        </p:style>
-        <p:txBody>
-          <a:bodyPr rot="0" spcFirstLastPara="0" vertOverflow="overflow" horzOverflow="overflow" vert="horz" wrap="square" lIns="162556" tIns="81278" rIns="162556" bIns="81278" numCol="1" spcCol="0" rtlCol="0" fromWordArt="0" anchor="ctr" anchorCtr="0" forceAA="0" compatLnSpc="1">
-            <a:prstTxWarp prst="textNoShape">
-              <a:avLst/>
-            </a:prstTxWarp>
-            <a:noAutofit/>
-          </a:bodyPr>
-          <a:lstStyle/>
-          <a:p>
-            <a:pPr algn="ctr"/>
-            <a:endParaRPr lang="en-US" sz="3200"/>
-          </a:p>
-        </p:txBody>
-      </p:sp>
-      <p:sp>
-        <p:nvSpPr>
-          <p:cNvPr id="6" name="TextBox 5">
-            <a:extLst>
-              <a:ext uri="{FF2B5EF4-FFF2-40B4-BE49-F238E27FC236}">
-                <a16:creationId xmlns:a16="http://schemas.microsoft.com/office/drawing/2014/main" id="{48722479-8571-444D-915B-5E97B942119F}"/>
-              </a:ext>
-            </a:extLst>
-          </p:cNvPr>
-          <p:cNvSpPr txBox="1"/>
-          <p:nvPr/>
-        </p:nvSpPr>
-        <p:spPr>
-          <a:xfrm>
-            <a:off x="588468" y="14402844"/>
-            <a:ext cx="2614434" cy="523220"/>
-          </a:xfrm>
-          <a:prstGeom prst="rect">
-            <a:avLst/>
-          </a:prstGeom>
-          <a:noFill/>
-        </p:spPr>
-        <p:txBody>
-          <a:bodyPr wrap="none" rtlCol="0">
-            <a:spAutoFit/>
-          </a:bodyPr>
-          <a:lstStyle/>
-          <a:p>
-            <a:r>
-              <a:rPr lang="en-US" sz="2800" dirty="0"/>
-              <a:t>Len = end – start</a:t>
-            </a:r>
-          </a:p>
-        </p:txBody>
-      </p:sp>
-      <p:sp>
-        <p:nvSpPr>
-          <p:cNvPr id="45" name="Rounded Rectangle 44">
-            <a:extLst>
-              <a:ext uri="{FF2B5EF4-FFF2-40B4-BE49-F238E27FC236}">
-                <a16:creationId xmlns:a16="http://schemas.microsoft.com/office/drawing/2014/main" id="{D8F3D284-F44C-8744-BFEA-36AB8703344C}"/>
-              </a:ext>
-            </a:extLst>
-          </p:cNvPr>
-          <p:cNvSpPr/>
-          <p:nvPr/>
-        </p:nvSpPr>
-        <p:spPr>
-          <a:xfrm>
-            <a:off x="3250216" y="14138611"/>
-            <a:ext cx="2414016" cy="954107"/>
-          </a:xfrm>
-          <a:prstGeom prst="roundRect">
-            <a:avLst/>
-          </a:prstGeom>
-          <a:noFill/>
-        </p:spPr>
-        <p:style>
-          <a:lnRef idx="2">
-            <a:schemeClr val="accent1">
-              <a:shade val="50000"/>
-            </a:schemeClr>
-          </a:lnRef>
-          <a:fillRef idx="1">
-            <a:schemeClr val="accent1"/>
-          </a:fillRef>
-          <a:effectRef idx="0">
-            <a:schemeClr val="accent1"/>
-          </a:effectRef>
-          <a:fontRef idx="minor">
-            <a:schemeClr val="lt1"/>
-          </a:fontRef>
-        </p:style>
-        <p:txBody>
-          <a:bodyPr rtlCol="0" anchor="ctr"/>
-          <a:lstStyle/>
-          <a:p>
-            <a:pPr algn="ctr"/>
-            <a:endParaRPr lang="en-US" sz="3200"/>
-          </a:p>
-        </p:txBody>
-      </p:sp>
-      <p:sp>
-        <p:nvSpPr>
-          <p:cNvPr id="46" name="TextBox 45">
-            <a:extLst>
-              <a:ext uri="{FF2B5EF4-FFF2-40B4-BE49-F238E27FC236}">
-                <a16:creationId xmlns:a16="http://schemas.microsoft.com/office/drawing/2014/main" id="{2B8F08BA-EEB7-7249-B081-7389C8E424B1}"/>
-              </a:ext>
-            </a:extLst>
-          </p:cNvPr>
-          <p:cNvSpPr txBox="1"/>
-          <p:nvPr/>
-        </p:nvSpPr>
-        <p:spPr>
-          <a:xfrm>
-            <a:off x="3178138" y="14390707"/>
-            <a:ext cx="2614434" cy="523220"/>
-          </a:xfrm>
-          <a:prstGeom prst="rect">
-            <a:avLst/>
-          </a:prstGeom>
-          <a:noFill/>
-        </p:spPr>
-        <p:txBody>
-          <a:bodyPr wrap="none" rtlCol="0">
-            <a:spAutoFit/>
-          </a:bodyPr>
-          <a:lstStyle/>
-          <a:p>
-            <a:r>
-              <a:rPr lang="en-US" sz="2800" dirty="0"/>
-              <a:t>Len = end – start</a:t>
-            </a:r>
-          </a:p>
-        </p:txBody>
-      </p:sp>
-      <p:sp>
-        <p:nvSpPr>
-          <p:cNvPr id="49" name="Rounded Rectangle 48">
-            <a:extLst>
-              <a:ext uri="{FF2B5EF4-FFF2-40B4-BE49-F238E27FC236}">
-                <a16:creationId xmlns:a16="http://schemas.microsoft.com/office/drawing/2014/main" id="{A4521454-C8A4-E44B-92EB-990F1D676AC7}"/>
-              </a:ext>
-            </a:extLst>
-          </p:cNvPr>
-          <p:cNvSpPr/>
-          <p:nvPr/>
-        </p:nvSpPr>
-        <p:spPr>
-          <a:xfrm>
-            <a:off x="5849394" y="14138611"/>
-            <a:ext cx="2414016" cy="954107"/>
-          </a:xfrm>
-          <a:prstGeom prst="roundRect">
-            <a:avLst/>
-          </a:prstGeom>
-          <a:noFill/>
-        </p:spPr>
-        <p:style>
-          <a:lnRef idx="2">
-            <a:schemeClr val="accent1">
-              <a:shade val="50000"/>
-            </a:schemeClr>
-          </a:lnRef>
-          <a:fillRef idx="1">
-            <a:schemeClr val="accent1"/>
-          </a:fillRef>
-          <a:effectRef idx="0">
-            <a:schemeClr val="accent1"/>
-          </a:effectRef>
-          <a:fontRef idx="minor">
-            <a:schemeClr val="lt1"/>
-          </a:fontRef>
-        </p:style>
-        <p:txBody>
-          <a:bodyPr rtlCol="0" anchor="ctr"/>
-          <a:lstStyle/>
-          <a:p>
-            <a:pPr algn="ctr"/>
-            <a:endParaRPr lang="en-US" sz="3200"/>
-          </a:p>
-        </p:txBody>
-      </p:sp>
-      <p:sp>
-        <p:nvSpPr>
-          <p:cNvPr id="50" name="TextBox 49">
-            <a:extLst>
-              <a:ext uri="{FF2B5EF4-FFF2-40B4-BE49-F238E27FC236}">
-                <a16:creationId xmlns:a16="http://schemas.microsoft.com/office/drawing/2014/main" id="{3C383EDE-AD73-984E-96AD-1AD41ECB767E}"/>
-              </a:ext>
-            </a:extLst>
-          </p:cNvPr>
-          <p:cNvSpPr txBox="1"/>
-          <p:nvPr/>
-        </p:nvSpPr>
-        <p:spPr>
-          <a:xfrm>
-            <a:off x="5769165" y="14384930"/>
-            <a:ext cx="2614434" cy="523220"/>
-          </a:xfrm>
-          <a:prstGeom prst="rect">
-            <a:avLst/>
-          </a:prstGeom>
-          <a:noFill/>
-        </p:spPr>
-        <p:txBody>
-          <a:bodyPr wrap="none" rtlCol="0">
-            <a:spAutoFit/>
-          </a:bodyPr>
-          <a:lstStyle/>
-          <a:p>
-            <a:r>
-              <a:rPr lang="en-US" sz="2800" dirty="0"/>
-              <a:t>Len = end – start</a:t>
-            </a:r>
-          </a:p>
-        </p:txBody>
-      </p:sp>
-      <p:sp>
-        <p:nvSpPr>
-          <p:cNvPr id="51" name="Down Arrow 50">
-            <a:extLst>
-              <a:ext uri="{FF2B5EF4-FFF2-40B4-BE49-F238E27FC236}">
-                <a16:creationId xmlns:a16="http://schemas.microsoft.com/office/drawing/2014/main" id="{2A6A7763-216D-A148-8E04-C387C3CE8273}"/>
-              </a:ext>
-            </a:extLst>
-          </p:cNvPr>
-          <p:cNvSpPr/>
-          <p:nvPr/>
-        </p:nvSpPr>
-        <p:spPr>
-          <a:xfrm>
-            <a:off x="4182598" y="13389772"/>
-            <a:ext cx="561558" cy="673431"/>
-          </a:xfrm>
-          <a:prstGeom prst="downArrow">
-            <a:avLst/>
-          </a:prstGeom>
-          <a:solidFill>
-            <a:srgbClr val="1F77B4">
-              <a:alpha val="50000"/>
-            </a:srgbClr>
-          </a:solidFill>
-          <a:ln>
-            <a:noFill/>
-          </a:ln>
-        </p:spPr>
-        <p:style>
-          <a:lnRef idx="2">
-            <a:schemeClr val="accent1">
-              <a:shade val="50000"/>
-            </a:schemeClr>
-          </a:lnRef>
-          <a:fillRef idx="1">
-            <a:schemeClr val="accent1"/>
-          </a:fillRef>
-          <a:effectRef idx="0">
-            <a:schemeClr val="accent1"/>
-          </a:effectRef>
-          <a:fontRef idx="minor">
-            <a:schemeClr val="lt1"/>
-          </a:fontRef>
-        </p:style>
-        <p:txBody>
-          <a:bodyPr rot="0" spcFirstLastPara="0" vertOverflow="overflow" horzOverflow="overflow" vert="horz" wrap="square" lIns="162556" tIns="81278" rIns="162556" bIns="81278" numCol="1" spcCol="0" rtlCol="0" fromWordArt="0" anchor="ctr" anchorCtr="0" forceAA="0" compatLnSpc="1">
-            <a:prstTxWarp prst="textNoShape">
-              <a:avLst/>
-            </a:prstTxWarp>
-            <a:noAutofit/>
-          </a:bodyPr>
-          <a:lstStyle/>
-          <a:p>
-            <a:pPr algn="ctr"/>
-            <a:endParaRPr lang="en-US" sz="3200" dirty="0"/>
-          </a:p>
-        </p:txBody>
-      </p:sp>
-      <p:sp>
-        <p:nvSpPr>
-          <p:cNvPr id="52" name="Down Arrow 51">
-            <a:extLst>
-              <a:ext uri="{FF2B5EF4-FFF2-40B4-BE49-F238E27FC236}">
-                <a16:creationId xmlns:a16="http://schemas.microsoft.com/office/drawing/2014/main" id="{3BE0F1D2-6009-1048-9C3D-4B441349BF17}"/>
-              </a:ext>
-            </a:extLst>
-          </p:cNvPr>
-          <p:cNvSpPr/>
-          <p:nvPr/>
-        </p:nvSpPr>
-        <p:spPr>
-          <a:xfrm>
-            <a:off x="6739401" y="13397746"/>
-            <a:ext cx="561558" cy="673431"/>
-          </a:xfrm>
-          <a:prstGeom prst="downArrow">
-            <a:avLst/>
-          </a:prstGeom>
-          <a:solidFill>
-            <a:srgbClr val="1F77B4">
-              <a:alpha val="50000"/>
-            </a:srgbClr>
-          </a:solidFill>
-          <a:ln>
-            <a:noFill/>
-          </a:ln>
-        </p:spPr>
-        <p:style>
-          <a:lnRef idx="2">
-            <a:schemeClr val="accent1">
-              <a:shade val="50000"/>
-            </a:schemeClr>
-          </a:lnRef>
-          <a:fillRef idx="1">
-            <a:schemeClr val="accent1"/>
-          </a:fillRef>
-          <a:effectRef idx="0">
-            <a:schemeClr val="accent1"/>
-          </a:effectRef>
-          <a:fontRef idx="minor">
-            <a:schemeClr val="lt1"/>
-          </a:fontRef>
-        </p:style>
-        <p:txBody>
-          <a:bodyPr rot="0" spcFirstLastPara="0" vertOverflow="overflow" horzOverflow="overflow" vert="horz" wrap="square" lIns="162556" tIns="81278" rIns="162556" bIns="81278" numCol="1" spcCol="0" rtlCol="0" fromWordArt="0" anchor="ctr" anchorCtr="0" forceAA="0" compatLnSpc="1">
-            <a:prstTxWarp prst="textNoShape">
-              <a:avLst/>
-            </a:prstTxWarp>
-            <a:noAutofit/>
-          </a:bodyPr>
-          <a:lstStyle/>
-          <a:p>
-            <a:pPr algn="ctr"/>
-            <a:endParaRPr lang="en-US" sz="3200"/>
-          </a:p>
-        </p:txBody>
-      </p:sp>
-      <p:sp>
-        <p:nvSpPr>
-          <p:cNvPr id="53" name="Down Arrow 52">
-            <a:extLst>
-              <a:ext uri="{FF2B5EF4-FFF2-40B4-BE49-F238E27FC236}">
-                <a16:creationId xmlns:a16="http://schemas.microsoft.com/office/drawing/2014/main" id="{02639317-3955-AA42-970C-606697E9DB08}"/>
-              </a:ext>
-            </a:extLst>
-          </p:cNvPr>
-          <p:cNvSpPr/>
-          <p:nvPr/>
-        </p:nvSpPr>
-        <p:spPr>
-          <a:xfrm rot="18244720">
-            <a:off x="1916719" y="15027904"/>
-            <a:ext cx="561558" cy="911908"/>
-          </a:xfrm>
-          <a:prstGeom prst="downArrow">
-            <a:avLst/>
-          </a:prstGeom>
-          <a:solidFill>
-            <a:srgbClr val="1F77B4">
-              <a:alpha val="50000"/>
-            </a:srgbClr>
-          </a:solidFill>
-          <a:ln>
-            <a:noFill/>
-          </a:ln>
-        </p:spPr>
-        <p:style>
-          <a:lnRef idx="2">
-            <a:schemeClr val="accent1">
-              <a:shade val="50000"/>
-            </a:schemeClr>
-          </a:lnRef>
-          <a:fillRef idx="1">
-            <a:schemeClr val="accent1"/>
-          </a:fillRef>
-          <a:effectRef idx="0">
-            <a:schemeClr val="accent1"/>
-          </a:effectRef>
-          <a:fontRef idx="minor">
-            <a:schemeClr val="lt1"/>
-          </a:fontRef>
-        </p:style>
-        <p:txBody>
-          <a:bodyPr rot="0" spcFirstLastPara="0" vertOverflow="overflow" horzOverflow="overflow" vert="horz" wrap="square" lIns="162556" tIns="81278" rIns="162556" bIns="81278" numCol="1" spcCol="0" rtlCol="0" fromWordArt="0" anchor="ctr" anchorCtr="0" forceAA="0" compatLnSpc="1">
-            <a:prstTxWarp prst="textNoShape">
-              <a:avLst/>
-            </a:prstTxWarp>
-            <a:noAutofit/>
-          </a:bodyPr>
-          <a:lstStyle/>
-          <a:p>
-            <a:pPr algn="ctr"/>
-            <a:endParaRPr lang="en-US" sz="3200"/>
-          </a:p>
-        </p:txBody>
-      </p:sp>
-      <p:sp>
-        <p:nvSpPr>
-          <p:cNvPr id="54" name="Down Arrow 53">
-            <a:extLst>
-              <a:ext uri="{FF2B5EF4-FFF2-40B4-BE49-F238E27FC236}">
-                <a16:creationId xmlns:a16="http://schemas.microsoft.com/office/drawing/2014/main" id="{B52D162C-F53B-2544-BBE4-0944B59213EC}"/>
-              </a:ext>
-            </a:extLst>
-          </p:cNvPr>
-          <p:cNvSpPr/>
-          <p:nvPr/>
-        </p:nvSpPr>
-        <p:spPr>
-          <a:xfrm rot="3263484">
-            <a:off x="6458623" y="15080131"/>
-            <a:ext cx="561558" cy="911908"/>
-          </a:xfrm>
-          <a:prstGeom prst="downArrow">
-            <a:avLst/>
-          </a:prstGeom>
-          <a:solidFill>
-            <a:srgbClr val="1F77B4">
-              <a:alpha val="50000"/>
-            </a:srgbClr>
-          </a:solidFill>
-          <a:ln>
-            <a:noFill/>
-          </a:ln>
-        </p:spPr>
-        <p:style>
-          <a:lnRef idx="2">
-            <a:schemeClr val="accent1">
-              <a:shade val="50000"/>
-            </a:schemeClr>
-          </a:lnRef>
-          <a:fillRef idx="1">
-            <a:schemeClr val="accent1"/>
-          </a:fillRef>
-          <a:effectRef idx="0">
-            <a:schemeClr val="accent1"/>
-          </a:effectRef>
-          <a:fontRef idx="minor">
-            <a:schemeClr val="lt1"/>
-          </a:fontRef>
-        </p:style>
-        <p:txBody>
-          <a:bodyPr rot="0" spcFirstLastPara="0" vertOverflow="overflow" horzOverflow="overflow" vert="horz" wrap="square" lIns="162556" tIns="81278" rIns="162556" bIns="81278" numCol="1" spcCol="0" rtlCol="0" fromWordArt="0" anchor="ctr" anchorCtr="0" forceAA="0" compatLnSpc="1">
-            <a:prstTxWarp prst="textNoShape">
-              <a:avLst/>
-            </a:prstTxWarp>
-            <a:noAutofit/>
-          </a:bodyPr>
-          <a:lstStyle/>
-          <a:p>
-            <a:pPr algn="ctr"/>
-            <a:endParaRPr lang="en-US" sz="3200"/>
-          </a:p>
-        </p:txBody>
-      </p:sp>
-      <p:sp>
-        <p:nvSpPr>
-          <p:cNvPr id="55" name="Down Arrow 54">
-            <a:extLst>
-              <a:ext uri="{FF2B5EF4-FFF2-40B4-BE49-F238E27FC236}">
-                <a16:creationId xmlns:a16="http://schemas.microsoft.com/office/drawing/2014/main" id="{D9990272-C2E1-F64D-9FA7-60B6C131701B}"/>
-              </a:ext>
-            </a:extLst>
-          </p:cNvPr>
-          <p:cNvSpPr/>
-          <p:nvPr/>
-        </p:nvSpPr>
-        <p:spPr>
-          <a:xfrm>
-            <a:off x="4182598" y="15166023"/>
-            <a:ext cx="561558" cy="667560"/>
-          </a:xfrm>
-          <a:prstGeom prst="downArrow">
-            <a:avLst/>
-          </a:prstGeom>
-          <a:solidFill>
-            <a:srgbClr val="1F77B4">
-              <a:alpha val="50000"/>
-            </a:srgbClr>
-          </a:solidFill>
-          <a:ln>
-            <a:noFill/>
-          </a:ln>
-        </p:spPr>
-        <p:style>
-          <a:lnRef idx="2">
-            <a:schemeClr val="accent1">
-              <a:shade val="50000"/>
-            </a:schemeClr>
-          </a:lnRef>
-          <a:fillRef idx="1">
-            <a:schemeClr val="accent1"/>
-          </a:fillRef>
-          <a:effectRef idx="0">
-            <a:schemeClr val="accent1"/>
-          </a:effectRef>
-          <a:fontRef idx="minor">
-            <a:schemeClr val="lt1"/>
-          </a:fontRef>
-        </p:style>
-        <p:txBody>
-          <a:bodyPr rot="0" spcFirstLastPara="0" vertOverflow="overflow" horzOverflow="overflow" vert="horz" wrap="square" lIns="162556" tIns="81278" rIns="162556" bIns="81278" numCol="1" spcCol="0" rtlCol="0" fromWordArt="0" anchor="ctr" anchorCtr="0" forceAA="0" compatLnSpc="1">
-            <a:prstTxWarp prst="textNoShape">
-              <a:avLst/>
-            </a:prstTxWarp>
-            <a:noAutofit/>
-          </a:bodyPr>
-          <a:lstStyle/>
-          <a:p>
-            <a:pPr algn="ctr"/>
-            <a:endParaRPr lang="en-US" sz="3200" dirty="0"/>
-          </a:p>
-        </p:txBody>
-      </p:sp>
-      <p:pic>
-        <p:nvPicPr>
-          <p:cNvPr id="15" name="Picture 14">
-            <a:extLst>
-              <a:ext uri="{FF2B5EF4-FFF2-40B4-BE49-F238E27FC236}">
-                <a16:creationId xmlns:a16="http://schemas.microsoft.com/office/drawing/2014/main" id="{0EB1206B-5EDF-1C4F-940E-A9D05044275B}"/>
-              </a:ext>
-            </a:extLst>
-          </p:cNvPr>
-          <p:cNvPicPr>
-            <a:picLocks noChangeAspect="1"/>
-          </p:cNvPicPr>
-          <p:nvPr/>
-        </p:nvPicPr>
-        <p:blipFill>
-          <a:blip r:embed="rId3"/>
-          <a:stretch>
-            <a:fillRect/>
-          </a:stretch>
-        </p:blipFill>
-        <p:spPr>
-          <a:xfrm>
-            <a:off x="3396819" y="15833583"/>
-            <a:ext cx="2075688" cy="1745465"/>
           </a:xfrm>
           <a:prstGeom prst="rect">
             <a:avLst/>
@@ -18632,10 +17673,4903 @@
           <a:chExt cx="0" cy="0"/>
         </a:xfrm>
       </p:grpSpPr>
+      <p:sp>
+        <p:nvSpPr>
+          <p:cNvPr id="2" name="TextBox 1">
+            <a:extLst>
+              <a:ext uri="{FF2B5EF4-FFF2-40B4-BE49-F238E27FC236}">
+                <a16:creationId xmlns:a16="http://schemas.microsoft.com/office/drawing/2014/main" id="{B198DB56-F437-CF48-9700-70B48F8C3ADD}"/>
+              </a:ext>
+            </a:extLst>
+          </p:cNvPr>
+          <p:cNvSpPr txBox="1"/>
+          <p:nvPr/>
+        </p:nvSpPr>
+        <p:spPr>
+          <a:xfrm>
+            <a:off x="244350" y="1441425"/>
+            <a:ext cx="2629712" cy="584775"/>
+          </a:xfrm>
+          <a:prstGeom prst="rect">
+            <a:avLst/>
+          </a:prstGeom>
+          <a:noFill/>
+        </p:spPr>
+        <p:txBody>
+          <a:bodyPr wrap="square" rtlCol="0">
+            <a:spAutoFit/>
+          </a:bodyPr>
+          <a:lstStyle/>
+          <a:p>
+            <a:pPr algn="ctr"/>
+            <a:r>
+              <a:rPr lang="en-US" sz="3200" b="1" dirty="0">
+                <a:solidFill>
+                  <a:srgbClr val="ED2200"/>
+                </a:solidFill>
+              </a:rPr>
+              <a:t>Sig IR events</a:t>
+            </a:r>
+          </a:p>
+        </p:txBody>
+      </p:sp>
+      <p:sp>
+        <p:nvSpPr>
+          <p:cNvPr id="3" name="Rounded Rectangle 2">
+            <a:extLst>
+              <a:ext uri="{FF2B5EF4-FFF2-40B4-BE49-F238E27FC236}">
+                <a16:creationId xmlns:a16="http://schemas.microsoft.com/office/drawing/2014/main" id="{05E8A3E8-DA05-3C4C-A958-0566BC1AACF2}"/>
+              </a:ext>
+            </a:extLst>
+          </p:cNvPr>
+          <p:cNvSpPr/>
+          <p:nvPr/>
+        </p:nvSpPr>
+        <p:spPr>
+          <a:xfrm>
+            <a:off x="306976" y="1231714"/>
+            <a:ext cx="2410697" cy="954107"/>
+          </a:xfrm>
+          <a:prstGeom prst="roundRect">
+            <a:avLst/>
+          </a:prstGeom>
+          <a:noFill/>
+        </p:spPr>
+        <p:style>
+          <a:lnRef idx="2">
+            <a:schemeClr val="accent1">
+              <a:shade val="50000"/>
+            </a:schemeClr>
+          </a:lnRef>
+          <a:fillRef idx="1">
+            <a:schemeClr val="accent1"/>
+          </a:fillRef>
+          <a:effectRef idx="0">
+            <a:schemeClr val="accent1"/>
+          </a:effectRef>
+          <a:fontRef idx="minor">
+            <a:schemeClr val="lt1"/>
+          </a:fontRef>
+        </p:style>
+        <p:txBody>
+          <a:bodyPr rtlCol="0" anchor="ctr"/>
+          <a:lstStyle/>
+          <a:p>
+            <a:pPr algn="ctr"/>
+            <a:endParaRPr lang="en-US" sz="3200"/>
+          </a:p>
+        </p:txBody>
+      </p:sp>
+      <p:sp>
+        <p:nvSpPr>
+          <p:cNvPr id="4" name="TextBox 3">
+            <a:extLst>
+              <a:ext uri="{FF2B5EF4-FFF2-40B4-BE49-F238E27FC236}">
+                <a16:creationId xmlns:a16="http://schemas.microsoft.com/office/drawing/2014/main" id="{5F6E1A26-96A6-014C-9D8C-723B14AAE2E6}"/>
+              </a:ext>
+            </a:extLst>
+          </p:cNvPr>
+          <p:cNvSpPr txBox="1"/>
+          <p:nvPr/>
+        </p:nvSpPr>
+        <p:spPr>
+          <a:xfrm>
+            <a:off x="2817903" y="1191985"/>
+            <a:ext cx="2629712" cy="1077218"/>
+          </a:xfrm>
+          <a:prstGeom prst="rect">
+            <a:avLst/>
+          </a:prstGeom>
+          <a:noFill/>
+        </p:spPr>
+        <p:txBody>
+          <a:bodyPr wrap="square" rtlCol="0">
+            <a:spAutoFit/>
+          </a:bodyPr>
+          <a:lstStyle/>
+          <a:p>
+            <a:pPr algn="ctr"/>
+            <a:r>
+              <a:rPr lang="en-US" sz="3200" b="1" dirty="0">
+                <a:solidFill>
+                  <a:srgbClr val="004188"/>
+                </a:solidFill>
+              </a:rPr>
+              <a:t>Non-sig IR events</a:t>
+            </a:r>
+          </a:p>
+        </p:txBody>
+      </p:sp>
+      <p:sp>
+        <p:nvSpPr>
+          <p:cNvPr id="5" name="Rounded Rectangle 4">
+            <a:extLst>
+              <a:ext uri="{FF2B5EF4-FFF2-40B4-BE49-F238E27FC236}">
+                <a16:creationId xmlns:a16="http://schemas.microsoft.com/office/drawing/2014/main" id="{4536D25D-5A47-7247-B19F-56C9A83C5098}"/>
+              </a:ext>
+            </a:extLst>
+          </p:cNvPr>
+          <p:cNvSpPr/>
+          <p:nvPr/>
+        </p:nvSpPr>
+        <p:spPr>
+          <a:xfrm>
+            <a:off x="2925751" y="1231713"/>
+            <a:ext cx="2414016" cy="954107"/>
+          </a:xfrm>
+          <a:prstGeom prst="roundRect">
+            <a:avLst/>
+          </a:prstGeom>
+          <a:noFill/>
+        </p:spPr>
+        <p:style>
+          <a:lnRef idx="2">
+            <a:schemeClr val="accent1">
+              <a:shade val="50000"/>
+            </a:schemeClr>
+          </a:lnRef>
+          <a:fillRef idx="1">
+            <a:schemeClr val="accent1"/>
+          </a:fillRef>
+          <a:effectRef idx="0">
+            <a:schemeClr val="accent1"/>
+          </a:effectRef>
+          <a:fontRef idx="minor">
+            <a:schemeClr val="lt1"/>
+          </a:fontRef>
+        </p:style>
+        <p:txBody>
+          <a:bodyPr rtlCol="0" anchor="ctr"/>
+          <a:lstStyle/>
+          <a:p>
+            <a:pPr algn="ctr"/>
+            <a:endParaRPr lang="en-US" sz="3200"/>
+          </a:p>
+        </p:txBody>
+      </p:sp>
+      <p:sp>
+        <p:nvSpPr>
+          <p:cNvPr id="6" name="Rounded Rectangle 5">
+            <a:extLst>
+              <a:ext uri="{FF2B5EF4-FFF2-40B4-BE49-F238E27FC236}">
+                <a16:creationId xmlns:a16="http://schemas.microsoft.com/office/drawing/2014/main" id="{FCCED2CB-4753-8A45-8046-F1754A96B362}"/>
+              </a:ext>
+            </a:extLst>
+          </p:cNvPr>
+          <p:cNvSpPr/>
+          <p:nvPr/>
+        </p:nvSpPr>
+        <p:spPr>
+          <a:xfrm>
+            <a:off x="5523256" y="1231711"/>
+            <a:ext cx="2414016" cy="954107"/>
+          </a:xfrm>
+          <a:prstGeom prst="roundRect">
+            <a:avLst/>
+          </a:prstGeom>
+          <a:noFill/>
+        </p:spPr>
+        <p:style>
+          <a:lnRef idx="2">
+            <a:schemeClr val="accent1">
+              <a:shade val="50000"/>
+            </a:schemeClr>
+          </a:lnRef>
+          <a:fillRef idx="1">
+            <a:schemeClr val="accent1"/>
+          </a:fillRef>
+          <a:effectRef idx="0">
+            <a:schemeClr val="accent1"/>
+          </a:effectRef>
+          <a:fontRef idx="minor">
+            <a:schemeClr val="lt1"/>
+          </a:fontRef>
+        </p:style>
+        <p:txBody>
+          <a:bodyPr rtlCol="0" anchor="ctr"/>
+          <a:lstStyle/>
+          <a:p>
+            <a:pPr algn="ctr"/>
+            <a:endParaRPr lang="en-US" sz="3200"/>
+          </a:p>
+        </p:txBody>
+      </p:sp>
+      <p:sp>
+        <p:nvSpPr>
+          <p:cNvPr id="7" name="TextBox 6">
+            <a:extLst>
+              <a:ext uri="{FF2B5EF4-FFF2-40B4-BE49-F238E27FC236}">
+                <a16:creationId xmlns:a16="http://schemas.microsoft.com/office/drawing/2014/main" id="{ABE59E9D-2039-2B4C-978A-6174EB22F10A}"/>
+              </a:ext>
+            </a:extLst>
+          </p:cNvPr>
+          <p:cNvSpPr txBox="1"/>
+          <p:nvPr/>
+        </p:nvSpPr>
+        <p:spPr>
+          <a:xfrm>
+            <a:off x="5419623" y="1231711"/>
+            <a:ext cx="2629712" cy="584775"/>
+          </a:xfrm>
+          <a:prstGeom prst="rect">
+            <a:avLst/>
+          </a:prstGeom>
+          <a:noFill/>
+        </p:spPr>
+        <p:txBody>
+          <a:bodyPr wrap="square" rtlCol="0">
+            <a:spAutoFit/>
+          </a:bodyPr>
+          <a:lstStyle/>
+          <a:p>
+            <a:pPr algn="ctr"/>
+            <a:r>
+              <a:rPr lang="en-US" sz="3200" b="1" dirty="0">
+                <a:solidFill>
+                  <a:srgbClr val="364E54"/>
+                </a:solidFill>
+              </a:rPr>
+              <a:t>Non-AS</a:t>
+            </a:r>
+          </a:p>
+        </p:txBody>
+      </p:sp>
+      <p:sp>
+        <p:nvSpPr>
+          <p:cNvPr id="8" name="TextBox 7">
+            <a:extLst>
+              <a:ext uri="{FF2B5EF4-FFF2-40B4-BE49-F238E27FC236}">
+                <a16:creationId xmlns:a16="http://schemas.microsoft.com/office/drawing/2014/main" id="{AB85913F-2D34-6045-8119-A29691871974}"/>
+              </a:ext>
+            </a:extLst>
+          </p:cNvPr>
+          <p:cNvSpPr txBox="1"/>
+          <p:nvPr/>
+        </p:nvSpPr>
+        <p:spPr>
+          <a:xfrm>
+            <a:off x="5492978" y="1708764"/>
+            <a:ext cx="2483001" cy="523220"/>
+          </a:xfrm>
+          <a:prstGeom prst="rect">
+            <a:avLst/>
+          </a:prstGeom>
+          <a:noFill/>
+        </p:spPr>
+        <p:txBody>
+          <a:bodyPr wrap="square" rtlCol="0">
+            <a:spAutoFit/>
+          </a:bodyPr>
+          <a:lstStyle/>
+          <a:p>
+            <a:pPr algn="ctr"/>
+            <a:r>
+              <a:rPr lang="en-US" sz="1400" dirty="0">
+                <a:solidFill>
+                  <a:srgbClr val="364E54"/>
+                </a:solidFill>
+              </a:rPr>
+              <a:t>All the introns in the genome except the </a:t>
+            </a:r>
+            <a:r>
+              <a:rPr lang="en-US" sz="1400" dirty="0">
+                <a:solidFill>
+                  <a:srgbClr val="ED2200"/>
+                </a:solidFill>
+              </a:rPr>
+              <a:t>Sig</a:t>
+            </a:r>
+            <a:r>
+              <a:rPr lang="en-US" sz="1400" dirty="0">
+                <a:solidFill>
+                  <a:srgbClr val="364E54"/>
+                </a:solidFill>
+              </a:rPr>
+              <a:t> and </a:t>
+            </a:r>
+            <a:r>
+              <a:rPr lang="en-US" sz="1400" dirty="0">
+                <a:solidFill>
+                  <a:srgbClr val="004188"/>
+                </a:solidFill>
+              </a:rPr>
+              <a:t>Non-sig</a:t>
+            </a:r>
+            <a:r>
+              <a:rPr lang="en-US" sz="1400" dirty="0">
+                <a:solidFill>
+                  <a:srgbClr val="364E54"/>
+                </a:solidFill>
+              </a:rPr>
+              <a:t> ones</a:t>
+            </a:r>
+          </a:p>
+        </p:txBody>
+      </p:sp>
+      <p:sp>
+        <p:nvSpPr>
+          <p:cNvPr id="9" name="Rounded Rectangle 8">
+            <a:extLst>
+              <a:ext uri="{FF2B5EF4-FFF2-40B4-BE49-F238E27FC236}">
+                <a16:creationId xmlns:a16="http://schemas.microsoft.com/office/drawing/2014/main" id="{C01DE2CB-560F-4549-9023-A42B789B127D}"/>
+              </a:ext>
+            </a:extLst>
+          </p:cNvPr>
+          <p:cNvSpPr/>
+          <p:nvPr/>
+        </p:nvSpPr>
+        <p:spPr>
+          <a:xfrm>
+            <a:off x="352198" y="3010068"/>
+            <a:ext cx="2414016" cy="954107"/>
+          </a:xfrm>
+          <a:prstGeom prst="roundRect">
+            <a:avLst/>
+          </a:prstGeom>
+          <a:noFill/>
+        </p:spPr>
+        <p:style>
+          <a:lnRef idx="2">
+            <a:schemeClr val="accent1">
+              <a:shade val="50000"/>
+            </a:schemeClr>
+          </a:lnRef>
+          <a:fillRef idx="1">
+            <a:schemeClr val="accent1"/>
+          </a:fillRef>
+          <a:effectRef idx="0">
+            <a:schemeClr val="accent1"/>
+          </a:effectRef>
+          <a:fontRef idx="minor">
+            <a:schemeClr val="lt1"/>
+          </a:fontRef>
+        </p:style>
+        <p:txBody>
+          <a:bodyPr rtlCol="0" anchor="ctr"/>
+          <a:lstStyle/>
+          <a:p>
+            <a:pPr algn="ctr"/>
+            <a:endParaRPr lang="en-US" sz="3200"/>
+          </a:p>
+        </p:txBody>
+      </p:sp>
+      <p:sp>
+        <p:nvSpPr>
+          <p:cNvPr id="10" name="Down Arrow 9">
+            <a:extLst>
+              <a:ext uri="{FF2B5EF4-FFF2-40B4-BE49-F238E27FC236}">
+                <a16:creationId xmlns:a16="http://schemas.microsoft.com/office/drawing/2014/main" id="{8ED06C40-D33C-DD4D-ADFD-0787F845D238}"/>
+              </a:ext>
+            </a:extLst>
+          </p:cNvPr>
+          <p:cNvSpPr/>
+          <p:nvPr/>
+        </p:nvSpPr>
+        <p:spPr>
+          <a:xfrm>
+            <a:off x="1228421" y="2261229"/>
+            <a:ext cx="561558" cy="673431"/>
+          </a:xfrm>
+          <a:prstGeom prst="downArrow">
+            <a:avLst/>
+          </a:prstGeom>
+          <a:solidFill>
+            <a:srgbClr val="1F77B4">
+              <a:alpha val="50000"/>
+            </a:srgbClr>
+          </a:solidFill>
+          <a:ln>
+            <a:noFill/>
+          </a:ln>
+        </p:spPr>
+        <p:style>
+          <a:lnRef idx="2">
+            <a:schemeClr val="accent1">
+              <a:shade val="50000"/>
+            </a:schemeClr>
+          </a:lnRef>
+          <a:fillRef idx="1">
+            <a:schemeClr val="accent1"/>
+          </a:fillRef>
+          <a:effectRef idx="0">
+            <a:schemeClr val="accent1"/>
+          </a:effectRef>
+          <a:fontRef idx="minor">
+            <a:schemeClr val="lt1"/>
+          </a:fontRef>
+        </p:style>
+        <p:txBody>
+          <a:bodyPr rot="0" spcFirstLastPara="0" vertOverflow="overflow" horzOverflow="overflow" vert="horz" wrap="square" lIns="162556" tIns="81278" rIns="162556" bIns="81278" numCol="1" spcCol="0" rtlCol="0" fromWordArt="0" anchor="ctr" anchorCtr="0" forceAA="0" compatLnSpc="1">
+            <a:prstTxWarp prst="textNoShape">
+              <a:avLst/>
+            </a:prstTxWarp>
+            <a:noAutofit/>
+          </a:bodyPr>
+          <a:lstStyle/>
+          <a:p>
+            <a:pPr algn="ctr"/>
+            <a:endParaRPr lang="en-US" sz="3200"/>
+          </a:p>
+        </p:txBody>
+      </p:sp>
+      <p:sp>
+        <p:nvSpPr>
+          <p:cNvPr id="11" name="TextBox 10">
+            <a:extLst>
+              <a:ext uri="{FF2B5EF4-FFF2-40B4-BE49-F238E27FC236}">
+                <a16:creationId xmlns:a16="http://schemas.microsoft.com/office/drawing/2014/main" id="{2AD6C846-CC32-DF4E-BA68-54E4E5033EFA}"/>
+              </a:ext>
+            </a:extLst>
+          </p:cNvPr>
+          <p:cNvSpPr txBox="1"/>
+          <p:nvPr/>
+        </p:nvSpPr>
+        <p:spPr>
+          <a:xfrm>
+            <a:off x="441427" y="3274301"/>
+            <a:ext cx="2264531" cy="461665"/>
+          </a:xfrm>
+          <a:prstGeom prst="rect">
+            <a:avLst/>
+          </a:prstGeom>
+          <a:noFill/>
+        </p:spPr>
+        <p:txBody>
+          <a:bodyPr wrap="none" rtlCol="0">
+            <a:spAutoFit/>
+          </a:bodyPr>
+          <a:lstStyle/>
+          <a:p>
+            <a:r>
+              <a:rPr lang="en-US" sz="2400" dirty="0"/>
+              <a:t>Len = end – start</a:t>
+            </a:r>
+          </a:p>
+        </p:txBody>
+      </p:sp>
+      <p:sp>
+        <p:nvSpPr>
+          <p:cNvPr id="12" name="Rounded Rectangle 11">
+            <a:extLst>
+              <a:ext uri="{FF2B5EF4-FFF2-40B4-BE49-F238E27FC236}">
+                <a16:creationId xmlns:a16="http://schemas.microsoft.com/office/drawing/2014/main" id="{E1120EC0-6FF4-8B42-B830-2E8BD28B993D}"/>
+              </a:ext>
+            </a:extLst>
+          </p:cNvPr>
+          <p:cNvSpPr/>
+          <p:nvPr/>
+        </p:nvSpPr>
+        <p:spPr>
+          <a:xfrm>
+            <a:off x="2925751" y="3010068"/>
+            <a:ext cx="2414016" cy="954107"/>
+          </a:xfrm>
+          <a:prstGeom prst="roundRect">
+            <a:avLst/>
+          </a:prstGeom>
+          <a:noFill/>
+        </p:spPr>
+        <p:style>
+          <a:lnRef idx="2">
+            <a:schemeClr val="accent1">
+              <a:shade val="50000"/>
+            </a:schemeClr>
+          </a:lnRef>
+          <a:fillRef idx="1">
+            <a:schemeClr val="accent1"/>
+          </a:fillRef>
+          <a:effectRef idx="0">
+            <a:schemeClr val="accent1"/>
+          </a:effectRef>
+          <a:fontRef idx="minor">
+            <a:schemeClr val="lt1"/>
+          </a:fontRef>
+        </p:style>
+        <p:txBody>
+          <a:bodyPr rtlCol="0" anchor="ctr"/>
+          <a:lstStyle/>
+          <a:p>
+            <a:pPr algn="ctr"/>
+            <a:endParaRPr lang="en-US" sz="3200"/>
+          </a:p>
+        </p:txBody>
+      </p:sp>
+      <p:sp>
+        <p:nvSpPr>
+          <p:cNvPr id="13" name="Rounded Rectangle 12">
+            <a:extLst>
+              <a:ext uri="{FF2B5EF4-FFF2-40B4-BE49-F238E27FC236}">
+                <a16:creationId xmlns:a16="http://schemas.microsoft.com/office/drawing/2014/main" id="{C26DA6F2-DAD2-9C4A-B84E-4EE75DD4948C}"/>
+              </a:ext>
+            </a:extLst>
+          </p:cNvPr>
+          <p:cNvSpPr/>
+          <p:nvPr/>
+        </p:nvSpPr>
+        <p:spPr>
+          <a:xfrm>
+            <a:off x="5524929" y="3010068"/>
+            <a:ext cx="2414016" cy="954107"/>
+          </a:xfrm>
+          <a:prstGeom prst="roundRect">
+            <a:avLst/>
+          </a:prstGeom>
+          <a:noFill/>
+        </p:spPr>
+        <p:style>
+          <a:lnRef idx="2">
+            <a:schemeClr val="accent1">
+              <a:shade val="50000"/>
+            </a:schemeClr>
+          </a:lnRef>
+          <a:fillRef idx="1">
+            <a:schemeClr val="accent1"/>
+          </a:fillRef>
+          <a:effectRef idx="0">
+            <a:schemeClr val="accent1"/>
+          </a:effectRef>
+          <a:fontRef idx="minor">
+            <a:schemeClr val="lt1"/>
+          </a:fontRef>
+        </p:style>
+        <p:txBody>
+          <a:bodyPr rtlCol="0" anchor="ctr"/>
+          <a:lstStyle/>
+          <a:p>
+            <a:pPr algn="ctr"/>
+            <a:endParaRPr lang="en-US" sz="3200"/>
+          </a:p>
+        </p:txBody>
+      </p:sp>
+      <p:sp>
+        <p:nvSpPr>
+          <p:cNvPr id="14" name="Down Arrow 13">
+            <a:extLst>
+              <a:ext uri="{FF2B5EF4-FFF2-40B4-BE49-F238E27FC236}">
+                <a16:creationId xmlns:a16="http://schemas.microsoft.com/office/drawing/2014/main" id="{3E2AE32B-6121-5E4B-8C51-18D69BD8099D}"/>
+              </a:ext>
+            </a:extLst>
+          </p:cNvPr>
+          <p:cNvSpPr/>
+          <p:nvPr/>
+        </p:nvSpPr>
+        <p:spPr>
+          <a:xfrm>
+            <a:off x="3858133" y="2261229"/>
+            <a:ext cx="561558" cy="673431"/>
+          </a:xfrm>
+          <a:prstGeom prst="downArrow">
+            <a:avLst/>
+          </a:prstGeom>
+          <a:solidFill>
+            <a:srgbClr val="1F77B4">
+              <a:alpha val="50000"/>
+            </a:srgbClr>
+          </a:solidFill>
+          <a:ln>
+            <a:noFill/>
+          </a:ln>
+        </p:spPr>
+        <p:style>
+          <a:lnRef idx="2">
+            <a:schemeClr val="accent1">
+              <a:shade val="50000"/>
+            </a:schemeClr>
+          </a:lnRef>
+          <a:fillRef idx="1">
+            <a:schemeClr val="accent1"/>
+          </a:fillRef>
+          <a:effectRef idx="0">
+            <a:schemeClr val="accent1"/>
+          </a:effectRef>
+          <a:fontRef idx="minor">
+            <a:schemeClr val="lt1"/>
+          </a:fontRef>
+        </p:style>
+        <p:txBody>
+          <a:bodyPr rot="0" spcFirstLastPara="0" vertOverflow="overflow" horzOverflow="overflow" vert="horz" wrap="square" lIns="162556" tIns="81278" rIns="162556" bIns="81278" numCol="1" spcCol="0" rtlCol="0" fromWordArt="0" anchor="ctr" anchorCtr="0" forceAA="0" compatLnSpc="1">
+            <a:prstTxWarp prst="textNoShape">
+              <a:avLst/>
+            </a:prstTxWarp>
+            <a:noAutofit/>
+          </a:bodyPr>
+          <a:lstStyle/>
+          <a:p>
+            <a:pPr algn="ctr"/>
+            <a:endParaRPr lang="en-US" sz="3200" dirty="0"/>
+          </a:p>
+        </p:txBody>
+      </p:sp>
+      <p:sp>
+        <p:nvSpPr>
+          <p:cNvPr id="15" name="Down Arrow 14">
+            <a:extLst>
+              <a:ext uri="{FF2B5EF4-FFF2-40B4-BE49-F238E27FC236}">
+                <a16:creationId xmlns:a16="http://schemas.microsoft.com/office/drawing/2014/main" id="{244CC154-B620-C44D-84CA-66E38FEDA58D}"/>
+              </a:ext>
+            </a:extLst>
+          </p:cNvPr>
+          <p:cNvSpPr/>
+          <p:nvPr/>
+        </p:nvSpPr>
+        <p:spPr>
+          <a:xfrm>
+            <a:off x="6414936" y="2269203"/>
+            <a:ext cx="561558" cy="673431"/>
+          </a:xfrm>
+          <a:prstGeom prst="downArrow">
+            <a:avLst/>
+          </a:prstGeom>
+          <a:solidFill>
+            <a:srgbClr val="1F77B4">
+              <a:alpha val="50000"/>
+            </a:srgbClr>
+          </a:solidFill>
+          <a:ln>
+            <a:noFill/>
+          </a:ln>
+        </p:spPr>
+        <p:style>
+          <a:lnRef idx="2">
+            <a:schemeClr val="accent1">
+              <a:shade val="50000"/>
+            </a:schemeClr>
+          </a:lnRef>
+          <a:fillRef idx="1">
+            <a:schemeClr val="accent1"/>
+          </a:fillRef>
+          <a:effectRef idx="0">
+            <a:schemeClr val="accent1"/>
+          </a:effectRef>
+          <a:fontRef idx="minor">
+            <a:schemeClr val="lt1"/>
+          </a:fontRef>
+        </p:style>
+        <p:txBody>
+          <a:bodyPr rot="0" spcFirstLastPara="0" vertOverflow="overflow" horzOverflow="overflow" vert="horz" wrap="square" lIns="162556" tIns="81278" rIns="162556" bIns="81278" numCol="1" spcCol="0" rtlCol="0" fromWordArt="0" anchor="ctr" anchorCtr="0" forceAA="0" compatLnSpc="1">
+            <a:prstTxWarp prst="textNoShape">
+              <a:avLst/>
+            </a:prstTxWarp>
+            <a:noAutofit/>
+          </a:bodyPr>
+          <a:lstStyle/>
+          <a:p>
+            <a:pPr algn="ctr"/>
+            <a:endParaRPr lang="en-US" sz="3200"/>
+          </a:p>
+        </p:txBody>
+      </p:sp>
+      <p:sp>
+        <p:nvSpPr>
+          <p:cNvPr id="16" name="Down Arrow 15">
+            <a:extLst>
+              <a:ext uri="{FF2B5EF4-FFF2-40B4-BE49-F238E27FC236}">
+                <a16:creationId xmlns:a16="http://schemas.microsoft.com/office/drawing/2014/main" id="{751261CF-04DF-B941-9BF3-9663F2A1DE6B}"/>
+              </a:ext>
+            </a:extLst>
+          </p:cNvPr>
+          <p:cNvSpPr/>
+          <p:nvPr/>
+        </p:nvSpPr>
+        <p:spPr>
+          <a:xfrm rot="18244720">
+            <a:off x="1592254" y="3899361"/>
+            <a:ext cx="561558" cy="911908"/>
+          </a:xfrm>
+          <a:prstGeom prst="downArrow">
+            <a:avLst/>
+          </a:prstGeom>
+          <a:solidFill>
+            <a:srgbClr val="1F77B4">
+              <a:alpha val="50000"/>
+            </a:srgbClr>
+          </a:solidFill>
+          <a:ln>
+            <a:noFill/>
+          </a:ln>
+        </p:spPr>
+        <p:style>
+          <a:lnRef idx="2">
+            <a:schemeClr val="accent1">
+              <a:shade val="50000"/>
+            </a:schemeClr>
+          </a:lnRef>
+          <a:fillRef idx="1">
+            <a:schemeClr val="accent1"/>
+          </a:fillRef>
+          <a:effectRef idx="0">
+            <a:schemeClr val="accent1"/>
+          </a:effectRef>
+          <a:fontRef idx="minor">
+            <a:schemeClr val="lt1"/>
+          </a:fontRef>
+        </p:style>
+        <p:txBody>
+          <a:bodyPr rot="0" spcFirstLastPara="0" vertOverflow="overflow" horzOverflow="overflow" vert="horz" wrap="square" lIns="162556" tIns="81278" rIns="162556" bIns="81278" numCol="1" spcCol="0" rtlCol="0" fromWordArt="0" anchor="ctr" anchorCtr="0" forceAA="0" compatLnSpc="1">
+            <a:prstTxWarp prst="textNoShape">
+              <a:avLst/>
+            </a:prstTxWarp>
+            <a:noAutofit/>
+          </a:bodyPr>
+          <a:lstStyle/>
+          <a:p>
+            <a:pPr algn="ctr"/>
+            <a:endParaRPr lang="en-US" sz="3200"/>
+          </a:p>
+        </p:txBody>
+      </p:sp>
+      <p:sp>
+        <p:nvSpPr>
+          <p:cNvPr id="17" name="Down Arrow 16">
+            <a:extLst>
+              <a:ext uri="{FF2B5EF4-FFF2-40B4-BE49-F238E27FC236}">
+                <a16:creationId xmlns:a16="http://schemas.microsoft.com/office/drawing/2014/main" id="{3B22A046-C8F6-1243-86D5-BA54AEEB39DE}"/>
+              </a:ext>
+            </a:extLst>
+          </p:cNvPr>
+          <p:cNvSpPr/>
+          <p:nvPr/>
+        </p:nvSpPr>
+        <p:spPr>
+          <a:xfrm rot="3263484">
+            <a:off x="6134158" y="3951588"/>
+            <a:ext cx="561558" cy="911908"/>
+          </a:xfrm>
+          <a:prstGeom prst="downArrow">
+            <a:avLst/>
+          </a:prstGeom>
+          <a:solidFill>
+            <a:srgbClr val="1F77B4">
+              <a:alpha val="50000"/>
+            </a:srgbClr>
+          </a:solidFill>
+          <a:ln>
+            <a:noFill/>
+          </a:ln>
+        </p:spPr>
+        <p:style>
+          <a:lnRef idx="2">
+            <a:schemeClr val="accent1">
+              <a:shade val="50000"/>
+            </a:schemeClr>
+          </a:lnRef>
+          <a:fillRef idx="1">
+            <a:schemeClr val="accent1"/>
+          </a:fillRef>
+          <a:effectRef idx="0">
+            <a:schemeClr val="accent1"/>
+          </a:effectRef>
+          <a:fontRef idx="minor">
+            <a:schemeClr val="lt1"/>
+          </a:fontRef>
+        </p:style>
+        <p:txBody>
+          <a:bodyPr rot="0" spcFirstLastPara="0" vertOverflow="overflow" horzOverflow="overflow" vert="horz" wrap="square" lIns="162556" tIns="81278" rIns="162556" bIns="81278" numCol="1" spcCol="0" rtlCol="0" fromWordArt="0" anchor="ctr" anchorCtr="0" forceAA="0" compatLnSpc="1">
+            <a:prstTxWarp prst="textNoShape">
+              <a:avLst/>
+            </a:prstTxWarp>
+            <a:noAutofit/>
+          </a:bodyPr>
+          <a:lstStyle/>
+          <a:p>
+            <a:pPr algn="ctr"/>
+            <a:endParaRPr lang="en-US" sz="3200"/>
+          </a:p>
+        </p:txBody>
+      </p:sp>
+      <p:sp>
+        <p:nvSpPr>
+          <p:cNvPr id="18" name="Down Arrow 17">
+            <a:extLst>
+              <a:ext uri="{FF2B5EF4-FFF2-40B4-BE49-F238E27FC236}">
+                <a16:creationId xmlns:a16="http://schemas.microsoft.com/office/drawing/2014/main" id="{7CFCC726-4824-4847-9CA9-30F17A326CAC}"/>
+              </a:ext>
+            </a:extLst>
+          </p:cNvPr>
+          <p:cNvSpPr/>
+          <p:nvPr/>
+        </p:nvSpPr>
+        <p:spPr>
+          <a:xfrm>
+            <a:off x="3858133" y="4037480"/>
+            <a:ext cx="561558" cy="667560"/>
+          </a:xfrm>
+          <a:prstGeom prst="downArrow">
+            <a:avLst/>
+          </a:prstGeom>
+          <a:solidFill>
+            <a:srgbClr val="1F77B4">
+              <a:alpha val="50000"/>
+            </a:srgbClr>
+          </a:solidFill>
+          <a:ln>
+            <a:noFill/>
+          </a:ln>
+        </p:spPr>
+        <p:style>
+          <a:lnRef idx="2">
+            <a:schemeClr val="accent1">
+              <a:shade val="50000"/>
+            </a:schemeClr>
+          </a:lnRef>
+          <a:fillRef idx="1">
+            <a:schemeClr val="accent1"/>
+          </a:fillRef>
+          <a:effectRef idx="0">
+            <a:schemeClr val="accent1"/>
+          </a:effectRef>
+          <a:fontRef idx="minor">
+            <a:schemeClr val="lt1"/>
+          </a:fontRef>
+        </p:style>
+        <p:txBody>
+          <a:bodyPr rot="0" spcFirstLastPara="0" vertOverflow="overflow" horzOverflow="overflow" vert="horz" wrap="square" lIns="162556" tIns="81278" rIns="162556" bIns="81278" numCol="1" spcCol="0" rtlCol="0" fromWordArt="0" anchor="ctr" anchorCtr="0" forceAA="0" compatLnSpc="1">
+            <a:prstTxWarp prst="textNoShape">
+              <a:avLst/>
+            </a:prstTxWarp>
+            <a:noAutofit/>
+          </a:bodyPr>
+          <a:lstStyle/>
+          <a:p>
+            <a:pPr algn="ctr"/>
+            <a:endParaRPr lang="en-US" sz="3200" dirty="0"/>
+          </a:p>
+        </p:txBody>
+      </p:sp>
+      <p:pic>
+        <p:nvPicPr>
+          <p:cNvPr id="19" name="Picture 18">
+            <a:extLst>
+              <a:ext uri="{FF2B5EF4-FFF2-40B4-BE49-F238E27FC236}">
+                <a16:creationId xmlns:a16="http://schemas.microsoft.com/office/drawing/2014/main" id="{B6000BCA-3443-6648-84BC-1A9C1852C8B5}"/>
+              </a:ext>
+            </a:extLst>
+          </p:cNvPr>
+          <p:cNvPicPr>
+            <a:picLocks noChangeAspect="1"/>
+          </p:cNvPicPr>
+          <p:nvPr/>
+        </p:nvPicPr>
+        <p:blipFill>
+          <a:blip r:embed="rId2"/>
+          <a:stretch>
+            <a:fillRect/>
+          </a:stretch>
+        </p:blipFill>
+        <p:spPr>
+          <a:xfrm>
+            <a:off x="3072354" y="4705040"/>
+            <a:ext cx="2075688" cy="1745465"/>
+          </a:xfrm>
+          <a:prstGeom prst="rect">
+            <a:avLst/>
+          </a:prstGeom>
+        </p:spPr>
+      </p:pic>
+      <p:sp>
+        <p:nvSpPr>
+          <p:cNvPr id="20" name="TextBox 19">
+            <a:extLst>
+              <a:ext uri="{FF2B5EF4-FFF2-40B4-BE49-F238E27FC236}">
+                <a16:creationId xmlns:a16="http://schemas.microsoft.com/office/drawing/2014/main" id="{6473BD4A-1D03-494D-B742-E171E0711BB8}"/>
+              </a:ext>
+            </a:extLst>
+          </p:cNvPr>
+          <p:cNvSpPr txBox="1"/>
+          <p:nvPr/>
+        </p:nvSpPr>
+        <p:spPr>
+          <a:xfrm>
+            <a:off x="3000493" y="3274301"/>
+            <a:ext cx="2264531" cy="461665"/>
+          </a:xfrm>
+          <a:prstGeom prst="rect">
+            <a:avLst/>
+          </a:prstGeom>
+          <a:noFill/>
+        </p:spPr>
+        <p:txBody>
+          <a:bodyPr wrap="none" rtlCol="0">
+            <a:spAutoFit/>
+          </a:bodyPr>
+          <a:lstStyle/>
+          <a:p>
+            <a:r>
+              <a:rPr lang="en-US" sz="2400" dirty="0"/>
+              <a:t>Len = end – start</a:t>
+            </a:r>
+          </a:p>
+        </p:txBody>
+      </p:sp>
+      <p:sp>
+        <p:nvSpPr>
+          <p:cNvPr id="21" name="TextBox 20">
+            <a:extLst>
+              <a:ext uri="{FF2B5EF4-FFF2-40B4-BE49-F238E27FC236}">
+                <a16:creationId xmlns:a16="http://schemas.microsoft.com/office/drawing/2014/main" id="{69393E87-5C6B-C645-8568-A011C27CC03F}"/>
+              </a:ext>
+            </a:extLst>
+          </p:cNvPr>
+          <p:cNvSpPr txBox="1"/>
+          <p:nvPr/>
+        </p:nvSpPr>
+        <p:spPr>
+          <a:xfrm>
+            <a:off x="5563449" y="3274301"/>
+            <a:ext cx="2264531" cy="461665"/>
+          </a:xfrm>
+          <a:prstGeom prst="rect">
+            <a:avLst/>
+          </a:prstGeom>
+          <a:noFill/>
+        </p:spPr>
+        <p:txBody>
+          <a:bodyPr wrap="none" rtlCol="0">
+            <a:spAutoFit/>
+          </a:bodyPr>
+          <a:lstStyle/>
+          <a:p>
+            <a:r>
+              <a:rPr lang="en-US" sz="2400" dirty="0"/>
+              <a:t>Len = end – start</a:t>
+            </a:r>
+          </a:p>
+        </p:txBody>
+      </p:sp>
+    </p:spTree>
+    <p:extLst>
+      <p:ext uri="{BB962C8B-B14F-4D97-AF65-F5344CB8AC3E}">
+        <p14:creationId xmlns:p14="http://schemas.microsoft.com/office/powerpoint/2010/main" val="3897744611"/>
+      </p:ext>
+    </p:extLst>
+  </p:cSld>
+  <p:clrMapOvr>
+    <a:masterClrMapping/>
+  </p:clrMapOvr>
+</p:sld>
+</file>
+
+<file path=ppt/slides/slide7.xml><?xml version="1.0" encoding="utf-8"?>
+<p:sld xmlns:a="http://schemas.openxmlformats.org/drawingml/2006/main" xmlns:r="http://schemas.openxmlformats.org/officeDocument/2006/relationships" xmlns:p="http://schemas.openxmlformats.org/presentationml/2006/main">
+  <p:cSld>
+    <p:spTree>
+      <p:nvGrpSpPr>
+        <p:cNvPr id="1" name=""/>
+        <p:cNvGrpSpPr/>
+        <p:nvPr/>
+      </p:nvGrpSpPr>
+      <p:grpSpPr>
+        <a:xfrm>
+          <a:off x="0" y="0"/>
+          <a:ext cx="0" cy="0"/>
+          <a:chOff x="0" y="0"/>
+          <a:chExt cx="0" cy="0"/>
+        </a:xfrm>
+      </p:grpSpPr>
+      <p:sp>
+        <p:nvSpPr>
+          <p:cNvPr id="2" name="TextBox 1">
+            <a:extLst>
+              <a:ext uri="{FF2B5EF4-FFF2-40B4-BE49-F238E27FC236}">
+                <a16:creationId xmlns:a16="http://schemas.microsoft.com/office/drawing/2014/main" id="{E0847BD1-3E45-E840-89F1-6D1BB3AA886D}"/>
+              </a:ext>
+            </a:extLst>
+          </p:cNvPr>
+          <p:cNvSpPr txBox="1"/>
+          <p:nvPr/>
+        </p:nvSpPr>
+        <p:spPr>
+          <a:xfrm>
+            <a:off x="186936" y="1033221"/>
+            <a:ext cx="2629712" cy="584775"/>
+          </a:xfrm>
+          <a:prstGeom prst="rect">
+            <a:avLst/>
+          </a:prstGeom>
+          <a:noFill/>
+        </p:spPr>
+        <p:txBody>
+          <a:bodyPr wrap="square" rtlCol="0">
+            <a:spAutoFit/>
+          </a:bodyPr>
+          <a:lstStyle/>
+          <a:p>
+            <a:pPr algn="ctr"/>
+            <a:r>
+              <a:rPr lang="en-US" sz="3200" b="1" dirty="0">
+                <a:solidFill>
+                  <a:srgbClr val="ED2200"/>
+                </a:solidFill>
+              </a:rPr>
+              <a:t>Sig IR events</a:t>
+            </a:r>
+          </a:p>
+        </p:txBody>
+      </p:sp>
+      <p:sp>
+        <p:nvSpPr>
+          <p:cNvPr id="3" name="Rounded Rectangle 2">
+            <a:extLst>
+              <a:ext uri="{FF2B5EF4-FFF2-40B4-BE49-F238E27FC236}">
+                <a16:creationId xmlns:a16="http://schemas.microsoft.com/office/drawing/2014/main" id="{0AC703C8-47BF-584B-B39C-A4AE6336A271}"/>
+              </a:ext>
+            </a:extLst>
+          </p:cNvPr>
+          <p:cNvSpPr/>
+          <p:nvPr/>
+        </p:nvSpPr>
+        <p:spPr>
+          <a:xfrm>
+            <a:off x="301241" y="1090785"/>
+            <a:ext cx="2410697" cy="954107"/>
+          </a:xfrm>
+          <a:prstGeom prst="roundRect">
+            <a:avLst/>
+          </a:prstGeom>
+          <a:noFill/>
+        </p:spPr>
+        <p:style>
+          <a:lnRef idx="2">
+            <a:schemeClr val="accent1">
+              <a:shade val="50000"/>
+            </a:schemeClr>
+          </a:lnRef>
+          <a:fillRef idx="1">
+            <a:schemeClr val="accent1"/>
+          </a:fillRef>
+          <a:effectRef idx="0">
+            <a:schemeClr val="accent1"/>
+          </a:effectRef>
+          <a:fontRef idx="minor">
+            <a:schemeClr val="lt1"/>
+          </a:fontRef>
+        </p:style>
+        <p:txBody>
+          <a:bodyPr rtlCol="0" anchor="ctr"/>
+          <a:lstStyle/>
+          <a:p>
+            <a:pPr algn="ctr"/>
+            <a:endParaRPr lang="en-US" sz="3200"/>
+          </a:p>
+        </p:txBody>
+      </p:sp>
+      <p:sp>
+        <p:nvSpPr>
+          <p:cNvPr id="4" name="TextBox 3">
+            <a:extLst>
+              <a:ext uri="{FF2B5EF4-FFF2-40B4-BE49-F238E27FC236}">
+                <a16:creationId xmlns:a16="http://schemas.microsoft.com/office/drawing/2014/main" id="{15494C00-3BA1-8F40-99FA-A04C02576BCD}"/>
+              </a:ext>
+            </a:extLst>
+          </p:cNvPr>
+          <p:cNvSpPr txBox="1"/>
+          <p:nvPr/>
+        </p:nvSpPr>
+        <p:spPr>
+          <a:xfrm>
+            <a:off x="2702398" y="1033221"/>
+            <a:ext cx="2629712" cy="1077218"/>
+          </a:xfrm>
+          <a:prstGeom prst="rect">
+            <a:avLst/>
+          </a:prstGeom>
+          <a:noFill/>
+        </p:spPr>
+        <p:txBody>
+          <a:bodyPr wrap="square" rtlCol="0">
+            <a:spAutoFit/>
+          </a:bodyPr>
+          <a:lstStyle/>
+          <a:p>
+            <a:pPr algn="ctr"/>
+            <a:r>
+              <a:rPr lang="en-US" sz="3200" b="1" dirty="0">
+                <a:solidFill>
+                  <a:srgbClr val="004188"/>
+                </a:solidFill>
+              </a:rPr>
+              <a:t>Non-sig IR events</a:t>
+            </a:r>
+          </a:p>
+        </p:txBody>
+      </p:sp>
+      <p:sp>
+        <p:nvSpPr>
+          <p:cNvPr id="5" name="Rounded Rectangle 4">
+            <a:extLst>
+              <a:ext uri="{FF2B5EF4-FFF2-40B4-BE49-F238E27FC236}">
+                <a16:creationId xmlns:a16="http://schemas.microsoft.com/office/drawing/2014/main" id="{32F93555-8CCC-D340-825F-93C11F61DBB6}"/>
+              </a:ext>
+            </a:extLst>
+          </p:cNvPr>
+          <p:cNvSpPr/>
+          <p:nvPr/>
+        </p:nvSpPr>
+        <p:spPr>
+          <a:xfrm>
+            <a:off x="2810246" y="1094779"/>
+            <a:ext cx="2414016" cy="954107"/>
+          </a:xfrm>
+          <a:prstGeom prst="roundRect">
+            <a:avLst/>
+          </a:prstGeom>
+          <a:noFill/>
+        </p:spPr>
+        <p:style>
+          <a:lnRef idx="2">
+            <a:schemeClr val="accent1">
+              <a:shade val="50000"/>
+            </a:schemeClr>
+          </a:lnRef>
+          <a:fillRef idx="1">
+            <a:schemeClr val="accent1"/>
+          </a:fillRef>
+          <a:effectRef idx="0">
+            <a:schemeClr val="accent1"/>
+          </a:effectRef>
+          <a:fontRef idx="minor">
+            <a:schemeClr val="lt1"/>
+          </a:fontRef>
+        </p:style>
+        <p:txBody>
+          <a:bodyPr rtlCol="0" anchor="ctr"/>
+          <a:lstStyle/>
+          <a:p>
+            <a:pPr algn="ctr"/>
+            <a:endParaRPr lang="en-US" sz="3200"/>
+          </a:p>
+        </p:txBody>
+      </p:sp>
+      <p:sp>
+        <p:nvSpPr>
+          <p:cNvPr id="6" name="Rounded Rectangle 5">
+            <a:extLst>
+              <a:ext uri="{FF2B5EF4-FFF2-40B4-BE49-F238E27FC236}">
+                <a16:creationId xmlns:a16="http://schemas.microsoft.com/office/drawing/2014/main" id="{64A0DBC3-2AB7-B24A-A79A-0635F9D51AB0}"/>
+              </a:ext>
+            </a:extLst>
+          </p:cNvPr>
+          <p:cNvSpPr/>
+          <p:nvPr/>
+        </p:nvSpPr>
+        <p:spPr>
+          <a:xfrm>
+            <a:off x="288382" y="2182068"/>
+            <a:ext cx="2414016" cy="954107"/>
+          </a:xfrm>
+          <a:prstGeom prst="roundRect">
+            <a:avLst/>
+          </a:prstGeom>
+          <a:noFill/>
+        </p:spPr>
+        <p:style>
+          <a:lnRef idx="2">
+            <a:schemeClr val="accent1">
+              <a:shade val="50000"/>
+            </a:schemeClr>
+          </a:lnRef>
+          <a:fillRef idx="1">
+            <a:schemeClr val="accent1"/>
+          </a:fillRef>
+          <a:effectRef idx="0">
+            <a:schemeClr val="accent1"/>
+          </a:effectRef>
+          <a:fontRef idx="minor">
+            <a:schemeClr val="lt1"/>
+          </a:fontRef>
+        </p:style>
+        <p:txBody>
+          <a:bodyPr rtlCol="0" anchor="ctr"/>
+          <a:lstStyle/>
+          <a:p>
+            <a:pPr algn="ctr"/>
+            <a:endParaRPr lang="en-US" sz="3200"/>
+          </a:p>
+        </p:txBody>
+      </p:sp>
+      <p:sp>
+        <p:nvSpPr>
+          <p:cNvPr id="7" name="TextBox 6">
+            <a:extLst>
+              <a:ext uri="{FF2B5EF4-FFF2-40B4-BE49-F238E27FC236}">
+                <a16:creationId xmlns:a16="http://schemas.microsoft.com/office/drawing/2014/main" id="{6CC6667B-DD37-B54F-B131-A6A0B8E2BCEA}"/>
+              </a:ext>
+            </a:extLst>
+          </p:cNvPr>
+          <p:cNvSpPr txBox="1"/>
+          <p:nvPr/>
+        </p:nvSpPr>
+        <p:spPr>
+          <a:xfrm>
+            <a:off x="180783" y="2120512"/>
+            <a:ext cx="2629712" cy="1077218"/>
+          </a:xfrm>
+          <a:prstGeom prst="rect">
+            <a:avLst/>
+          </a:prstGeom>
+          <a:noFill/>
+        </p:spPr>
+        <p:txBody>
+          <a:bodyPr wrap="square" rtlCol="0">
+            <a:spAutoFit/>
+          </a:bodyPr>
+          <a:lstStyle/>
+          <a:p>
+            <a:pPr algn="ctr"/>
+            <a:r>
+              <a:rPr lang="en-US" sz="3200" b="1" dirty="0">
+                <a:solidFill>
+                  <a:srgbClr val="41B53D"/>
+                </a:solidFill>
+              </a:rPr>
+              <a:t>Non-AS-short</a:t>
+            </a:r>
+          </a:p>
+          <a:p>
+            <a:pPr algn="ctr"/>
+            <a:r>
+              <a:rPr lang="en-US" sz="3200" b="1" dirty="0">
+                <a:solidFill>
+                  <a:srgbClr val="41B53D"/>
+                </a:solidFill>
+              </a:rPr>
+              <a:t>events</a:t>
+            </a:r>
+          </a:p>
+        </p:txBody>
+      </p:sp>
+      <p:sp>
+        <p:nvSpPr>
+          <p:cNvPr id="9" name="Rounded Rectangle 8">
+            <a:extLst>
+              <a:ext uri="{FF2B5EF4-FFF2-40B4-BE49-F238E27FC236}">
+                <a16:creationId xmlns:a16="http://schemas.microsoft.com/office/drawing/2014/main" id="{D5D93B94-4C58-AD42-822A-E9DC2195834C}"/>
+              </a:ext>
+            </a:extLst>
+          </p:cNvPr>
+          <p:cNvSpPr/>
+          <p:nvPr/>
+        </p:nvSpPr>
+        <p:spPr>
+          <a:xfrm>
+            <a:off x="314149" y="3983448"/>
+            <a:ext cx="4910113" cy="954107"/>
+          </a:xfrm>
+          <a:prstGeom prst="roundRect">
+            <a:avLst/>
+          </a:prstGeom>
+          <a:noFill/>
+        </p:spPr>
+        <p:style>
+          <a:lnRef idx="2">
+            <a:schemeClr val="accent1">
+              <a:shade val="50000"/>
+            </a:schemeClr>
+          </a:lnRef>
+          <a:fillRef idx="1">
+            <a:schemeClr val="accent1"/>
+          </a:fillRef>
+          <a:effectRef idx="0">
+            <a:schemeClr val="accent1"/>
+          </a:effectRef>
+          <a:fontRef idx="minor">
+            <a:schemeClr val="lt1"/>
+          </a:fontRef>
+        </p:style>
+        <p:txBody>
+          <a:bodyPr rtlCol="0" anchor="ctr"/>
+          <a:lstStyle/>
+          <a:p>
+            <a:pPr algn="ctr"/>
+            <a:endParaRPr lang="en-US" sz="3200"/>
+          </a:p>
+        </p:txBody>
+      </p:sp>
+      <p:sp>
+        <p:nvSpPr>
+          <p:cNvPr id="10" name="Down Arrow 9">
+            <a:extLst>
+              <a:ext uri="{FF2B5EF4-FFF2-40B4-BE49-F238E27FC236}">
+                <a16:creationId xmlns:a16="http://schemas.microsoft.com/office/drawing/2014/main" id="{B226B355-9979-6648-A3B4-224DF8751ED9}"/>
+              </a:ext>
+            </a:extLst>
+          </p:cNvPr>
+          <p:cNvSpPr/>
+          <p:nvPr/>
+        </p:nvSpPr>
+        <p:spPr>
+          <a:xfrm>
+            <a:off x="2483467" y="5056670"/>
+            <a:ext cx="561558" cy="673431"/>
+          </a:xfrm>
+          <a:prstGeom prst="downArrow">
+            <a:avLst/>
+          </a:prstGeom>
+          <a:solidFill>
+            <a:srgbClr val="1F77B4">
+              <a:alpha val="50000"/>
+            </a:srgbClr>
+          </a:solidFill>
+          <a:ln>
+            <a:noFill/>
+          </a:ln>
+        </p:spPr>
+        <p:style>
+          <a:lnRef idx="2">
+            <a:schemeClr val="accent1">
+              <a:shade val="50000"/>
+            </a:schemeClr>
+          </a:lnRef>
+          <a:fillRef idx="1">
+            <a:schemeClr val="accent1"/>
+          </a:fillRef>
+          <a:effectRef idx="0">
+            <a:schemeClr val="accent1"/>
+          </a:effectRef>
+          <a:fontRef idx="minor">
+            <a:schemeClr val="lt1"/>
+          </a:fontRef>
+        </p:style>
+        <p:txBody>
+          <a:bodyPr rot="0" spcFirstLastPara="0" vertOverflow="overflow" horzOverflow="overflow" vert="horz" wrap="square" lIns="162556" tIns="81278" rIns="162556" bIns="81278" numCol="1" spcCol="0" rtlCol="0" fromWordArt="0" anchor="ctr" anchorCtr="0" forceAA="0" compatLnSpc="1">
+            <a:prstTxWarp prst="textNoShape">
+              <a:avLst/>
+            </a:prstTxWarp>
+            <a:noAutofit/>
+          </a:bodyPr>
+          <a:lstStyle/>
+          <a:p>
+            <a:pPr algn="ctr"/>
+            <a:endParaRPr lang="en-US" sz="3200"/>
+          </a:p>
+        </p:txBody>
+      </p:sp>
+      <p:sp>
+        <p:nvSpPr>
+          <p:cNvPr id="14" name="Down Arrow 13">
+            <a:extLst>
+              <a:ext uri="{FF2B5EF4-FFF2-40B4-BE49-F238E27FC236}">
+                <a16:creationId xmlns:a16="http://schemas.microsoft.com/office/drawing/2014/main" id="{5EAFE67A-9FA9-0E4F-8881-CBC9074DD74A}"/>
+              </a:ext>
+            </a:extLst>
+          </p:cNvPr>
+          <p:cNvSpPr/>
+          <p:nvPr/>
+        </p:nvSpPr>
+        <p:spPr>
+          <a:xfrm>
+            <a:off x="2478027" y="3213868"/>
+            <a:ext cx="561558" cy="673431"/>
+          </a:xfrm>
+          <a:prstGeom prst="downArrow">
+            <a:avLst/>
+          </a:prstGeom>
+          <a:solidFill>
+            <a:srgbClr val="1F77B4">
+              <a:alpha val="50000"/>
+            </a:srgbClr>
+          </a:solidFill>
+          <a:ln>
+            <a:noFill/>
+          </a:ln>
+        </p:spPr>
+        <p:style>
+          <a:lnRef idx="2">
+            <a:schemeClr val="accent1">
+              <a:shade val="50000"/>
+            </a:schemeClr>
+          </a:lnRef>
+          <a:fillRef idx="1">
+            <a:schemeClr val="accent1"/>
+          </a:fillRef>
+          <a:effectRef idx="0">
+            <a:schemeClr val="accent1"/>
+          </a:effectRef>
+          <a:fontRef idx="minor">
+            <a:schemeClr val="lt1"/>
+          </a:fontRef>
+        </p:style>
+        <p:txBody>
+          <a:bodyPr rot="0" spcFirstLastPara="0" vertOverflow="overflow" horzOverflow="overflow" vert="horz" wrap="square" lIns="162556" tIns="81278" rIns="162556" bIns="81278" numCol="1" spcCol="0" rtlCol="0" fromWordArt="0" anchor="ctr" anchorCtr="0" forceAA="0" compatLnSpc="1">
+            <a:prstTxWarp prst="textNoShape">
+              <a:avLst/>
+            </a:prstTxWarp>
+            <a:noAutofit/>
+          </a:bodyPr>
+          <a:lstStyle/>
+          <a:p>
+            <a:pPr algn="ctr"/>
+            <a:endParaRPr lang="en-US" sz="3200" dirty="0"/>
+          </a:p>
+        </p:txBody>
+      </p:sp>
+      <p:pic>
+        <p:nvPicPr>
+          <p:cNvPr id="23" name="Picture 22">
+            <a:extLst>
+              <a:ext uri="{FF2B5EF4-FFF2-40B4-BE49-F238E27FC236}">
+                <a16:creationId xmlns:a16="http://schemas.microsoft.com/office/drawing/2014/main" id="{3BFFCCCA-2026-734F-B8F1-3FBEF274D437}"/>
+              </a:ext>
+            </a:extLst>
+          </p:cNvPr>
+          <p:cNvPicPr>
+            <a:picLocks noChangeAspect="1"/>
+          </p:cNvPicPr>
+          <p:nvPr/>
+        </p:nvPicPr>
+        <p:blipFill>
+          <a:blip r:embed="rId2"/>
+          <a:stretch>
+            <a:fillRect/>
+          </a:stretch>
+        </p:blipFill>
+        <p:spPr>
+          <a:xfrm>
+            <a:off x="1720962" y="5790152"/>
+            <a:ext cx="2075688" cy="1787700"/>
+          </a:xfrm>
+          <a:prstGeom prst="rect">
+            <a:avLst/>
+          </a:prstGeom>
+        </p:spPr>
+      </p:pic>
+      <p:sp>
+        <p:nvSpPr>
+          <p:cNvPr id="22" name="Rounded Rectangle 21">
+            <a:extLst>
+              <a:ext uri="{FF2B5EF4-FFF2-40B4-BE49-F238E27FC236}">
+                <a16:creationId xmlns:a16="http://schemas.microsoft.com/office/drawing/2014/main" id="{9D84A1BC-5D93-1243-957A-32C507E97208}"/>
+              </a:ext>
+            </a:extLst>
+          </p:cNvPr>
+          <p:cNvSpPr/>
+          <p:nvPr/>
+        </p:nvSpPr>
+        <p:spPr>
+          <a:xfrm>
+            <a:off x="2810246" y="2169766"/>
+            <a:ext cx="2414016" cy="954107"/>
+          </a:xfrm>
+          <a:prstGeom prst="roundRect">
+            <a:avLst/>
+          </a:prstGeom>
+          <a:noFill/>
+        </p:spPr>
+        <p:style>
+          <a:lnRef idx="2">
+            <a:schemeClr val="accent1">
+              <a:shade val="50000"/>
+            </a:schemeClr>
+          </a:lnRef>
+          <a:fillRef idx="1">
+            <a:schemeClr val="accent1"/>
+          </a:fillRef>
+          <a:effectRef idx="0">
+            <a:schemeClr val="accent1"/>
+          </a:effectRef>
+          <a:fontRef idx="minor">
+            <a:schemeClr val="lt1"/>
+          </a:fontRef>
+        </p:style>
+        <p:txBody>
+          <a:bodyPr rtlCol="0" anchor="ctr"/>
+          <a:lstStyle/>
+          <a:p>
+            <a:pPr algn="ctr"/>
+            <a:endParaRPr lang="en-US" sz="3200"/>
+          </a:p>
+        </p:txBody>
+      </p:sp>
+      <p:sp>
+        <p:nvSpPr>
+          <p:cNvPr id="24" name="TextBox 23">
+            <a:extLst>
+              <a:ext uri="{FF2B5EF4-FFF2-40B4-BE49-F238E27FC236}">
+                <a16:creationId xmlns:a16="http://schemas.microsoft.com/office/drawing/2014/main" id="{5A6F442F-21FB-0F41-8863-79B2ABF1FAEF}"/>
+              </a:ext>
+            </a:extLst>
+          </p:cNvPr>
+          <p:cNvSpPr txBox="1"/>
+          <p:nvPr/>
+        </p:nvSpPr>
+        <p:spPr>
+          <a:xfrm>
+            <a:off x="2758806" y="2120512"/>
+            <a:ext cx="2629712" cy="1077218"/>
+          </a:xfrm>
+          <a:prstGeom prst="rect">
+            <a:avLst/>
+          </a:prstGeom>
+          <a:noFill/>
+        </p:spPr>
+        <p:txBody>
+          <a:bodyPr wrap="square" rtlCol="0">
+            <a:spAutoFit/>
+          </a:bodyPr>
+          <a:lstStyle/>
+          <a:p>
+            <a:pPr algn="ctr"/>
+            <a:r>
+              <a:rPr lang="en-US" sz="3200" b="1" dirty="0">
+                <a:solidFill>
+                  <a:srgbClr val="0E98AF"/>
+                </a:solidFill>
+              </a:rPr>
+              <a:t>Non-AS-long</a:t>
+            </a:r>
+          </a:p>
+          <a:p>
+            <a:pPr algn="ctr"/>
+            <a:r>
+              <a:rPr lang="en-US" sz="3200" b="1" dirty="0">
+                <a:solidFill>
+                  <a:srgbClr val="0E98AF"/>
+                </a:solidFill>
+              </a:rPr>
+              <a:t>events</a:t>
+            </a:r>
+          </a:p>
+        </p:txBody>
+      </p:sp>
+      <p:sp>
+        <p:nvSpPr>
+          <p:cNvPr id="19" name="TextBox 18">
+            <a:extLst>
+              <a:ext uri="{FF2B5EF4-FFF2-40B4-BE49-F238E27FC236}">
+                <a16:creationId xmlns:a16="http://schemas.microsoft.com/office/drawing/2014/main" id="{B3134874-EBEF-2E47-8017-A187D03E9F6E}"/>
+              </a:ext>
+            </a:extLst>
+          </p:cNvPr>
+          <p:cNvSpPr txBox="1"/>
+          <p:nvPr/>
+        </p:nvSpPr>
+        <p:spPr>
+          <a:xfrm>
+            <a:off x="792513" y="4136698"/>
+            <a:ext cx="1348446" cy="584775"/>
+          </a:xfrm>
+          <a:prstGeom prst="rect">
+            <a:avLst/>
+          </a:prstGeom>
+          <a:noFill/>
+        </p:spPr>
+        <p:txBody>
+          <a:bodyPr wrap="none" rtlCol="0">
+            <a:spAutoFit/>
+          </a:bodyPr>
+          <a:lstStyle/>
+          <a:p>
+            <a:r>
+              <a:rPr lang="en-US" sz="3200" dirty="0"/>
+              <a:t>GC% = </a:t>
+            </a:r>
+          </a:p>
+        </p:txBody>
+      </p:sp>
+      <p:sp>
+        <p:nvSpPr>
+          <p:cNvPr id="25" name="TextBox 24">
+            <a:extLst>
+              <a:ext uri="{FF2B5EF4-FFF2-40B4-BE49-F238E27FC236}">
+                <a16:creationId xmlns:a16="http://schemas.microsoft.com/office/drawing/2014/main" id="{E22BE667-C8D3-0042-BAA6-D31D5EC04D46}"/>
+              </a:ext>
+            </a:extLst>
+          </p:cNvPr>
+          <p:cNvSpPr txBox="1"/>
+          <p:nvPr/>
+        </p:nvSpPr>
+        <p:spPr>
+          <a:xfrm>
+            <a:off x="2103863" y="3911075"/>
+            <a:ext cx="2758138" cy="1077218"/>
+          </a:xfrm>
+          <a:prstGeom prst="rect">
+            <a:avLst/>
+          </a:prstGeom>
+          <a:noFill/>
+        </p:spPr>
+        <p:txBody>
+          <a:bodyPr wrap="square" rtlCol="0">
+            <a:spAutoFit/>
+          </a:bodyPr>
+          <a:lstStyle/>
+          <a:p>
+            <a:pPr algn="ctr"/>
+            <a:r>
+              <a:rPr lang="en-US" sz="3200" dirty="0"/>
+              <a:t>#G + #C</a:t>
+            </a:r>
+          </a:p>
+          <a:p>
+            <a:pPr algn="ctr"/>
+            <a:r>
+              <a:rPr lang="en-US" sz="3200" dirty="0"/>
+              <a:t>IR event length</a:t>
+            </a:r>
+          </a:p>
+        </p:txBody>
+      </p:sp>
+      <p:cxnSp>
+        <p:nvCxnSpPr>
+          <p:cNvPr id="27" name="Straight Connector 26">
+            <a:extLst>
+              <a:ext uri="{FF2B5EF4-FFF2-40B4-BE49-F238E27FC236}">
+                <a16:creationId xmlns:a16="http://schemas.microsoft.com/office/drawing/2014/main" id="{55394269-0CB6-294B-B1B6-E218B389B0F5}"/>
+              </a:ext>
+            </a:extLst>
+          </p:cNvPr>
+          <p:cNvCxnSpPr>
+            <a:cxnSpLocks/>
+          </p:cNvCxnSpPr>
+          <p:nvPr/>
+        </p:nvCxnSpPr>
+        <p:spPr>
+          <a:xfrm>
+            <a:off x="2062298" y="4449684"/>
+            <a:ext cx="2758138" cy="0"/>
+          </a:xfrm>
+          <a:prstGeom prst="line">
+            <a:avLst/>
+          </a:prstGeom>
+        </p:spPr>
+        <p:style>
+          <a:lnRef idx="1">
+            <a:schemeClr val="accent1"/>
+          </a:lnRef>
+          <a:fillRef idx="0">
+            <a:schemeClr val="accent1"/>
+          </a:fillRef>
+          <a:effectRef idx="0">
+            <a:schemeClr val="accent1"/>
+          </a:effectRef>
+          <a:fontRef idx="minor">
+            <a:schemeClr val="tx1"/>
+          </a:fontRef>
+        </p:style>
+      </p:cxnSp>
     </p:spTree>
     <p:extLst>
       <p:ext uri="{BB962C8B-B14F-4D97-AF65-F5344CB8AC3E}">
         <p14:creationId xmlns:p14="http://schemas.microsoft.com/office/powerpoint/2010/main" val="1840685457"/>
+      </p:ext>
+    </p:extLst>
+  </p:cSld>
+  <p:clrMapOvr>
+    <a:masterClrMapping/>
+  </p:clrMapOvr>
+</p:sld>
+</file>
+
+<file path=ppt/slides/slide8.xml><?xml version="1.0" encoding="utf-8"?>
+<p:sld xmlns:a="http://schemas.openxmlformats.org/drawingml/2006/main" xmlns:r="http://schemas.openxmlformats.org/officeDocument/2006/relationships" xmlns:p="http://schemas.openxmlformats.org/presentationml/2006/main">
+  <p:cSld>
+    <p:spTree>
+      <p:nvGrpSpPr>
+        <p:cNvPr id="1" name=""/>
+        <p:cNvGrpSpPr/>
+        <p:nvPr/>
+      </p:nvGrpSpPr>
+      <p:grpSpPr>
+        <a:xfrm>
+          <a:off x="0" y="0"/>
+          <a:ext cx="0" cy="0"/>
+          <a:chOff x="0" y="0"/>
+          <a:chExt cx="0" cy="0"/>
+        </a:xfrm>
+      </p:grpSpPr>
+      <p:sp>
+        <p:nvSpPr>
+          <p:cNvPr id="2" name="Rounded Rectangle 1">
+            <a:extLst>
+              <a:ext uri="{FF2B5EF4-FFF2-40B4-BE49-F238E27FC236}">
+                <a16:creationId xmlns:a16="http://schemas.microsoft.com/office/drawing/2014/main" id="{E0197457-E181-2144-8288-C61835A47E42}"/>
+              </a:ext>
+            </a:extLst>
+          </p:cNvPr>
+          <p:cNvSpPr/>
+          <p:nvPr/>
+        </p:nvSpPr>
+        <p:spPr>
+          <a:xfrm>
+            <a:off x="537215" y="4409230"/>
+            <a:ext cx="2414016" cy="954107"/>
+          </a:xfrm>
+          <a:prstGeom prst="roundRect">
+            <a:avLst/>
+          </a:prstGeom>
+          <a:noFill/>
+        </p:spPr>
+        <p:style>
+          <a:lnRef idx="2">
+            <a:schemeClr val="accent1">
+              <a:shade val="50000"/>
+            </a:schemeClr>
+          </a:lnRef>
+          <a:fillRef idx="1">
+            <a:schemeClr val="accent1"/>
+          </a:fillRef>
+          <a:effectRef idx="0">
+            <a:schemeClr val="accent1"/>
+          </a:effectRef>
+          <a:fontRef idx="minor">
+            <a:schemeClr val="lt1"/>
+          </a:fontRef>
+        </p:style>
+        <p:txBody>
+          <a:bodyPr rtlCol="0" anchor="ctr"/>
+          <a:lstStyle/>
+          <a:p>
+            <a:pPr algn="ctr"/>
+            <a:endParaRPr lang="en-US" sz="3200"/>
+          </a:p>
+        </p:txBody>
+      </p:sp>
+      <p:sp>
+        <p:nvSpPr>
+          <p:cNvPr id="3" name="Down Arrow 2">
+            <a:extLst>
+              <a:ext uri="{FF2B5EF4-FFF2-40B4-BE49-F238E27FC236}">
+                <a16:creationId xmlns:a16="http://schemas.microsoft.com/office/drawing/2014/main" id="{3E3D622C-D1E1-8041-A44E-D30B4F521B3C}"/>
+              </a:ext>
+            </a:extLst>
+          </p:cNvPr>
+          <p:cNvSpPr/>
+          <p:nvPr/>
+        </p:nvSpPr>
+        <p:spPr>
+          <a:xfrm rot="1934041">
+            <a:off x="1590801" y="3232064"/>
+            <a:ext cx="623782" cy="785844"/>
+          </a:xfrm>
+          <a:prstGeom prst="downArrow">
+            <a:avLst/>
+          </a:prstGeom>
+          <a:solidFill>
+            <a:srgbClr val="1F77B4">
+              <a:alpha val="50000"/>
+            </a:srgbClr>
+          </a:solidFill>
+          <a:ln>
+            <a:noFill/>
+          </a:ln>
+        </p:spPr>
+        <p:style>
+          <a:lnRef idx="2">
+            <a:schemeClr val="accent1">
+              <a:shade val="50000"/>
+            </a:schemeClr>
+          </a:lnRef>
+          <a:fillRef idx="1">
+            <a:schemeClr val="accent1"/>
+          </a:fillRef>
+          <a:effectRef idx="0">
+            <a:schemeClr val="accent1"/>
+          </a:effectRef>
+          <a:fontRef idx="minor">
+            <a:schemeClr val="lt1"/>
+          </a:fontRef>
+        </p:style>
+        <p:txBody>
+          <a:bodyPr rot="0" spcFirstLastPara="0" vertOverflow="overflow" horzOverflow="overflow" vert="horz" wrap="square" lIns="162556" tIns="81278" rIns="162556" bIns="81278" numCol="1" spcCol="0" rtlCol="0" fromWordArt="0" anchor="ctr" anchorCtr="0" forceAA="0" compatLnSpc="1">
+            <a:prstTxWarp prst="textNoShape">
+              <a:avLst/>
+            </a:prstTxWarp>
+            <a:noAutofit/>
+          </a:bodyPr>
+          <a:lstStyle/>
+          <a:p>
+            <a:pPr algn="ctr"/>
+            <a:endParaRPr lang="en-US" sz="3200"/>
+          </a:p>
+        </p:txBody>
+      </p:sp>
+      <p:sp>
+        <p:nvSpPr>
+          <p:cNvPr id="4" name="Down Arrow 3">
+            <a:extLst>
+              <a:ext uri="{FF2B5EF4-FFF2-40B4-BE49-F238E27FC236}">
+                <a16:creationId xmlns:a16="http://schemas.microsoft.com/office/drawing/2014/main" id="{B83AAD48-D208-C746-BC76-DA4F0ADCB15E}"/>
+              </a:ext>
+            </a:extLst>
+          </p:cNvPr>
+          <p:cNvSpPr/>
+          <p:nvPr/>
+        </p:nvSpPr>
+        <p:spPr>
+          <a:xfrm>
+            <a:off x="1463444" y="7251871"/>
+            <a:ext cx="561558" cy="667560"/>
+          </a:xfrm>
+          <a:prstGeom prst="downArrow">
+            <a:avLst/>
+          </a:prstGeom>
+          <a:solidFill>
+            <a:srgbClr val="1F77B4">
+              <a:alpha val="50000"/>
+            </a:srgbClr>
+          </a:solidFill>
+          <a:ln>
+            <a:noFill/>
+          </a:ln>
+        </p:spPr>
+        <p:style>
+          <a:lnRef idx="2">
+            <a:schemeClr val="accent1">
+              <a:shade val="50000"/>
+            </a:schemeClr>
+          </a:lnRef>
+          <a:fillRef idx="1">
+            <a:schemeClr val="accent1"/>
+          </a:fillRef>
+          <a:effectRef idx="0">
+            <a:schemeClr val="accent1"/>
+          </a:effectRef>
+          <a:fontRef idx="minor">
+            <a:schemeClr val="lt1"/>
+          </a:fontRef>
+        </p:style>
+        <p:txBody>
+          <a:bodyPr rot="0" spcFirstLastPara="0" vertOverflow="overflow" horzOverflow="overflow" vert="horz" wrap="square" lIns="162556" tIns="81278" rIns="162556" bIns="81278" numCol="1" spcCol="0" rtlCol="0" fromWordArt="0" anchor="ctr" anchorCtr="0" forceAA="0" compatLnSpc="1">
+            <a:prstTxWarp prst="textNoShape">
+              <a:avLst/>
+            </a:prstTxWarp>
+            <a:noAutofit/>
+          </a:bodyPr>
+          <a:lstStyle/>
+          <a:p>
+            <a:pPr algn="ctr"/>
+            <a:endParaRPr lang="en-US" sz="3200" dirty="0"/>
+          </a:p>
+        </p:txBody>
+      </p:sp>
+      <p:sp>
+        <p:nvSpPr>
+          <p:cNvPr id="5" name="TextBox 4">
+            <a:extLst>
+              <a:ext uri="{FF2B5EF4-FFF2-40B4-BE49-F238E27FC236}">
+                <a16:creationId xmlns:a16="http://schemas.microsoft.com/office/drawing/2014/main" id="{7C8162CA-01EF-DD41-8EB7-22431AC763F2}"/>
+              </a:ext>
+            </a:extLst>
+          </p:cNvPr>
+          <p:cNvSpPr txBox="1"/>
+          <p:nvPr/>
+        </p:nvSpPr>
+        <p:spPr>
+          <a:xfrm>
+            <a:off x="422910" y="951685"/>
+            <a:ext cx="2629712" cy="584775"/>
+          </a:xfrm>
+          <a:prstGeom prst="rect">
+            <a:avLst/>
+          </a:prstGeom>
+          <a:noFill/>
+        </p:spPr>
+        <p:txBody>
+          <a:bodyPr wrap="square" rtlCol="0">
+            <a:spAutoFit/>
+          </a:bodyPr>
+          <a:lstStyle/>
+          <a:p>
+            <a:pPr algn="ctr"/>
+            <a:r>
+              <a:rPr lang="en-US" sz="3200" b="1" dirty="0">
+                <a:solidFill>
+                  <a:srgbClr val="ED2200"/>
+                </a:solidFill>
+              </a:rPr>
+              <a:t>Sig IR events</a:t>
+            </a:r>
+          </a:p>
+        </p:txBody>
+      </p:sp>
+      <p:sp>
+        <p:nvSpPr>
+          <p:cNvPr id="6" name="Rounded Rectangle 5">
+            <a:extLst>
+              <a:ext uri="{FF2B5EF4-FFF2-40B4-BE49-F238E27FC236}">
+                <a16:creationId xmlns:a16="http://schemas.microsoft.com/office/drawing/2014/main" id="{4491BD32-C9E9-CF41-9790-BC70CA6624FB}"/>
+              </a:ext>
+            </a:extLst>
+          </p:cNvPr>
+          <p:cNvSpPr/>
+          <p:nvPr/>
+        </p:nvSpPr>
+        <p:spPr>
+          <a:xfrm>
+            <a:off x="537215" y="1009249"/>
+            <a:ext cx="2410697" cy="954107"/>
+          </a:xfrm>
+          <a:prstGeom prst="roundRect">
+            <a:avLst/>
+          </a:prstGeom>
+          <a:noFill/>
+        </p:spPr>
+        <p:style>
+          <a:lnRef idx="2">
+            <a:schemeClr val="accent1">
+              <a:shade val="50000"/>
+            </a:schemeClr>
+          </a:lnRef>
+          <a:fillRef idx="1">
+            <a:schemeClr val="accent1"/>
+          </a:fillRef>
+          <a:effectRef idx="0">
+            <a:schemeClr val="accent1"/>
+          </a:effectRef>
+          <a:fontRef idx="minor">
+            <a:schemeClr val="lt1"/>
+          </a:fontRef>
+        </p:style>
+        <p:txBody>
+          <a:bodyPr rtlCol="0" anchor="ctr"/>
+          <a:lstStyle/>
+          <a:p>
+            <a:pPr algn="ctr"/>
+            <a:endParaRPr lang="en-US" sz="3200"/>
+          </a:p>
+        </p:txBody>
+      </p:sp>
+      <p:sp>
+        <p:nvSpPr>
+          <p:cNvPr id="7" name="TextBox 6">
+            <a:extLst>
+              <a:ext uri="{FF2B5EF4-FFF2-40B4-BE49-F238E27FC236}">
+                <a16:creationId xmlns:a16="http://schemas.microsoft.com/office/drawing/2014/main" id="{5016DDE7-3563-944C-B9A5-6D84AE4CE008}"/>
+              </a:ext>
+            </a:extLst>
+          </p:cNvPr>
+          <p:cNvSpPr txBox="1"/>
+          <p:nvPr/>
+        </p:nvSpPr>
+        <p:spPr>
+          <a:xfrm>
+            <a:off x="2938372" y="951685"/>
+            <a:ext cx="2629712" cy="1077218"/>
+          </a:xfrm>
+          <a:prstGeom prst="rect">
+            <a:avLst/>
+          </a:prstGeom>
+          <a:noFill/>
+        </p:spPr>
+        <p:txBody>
+          <a:bodyPr wrap="square" rtlCol="0">
+            <a:spAutoFit/>
+          </a:bodyPr>
+          <a:lstStyle/>
+          <a:p>
+            <a:pPr algn="ctr"/>
+            <a:r>
+              <a:rPr lang="en-US" sz="3200" b="1" dirty="0">
+                <a:solidFill>
+                  <a:srgbClr val="004188"/>
+                </a:solidFill>
+              </a:rPr>
+              <a:t>Non-sig IR events</a:t>
+            </a:r>
+          </a:p>
+        </p:txBody>
+      </p:sp>
+      <p:sp>
+        <p:nvSpPr>
+          <p:cNvPr id="8" name="Rounded Rectangle 7">
+            <a:extLst>
+              <a:ext uri="{FF2B5EF4-FFF2-40B4-BE49-F238E27FC236}">
+                <a16:creationId xmlns:a16="http://schemas.microsoft.com/office/drawing/2014/main" id="{5E6FA53F-4783-9F4D-854E-D572CF3D30B6}"/>
+              </a:ext>
+            </a:extLst>
+          </p:cNvPr>
+          <p:cNvSpPr/>
+          <p:nvPr/>
+        </p:nvSpPr>
+        <p:spPr>
+          <a:xfrm>
+            <a:off x="3046220" y="1013243"/>
+            <a:ext cx="2414016" cy="954107"/>
+          </a:xfrm>
+          <a:prstGeom prst="roundRect">
+            <a:avLst/>
+          </a:prstGeom>
+          <a:noFill/>
+        </p:spPr>
+        <p:style>
+          <a:lnRef idx="2">
+            <a:schemeClr val="accent1">
+              <a:shade val="50000"/>
+            </a:schemeClr>
+          </a:lnRef>
+          <a:fillRef idx="1">
+            <a:schemeClr val="accent1"/>
+          </a:fillRef>
+          <a:effectRef idx="0">
+            <a:schemeClr val="accent1"/>
+          </a:effectRef>
+          <a:fontRef idx="minor">
+            <a:schemeClr val="lt1"/>
+          </a:fontRef>
+        </p:style>
+        <p:txBody>
+          <a:bodyPr rtlCol="0" anchor="ctr"/>
+          <a:lstStyle/>
+          <a:p>
+            <a:pPr algn="ctr"/>
+            <a:endParaRPr lang="en-US" sz="3200"/>
+          </a:p>
+        </p:txBody>
+      </p:sp>
+      <p:sp>
+        <p:nvSpPr>
+          <p:cNvPr id="9" name="Rounded Rectangle 8">
+            <a:extLst>
+              <a:ext uri="{FF2B5EF4-FFF2-40B4-BE49-F238E27FC236}">
+                <a16:creationId xmlns:a16="http://schemas.microsoft.com/office/drawing/2014/main" id="{118F2AD2-31B3-C844-BCE5-A9E964A481B8}"/>
+              </a:ext>
+            </a:extLst>
+          </p:cNvPr>
+          <p:cNvSpPr/>
+          <p:nvPr/>
+        </p:nvSpPr>
+        <p:spPr>
+          <a:xfrm>
+            <a:off x="524356" y="2100532"/>
+            <a:ext cx="2414016" cy="954107"/>
+          </a:xfrm>
+          <a:prstGeom prst="roundRect">
+            <a:avLst/>
+          </a:prstGeom>
+          <a:noFill/>
+        </p:spPr>
+        <p:style>
+          <a:lnRef idx="2">
+            <a:schemeClr val="accent1">
+              <a:shade val="50000"/>
+            </a:schemeClr>
+          </a:lnRef>
+          <a:fillRef idx="1">
+            <a:schemeClr val="accent1"/>
+          </a:fillRef>
+          <a:effectRef idx="0">
+            <a:schemeClr val="accent1"/>
+          </a:effectRef>
+          <a:fontRef idx="minor">
+            <a:schemeClr val="lt1"/>
+          </a:fontRef>
+        </p:style>
+        <p:txBody>
+          <a:bodyPr rtlCol="0" anchor="ctr"/>
+          <a:lstStyle/>
+          <a:p>
+            <a:pPr algn="ctr"/>
+            <a:endParaRPr lang="en-US" sz="3200"/>
+          </a:p>
+        </p:txBody>
+      </p:sp>
+      <p:sp>
+        <p:nvSpPr>
+          <p:cNvPr id="10" name="TextBox 9">
+            <a:extLst>
+              <a:ext uri="{FF2B5EF4-FFF2-40B4-BE49-F238E27FC236}">
+                <a16:creationId xmlns:a16="http://schemas.microsoft.com/office/drawing/2014/main" id="{A2C8E091-CD8D-2D4C-9612-940D7CDD8854}"/>
+              </a:ext>
+            </a:extLst>
+          </p:cNvPr>
+          <p:cNvSpPr txBox="1"/>
+          <p:nvPr/>
+        </p:nvSpPr>
+        <p:spPr>
+          <a:xfrm>
+            <a:off x="416757" y="2038976"/>
+            <a:ext cx="2629712" cy="1077218"/>
+          </a:xfrm>
+          <a:prstGeom prst="rect">
+            <a:avLst/>
+          </a:prstGeom>
+          <a:noFill/>
+        </p:spPr>
+        <p:txBody>
+          <a:bodyPr wrap="square" rtlCol="0">
+            <a:spAutoFit/>
+          </a:bodyPr>
+          <a:lstStyle/>
+          <a:p>
+            <a:pPr algn="ctr"/>
+            <a:r>
+              <a:rPr lang="en-US" sz="3200" b="1" dirty="0">
+                <a:solidFill>
+                  <a:srgbClr val="41B53D"/>
+                </a:solidFill>
+              </a:rPr>
+              <a:t>Non-AS-short</a:t>
+            </a:r>
+          </a:p>
+          <a:p>
+            <a:pPr algn="ctr"/>
+            <a:r>
+              <a:rPr lang="en-US" sz="3200" b="1" dirty="0">
+                <a:solidFill>
+                  <a:srgbClr val="41B53D"/>
+                </a:solidFill>
+              </a:rPr>
+              <a:t>events</a:t>
+            </a:r>
+          </a:p>
+        </p:txBody>
+      </p:sp>
+      <p:sp>
+        <p:nvSpPr>
+          <p:cNvPr id="11" name="Rounded Rectangle 10">
+            <a:extLst>
+              <a:ext uri="{FF2B5EF4-FFF2-40B4-BE49-F238E27FC236}">
+                <a16:creationId xmlns:a16="http://schemas.microsoft.com/office/drawing/2014/main" id="{A55D3462-6696-864F-8548-41B92A374314}"/>
+              </a:ext>
+            </a:extLst>
+          </p:cNvPr>
+          <p:cNvSpPr/>
+          <p:nvPr/>
+        </p:nvSpPr>
+        <p:spPr>
+          <a:xfrm>
+            <a:off x="3046220" y="2088230"/>
+            <a:ext cx="2414016" cy="954107"/>
+          </a:xfrm>
+          <a:prstGeom prst="roundRect">
+            <a:avLst/>
+          </a:prstGeom>
+          <a:noFill/>
+        </p:spPr>
+        <p:style>
+          <a:lnRef idx="2">
+            <a:schemeClr val="accent1">
+              <a:shade val="50000"/>
+            </a:schemeClr>
+          </a:lnRef>
+          <a:fillRef idx="1">
+            <a:schemeClr val="accent1"/>
+          </a:fillRef>
+          <a:effectRef idx="0">
+            <a:schemeClr val="accent1"/>
+          </a:effectRef>
+          <a:fontRef idx="minor">
+            <a:schemeClr val="lt1"/>
+          </a:fontRef>
+        </p:style>
+        <p:txBody>
+          <a:bodyPr rtlCol="0" anchor="ctr"/>
+          <a:lstStyle/>
+          <a:p>
+            <a:pPr algn="ctr"/>
+            <a:endParaRPr lang="en-US" sz="3200"/>
+          </a:p>
+        </p:txBody>
+      </p:sp>
+      <p:sp>
+        <p:nvSpPr>
+          <p:cNvPr id="12" name="TextBox 11">
+            <a:extLst>
+              <a:ext uri="{FF2B5EF4-FFF2-40B4-BE49-F238E27FC236}">
+                <a16:creationId xmlns:a16="http://schemas.microsoft.com/office/drawing/2014/main" id="{2814DAC7-C20A-A247-854D-5A8CB9B6606E}"/>
+              </a:ext>
+            </a:extLst>
+          </p:cNvPr>
+          <p:cNvSpPr txBox="1"/>
+          <p:nvPr/>
+        </p:nvSpPr>
+        <p:spPr>
+          <a:xfrm>
+            <a:off x="2994780" y="2038976"/>
+            <a:ext cx="2629712" cy="1077218"/>
+          </a:xfrm>
+          <a:prstGeom prst="rect">
+            <a:avLst/>
+          </a:prstGeom>
+          <a:noFill/>
+        </p:spPr>
+        <p:txBody>
+          <a:bodyPr wrap="square" rtlCol="0">
+            <a:spAutoFit/>
+          </a:bodyPr>
+          <a:lstStyle/>
+          <a:p>
+            <a:pPr algn="ctr"/>
+            <a:r>
+              <a:rPr lang="en-US" sz="3200" b="1" dirty="0">
+                <a:solidFill>
+                  <a:srgbClr val="0E98AF"/>
+                </a:solidFill>
+              </a:rPr>
+              <a:t>Non-AS-long</a:t>
+            </a:r>
+          </a:p>
+          <a:p>
+            <a:pPr algn="ctr"/>
+            <a:r>
+              <a:rPr lang="en-US" sz="3200" b="1" dirty="0">
+                <a:solidFill>
+                  <a:srgbClr val="0E98AF"/>
+                </a:solidFill>
+              </a:rPr>
+              <a:t>events</a:t>
+            </a:r>
+          </a:p>
+        </p:txBody>
+      </p:sp>
+      <p:sp>
+        <p:nvSpPr>
+          <p:cNvPr id="13" name="Down Arrow 12">
+            <a:extLst>
+              <a:ext uri="{FF2B5EF4-FFF2-40B4-BE49-F238E27FC236}">
+                <a16:creationId xmlns:a16="http://schemas.microsoft.com/office/drawing/2014/main" id="{7D1BA335-6777-D24E-BA3B-3FE3690B6304}"/>
+              </a:ext>
+            </a:extLst>
+          </p:cNvPr>
+          <p:cNvSpPr/>
+          <p:nvPr/>
+        </p:nvSpPr>
+        <p:spPr>
+          <a:xfrm rot="19608458">
+            <a:off x="3688400" y="3222828"/>
+            <a:ext cx="623782" cy="785844"/>
+          </a:xfrm>
+          <a:prstGeom prst="downArrow">
+            <a:avLst/>
+          </a:prstGeom>
+          <a:solidFill>
+            <a:srgbClr val="1F77B4">
+              <a:alpha val="50000"/>
+            </a:srgbClr>
+          </a:solidFill>
+          <a:ln>
+            <a:noFill/>
+          </a:ln>
+        </p:spPr>
+        <p:style>
+          <a:lnRef idx="2">
+            <a:schemeClr val="accent1">
+              <a:shade val="50000"/>
+            </a:schemeClr>
+          </a:lnRef>
+          <a:fillRef idx="1">
+            <a:schemeClr val="accent1"/>
+          </a:fillRef>
+          <a:effectRef idx="0">
+            <a:schemeClr val="accent1"/>
+          </a:effectRef>
+          <a:fontRef idx="minor">
+            <a:schemeClr val="lt1"/>
+          </a:fontRef>
+        </p:style>
+        <p:txBody>
+          <a:bodyPr rot="0" spcFirstLastPara="0" vertOverflow="overflow" horzOverflow="overflow" vert="horz" wrap="square" lIns="162556" tIns="81278" rIns="162556" bIns="81278" numCol="1" spcCol="0" rtlCol="0" fromWordArt="0" anchor="ctr" anchorCtr="0" forceAA="0" compatLnSpc="1">
+            <a:prstTxWarp prst="textNoShape">
+              <a:avLst/>
+            </a:prstTxWarp>
+            <a:noAutofit/>
+          </a:bodyPr>
+          <a:lstStyle/>
+          <a:p>
+            <a:pPr algn="ctr"/>
+            <a:endParaRPr lang="en-US" sz="3200" dirty="0"/>
+          </a:p>
+        </p:txBody>
+      </p:sp>
+      <p:sp>
+        <p:nvSpPr>
+          <p:cNvPr id="14" name="TextBox 13">
+            <a:extLst>
+              <a:ext uri="{FF2B5EF4-FFF2-40B4-BE49-F238E27FC236}">
+                <a16:creationId xmlns:a16="http://schemas.microsoft.com/office/drawing/2014/main" id="{638AACB8-037F-294A-A06A-DD881A349A2F}"/>
+              </a:ext>
+            </a:extLst>
+          </p:cNvPr>
+          <p:cNvSpPr txBox="1"/>
+          <p:nvPr/>
+        </p:nvSpPr>
+        <p:spPr>
+          <a:xfrm>
+            <a:off x="731907" y="3876431"/>
+            <a:ext cx="2036968" cy="584775"/>
+          </a:xfrm>
+          <a:prstGeom prst="rect">
+            <a:avLst/>
+          </a:prstGeom>
+          <a:noFill/>
+        </p:spPr>
+        <p:txBody>
+          <a:bodyPr wrap="square" rtlCol="0">
+            <a:spAutoFit/>
+          </a:bodyPr>
+          <a:lstStyle/>
+          <a:p>
+            <a:r>
+              <a:rPr lang="en-US" sz="3200" dirty="0"/>
+              <a:t>5’ end seq</a:t>
+            </a:r>
+          </a:p>
+        </p:txBody>
+      </p:sp>
+      <p:sp>
+        <p:nvSpPr>
+          <p:cNvPr id="15" name="TextBox 14">
+            <a:extLst>
+              <a:ext uri="{FF2B5EF4-FFF2-40B4-BE49-F238E27FC236}">
+                <a16:creationId xmlns:a16="http://schemas.microsoft.com/office/drawing/2014/main" id="{7F855769-E7C6-C04E-9F6F-5D64AF45CF01}"/>
+              </a:ext>
+            </a:extLst>
+          </p:cNvPr>
+          <p:cNvSpPr txBox="1"/>
+          <p:nvPr/>
+        </p:nvSpPr>
+        <p:spPr>
+          <a:xfrm>
+            <a:off x="3367758" y="3876431"/>
+            <a:ext cx="1883756" cy="584775"/>
+          </a:xfrm>
+          <a:prstGeom prst="rect">
+            <a:avLst/>
+          </a:prstGeom>
+          <a:noFill/>
+        </p:spPr>
+        <p:txBody>
+          <a:bodyPr wrap="square" rtlCol="0">
+            <a:spAutoFit/>
+          </a:bodyPr>
+          <a:lstStyle/>
+          <a:p>
+            <a:r>
+              <a:rPr lang="en-US" sz="3200" dirty="0"/>
+              <a:t>3’ end seq</a:t>
+            </a:r>
+          </a:p>
+        </p:txBody>
+      </p:sp>
+      <p:sp>
+        <p:nvSpPr>
+          <p:cNvPr id="20" name="Rounded Rectangle 19">
+            <a:extLst>
+              <a:ext uri="{FF2B5EF4-FFF2-40B4-BE49-F238E27FC236}">
+                <a16:creationId xmlns:a16="http://schemas.microsoft.com/office/drawing/2014/main" id="{F2557ABC-8C4E-B74A-9FE9-C8C5A3DB3D72}"/>
+              </a:ext>
+            </a:extLst>
+          </p:cNvPr>
+          <p:cNvSpPr/>
+          <p:nvPr/>
+        </p:nvSpPr>
+        <p:spPr>
+          <a:xfrm>
+            <a:off x="3040605" y="4409230"/>
+            <a:ext cx="2414016" cy="954107"/>
+          </a:xfrm>
+          <a:prstGeom prst="roundRect">
+            <a:avLst/>
+          </a:prstGeom>
+          <a:noFill/>
+        </p:spPr>
+        <p:style>
+          <a:lnRef idx="2">
+            <a:schemeClr val="accent1">
+              <a:shade val="50000"/>
+            </a:schemeClr>
+          </a:lnRef>
+          <a:fillRef idx="1">
+            <a:schemeClr val="accent1"/>
+          </a:fillRef>
+          <a:effectRef idx="0">
+            <a:schemeClr val="accent1"/>
+          </a:effectRef>
+          <a:fontRef idx="minor">
+            <a:schemeClr val="lt1"/>
+          </a:fontRef>
+        </p:style>
+        <p:txBody>
+          <a:bodyPr rtlCol="0" anchor="ctr"/>
+          <a:lstStyle/>
+          <a:p>
+            <a:pPr algn="ctr"/>
+            <a:endParaRPr lang="en-US" sz="3200"/>
+          </a:p>
+        </p:txBody>
+      </p:sp>
+      <p:sp>
+        <p:nvSpPr>
+          <p:cNvPr id="23" name="Rounded Rectangle 22">
+            <a:extLst>
+              <a:ext uri="{FF2B5EF4-FFF2-40B4-BE49-F238E27FC236}">
+                <a16:creationId xmlns:a16="http://schemas.microsoft.com/office/drawing/2014/main" id="{345481C4-EB1D-5643-8B7F-0DDEB1627867}"/>
+              </a:ext>
+            </a:extLst>
+          </p:cNvPr>
+          <p:cNvSpPr/>
+          <p:nvPr/>
+        </p:nvSpPr>
+        <p:spPr>
+          <a:xfrm>
+            <a:off x="542156" y="6203783"/>
+            <a:ext cx="2414016" cy="954107"/>
+          </a:xfrm>
+          <a:prstGeom prst="roundRect">
+            <a:avLst/>
+          </a:prstGeom>
+          <a:noFill/>
+        </p:spPr>
+        <p:style>
+          <a:lnRef idx="2">
+            <a:schemeClr val="accent1">
+              <a:shade val="50000"/>
+            </a:schemeClr>
+          </a:lnRef>
+          <a:fillRef idx="1">
+            <a:schemeClr val="accent1"/>
+          </a:fillRef>
+          <a:effectRef idx="0">
+            <a:schemeClr val="accent1"/>
+          </a:effectRef>
+          <a:fontRef idx="minor">
+            <a:schemeClr val="lt1"/>
+          </a:fontRef>
+        </p:style>
+        <p:txBody>
+          <a:bodyPr rtlCol="0" anchor="ctr"/>
+          <a:lstStyle/>
+          <a:p>
+            <a:pPr algn="ctr"/>
+            <a:endParaRPr lang="en-US" sz="3200"/>
+          </a:p>
+        </p:txBody>
+      </p:sp>
+      <p:sp>
+        <p:nvSpPr>
+          <p:cNvPr id="24" name="TextBox 23">
+            <a:extLst>
+              <a:ext uri="{FF2B5EF4-FFF2-40B4-BE49-F238E27FC236}">
+                <a16:creationId xmlns:a16="http://schemas.microsoft.com/office/drawing/2014/main" id="{C28018FA-13A7-0741-B986-697040FE7120}"/>
+              </a:ext>
+            </a:extLst>
+          </p:cNvPr>
+          <p:cNvSpPr txBox="1"/>
+          <p:nvPr/>
+        </p:nvSpPr>
+        <p:spPr>
+          <a:xfrm>
+            <a:off x="627322" y="7973309"/>
+            <a:ext cx="4732984" cy="1323439"/>
+          </a:xfrm>
+          <a:prstGeom prst="rect">
+            <a:avLst/>
+          </a:prstGeom>
+          <a:noFill/>
+        </p:spPr>
+        <p:txBody>
+          <a:bodyPr wrap="square" rtlCol="0">
+            <a:spAutoFit/>
+          </a:bodyPr>
+          <a:lstStyle/>
+          <a:p>
+            <a:pPr algn="ctr"/>
+            <a:r>
+              <a:rPr lang="en-US" sz="2000" dirty="0"/>
+              <a:t>≥ 50% of the seq should have the correct signal at the position</a:t>
+            </a:r>
+          </a:p>
+          <a:p>
+            <a:pPr algn="ctr"/>
+            <a:r>
+              <a:rPr lang="en-US" sz="2000" dirty="0"/>
+              <a:t>(e.g. GT at 5’ and AG at 3’)</a:t>
+            </a:r>
+          </a:p>
+          <a:p>
+            <a:pPr algn="ctr"/>
+            <a:endParaRPr lang="en-US" sz="2000" dirty="0"/>
+          </a:p>
+        </p:txBody>
+      </p:sp>
+      <p:sp>
+        <p:nvSpPr>
+          <p:cNvPr id="25" name="TextBox 24">
+            <a:extLst>
+              <a:ext uri="{FF2B5EF4-FFF2-40B4-BE49-F238E27FC236}">
+                <a16:creationId xmlns:a16="http://schemas.microsoft.com/office/drawing/2014/main" id="{DCA8B379-3A37-404F-9DAE-C8A6F4251A1C}"/>
+              </a:ext>
+            </a:extLst>
+          </p:cNvPr>
+          <p:cNvSpPr txBox="1"/>
+          <p:nvPr/>
+        </p:nvSpPr>
+        <p:spPr>
+          <a:xfrm>
+            <a:off x="621654" y="6419098"/>
+            <a:ext cx="2245138" cy="584775"/>
+          </a:xfrm>
+          <a:prstGeom prst="rect">
+            <a:avLst/>
+          </a:prstGeom>
+          <a:noFill/>
+        </p:spPr>
+        <p:txBody>
+          <a:bodyPr wrap="square" rtlCol="0">
+            <a:spAutoFit/>
+          </a:bodyPr>
+          <a:lstStyle/>
+          <a:p>
+            <a:r>
+              <a:rPr lang="en-US" sz="3200" dirty="0"/>
+              <a:t>MaxEntScan</a:t>
+            </a:r>
+          </a:p>
+        </p:txBody>
+      </p:sp>
+      <p:sp>
+        <p:nvSpPr>
+          <p:cNvPr id="26" name="Rounded Rectangle 25">
+            <a:extLst>
+              <a:ext uri="{FF2B5EF4-FFF2-40B4-BE49-F238E27FC236}">
+                <a16:creationId xmlns:a16="http://schemas.microsoft.com/office/drawing/2014/main" id="{3D572F56-8AF2-7A40-8C7C-2975C4210B3B}"/>
+              </a:ext>
+            </a:extLst>
+          </p:cNvPr>
+          <p:cNvSpPr/>
+          <p:nvPr/>
+        </p:nvSpPr>
+        <p:spPr>
+          <a:xfrm>
+            <a:off x="3035670" y="6203783"/>
+            <a:ext cx="2414016" cy="954107"/>
+          </a:xfrm>
+          <a:prstGeom prst="roundRect">
+            <a:avLst/>
+          </a:prstGeom>
+          <a:noFill/>
+        </p:spPr>
+        <p:style>
+          <a:lnRef idx="2">
+            <a:schemeClr val="accent1">
+              <a:shade val="50000"/>
+            </a:schemeClr>
+          </a:lnRef>
+          <a:fillRef idx="1">
+            <a:schemeClr val="accent1"/>
+          </a:fillRef>
+          <a:effectRef idx="0">
+            <a:schemeClr val="accent1"/>
+          </a:effectRef>
+          <a:fontRef idx="minor">
+            <a:schemeClr val="lt1"/>
+          </a:fontRef>
+        </p:style>
+        <p:txBody>
+          <a:bodyPr rtlCol="0" anchor="ctr"/>
+          <a:lstStyle/>
+          <a:p>
+            <a:pPr algn="ctr"/>
+            <a:endParaRPr lang="en-US" sz="3200"/>
+          </a:p>
+        </p:txBody>
+      </p:sp>
+      <p:sp>
+        <p:nvSpPr>
+          <p:cNvPr id="27" name="TextBox 26">
+            <a:extLst>
+              <a:ext uri="{FF2B5EF4-FFF2-40B4-BE49-F238E27FC236}">
+                <a16:creationId xmlns:a16="http://schemas.microsoft.com/office/drawing/2014/main" id="{4D0BE474-B62B-E04E-A092-21302912C362}"/>
+              </a:ext>
+            </a:extLst>
+          </p:cNvPr>
+          <p:cNvSpPr txBox="1"/>
+          <p:nvPr/>
+        </p:nvSpPr>
+        <p:spPr>
+          <a:xfrm>
+            <a:off x="3115168" y="6419098"/>
+            <a:ext cx="2245138" cy="584775"/>
+          </a:xfrm>
+          <a:prstGeom prst="rect">
+            <a:avLst/>
+          </a:prstGeom>
+          <a:noFill/>
+        </p:spPr>
+        <p:txBody>
+          <a:bodyPr wrap="square" rtlCol="0">
+            <a:spAutoFit/>
+          </a:bodyPr>
+          <a:lstStyle/>
+          <a:p>
+            <a:r>
+              <a:rPr lang="en-US" sz="3200" dirty="0"/>
+              <a:t>MaxEntScan</a:t>
+            </a:r>
+          </a:p>
+        </p:txBody>
+      </p:sp>
+      <p:sp>
+        <p:nvSpPr>
+          <p:cNvPr id="28" name="Down Arrow 27">
+            <a:extLst>
+              <a:ext uri="{FF2B5EF4-FFF2-40B4-BE49-F238E27FC236}">
+                <a16:creationId xmlns:a16="http://schemas.microsoft.com/office/drawing/2014/main" id="{7CE88100-53CE-EA44-A359-97683AD20271}"/>
+              </a:ext>
+            </a:extLst>
+          </p:cNvPr>
+          <p:cNvSpPr/>
+          <p:nvPr/>
+        </p:nvSpPr>
+        <p:spPr>
+          <a:xfrm>
+            <a:off x="3956958" y="5449780"/>
+            <a:ext cx="561558" cy="667560"/>
+          </a:xfrm>
+          <a:prstGeom prst="downArrow">
+            <a:avLst/>
+          </a:prstGeom>
+          <a:solidFill>
+            <a:srgbClr val="1F77B4">
+              <a:alpha val="50000"/>
+            </a:srgbClr>
+          </a:solidFill>
+          <a:ln>
+            <a:noFill/>
+          </a:ln>
+        </p:spPr>
+        <p:style>
+          <a:lnRef idx="2">
+            <a:schemeClr val="accent1">
+              <a:shade val="50000"/>
+            </a:schemeClr>
+          </a:lnRef>
+          <a:fillRef idx="1">
+            <a:schemeClr val="accent1"/>
+          </a:fillRef>
+          <a:effectRef idx="0">
+            <a:schemeClr val="accent1"/>
+          </a:effectRef>
+          <a:fontRef idx="minor">
+            <a:schemeClr val="lt1"/>
+          </a:fontRef>
+        </p:style>
+        <p:txBody>
+          <a:bodyPr rot="0" spcFirstLastPara="0" vertOverflow="overflow" horzOverflow="overflow" vert="horz" wrap="square" lIns="162556" tIns="81278" rIns="162556" bIns="81278" numCol="1" spcCol="0" rtlCol="0" fromWordArt="0" anchor="ctr" anchorCtr="0" forceAA="0" compatLnSpc="1">
+            <a:prstTxWarp prst="textNoShape">
+              <a:avLst/>
+            </a:prstTxWarp>
+            <a:noAutofit/>
+          </a:bodyPr>
+          <a:lstStyle/>
+          <a:p>
+            <a:pPr algn="ctr"/>
+            <a:endParaRPr lang="en-US" sz="3200" dirty="0"/>
+          </a:p>
+        </p:txBody>
+      </p:sp>
+      <p:sp>
+        <p:nvSpPr>
+          <p:cNvPr id="29" name="Rounded Rectangle 28">
+            <a:extLst>
+              <a:ext uri="{FF2B5EF4-FFF2-40B4-BE49-F238E27FC236}">
+                <a16:creationId xmlns:a16="http://schemas.microsoft.com/office/drawing/2014/main" id="{60FAEF2A-E45D-5F48-8532-05D2E7BC01C0}"/>
+              </a:ext>
+            </a:extLst>
+          </p:cNvPr>
+          <p:cNvSpPr/>
+          <p:nvPr/>
+        </p:nvSpPr>
+        <p:spPr>
+          <a:xfrm>
+            <a:off x="533896" y="8013412"/>
+            <a:ext cx="4915790" cy="954107"/>
+          </a:xfrm>
+          <a:prstGeom prst="roundRect">
+            <a:avLst/>
+          </a:prstGeom>
+          <a:noFill/>
+        </p:spPr>
+        <p:style>
+          <a:lnRef idx="2">
+            <a:schemeClr val="accent1">
+              <a:shade val="50000"/>
+            </a:schemeClr>
+          </a:lnRef>
+          <a:fillRef idx="1">
+            <a:schemeClr val="accent1"/>
+          </a:fillRef>
+          <a:effectRef idx="0">
+            <a:schemeClr val="accent1"/>
+          </a:effectRef>
+          <a:fontRef idx="minor">
+            <a:schemeClr val="lt1"/>
+          </a:fontRef>
+        </p:style>
+        <p:txBody>
+          <a:bodyPr rtlCol="0" anchor="ctr"/>
+          <a:lstStyle/>
+          <a:p>
+            <a:pPr algn="ctr"/>
+            <a:endParaRPr lang="en-US" sz="3200"/>
+          </a:p>
+        </p:txBody>
+      </p:sp>
+      <p:sp>
+        <p:nvSpPr>
+          <p:cNvPr id="30" name="Down Arrow 29">
+            <a:extLst>
+              <a:ext uri="{FF2B5EF4-FFF2-40B4-BE49-F238E27FC236}">
+                <a16:creationId xmlns:a16="http://schemas.microsoft.com/office/drawing/2014/main" id="{C0126F32-0FFE-E646-9444-132061C13C8B}"/>
+              </a:ext>
+            </a:extLst>
+          </p:cNvPr>
+          <p:cNvSpPr/>
+          <p:nvPr/>
+        </p:nvSpPr>
+        <p:spPr>
+          <a:xfrm>
+            <a:off x="1463444" y="5457299"/>
+            <a:ext cx="561558" cy="667560"/>
+          </a:xfrm>
+          <a:prstGeom prst="downArrow">
+            <a:avLst/>
+          </a:prstGeom>
+          <a:solidFill>
+            <a:srgbClr val="1F77B4">
+              <a:alpha val="50000"/>
+            </a:srgbClr>
+          </a:solidFill>
+          <a:ln>
+            <a:noFill/>
+          </a:ln>
+        </p:spPr>
+        <p:style>
+          <a:lnRef idx="2">
+            <a:schemeClr val="accent1">
+              <a:shade val="50000"/>
+            </a:schemeClr>
+          </a:lnRef>
+          <a:fillRef idx="1">
+            <a:schemeClr val="accent1"/>
+          </a:fillRef>
+          <a:effectRef idx="0">
+            <a:schemeClr val="accent1"/>
+          </a:effectRef>
+          <a:fontRef idx="minor">
+            <a:schemeClr val="lt1"/>
+          </a:fontRef>
+        </p:style>
+        <p:txBody>
+          <a:bodyPr rot="0" spcFirstLastPara="0" vertOverflow="overflow" horzOverflow="overflow" vert="horz" wrap="square" lIns="162556" tIns="81278" rIns="162556" bIns="81278" numCol="1" spcCol="0" rtlCol="0" fromWordArt="0" anchor="ctr" anchorCtr="0" forceAA="0" compatLnSpc="1">
+            <a:prstTxWarp prst="textNoShape">
+              <a:avLst/>
+            </a:prstTxWarp>
+            <a:noAutofit/>
+          </a:bodyPr>
+          <a:lstStyle/>
+          <a:p>
+            <a:pPr algn="ctr"/>
+            <a:endParaRPr lang="en-US" sz="3200" dirty="0"/>
+          </a:p>
+        </p:txBody>
+      </p:sp>
+      <p:sp>
+        <p:nvSpPr>
+          <p:cNvPr id="31" name="Down Arrow 30">
+            <a:extLst>
+              <a:ext uri="{FF2B5EF4-FFF2-40B4-BE49-F238E27FC236}">
+                <a16:creationId xmlns:a16="http://schemas.microsoft.com/office/drawing/2014/main" id="{0167DD1F-9B41-E140-A14A-5528ECCFCB5C}"/>
+              </a:ext>
+            </a:extLst>
+          </p:cNvPr>
+          <p:cNvSpPr/>
+          <p:nvPr/>
+        </p:nvSpPr>
+        <p:spPr>
+          <a:xfrm>
+            <a:off x="3956958" y="7251871"/>
+            <a:ext cx="561558" cy="667560"/>
+          </a:xfrm>
+          <a:prstGeom prst="downArrow">
+            <a:avLst/>
+          </a:prstGeom>
+          <a:solidFill>
+            <a:srgbClr val="1F77B4">
+              <a:alpha val="50000"/>
+            </a:srgbClr>
+          </a:solidFill>
+          <a:ln>
+            <a:noFill/>
+          </a:ln>
+        </p:spPr>
+        <p:style>
+          <a:lnRef idx="2">
+            <a:schemeClr val="accent1">
+              <a:shade val="50000"/>
+            </a:schemeClr>
+          </a:lnRef>
+          <a:fillRef idx="1">
+            <a:schemeClr val="accent1"/>
+          </a:fillRef>
+          <a:effectRef idx="0">
+            <a:schemeClr val="accent1"/>
+          </a:effectRef>
+          <a:fontRef idx="minor">
+            <a:schemeClr val="lt1"/>
+          </a:fontRef>
+        </p:style>
+        <p:txBody>
+          <a:bodyPr rot="0" spcFirstLastPara="0" vertOverflow="overflow" horzOverflow="overflow" vert="horz" wrap="square" lIns="162556" tIns="81278" rIns="162556" bIns="81278" numCol="1" spcCol="0" rtlCol="0" fromWordArt="0" anchor="ctr" anchorCtr="0" forceAA="0" compatLnSpc="1">
+            <a:prstTxWarp prst="textNoShape">
+              <a:avLst/>
+            </a:prstTxWarp>
+            <a:noAutofit/>
+          </a:bodyPr>
+          <a:lstStyle/>
+          <a:p>
+            <a:pPr algn="ctr"/>
+            <a:endParaRPr lang="en-US" sz="3200" dirty="0"/>
+          </a:p>
+        </p:txBody>
+      </p:sp>
+      <p:sp>
+        <p:nvSpPr>
+          <p:cNvPr id="32" name="Down Arrow 31">
+            <a:extLst>
+              <a:ext uri="{FF2B5EF4-FFF2-40B4-BE49-F238E27FC236}">
+                <a16:creationId xmlns:a16="http://schemas.microsoft.com/office/drawing/2014/main" id="{9EB49074-3550-9343-8333-607CCAAC9EF9}"/>
+              </a:ext>
+            </a:extLst>
+          </p:cNvPr>
+          <p:cNvSpPr/>
+          <p:nvPr/>
+        </p:nvSpPr>
+        <p:spPr>
+          <a:xfrm>
+            <a:off x="1463444" y="9055945"/>
+            <a:ext cx="561558" cy="667560"/>
+          </a:xfrm>
+          <a:prstGeom prst="downArrow">
+            <a:avLst/>
+          </a:prstGeom>
+          <a:solidFill>
+            <a:srgbClr val="1F77B4">
+              <a:alpha val="50000"/>
+            </a:srgbClr>
+          </a:solidFill>
+          <a:ln>
+            <a:noFill/>
+          </a:ln>
+        </p:spPr>
+        <p:style>
+          <a:lnRef idx="2">
+            <a:schemeClr val="accent1">
+              <a:shade val="50000"/>
+            </a:schemeClr>
+          </a:lnRef>
+          <a:fillRef idx="1">
+            <a:schemeClr val="accent1"/>
+          </a:fillRef>
+          <a:effectRef idx="0">
+            <a:schemeClr val="accent1"/>
+          </a:effectRef>
+          <a:fontRef idx="minor">
+            <a:schemeClr val="lt1"/>
+          </a:fontRef>
+        </p:style>
+        <p:txBody>
+          <a:bodyPr rot="0" spcFirstLastPara="0" vertOverflow="overflow" horzOverflow="overflow" vert="horz" wrap="square" lIns="162556" tIns="81278" rIns="162556" bIns="81278" numCol="1" spcCol="0" rtlCol="0" fromWordArt="0" anchor="ctr" anchorCtr="0" forceAA="0" compatLnSpc="1">
+            <a:prstTxWarp prst="textNoShape">
+              <a:avLst/>
+            </a:prstTxWarp>
+            <a:noAutofit/>
+          </a:bodyPr>
+          <a:lstStyle/>
+          <a:p>
+            <a:pPr algn="ctr"/>
+            <a:endParaRPr lang="en-US" sz="3200" dirty="0"/>
+          </a:p>
+        </p:txBody>
+      </p:sp>
+      <p:sp>
+        <p:nvSpPr>
+          <p:cNvPr id="33" name="Down Arrow 32">
+            <a:extLst>
+              <a:ext uri="{FF2B5EF4-FFF2-40B4-BE49-F238E27FC236}">
+                <a16:creationId xmlns:a16="http://schemas.microsoft.com/office/drawing/2014/main" id="{29630EEB-D97D-A941-B495-DAB252BA71F7}"/>
+              </a:ext>
+            </a:extLst>
+          </p:cNvPr>
+          <p:cNvSpPr/>
+          <p:nvPr/>
+        </p:nvSpPr>
+        <p:spPr>
+          <a:xfrm>
+            <a:off x="3956958" y="9055945"/>
+            <a:ext cx="561558" cy="667560"/>
+          </a:xfrm>
+          <a:prstGeom prst="downArrow">
+            <a:avLst/>
+          </a:prstGeom>
+          <a:solidFill>
+            <a:srgbClr val="1F77B4">
+              <a:alpha val="50000"/>
+            </a:srgbClr>
+          </a:solidFill>
+          <a:ln>
+            <a:noFill/>
+          </a:ln>
+        </p:spPr>
+        <p:style>
+          <a:lnRef idx="2">
+            <a:schemeClr val="accent1">
+              <a:shade val="50000"/>
+            </a:schemeClr>
+          </a:lnRef>
+          <a:fillRef idx="1">
+            <a:schemeClr val="accent1"/>
+          </a:fillRef>
+          <a:effectRef idx="0">
+            <a:schemeClr val="accent1"/>
+          </a:effectRef>
+          <a:fontRef idx="minor">
+            <a:schemeClr val="lt1"/>
+          </a:fontRef>
+        </p:style>
+        <p:txBody>
+          <a:bodyPr rot="0" spcFirstLastPara="0" vertOverflow="overflow" horzOverflow="overflow" vert="horz" wrap="square" lIns="162556" tIns="81278" rIns="162556" bIns="81278" numCol="1" spcCol="0" rtlCol="0" fromWordArt="0" anchor="ctr" anchorCtr="0" forceAA="0" compatLnSpc="1">
+            <a:prstTxWarp prst="textNoShape">
+              <a:avLst/>
+            </a:prstTxWarp>
+            <a:noAutofit/>
+          </a:bodyPr>
+          <a:lstStyle/>
+          <a:p>
+            <a:pPr algn="ctr"/>
+            <a:endParaRPr lang="en-US" sz="3200" dirty="0"/>
+          </a:p>
+        </p:txBody>
+      </p:sp>
+      <p:sp>
+        <p:nvSpPr>
+          <p:cNvPr id="34" name="Rounded Rectangle 33">
+            <a:extLst>
+              <a:ext uri="{FF2B5EF4-FFF2-40B4-BE49-F238E27FC236}">
+                <a16:creationId xmlns:a16="http://schemas.microsoft.com/office/drawing/2014/main" id="{E3F2EC43-41E5-BD49-991E-0BC35CEF72C8}"/>
+              </a:ext>
+            </a:extLst>
+          </p:cNvPr>
+          <p:cNvSpPr/>
+          <p:nvPr/>
+        </p:nvSpPr>
+        <p:spPr>
+          <a:xfrm>
+            <a:off x="550123" y="9783501"/>
+            <a:ext cx="2414016" cy="954107"/>
+          </a:xfrm>
+          <a:prstGeom prst="roundRect">
+            <a:avLst/>
+          </a:prstGeom>
+          <a:noFill/>
+        </p:spPr>
+        <p:style>
+          <a:lnRef idx="2">
+            <a:schemeClr val="accent1">
+              <a:shade val="50000"/>
+            </a:schemeClr>
+          </a:lnRef>
+          <a:fillRef idx="1">
+            <a:schemeClr val="accent1"/>
+          </a:fillRef>
+          <a:effectRef idx="0">
+            <a:schemeClr val="accent1"/>
+          </a:effectRef>
+          <a:fontRef idx="minor">
+            <a:schemeClr val="lt1"/>
+          </a:fontRef>
+        </p:style>
+        <p:txBody>
+          <a:bodyPr rtlCol="0" anchor="ctr"/>
+          <a:lstStyle/>
+          <a:p>
+            <a:pPr algn="ctr"/>
+            <a:endParaRPr lang="en-US" sz="3200"/>
+          </a:p>
+        </p:txBody>
+      </p:sp>
+      <p:sp>
+        <p:nvSpPr>
+          <p:cNvPr id="35" name="TextBox 34">
+            <a:extLst>
+              <a:ext uri="{FF2B5EF4-FFF2-40B4-BE49-F238E27FC236}">
+                <a16:creationId xmlns:a16="http://schemas.microsoft.com/office/drawing/2014/main" id="{3787990F-C7A7-3D4B-876B-394137339416}"/>
+              </a:ext>
+            </a:extLst>
+          </p:cNvPr>
+          <p:cNvSpPr txBox="1"/>
+          <p:nvPr/>
+        </p:nvSpPr>
+        <p:spPr>
+          <a:xfrm>
+            <a:off x="639260" y="9723505"/>
+            <a:ext cx="2235741" cy="1077218"/>
+          </a:xfrm>
+          <a:prstGeom prst="rect">
+            <a:avLst/>
+          </a:prstGeom>
+          <a:noFill/>
+        </p:spPr>
+        <p:txBody>
+          <a:bodyPr wrap="none" rtlCol="0">
+            <a:spAutoFit/>
+          </a:bodyPr>
+          <a:lstStyle/>
+          <a:p>
+            <a:pPr algn="ctr"/>
+            <a:r>
+              <a:rPr lang="en-US" sz="3200" dirty="0"/>
+              <a:t>Filtering:</a:t>
+            </a:r>
+          </a:p>
+          <a:p>
+            <a:pPr algn="ctr"/>
+            <a:r>
+              <a:rPr lang="en-US" sz="3200" dirty="0"/>
+              <a:t>Score ≥ -7.2 </a:t>
+            </a:r>
+          </a:p>
+        </p:txBody>
+      </p:sp>
+      <p:sp>
+        <p:nvSpPr>
+          <p:cNvPr id="36" name="Rounded Rectangle 35">
+            <a:extLst>
+              <a:ext uri="{FF2B5EF4-FFF2-40B4-BE49-F238E27FC236}">
+                <a16:creationId xmlns:a16="http://schemas.microsoft.com/office/drawing/2014/main" id="{732A65F0-584E-E842-936D-C169FBA8B181}"/>
+              </a:ext>
+            </a:extLst>
+          </p:cNvPr>
+          <p:cNvSpPr/>
+          <p:nvPr/>
+        </p:nvSpPr>
+        <p:spPr>
+          <a:xfrm>
+            <a:off x="3046220" y="9783501"/>
+            <a:ext cx="2414016" cy="954107"/>
+          </a:xfrm>
+          <a:prstGeom prst="roundRect">
+            <a:avLst/>
+          </a:prstGeom>
+          <a:noFill/>
+        </p:spPr>
+        <p:style>
+          <a:lnRef idx="2">
+            <a:schemeClr val="accent1">
+              <a:shade val="50000"/>
+            </a:schemeClr>
+          </a:lnRef>
+          <a:fillRef idx="1">
+            <a:schemeClr val="accent1"/>
+          </a:fillRef>
+          <a:effectRef idx="0">
+            <a:schemeClr val="accent1"/>
+          </a:effectRef>
+          <a:fontRef idx="minor">
+            <a:schemeClr val="lt1"/>
+          </a:fontRef>
+        </p:style>
+        <p:txBody>
+          <a:bodyPr rtlCol="0" anchor="ctr"/>
+          <a:lstStyle/>
+          <a:p>
+            <a:pPr algn="ctr"/>
+            <a:endParaRPr lang="en-US" sz="3200"/>
+          </a:p>
+        </p:txBody>
+      </p:sp>
+      <p:sp>
+        <p:nvSpPr>
+          <p:cNvPr id="37" name="TextBox 36">
+            <a:extLst>
+              <a:ext uri="{FF2B5EF4-FFF2-40B4-BE49-F238E27FC236}">
+                <a16:creationId xmlns:a16="http://schemas.microsoft.com/office/drawing/2014/main" id="{F22D1B4D-07F6-7C4D-A328-904526158A25}"/>
+              </a:ext>
+            </a:extLst>
+          </p:cNvPr>
+          <p:cNvSpPr txBox="1"/>
+          <p:nvPr/>
+        </p:nvSpPr>
+        <p:spPr>
+          <a:xfrm>
+            <a:off x="3246766" y="9723505"/>
+            <a:ext cx="2012923" cy="1077218"/>
+          </a:xfrm>
+          <a:prstGeom prst="rect">
+            <a:avLst/>
+          </a:prstGeom>
+          <a:noFill/>
+        </p:spPr>
+        <p:txBody>
+          <a:bodyPr wrap="none" rtlCol="0">
+            <a:spAutoFit/>
+          </a:bodyPr>
+          <a:lstStyle/>
+          <a:p>
+            <a:pPr algn="ctr"/>
+            <a:r>
+              <a:rPr lang="en-US" sz="3200" dirty="0"/>
+              <a:t>Filtering:</a:t>
+            </a:r>
+          </a:p>
+          <a:p>
+            <a:pPr algn="ctr"/>
+            <a:r>
+              <a:rPr lang="en-US" sz="3200" dirty="0"/>
+              <a:t>Score ≥ 1.4</a:t>
+            </a:r>
+          </a:p>
+        </p:txBody>
+      </p:sp>
+      <p:sp>
+        <p:nvSpPr>
+          <p:cNvPr id="38" name="Down Arrow 37">
+            <a:extLst>
+              <a:ext uri="{FF2B5EF4-FFF2-40B4-BE49-F238E27FC236}">
+                <a16:creationId xmlns:a16="http://schemas.microsoft.com/office/drawing/2014/main" id="{8719ACF0-3DC1-404C-8661-D14295D671E4}"/>
+              </a:ext>
+            </a:extLst>
+          </p:cNvPr>
+          <p:cNvSpPr/>
+          <p:nvPr/>
+        </p:nvSpPr>
+        <p:spPr>
+          <a:xfrm rot="18244720">
+            <a:off x="1817483" y="10828746"/>
+            <a:ext cx="561558" cy="911908"/>
+          </a:xfrm>
+          <a:prstGeom prst="downArrow">
+            <a:avLst/>
+          </a:prstGeom>
+          <a:solidFill>
+            <a:srgbClr val="1F77B4">
+              <a:alpha val="50000"/>
+            </a:srgbClr>
+          </a:solidFill>
+          <a:ln>
+            <a:noFill/>
+          </a:ln>
+        </p:spPr>
+        <p:style>
+          <a:lnRef idx="2">
+            <a:schemeClr val="accent1">
+              <a:shade val="50000"/>
+            </a:schemeClr>
+          </a:lnRef>
+          <a:fillRef idx="1">
+            <a:schemeClr val="accent1"/>
+          </a:fillRef>
+          <a:effectRef idx="0">
+            <a:schemeClr val="accent1"/>
+          </a:effectRef>
+          <a:fontRef idx="minor">
+            <a:schemeClr val="lt1"/>
+          </a:fontRef>
+        </p:style>
+        <p:txBody>
+          <a:bodyPr rot="0" spcFirstLastPara="0" vertOverflow="overflow" horzOverflow="overflow" vert="horz" wrap="square" lIns="162556" tIns="81278" rIns="162556" bIns="81278" numCol="1" spcCol="0" rtlCol="0" fromWordArt="0" anchor="ctr" anchorCtr="0" forceAA="0" compatLnSpc="1">
+            <a:prstTxWarp prst="textNoShape">
+              <a:avLst/>
+            </a:prstTxWarp>
+            <a:noAutofit/>
+          </a:bodyPr>
+          <a:lstStyle/>
+          <a:p>
+            <a:pPr algn="ctr"/>
+            <a:endParaRPr lang="en-US" sz="3200"/>
+          </a:p>
+        </p:txBody>
+      </p:sp>
+      <p:sp>
+        <p:nvSpPr>
+          <p:cNvPr id="39" name="Down Arrow 38">
+            <a:extLst>
+              <a:ext uri="{FF2B5EF4-FFF2-40B4-BE49-F238E27FC236}">
+                <a16:creationId xmlns:a16="http://schemas.microsoft.com/office/drawing/2014/main" id="{47CA3040-0591-3240-8CF5-6D7B1F905043}"/>
+              </a:ext>
+            </a:extLst>
+          </p:cNvPr>
+          <p:cNvSpPr/>
+          <p:nvPr/>
+        </p:nvSpPr>
+        <p:spPr>
+          <a:xfrm rot="3263484">
+            <a:off x="3368568" y="10823039"/>
+            <a:ext cx="561558" cy="911908"/>
+          </a:xfrm>
+          <a:prstGeom prst="downArrow">
+            <a:avLst/>
+          </a:prstGeom>
+          <a:solidFill>
+            <a:srgbClr val="1F77B4">
+              <a:alpha val="50000"/>
+            </a:srgbClr>
+          </a:solidFill>
+          <a:ln>
+            <a:noFill/>
+          </a:ln>
+        </p:spPr>
+        <p:style>
+          <a:lnRef idx="2">
+            <a:schemeClr val="accent1">
+              <a:shade val="50000"/>
+            </a:schemeClr>
+          </a:lnRef>
+          <a:fillRef idx="1">
+            <a:schemeClr val="accent1"/>
+          </a:fillRef>
+          <a:effectRef idx="0">
+            <a:schemeClr val="accent1"/>
+          </a:effectRef>
+          <a:fontRef idx="minor">
+            <a:schemeClr val="lt1"/>
+          </a:fontRef>
+        </p:style>
+        <p:txBody>
+          <a:bodyPr rot="0" spcFirstLastPara="0" vertOverflow="overflow" horzOverflow="overflow" vert="horz" wrap="square" lIns="162556" tIns="81278" rIns="162556" bIns="81278" numCol="1" spcCol="0" rtlCol="0" fromWordArt="0" anchor="ctr" anchorCtr="0" forceAA="0" compatLnSpc="1">
+            <a:prstTxWarp prst="textNoShape">
+              <a:avLst/>
+            </a:prstTxWarp>
+            <a:noAutofit/>
+          </a:bodyPr>
+          <a:lstStyle/>
+          <a:p>
+            <a:pPr algn="ctr"/>
+            <a:endParaRPr lang="en-US" sz="3200"/>
+          </a:p>
+        </p:txBody>
+      </p:sp>
+      <p:pic>
+        <p:nvPicPr>
+          <p:cNvPr id="40" name="Picture 39">
+            <a:extLst>
+              <a:ext uri="{FF2B5EF4-FFF2-40B4-BE49-F238E27FC236}">
+                <a16:creationId xmlns:a16="http://schemas.microsoft.com/office/drawing/2014/main" id="{654D5D1B-B581-ED4C-B9DB-25721343BDF4}"/>
+              </a:ext>
+            </a:extLst>
+          </p:cNvPr>
+          <p:cNvPicPr>
+            <a:picLocks noChangeAspect="1"/>
+          </p:cNvPicPr>
+          <p:nvPr/>
+        </p:nvPicPr>
+        <p:blipFill>
+          <a:blip r:embed="rId2"/>
+          <a:stretch>
+            <a:fillRect/>
+          </a:stretch>
+        </p:blipFill>
+        <p:spPr>
+          <a:xfrm>
+            <a:off x="1719535" y="11637757"/>
+            <a:ext cx="2075688" cy="2033423"/>
+          </a:xfrm>
+          <a:prstGeom prst="rect">
+            <a:avLst/>
+          </a:prstGeom>
+        </p:spPr>
+      </p:pic>
+      <p:sp>
+        <p:nvSpPr>
+          <p:cNvPr id="41" name="Rectangle 40">
+            <a:extLst>
+              <a:ext uri="{FF2B5EF4-FFF2-40B4-BE49-F238E27FC236}">
+                <a16:creationId xmlns:a16="http://schemas.microsoft.com/office/drawing/2014/main" id="{BEE6BFED-B11D-B64A-9A7F-8DAB8D21D13D}"/>
+              </a:ext>
+            </a:extLst>
+          </p:cNvPr>
+          <p:cNvSpPr/>
+          <p:nvPr/>
+        </p:nvSpPr>
+        <p:spPr>
+          <a:xfrm>
+            <a:off x="4662101" y="4944833"/>
+            <a:ext cx="565318" cy="327517"/>
+          </a:xfrm>
+          <a:prstGeom prst="rect">
+            <a:avLst/>
+          </a:prstGeom>
+          <a:solidFill>
+            <a:srgbClr val="004188"/>
+          </a:solidFill>
+          <a:ln>
+            <a:noFill/>
+          </a:ln>
+        </p:spPr>
+        <p:style>
+          <a:lnRef idx="2">
+            <a:schemeClr val="accent1">
+              <a:shade val="50000"/>
+            </a:schemeClr>
+          </a:lnRef>
+          <a:fillRef idx="1">
+            <a:schemeClr val="accent1"/>
+          </a:fillRef>
+          <a:effectRef idx="0">
+            <a:schemeClr val="accent1"/>
+          </a:effectRef>
+          <a:fontRef idx="minor">
+            <a:schemeClr val="lt1"/>
+          </a:fontRef>
+        </p:style>
+        <p:txBody>
+          <a:bodyPr rot="0" spcFirstLastPara="0" vertOverflow="overflow" horzOverflow="overflow" vert="horz" wrap="square" lIns="162556" tIns="81278" rIns="162556" bIns="81278" numCol="1" spcCol="0" rtlCol="0" fromWordArt="0" anchor="ctr" anchorCtr="0" forceAA="0" compatLnSpc="1">
+            <a:prstTxWarp prst="textNoShape">
+              <a:avLst/>
+            </a:prstTxWarp>
+            <a:noAutofit/>
+          </a:bodyPr>
+          <a:lstStyle/>
+          <a:p>
+            <a:pPr algn="ctr"/>
+            <a:endParaRPr lang="en-US" sz="3200" dirty="0"/>
+          </a:p>
+        </p:txBody>
+      </p:sp>
+      <p:sp>
+        <p:nvSpPr>
+          <p:cNvPr id="43" name="Rectangle 42">
+            <a:extLst>
+              <a:ext uri="{FF2B5EF4-FFF2-40B4-BE49-F238E27FC236}">
+                <a16:creationId xmlns:a16="http://schemas.microsoft.com/office/drawing/2014/main" id="{838A7FC1-9B95-C649-822D-10C6FDB329E5}"/>
+              </a:ext>
+            </a:extLst>
+          </p:cNvPr>
+          <p:cNvSpPr/>
+          <p:nvPr/>
+        </p:nvSpPr>
+        <p:spPr>
+          <a:xfrm>
+            <a:off x="3239628" y="5002649"/>
+            <a:ext cx="1426464" cy="211323"/>
+          </a:xfrm>
+          <a:prstGeom prst="rect">
+            <a:avLst/>
+          </a:prstGeom>
+          <a:solidFill>
+            <a:srgbClr val="F0BE2C">
+              <a:alpha val="59000"/>
+            </a:srgbClr>
+          </a:solidFill>
+          <a:ln>
+            <a:noFill/>
+          </a:ln>
+        </p:spPr>
+        <p:style>
+          <a:lnRef idx="2">
+            <a:schemeClr val="accent1">
+              <a:shade val="50000"/>
+            </a:schemeClr>
+          </a:lnRef>
+          <a:fillRef idx="1">
+            <a:schemeClr val="accent1"/>
+          </a:fillRef>
+          <a:effectRef idx="0">
+            <a:schemeClr val="accent1"/>
+          </a:effectRef>
+          <a:fontRef idx="minor">
+            <a:schemeClr val="lt1"/>
+          </a:fontRef>
+        </p:style>
+        <p:txBody>
+          <a:bodyPr rot="0" spcFirstLastPara="0" vertOverflow="overflow" horzOverflow="overflow" vert="horz" wrap="square" lIns="162556" tIns="81278" rIns="162556" bIns="81278" numCol="1" spcCol="0" rtlCol="0" fromWordArt="0" anchor="ctr" anchorCtr="0" forceAA="0" compatLnSpc="1">
+            <a:prstTxWarp prst="textNoShape">
+              <a:avLst/>
+            </a:prstTxWarp>
+            <a:noAutofit/>
+          </a:bodyPr>
+          <a:lstStyle/>
+          <a:p>
+            <a:pPr algn="ctr"/>
+            <a:endParaRPr lang="en-US" sz="3200" dirty="0"/>
+          </a:p>
+        </p:txBody>
+      </p:sp>
+      <p:sp>
+        <p:nvSpPr>
+          <p:cNvPr id="21" name="TextBox 20">
+            <a:extLst>
+              <a:ext uri="{FF2B5EF4-FFF2-40B4-BE49-F238E27FC236}">
+                <a16:creationId xmlns:a16="http://schemas.microsoft.com/office/drawing/2014/main" id="{9999E1FF-829E-6945-9008-CDFC97D15A12}"/>
+              </a:ext>
+            </a:extLst>
+          </p:cNvPr>
+          <p:cNvSpPr txBox="1"/>
+          <p:nvPr/>
+        </p:nvSpPr>
+        <p:spPr>
+          <a:xfrm>
+            <a:off x="4705578" y="4981352"/>
+            <a:ext cx="478364" cy="253916"/>
+          </a:xfrm>
+          <a:prstGeom prst="rect">
+            <a:avLst/>
+          </a:prstGeom>
+          <a:noFill/>
+        </p:spPr>
+        <p:txBody>
+          <a:bodyPr wrap="square" rtlCol="0">
+            <a:spAutoFit/>
+          </a:bodyPr>
+          <a:lstStyle/>
+          <a:p>
+            <a:r>
+              <a:rPr lang="en-US" sz="1050" b="1" dirty="0">
+                <a:solidFill>
+                  <a:schemeClr val="accent2">
+                    <a:lumMod val="75000"/>
+                  </a:schemeClr>
+                </a:solidFill>
+              </a:rPr>
+              <a:t>Exon</a:t>
+            </a:r>
+          </a:p>
+        </p:txBody>
+      </p:sp>
+      <p:sp>
+        <p:nvSpPr>
+          <p:cNvPr id="44" name="TextBox 43">
+            <a:extLst>
+              <a:ext uri="{FF2B5EF4-FFF2-40B4-BE49-F238E27FC236}">
+                <a16:creationId xmlns:a16="http://schemas.microsoft.com/office/drawing/2014/main" id="{189FB3DD-A7DE-8442-8991-C8B031893275}"/>
+              </a:ext>
+            </a:extLst>
+          </p:cNvPr>
+          <p:cNvSpPr txBox="1"/>
+          <p:nvPr/>
+        </p:nvSpPr>
+        <p:spPr>
+          <a:xfrm>
+            <a:off x="3786890" y="4981352"/>
+            <a:ext cx="656988" cy="253916"/>
+          </a:xfrm>
+          <a:prstGeom prst="rect">
+            <a:avLst/>
+          </a:prstGeom>
+          <a:noFill/>
+        </p:spPr>
+        <p:txBody>
+          <a:bodyPr wrap="square" rtlCol="0">
+            <a:spAutoFit/>
+          </a:bodyPr>
+          <a:lstStyle/>
+          <a:p>
+            <a:r>
+              <a:rPr lang="en-US" sz="1050" b="1" dirty="0">
+                <a:solidFill>
+                  <a:schemeClr val="accent2">
+                    <a:lumMod val="75000"/>
+                  </a:schemeClr>
+                </a:solidFill>
+              </a:rPr>
+              <a:t>Intron</a:t>
+            </a:r>
+          </a:p>
+        </p:txBody>
+      </p:sp>
+      <p:sp>
+        <p:nvSpPr>
+          <p:cNvPr id="45" name="TextBox 44">
+            <a:extLst>
+              <a:ext uri="{FF2B5EF4-FFF2-40B4-BE49-F238E27FC236}">
+                <a16:creationId xmlns:a16="http://schemas.microsoft.com/office/drawing/2014/main" id="{54358DA8-B247-7346-B58F-82023161D2E8}"/>
+              </a:ext>
+            </a:extLst>
+          </p:cNvPr>
+          <p:cNvSpPr txBox="1"/>
+          <p:nvPr/>
+        </p:nvSpPr>
+        <p:spPr>
+          <a:xfrm>
+            <a:off x="3786890" y="4492884"/>
+            <a:ext cx="755971" cy="253916"/>
+          </a:xfrm>
+          <a:prstGeom prst="rect">
+            <a:avLst/>
+          </a:prstGeom>
+          <a:noFill/>
+        </p:spPr>
+        <p:txBody>
+          <a:bodyPr wrap="square" rtlCol="0">
+            <a:spAutoFit/>
+          </a:bodyPr>
+          <a:lstStyle/>
+          <a:p>
+            <a:r>
+              <a:rPr lang="en-US" sz="1050" dirty="0"/>
+              <a:t>20 bases</a:t>
+            </a:r>
+          </a:p>
+        </p:txBody>
+      </p:sp>
+      <p:sp>
+        <p:nvSpPr>
+          <p:cNvPr id="46" name="TextBox 45">
+            <a:extLst>
+              <a:ext uri="{FF2B5EF4-FFF2-40B4-BE49-F238E27FC236}">
+                <a16:creationId xmlns:a16="http://schemas.microsoft.com/office/drawing/2014/main" id="{3EB0193F-E165-9E49-996E-8E97234ED632}"/>
+              </a:ext>
+            </a:extLst>
+          </p:cNvPr>
+          <p:cNvSpPr txBox="1"/>
+          <p:nvPr/>
+        </p:nvSpPr>
+        <p:spPr>
+          <a:xfrm>
+            <a:off x="4520876" y="4496912"/>
+            <a:ext cx="755971" cy="253916"/>
+          </a:xfrm>
+          <a:prstGeom prst="rect">
+            <a:avLst/>
+          </a:prstGeom>
+          <a:noFill/>
+        </p:spPr>
+        <p:txBody>
+          <a:bodyPr wrap="square" rtlCol="0">
+            <a:spAutoFit/>
+          </a:bodyPr>
+          <a:lstStyle/>
+          <a:p>
+            <a:r>
+              <a:rPr lang="en-US" sz="1050" dirty="0"/>
+              <a:t>3 bases</a:t>
+            </a:r>
+          </a:p>
+        </p:txBody>
+      </p:sp>
+      <p:sp>
+        <p:nvSpPr>
+          <p:cNvPr id="47" name="Left Brace 46">
+            <a:extLst>
+              <a:ext uri="{FF2B5EF4-FFF2-40B4-BE49-F238E27FC236}">
+                <a16:creationId xmlns:a16="http://schemas.microsoft.com/office/drawing/2014/main" id="{D417C430-FEDB-444F-99B9-316C111B0953}"/>
+              </a:ext>
+            </a:extLst>
+          </p:cNvPr>
+          <p:cNvSpPr/>
+          <p:nvPr/>
+        </p:nvSpPr>
+        <p:spPr>
+          <a:xfrm rot="5400000">
+            <a:off x="4034016" y="4235638"/>
+            <a:ext cx="140602" cy="1115568"/>
+          </a:xfrm>
+          <a:prstGeom prst="leftBrace">
+            <a:avLst/>
+          </a:prstGeom>
+        </p:spPr>
+        <p:style>
+          <a:lnRef idx="1">
+            <a:schemeClr val="accent1"/>
+          </a:lnRef>
+          <a:fillRef idx="0">
+            <a:schemeClr val="accent1"/>
+          </a:fillRef>
+          <a:effectRef idx="0">
+            <a:schemeClr val="accent1"/>
+          </a:effectRef>
+          <a:fontRef idx="minor">
+            <a:schemeClr val="tx1"/>
+          </a:fontRef>
+        </p:style>
+        <p:txBody>
+          <a:bodyPr rtlCol="0" anchor="ctr"/>
+          <a:lstStyle/>
+          <a:p>
+            <a:pPr algn="ctr"/>
+            <a:endParaRPr lang="en-US"/>
+          </a:p>
+        </p:txBody>
+      </p:sp>
+      <p:sp>
+        <p:nvSpPr>
+          <p:cNvPr id="48" name="Left Brace 47">
+            <a:extLst>
+              <a:ext uri="{FF2B5EF4-FFF2-40B4-BE49-F238E27FC236}">
+                <a16:creationId xmlns:a16="http://schemas.microsoft.com/office/drawing/2014/main" id="{D2C46259-BD00-D34D-AE76-2C2C5809B5F5}"/>
+              </a:ext>
+            </a:extLst>
+          </p:cNvPr>
+          <p:cNvSpPr/>
+          <p:nvPr/>
+        </p:nvSpPr>
+        <p:spPr>
+          <a:xfrm rot="5400000">
+            <a:off x="4699548" y="4684637"/>
+            <a:ext cx="137160" cy="212055"/>
+          </a:xfrm>
+          <a:prstGeom prst="leftBrace">
+            <a:avLst/>
+          </a:prstGeom>
+        </p:spPr>
+        <p:style>
+          <a:lnRef idx="1">
+            <a:schemeClr val="accent1"/>
+          </a:lnRef>
+          <a:fillRef idx="0">
+            <a:schemeClr val="accent1"/>
+          </a:fillRef>
+          <a:effectRef idx="0">
+            <a:schemeClr val="accent1"/>
+          </a:effectRef>
+          <a:fontRef idx="minor">
+            <a:schemeClr val="tx1"/>
+          </a:fontRef>
+        </p:style>
+        <p:txBody>
+          <a:bodyPr rtlCol="0" anchor="ctr"/>
+          <a:lstStyle/>
+          <a:p>
+            <a:pPr algn="ctr"/>
+            <a:endParaRPr lang="en-US"/>
+          </a:p>
+        </p:txBody>
+      </p:sp>
+      <p:sp>
+        <p:nvSpPr>
+          <p:cNvPr id="50" name="Rectangle 49">
+            <a:extLst>
+              <a:ext uri="{FF2B5EF4-FFF2-40B4-BE49-F238E27FC236}">
+                <a16:creationId xmlns:a16="http://schemas.microsoft.com/office/drawing/2014/main" id="{4CD91450-53AB-4D4A-97F1-51F3AEAF8991}"/>
+              </a:ext>
+            </a:extLst>
+          </p:cNvPr>
+          <p:cNvSpPr/>
+          <p:nvPr/>
+        </p:nvSpPr>
+        <p:spPr>
+          <a:xfrm>
+            <a:off x="765346" y="4947776"/>
+            <a:ext cx="565318" cy="327517"/>
+          </a:xfrm>
+          <a:prstGeom prst="rect">
+            <a:avLst/>
+          </a:prstGeom>
+          <a:solidFill>
+            <a:srgbClr val="004188"/>
+          </a:solidFill>
+          <a:ln>
+            <a:noFill/>
+          </a:ln>
+        </p:spPr>
+        <p:style>
+          <a:lnRef idx="2">
+            <a:schemeClr val="accent1">
+              <a:shade val="50000"/>
+            </a:schemeClr>
+          </a:lnRef>
+          <a:fillRef idx="1">
+            <a:schemeClr val="accent1"/>
+          </a:fillRef>
+          <a:effectRef idx="0">
+            <a:schemeClr val="accent1"/>
+          </a:effectRef>
+          <a:fontRef idx="minor">
+            <a:schemeClr val="lt1"/>
+          </a:fontRef>
+        </p:style>
+        <p:txBody>
+          <a:bodyPr rot="0" spcFirstLastPara="0" vertOverflow="overflow" horzOverflow="overflow" vert="horz" wrap="square" lIns="162556" tIns="81278" rIns="162556" bIns="81278" numCol="1" spcCol="0" rtlCol="0" fromWordArt="0" anchor="ctr" anchorCtr="0" forceAA="0" compatLnSpc="1">
+            <a:prstTxWarp prst="textNoShape">
+              <a:avLst/>
+            </a:prstTxWarp>
+            <a:noAutofit/>
+          </a:bodyPr>
+          <a:lstStyle/>
+          <a:p>
+            <a:pPr algn="ctr"/>
+            <a:endParaRPr lang="en-US" sz="3200" dirty="0"/>
+          </a:p>
+        </p:txBody>
+      </p:sp>
+      <p:sp>
+        <p:nvSpPr>
+          <p:cNvPr id="51" name="Rectangle 50">
+            <a:extLst>
+              <a:ext uri="{FF2B5EF4-FFF2-40B4-BE49-F238E27FC236}">
+                <a16:creationId xmlns:a16="http://schemas.microsoft.com/office/drawing/2014/main" id="{E194F156-5227-0648-B335-4C6DE62215C4}"/>
+              </a:ext>
+            </a:extLst>
+          </p:cNvPr>
+          <p:cNvSpPr/>
+          <p:nvPr/>
+        </p:nvSpPr>
+        <p:spPr>
+          <a:xfrm>
+            <a:off x="1329156" y="5004555"/>
+            <a:ext cx="1426464" cy="211323"/>
+          </a:xfrm>
+          <a:prstGeom prst="rect">
+            <a:avLst/>
+          </a:prstGeom>
+          <a:solidFill>
+            <a:srgbClr val="F0BE2C">
+              <a:alpha val="59000"/>
+            </a:srgbClr>
+          </a:solidFill>
+          <a:ln>
+            <a:noFill/>
+          </a:ln>
+        </p:spPr>
+        <p:style>
+          <a:lnRef idx="2">
+            <a:schemeClr val="accent1">
+              <a:shade val="50000"/>
+            </a:schemeClr>
+          </a:lnRef>
+          <a:fillRef idx="1">
+            <a:schemeClr val="accent1"/>
+          </a:fillRef>
+          <a:effectRef idx="0">
+            <a:schemeClr val="accent1"/>
+          </a:effectRef>
+          <a:fontRef idx="minor">
+            <a:schemeClr val="lt1"/>
+          </a:fontRef>
+        </p:style>
+        <p:txBody>
+          <a:bodyPr rot="0" spcFirstLastPara="0" vertOverflow="overflow" horzOverflow="overflow" vert="horz" wrap="square" lIns="162556" tIns="81278" rIns="162556" bIns="81278" numCol="1" spcCol="0" rtlCol="0" fromWordArt="0" anchor="ctr" anchorCtr="0" forceAA="0" compatLnSpc="1">
+            <a:prstTxWarp prst="textNoShape">
+              <a:avLst/>
+            </a:prstTxWarp>
+            <a:noAutofit/>
+          </a:bodyPr>
+          <a:lstStyle/>
+          <a:p>
+            <a:pPr algn="ctr"/>
+            <a:endParaRPr lang="en-US" sz="3200" dirty="0"/>
+          </a:p>
+        </p:txBody>
+      </p:sp>
+      <p:sp>
+        <p:nvSpPr>
+          <p:cNvPr id="52" name="TextBox 51">
+            <a:extLst>
+              <a:ext uri="{FF2B5EF4-FFF2-40B4-BE49-F238E27FC236}">
+                <a16:creationId xmlns:a16="http://schemas.microsoft.com/office/drawing/2014/main" id="{6EEA175B-94AE-7C42-9E88-857657673065}"/>
+              </a:ext>
+            </a:extLst>
+          </p:cNvPr>
+          <p:cNvSpPr txBox="1"/>
+          <p:nvPr/>
+        </p:nvSpPr>
+        <p:spPr>
+          <a:xfrm>
+            <a:off x="821180" y="4984295"/>
+            <a:ext cx="478364" cy="253916"/>
+          </a:xfrm>
+          <a:prstGeom prst="rect">
+            <a:avLst/>
+          </a:prstGeom>
+          <a:noFill/>
+        </p:spPr>
+        <p:txBody>
+          <a:bodyPr wrap="square" rtlCol="0">
+            <a:spAutoFit/>
+          </a:bodyPr>
+          <a:lstStyle/>
+          <a:p>
+            <a:r>
+              <a:rPr lang="en-US" sz="1050" b="1" dirty="0">
+                <a:solidFill>
+                  <a:schemeClr val="accent2">
+                    <a:lumMod val="75000"/>
+                  </a:schemeClr>
+                </a:solidFill>
+              </a:rPr>
+              <a:t>Exon</a:t>
+            </a:r>
+          </a:p>
+        </p:txBody>
+      </p:sp>
+      <p:sp>
+        <p:nvSpPr>
+          <p:cNvPr id="53" name="TextBox 52">
+            <a:extLst>
+              <a:ext uri="{FF2B5EF4-FFF2-40B4-BE49-F238E27FC236}">
+                <a16:creationId xmlns:a16="http://schemas.microsoft.com/office/drawing/2014/main" id="{D9982297-4A48-C74B-B98B-60FA4F562CAD}"/>
+              </a:ext>
+            </a:extLst>
+          </p:cNvPr>
+          <p:cNvSpPr txBox="1"/>
+          <p:nvPr/>
+        </p:nvSpPr>
+        <p:spPr>
+          <a:xfrm>
+            <a:off x="1789919" y="4983258"/>
+            <a:ext cx="656988" cy="253916"/>
+          </a:xfrm>
+          <a:prstGeom prst="rect">
+            <a:avLst/>
+          </a:prstGeom>
+          <a:noFill/>
+        </p:spPr>
+        <p:txBody>
+          <a:bodyPr wrap="square" rtlCol="0">
+            <a:spAutoFit/>
+          </a:bodyPr>
+          <a:lstStyle/>
+          <a:p>
+            <a:r>
+              <a:rPr lang="en-US" sz="1050" b="1" dirty="0">
+                <a:solidFill>
+                  <a:schemeClr val="accent2">
+                    <a:lumMod val="75000"/>
+                  </a:schemeClr>
+                </a:solidFill>
+              </a:rPr>
+              <a:t>Intron</a:t>
+            </a:r>
+          </a:p>
+        </p:txBody>
+      </p:sp>
+      <p:sp>
+        <p:nvSpPr>
+          <p:cNvPr id="54" name="TextBox 53">
+            <a:extLst>
+              <a:ext uri="{FF2B5EF4-FFF2-40B4-BE49-F238E27FC236}">
+                <a16:creationId xmlns:a16="http://schemas.microsoft.com/office/drawing/2014/main" id="{48D4E00A-527F-D345-A611-61F67D6643B5}"/>
+              </a:ext>
+            </a:extLst>
+          </p:cNvPr>
+          <p:cNvSpPr txBox="1"/>
+          <p:nvPr/>
+        </p:nvSpPr>
+        <p:spPr>
+          <a:xfrm>
+            <a:off x="1330551" y="4494790"/>
+            <a:ext cx="755971" cy="253916"/>
+          </a:xfrm>
+          <a:prstGeom prst="rect">
+            <a:avLst/>
+          </a:prstGeom>
+          <a:noFill/>
+        </p:spPr>
+        <p:txBody>
+          <a:bodyPr wrap="square" rtlCol="0">
+            <a:spAutoFit/>
+          </a:bodyPr>
+          <a:lstStyle/>
+          <a:p>
+            <a:r>
+              <a:rPr lang="en-US" sz="1050" dirty="0"/>
+              <a:t>6 bases</a:t>
+            </a:r>
+          </a:p>
+        </p:txBody>
+      </p:sp>
+      <p:sp>
+        <p:nvSpPr>
+          <p:cNvPr id="55" name="TextBox 54">
+            <a:extLst>
+              <a:ext uri="{FF2B5EF4-FFF2-40B4-BE49-F238E27FC236}">
+                <a16:creationId xmlns:a16="http://schemas.microsoft.com/office/drawing/2014/main" id="{B10C5BA0-197F-B14F-8230-9ED63348B405}"/>
+              </a:ext>
+            </a:extLst>
+          </p:cNvPr>
+          <p:cNvSpPr txBox="1"/>
+          <p:nvPr/>
+        </p:nvSpPr>
+        <p:spPr>
+          <a:xfrm>
+            <a:off x="846543" y="4499855"/>
+            <a:ext cx="755971" cy="253916"/>
+          </a:xfrm>
+          <a:prstGeom prst="rect">
+            <a:avLst/>
+          </a:prstGeom>
+          <a:noFill/>
+        </p:spPr>
+        <p:txBody>
+          <a:bodyPr wrap="square" rtlCol="0">
+            <a:spAutoFit/>
+          </a:bodyPr>
+          <a:lstStyle/>
+          <a:p>
+            <a:r>
+              <a:rPr lang="en-US" sz="1050" dirty="0"/>
+              <a:t>3 bases</a:t>
+            </a:r>
+          </a:p>
+        </p:txBody>
+      </p:sp>
+      <p:sp>
+        <p:nvSpPr>
+          <p:cNvPr id="56" name="Left Brace 55">
+            <a:extLst>
+              <a:ext uri="{FF2B5EF4-FFF2-40B4-BE49-F238E27FC236}">
+                <a16:creationId xmlns:a16="http://schemas.microsoft.com/office/drawing/2014/main" id="{5767F873-2C2B-4641-B09B-63D1D851CA3F}"/>
+              </a:ext>
+            </a:extLst>
+          </p:cNvPr>
+          <p:cNvSpPr/>
+          <p:nvPr/>
+        </p:nvSpPr>
+        <p:spPr>
+          <a:xfrm rot="5400000">
+            <a:off x="1477436" y="4566728"/>
+            <a:ext cx="140602" cy="457200"/>
+          </a:xfrm>
+          <a:prstGeom prst="leftBrace">
+            <a:avLst/>
+          </a:prstGeom>
+        </p:spPr>
+        <p:style>
+          <a:lnRef idx="1">
+            <a:schemeClr val="accent1"/>
+          </a:lnRef>
+          <a:fillRef idx="0">
+            <a:schemeClr val="accent1"/>
+          </a:fillRef>
+          <a:effectRef idx="0">
+            <a:schemeClr val="accent1"/>
+          </a:effectRef>
+          <a:fontRef idx="minor">
+            <a:schemeClr val="tx1"/>
+          </a:fontRef>
+        </p:style>
+        <p:txBody>
+          <a:bodyPr rtlCol="0" anchor="ctr"/>
+          <a:lstStyle/>
+          <a:p>
+            <a:pPr algn="ctr"/>
+            <a:endParaRPr lang="en-US"/>
+          </a:p>
+        </p:txBody>
+      </p:sp>
+      <p:sp>
+        <p:nvSpPr>
+          <p:cNvPr id="57" name="Left Brace 56">
+            <a:extLst>
+              <a:ext uri="{FF2B5EF4-FFF2-40B4-BE49-F238E27FC236}">
+                <a16:creationId xmlns:a16="http://schemas.microsoft.com/office/drawing/2014/main" id="{6A28F0E8-EA47-6E41-9E87-CDA1931509A0}"/>
+              </a:ext>
+            </a:extLst>
+          </p:cNvPr>
+          <p:cNvSpPr/>
+          <p:nvPr/>
+        </p:nvSpPr>
+        <p:spPr>
+          <a:xfrm rot="5400000">
+            <a:off x="1132460" y="4687580"/>
+            <a:ext cx="137160" cy="212055"/>
+          </a:xfrm>
+          <a:prstGeom prst="leftBrace">
+            <a:avLst/>
+          </a:prstGeom>
+        </p:spPr>
+        <p:style>
+          <a:lnRef idx="1">
+            <a:schemeClr val="accent1"/>
+          </a:lnRef>
+          <a:fillRef idx="0">
+            <a:schemeClr val="accent1"/>
+          </a:fillRef>
+          <a:effectRef idx="0">
+            <a:schemeClr val="accent1"/>
+          </a:effectRef>
+          <a:fontRef idx="minor">
+            <a:schemeClr val="tx1"/>
+          </a:fontRef>
+        </p:style>
+        <p:txBody>
+          <a:bodyPr rtlCol="0" anchor="ctr"/>
+          <a:lstStyle/>
+          <a:p>
+            <a:pPr algn="ctr"/>
+            <a:endParaRPr lang="en-US"/>
+          </a:p>
+        </p:txBody>
+      </p:sp>
+    </p:spTree>
+    <p:extLst>
+      <p:ext uri="{BB962C8B-B14F-4D97-AF65-F5344CB8AC3E}">
+        <p14:creationId xmlns:p14="http://schemas.microsoft.com/office/powerpoint/2010/main" val="1191896325"/>
+      </p:ext>
+    </p:extLst>
+  </p:cSld>
+  <p:clrMapOvr>
+    <a:masterClrMapping/>
+  </p:clrMapOvr>
+</p:sld>
+</file>
+
+<file path=ppt/slides/slide9.xml><?xml version="1.0" encoding="utf-8"?>
+<p:sld xmlns:a="http://schemas.openxmlformats.org/drawingml/2006/main" xmlns:r="http://schemas.openxmlformats.org/officeDocument/2006/relationships" xmlns:p="http://schemas.openxmlformats.org/presentationml/2006/main">
+  <p:cSld>
+    <p:spTree>
+      <p:nvGrpSpPr>
+        <p:cNvPr id="1" name=""/>
+        <p:cNvGrpSpPr/>
+        <p:nvPr/>
+      </p:nvGrpSpPr>
+      <p:grpSpPr>
+        <a:xfrm>
+          <a:off x="0" y="0"/>
+          <a:ext cx="0" cy="0"/>
+          <a:chOff x="0" y="0"/>
+          <a:chExt cx="0" cy="0"/>
+        </a:xfrm>
+      </p:grpSpPr>
+      <p:sp>
+        <p:nvSpPr>
+          <p:cNvPr id="2" name="TextBox 1">
+            <a:extLst>
+              <a:ext uri="{FF2B5EF4-FFF2-40B4-BE49-F238E27FC236}">
+                <a16:creationId xmlns:a16="http://schemas.microsoft.com/office/drawing/2014/main" id="{8FB05145-8DD6-594D-9BBA-76CACBB3A2A0}"/>
+              </a:ext>
+            </a:extLst>
+          </p:cNvPr>
+          <p:cNvSpPr txBox="1"/>
+          <p:nvPr/>
+        </p:nvSpPr>
+        <p:spPr>
+          <a:xfrm>
+            <a:off x="1312280" y="821356"/>
+            <a:ext cx="2629712" cy="584775"/>
+          </a:xfrm>
+          <a:prstGeom prst="rect">
+            <a:avLst/>
+          </a:prstGeom>
+          <a:noFill/>
+        </p:spPr>
+        <p:txBody>
+          <a:bodyPr wrap="square" rtlCol="0">
+            <a:spAutoFit/>
+          </a:bodyPr>
+          <a:lstStyle/>
+          <a:p>
+            <a:pPr algn="ctr"/>
+            <a:r>
+              <a:rPr lang="en-US" sz="3200" b="1" dirty="0">
+                <a:solidFill>
+                  <a:srgbClr val="ED2200"/>
+                </a:solidFill>
+              </a:rPr>
+              <a:t>Sig IR events</a:t>
+            </a:r>
+          </a:p>
+        </p:txBody>
+      </p:sp>
+      <p:sp>
+        <p:nvSpPr>
+          <p:cNvPr id="3" name="Rounded Rectangle 2">
+            <a:extLst>
+              <a:ext uri="{FF2B5EF4-FFF2-40B4-BE49-F238E27FC236}">
+                <a16:creationId xmlns:a16="http://schemas.microsoft.com/office/drawing/2014/main" id="{FA94BD13-3259-E541-8477-61FE7EE14362}"/>
+              </a:ext>
+            </a:extLst>
+          </p:cNvPr>
+          <p:cNvSpPr/>
+          <p:nvPr/>
+        </p:nvSpPr>
+        <p:spPr>
+          <a:xfrm>
+            <a:off x="775876" y="636691"/>
+            <a:ext cx="3702520" cy="954107"/>
+          </a:xfrm>
+          <a:prstGeom prst="roundRect">
+            <a:avLst/>
+          </a:prstGeom>
+          <a:noFill/>
+        </p:spPr>
+        <p:style>
+          <a:lnRef idx="2">
+            <a:schemeClr val="accent1">
+              <a:shade val="50000"/>
+            </a:schemeClr>
+          </a:lnRef>
+          <a:fillRef idx="1">
+            <a:schemeClr val="accent1"/>
+          </a:fillRef>
+          <a:effectRef idx="0">
+            <a:schemeClr val="accent1"/>
+          </a:effectRef>
+          <a:fontRef idx="minor">
+            <a:schemeClr val="lt1"/>
+          </a:fontRef>
+        </p:style>
+        <p:txBody>
+          <a:bodyPr rtlCol="0" anchor="ctr"/>
+          <a:lstStyle/>
+          <a:p>
+            <a:pPr algn="ctr"/>
+            <a:endParaRPr lang="en-US" sz="3200"/>
+          </a:p>
+        </p:txBody>
+      </p:sp>
+      <p:sp>
+        <p:nvSpPr>
+          <p:cNvPr id="4" name="Rounded Rectangle 3">
+            <a:extLst>
+              <a:ext uri="{FF2B5EF4-FFF2-40B4-BE49-F238E27FC236}">
+                <a16:creationId xmlns:a16="http://schemas.microsoft.com/office/drawing/2014/main" id="{6D463633-AFEB-E749-A7FE-6CF1D57C4979}"/>
+              </a:ext>
+            </a:extLst>
+          </p:cNvPr>
+          <p:cNvSpPr/>
+          <p:nvPr/>
+        </p:nvSpPr>
+        <p:spPr>
+          <a:xfrm>
+            <a:off x="775876" y="2454319"/>
+            <a:ext cx="3702520" cy="954107"/>
+          </a:xfrm>
+          <a:prstGeom prst="roundRect">
+            <a:avLst/>
+          </a:prstGeom>
+          <a:noFill/>
+        </p:spPr>
+        <p:style>
+          <a:lnRef idx="2">
+            <a:schemeClr val="accent1">
+              <a:shade val="50000"/>
+            </a:schemeClr>
+          </a:lnRef>
+          <a:fillRef idx="1">
+            <a:schemeClr val="accent1"/>
+          </a:fillRef>
+          <a:effectRef idx="0">
+            <a:schemeClr val="accent1"/>
+          </a:effectRef>
+          <a:fontRef idx="minor">
+            <a:schemeClr val="lt1"/>
+          </a:fontRef>
+        </p:style>
+        <p:txBody>
+          <a:bodyPr rtlCol="0" anchor="ctr"/>
+          <a:lstStyle/>
+          <a:p>
+            <a:pPr algn="ctr"/>
+            <a:endParaRPr lang="en-US" sz="3200"/>
+          </a:p>
+        </p:txBody>
+      </p:sp>
+      <p:sp>
+        <p:nvSpPr>
+          <p:cNvPr id="5" name="Down Arrow 4">
+            <a:extLst>
+              <a:ext uri="{FF2B5EF4-FFF2-40B4-BE49-F238E27FC236}">
+                <a16:creationId xmlns:a16="http://schemas.microsoft.com/office/drawing/2014/main" id="{D622B35D-8818-0249-B4A1-2D1757A0F73E}"/>
+              </a:ext>
+            </a:extLst>
+          </p:cNvPr>
+          <p:cNvSpPr/>
+          <p:nvPr/>
+        </p:nvSpPr>
+        <p:spPr>
+          <a:xfrm>
+            <a:off x="2346357" y="1688549"/>
+            <a:ext cx="561558" cy="667560"/>
+          </a:xfrm>
+          <a:prstGeom prst="downArrow">
+            <a:avLst/>
+          </a:prstGeom>
+          <a:solidFill>
+            <a:srgbClr val="1F77B4">
+              <a:alpha val="50000"/>
+            </a:srgbClr>
+          </a:solidFill>
+          <a:ln>
+            <a:noFill/>
+          </a:ln>
+        </p:spPr>
+        <p:style>
+          <a:lnRef idx="2">
+            <a:schemeClr val="accent1">
+              <a:shade val="50000"/>
+            </a:schemeClr>
+          </a:lnRef>
+          <a:fillRef idx="1">
+            <a:schemeClr val="accent1"/>
+          </a:fillRef>
+          <a:effectRef idx="0">
+            <a:schemeClr val="accent1"/>
+          </a:effectRef>
+          <a:fontRef idx="minor">
+            <a:schemeClr val="lt1"/>
+          </a:fontRef>
+        </p:style>
+        <p:txBody>
+          <a:bodyPr rot="0" spcFirstLastPara="0" vertOverflow="overflow" horzOverflow="overflow" vert="horz" wrap="square" lIns="162556" tIns="81278" rIns="162556" bIns="81278" numCol="1" spcCol="0" rtlCol="0" fromWordArt="0" anchor="ctr" anchorCtr="0" forceAA="0" compatLnSpc="1">
+            <a:prstTxWarp prst="textNoShape">
+              <a:avLst/>
+            </a:prstTxWarp>
+            <a:noAutofit/>
+          </a:bodyPr>
+          <a:lstStyle/>
+          <a:p>
+            <a:pPr algn="ctr"/>
+            <a:endParaRPr lang="en-US" sz="3200" dirty="0"/>
+          </a:p>
+        </p:txBody>
+      </p:sp>
+      <p:sp>
+        <p:nvSpPr>
+          <p:cNvPr id="6" name="TextBox 5">
+            <a:extLst>
+              <a:ext uri="{FF2B5EF4-FFF2-40B4-BE49-F238E27FC236}">
+                <a16:creationId xmlns:a16="http://schemas.microsoft.com/office/drawing/2014/main" id="{8B141C1B-0135-374B-80AF-48E219F3DA53}"/>
+              </a:ext>
+            </a:extLst>
+          </p:cNvPr>
+          <p:cNvSpPr txBox="1"/>
+          <p:nvPr/>
+        </p:nvSpPr>
+        <p:spPr>
+          <a:xfrm>
+            <a:off x="867095" y="2400074"/>
+            <a:ext cx="3465974" cy="1077218"/>
+          </a:xfrm>
+          <a:prstGeom prst="rect">
+            <a:avLst/>
+          </a:prstGeom>
+          <a:noFill/>
+        </p:spPr>
+        <p:txBody>
+          <a:bodyPr wrap="square" rtlCol="0">
+            <a:spAutoFit/>
+          </a:bodyPr>
+          <a:lstStyle/>
+          <a:p>
+            <a:pPr algn="ctr"/>
+            <a:r>
+              <a:rPr lang="en-US" sz="3200" dirty="0"/>
+              <a:t>unique Ensembl Gene IDs</a:t>
+            </a:r>
+          </a:p>
+        </p:txBody>
+      </p:sp>
+      <p:sp>
+        <p:nvSpPr>
+          <p:cNvPr id="7" name="Down Arrow 6">
+            <a:extLst>
+              <a:ext uri="{FF2B5EF4-FFF2-40B4-BE49-F238E27FC236}">
+                <a16:creationId xmlns:a16="http://schemas.microsoft.com/office/drawing/2014/main" id="{1A09AA1F-461B-B840-A467-3EF3CEAC7EFE}"/>
+              </a:ext>
+            </a:extLst>
+          </p:cNvPr>
+          <p:cNvSpPr/>
+          <p:nvPr/>
+        </p:nvSpPr>
+        <p:spPr>
+          <a:xfrm>
+            <a:off x="2346357" y="3503873"/>
+            <a:ext cx="561558" cy="667560"/>
+          </a:xfrm>
+          <a:prstGeom prst="downArrow">
+            <a:avLst/>
+          </a:prstGeom>
+          <a:solidFill>
+            <a:srgbClr val="1F77B4">
+              <a:alpha val="50000"/>
+            </a:srgbClr>
+          </a:solidFill>
+          <a:ln>
+            <a:noFill/>
+          </a:ln>
+        </p:spPr>
+        <p:style>
+          <a:lnRef idx="2">
+            <a:schemeClr val="accent1">
+              <a:shade val="50000"/>
+            </a:schemeClr>
+          </a:lnRef>
+          <a:fillRef idx="1">
+            <a:schemeClr val="accent1"/>
+          </a:fillRef>
+          <a:effectRef idx="0">
+            <a:schemeClr val="accent1"/>
+          </a:effectRef>
+          <a:fontRef idx="minor">
+            <a:schemeClr val="lt1"/>
+          </a:fontRef>
+        </p:style>
+        <p:txBody>
+          <a:bodyPr rot="0" spcFirstLastPara="0" vertOverflow="overflow" horzOverflow="overflow" vert="horz" wrap="square" lIns="162556" tIns="81278" rIns="162556" bIns="81278" numCol="1" spcCol="0" rtlCol="0" fromWordArt="0" anchor="ctr" anchorCtr="0" forceAA="0" compatLnSpc="1">
+            <a:prstTxWarp prst="textNoShape">
+              <a:avLst/>
+            </a:prstTxWarp>
+            <a:noAutofit/>
+          </a:bodyPr>
+          <a:lstStyle/>
+          <a:p>
+            <a:pPr algn="ctr"/>
+            <a:endParaRPr lang="en-US" sz="3200" dirty="0"/>
+          </a:p>
+        </p:txBody>
+      </p:sp>
+      <p:sp>
+        <p:nvSpPr>
+          <p:cNvPr id="8" name="Rounded Rectangle 7">
+            <a:extLst>
+              <a:ext uri="{FF2B5EF4-FFF2-40B4-BE49-F238E27FC236}">
+                <a16:creationId xmlns:a16="http://schemas.microsoft.com/office/drawing/2014/main" id="{C47D80FF-74C6-B445-AC28-BB72B7B02858}"/>
+              </a:ext>
+            </a:extLst>
+          </p:cNvPr>
+          <p:cNvSpPr/>
+          <p:nvPr/>
+        </p:nvSpPr>
+        <p:spPr>
+          <a:xfrm>
+            <a:off x="775876" y="4255827"/>
+            <a:ext cx="3702520" cy="954107"/>
+          </a:xfrm>
+          <a:prstGeom prst="roundRect">
+            <a:avLst/>
+          </a:prstGeom>
+          <a:noFill/>
+        </p:spPr>
+        <p:style>
+          <a:lnRef idx="2">
+            <a:schemeClr val="accent1">
+              <a:shade val="50000"/>
+            </a:schemeClr>
+          </a:lnRef>
+          <a:fillRef idx="1">
+            <a:schemeClr val="accent1"/>
+          </a:fillRef>
+          <a:effectRef idx="0">
+            <a:schemeClr val="accent1"/>
+          </a:effectRef>
+          <a:fontRef idx="minor">
+            <a:schemeClr val="lt1"/>
+          </a:fontRef>
+        </p:style>
+        <p:txBody>
+          <a:bodyPr rtlCol="0" anchor="ctr"/>
+          <a:lstStyle/>
+          <a:p>
+            <a:pPr algn="ctr"/>
+            <a:endParaRPr lang="en-US" sz="3200"/>
+          </a:p>
+        </p:txBody>
+      </p:sp>
+      <p:sp>
+        <p:nvSpPr>
+          <p:cNvPr id="9" name="TextBox 8">
+            <a:extLst>
+              <a:ext uri="{FF2B5EF4-FFF2-40B4-BE49-F238E27FC236}">
+                <a16:creationId xmlns:a16="http://schemas.microsoft.com/office/drawing/2014/main" id="{D1D47069-D950-C441-B94B-8F105BDE846E}"/>
+              </a:ext>
+            </a:extLst>
+          </p:cNvPr>
+          <p:cNvSpPr txBox="1"/>
+          <p:nvPr/>
+        </p:nvSpPr>
+        <p:spPr>
+          <a:xfrm>
+            <a:off x="867095" y="4439555"/>
+            <a:ext cx="3611301" cy="707886"/>
+          </a:xfrm>
+          <a:prstGeom prst="rect">
+            <a:avLst/>
+          </a:prstGeom>
+          <a:noFill/>
+        </p:spPr>
+        <p:txBody>
+          <a:bodyPr wrap="square" rtlCol="0">
+            <a:spAutoFit/>
+          </a:bodyPr>
+          <a:lstStyle/>
+          <a:p>
+            <a:pPr algn="ctr"/>
+            <a:endParaRPr lang="en-US" sz="2000" dirty="0"/>
+          </a:p>
+          <a:p>
+            <a:pPr algn="ctr"/>
+            <a:r>
+              <a:rPr lang="en-US" sz="2000" dirty="0"/>
+              <a:t>Geneset enrichment analysis</a:t>
+            </a:r>
+          </a:p>
+        </p:txBody>
+      </p:sp>
+      <p:pic>
+        <p:nvPicPr>
+          <p:cNvPr id="10" name="Picture 9">
+            <a:extLst>
+              <a:ext uri="{FF2B5EF4-FFF2-40B4-BE49-F238E27FC236}">
+                <a16:creationId xmlns:a16="http://schemas.microsoft.com/office/drawing/2014/main" id="{D1F43490-7F14-7D4B-8679-233C2DD74774}"/>
+              </a:ext>
+            </a:extLst>
+          </p:cNvPr>
+          <p:cNvPicPr>
+            <a:picLocks noChangeAspect="1"/>
+          </p:cNvPicPr>
+          <p:nvPr/>
+        </p:nvPicPr>
+        <p:blipFill>
+          <a:blip r:embed="rId2"/>
+          <a:stretch>
+            <a:fillRect/>
+          </a:stretch>
+        </p:blipFill>
+        <p:spPr>
+          <a:xfrm>
+            <a:off x="1465899" y="4324693"/>
+            <a:ext cx="444874" cy="419306"/>
+          </a:xfrm>
+          <a:prstGeom prst="rect">
+            <a:avLst/>
+          </a:prstGeom>
+        </p:spPr>
+      </p:pic>
+      <p:pic>
+        <p:nvPicPr>
+          <p:cNvPr id="11" name="Picture 10">
+            <a:extLst>
+              <a:ext uri="{FF2B5EF4-FFF2-40B4-BE49-F238E27FC236}">
+                <a16:creationId xmlns:a16="http://schemas.microsoft.com/office/drawing/2014/main" id="{12920072-2FF8-9B4A-BDC9-F51849A47AA7}"/>
+              </a:ext>
+            </a:extLst>
+          </p:cNvPr>
+          <p:cNvPicPr>
+            <a:picLocks noChangeAspect="1"/>
+          </p:cNvPicPr>
+          <p:nvPr/>
+        </p:nvPicPr>
+        <p:blipFill>
+          <a:blip r:embed="rId3"/>
+          <a:stretch>
+            <a:fillRect/>
+          </a:stretch>
+        </p:blipFill>
+        <p:spPr>
+          <a:xfrm>
+            <a:off x="1966833" y="4365861"/>
+            <a:ext cx="1911232" cy="374669"/>
+          </a:xfrm>
+          <a:prstGeom prst="rect">
+            <a:avLst/>
+          </a:prstGeom>
+        </p:spPr>
+      </p:pic>
+      <p:sp>
+        <p:nvSpPr>
+          <p:cNvPr id="12" name="Down Arrow 11">
+            <a:extLst>
+              <a:ext uri="{FF2B5EF4-FFF2-40B4-BE49-F238E27FC236}">
+                <a16:creationId xmlns:a16="http://schemas.microsoft.com/office/drawing/2014/main" id="{C0397A19-1BB6-C942-B7DE-1C0E2237239F}"/>
+              </a:ext>
+            </a:extLst>
+          </p:cNvPr>
+          <p:cNvSpPr/>
+          <p:nvPr/>
+        </p:nvSpPr>
+        <p:spPr>
+          <a:xfrm>
+            <a:off x="2346357" y="5303256"/>
+            <a:ext cx="561558" cy="667560"/>
+          </a:xfrm>
+          <a:prstGeom prst="downArrow">
+            <a:avLst/>
+          </a:prstGeom>
+          <a:solidFill>
+            <a:srgbClr val="1F77B4">
+              <a:alpha val="50000"/>
+            </a:srgbClr>
+          </a:solidFill>
+          <a:ln>
+            <a:noFill/>
+          </a:ln>
+        </p:spPr>
+        <p:style>
+          <a:lnRef idx="2">
+            <a:schemeClr val="accent1">
+              <a:shade val="50000"/>
+            </a:schemeClr>
+          </a:lnRef>
+          <a:fillRef idx="1">
+            <a:schemeClr val="accent1"/>
+          </a:fillRef>
+          <a:effectRef idx="0">
+            <a:schemeClr val="accent1"/>
+          </a:effectRef>
+          <a:fontRef idx="minor">
+            <a:schemeClr val="lt1"/>
+          </a:fontRef>
+        </p:style>
+        <p:txBody>
+          <a:bodyPr rot="0" spcFirstLastPara="0" vertOverflow="overflow" horzOverflow="overflow" vert="horz" wrap="square" lIns="162556" tIns="81278" rIns="162556" bIns="81278" numCol="1" spcCol="0" rtlCol="0" fromWordArt="0" anchor="ctr" anchorCtr="0" forceAA="0" compatLnSpc="1">
+            <a:prstTxWarp prst="textNoShape">
+              <a:avLst/>
+            </a:prstTxWarp>
+            <a:noAutofit/>
+          </a:bodyPr>
+          <a:lstStyle/>
+          <a:p>
+            <a:pPr algn="ctr"/>
+            <a:endParaRPr lang="en-US" sz="3200" dirty="0"/>
+          </a:p>
+        </p:txBody>
+      </p:sp>
+      <p:sp>
+        <p:nvSpPr>
+          <p:cNvPr id="13" name="Rounded Rectangle 12">
+            <a:extLst>
+              <a:ext uri="{FF2B5EF4-FFF2-40B4-BE49-F238E27FC236}">
+                <a16:creationId xmlns:a16="http://schemas.microsoft.com/office/drawing/2014/main" id="{3420EFD1-94C8-164F-BC9B-1CE363D4490D}"/>
+              </a:ext>
+            </a:extLst>
+          </p:cNvPr>
+          <p:cNvSpPr/>
+          <p:nvPr/>
+        </p:nvSpPr>
+        <p:spPr>
+          <a:xfrm>
+            <a:off x="775876" y="6067273"/>
+            <a:ext cx="3702520" cy="954107"/>
+          </a:xfrm>
+          <a:prstGeom prst="roundRect">
+            <a:avLst/>
+          </a:prstGeom>
+          <a:noFill/>
+        </p:spPr>
+        <p:style>
+          <a:lnRef idx="2">
+            <a:schemeClr val="accent1">
+              <a:shade val="50000"/>
+            </a:schemeClr>
+          </a:lnRef>
+          <a:fillRef idx="1">
+            <a:schemeClr val="accent1"/>
+          </a:fillRef>
+          <a:effectRef idx="0">
+            <a:schemeClr val="accent1"/>
+          </a:effectRef>
+          <a:fontRef idx="minor">
+            <a:schemeClr val="lt1"/>
+          </a:fontRef>
+        </p:style>
+        <p:txBody>
+          <a:bodyPr rtlCol="0" anchor="ctr"/>
+          <a:lstStyle/>
+          <a:p>
+            <a:pPr algn="ctr"/>
+            <a:endParaRPr lang="en-US" sz="3200"/>
+          </a:p>
+        </p:txBody>
+      </p:sp>
+      <p:sp>
+        <p:nvSpPr>
+          <p:cNvPr id="14" name="TextBox 13">
+            <a:extLst>
+              <a:ext uri="{FF2B5EF4-FFF2-40B4-BE49-F238E27FC236}">
+                <a16:creationId xmlns:a16="http://schemas.microsoft.com/office/drawing/2014/main" id="{8B3158D6-B184-414F-B4EA-F76381A1E13C}"/>
+              </a:ext>
+            </a:extLst>
+          </p:cNvPr>
+          <p:cNvSpPr txBox="1"/>
+          <p:nvPr/>
+        </p:nvSpPr>
+        <p:spPr>
+          <a:xfrm>
+            <a:off x="775876" y="6255894"/>
+            <a:ext cx="3465974" cy="584775"/>
+          </a:xfrm>
+          <a:prstGeom prst="rect">
+            <a:avLst/>
+          </a:prstGeom>
+          <a:noFill/>
+        </p:spPr>
+        <p:txBody>
+          <a:bodyPr wrap="square" rtlCol="0">
+            <a:spAutoFit/>
+          </a:bodyPr>
+          <a:lstStyle/>
+          <a:p>
+            <a:pPr algn="ctr"/>
+            <a:r>
+              <a:rPr lang="en-US" sz="3200" dirty="0"/>
+              <a:t>Sort by –log</a:t>
+            </a:r>
+            <a:r>
+              <a:rPr lang="en-US" sz="3200" baseline="-25000" dirty="0"/>
+              <a:t>10</a:t>
+            </a:r>
+            <a:r>
+              <a:rPr lang="en-US" sz="3200" dirty="0"/>
+              <a:t>(FDR) </a:t>
+            </a:r>
+          </a:p>
+        </p:txBody>
+      </p:sp>
+      <p:cxnSp>
+        <p:nvCxnSpPr>
+          <p:cNvPr id="15" name="Straight Arrow Connector 14">
+            <a:extLst>
+              <a:ext uri="{FF2B5EF4-FFF2-40B4-BE49-F238E27FC236}">
+                <a16:creationId xmlns:a16="http://schemas.microsoft.com/office/drawing/2014/main" id="{7BD8DB7A-6657-B140-967C-EF5779BE97CA}"/>
+              </a:ext>
+            </a:extLst>
+          </p:cNvPr>
+          <p:cNvCxnSpPr/>
+          <p:nvPr/>
+        </p:nvCxnSpPr>
+        <p:spPr>
+          <a:xfrm>
+            <a:off x="4241850" y="6399326"/>
+            <a:ext cx="0" cy="365760"/>
+          </a:xfrm>
+          <a:prstGeom prst="straightConnector1">
+            <a:avLst/>
+          </a:prstGeom>
+          <a:ln w="34925">
+            <a:tailEnd type="triangle"/>
+          </a:ln>
+        </p:spPr>
+        <p:style>
+          <a:lnRef idx="1">
+            <a:schemeClr val="accent1"/>
+          </a:lnRef>
+          <a:fillRef idx="0">
+            <a:schemeClr val="accent1"/>
+          </a:fillRef>
+          <a:effectRef idx="0">
+            <a:schemeClr val="accent1"/>
+          </a:effectRef>
+          <a:fontRef idx="minor">
+            <a:schemeClr val="tx1"/>
+          </a:fontRef>
+        </p:style>
+      </p:cxnSp>
+      <p:sp>
+        <p:nvSpPr>
+          <p:cNvPr id="16" name="Down Arrow 15">
+            <a:extLst>
+              <a:ext uri="{FF2B5EF4-FFF2-40B4-BE49-F238E27FC236}">
+                <a16:creationId xmlns:a16="http://schemas.microsoft.com/office/drawing/2014/main" id="{17779F4D-52B1-1A44-BDC1-489E89498233}"/>
+              </a:ext>
+            </a:extLst>
+          </p:cNvPr>
+          <p:cNvSpPr/>
+          <p:nvPr/>
+        </p:nvSpPr>
+        <p:spPr>
+          <a:xfrm>
+            <a:off x="2360891" y="7116003"/>
+            <a:ext cx="561558" cy="667560"/>
+          </a:xfrm>
+          <a:prstGeom prst="downArrow">
+            <a:avLst/>
+          </a:prstGeom>
+          <a:solidFill>
+            <a:srgbClr val="1F77B4">
+              <a:alpha val="50000"/>
+            </a:srgbClr>
+          </a:solidFill>
+          <a:ln>
+            <a:noFill/>
+          </a:ln>
+        </p:spPr>
+        <p:style>
+          <a:lnRef idx="2">
+            <a:schemeClr val="accent1">
+              <a:shade val="50000"/>
+            </a:schemeClr>
+          </a:lnRef>
+          <a:fillRef idx="1">
+            <a:schemeClr val="accent1"/>
+          </a:fillRef>
+          <a:effectRef idx="0">
+            <a:schemeClr val="accent1"/>
+          </a:effectRef>
+          <a:fontRef idx="minor">
+            <a:schemeClr val="lt1"/>
+          </a:fontRef>
+        </p:style>
+        <p:txBody>
+          <a:bodyPr rot="0" spcFirstLastPara="0" vertOverflow="overflow" horzOverflow="overflow" vert="horz" wrap="square" lIns="162556" tIns="81278" rIns="162556" bIns="81278" numCol="1" spcCol="0" rtlCol="0" fromWordArt="0" anchor="ctr" anchorCtr="0" forceAA="0" compatLnSpc="1">
+            <a:prstTxWarp prst="textNoShape">
+              <a:avLst/>
+            </a:prstTxWarp>
+            <a:noAutofit/>
+          </a:bodyPr>
+          <a:lstStyle/>
+          <a:p>
+            <a:pPr algn="ctr"/>
+            <a:endParaRPr lang="en-US" sz="3200" dirty="0"/>
+          </a:p>
+        </p:txBody>
+      </p:sp>
+      <p:sp>
+        <p:nvSpPr>
+          <p:cNvPr id="17" name="Rounded Rectangle 16">
+            <a:extLst>
+              <a:ext uri="{FF2B5EF4-FFF2-40B4-BE49-F238E27FC236}">
+                <a16:creationId xmlns:a16="http://schemas.microsoft.com/office/drawing/2014/main" id="{A7A5942C-3EF7-E545-85A8-3346782D291B}"/>
+              </a:ext>
+            </a:extLst>
+          </p:cNvPr>
+          <p:cNvSpPr/>
+          <p:nvPr/>
+        </p:nvSpPr>
+        <p:spPr>
+          <a:xfrm>
+            <a:off x="778182" y="7896573"/>
+            <a:ext cx="3702520" cy="954107"/>
+          </a:xfrm>
+          <a:prstGeom prst="roundRect">
+            <a:avLst/>
+          </a:prstGeom>
+          <a:noFill/>
+        </p:spPr>
+        <p:style>
+          <a:lnRef idx="2">
+            <a:schemeClr val="accent1">
+              <a:shade val="50000"/>
+            </a:schemeClr>
+          </a:lnRef>
+          <a:fillRef idx="1">
+            <a:schemeClr val="accent1"/>
+          </a:fillRef>
+          <a:effectRef idx="0">
+            <a:schemeClr val="accent1"/>
+          </a:effectRef>
+          <a:fontRef idx="minor">
+            <a:schemeClr val="lt1"/>
+          </a:fontRef>
+        </p:style>
+        <p:txBody>
+          <a:bodyPr rtlCol="0" anchor="ctr"/>
+          <a:lstStyle/>
+          <a:p>
+            <a:pPr algn="ctr"/>
+            <a:endParaRPr lang="en-US" sz="3200"/>
+          </a:p>
+        </p:txBody>
+      </p:sp>
+      <p:sp>
+        <p:nvSpPr>
+          <p:cNvPr id="18" name="TextBox 17">
+            <a:extLst>
+              <a:ext uri="{FF2B5EF4-FFF2-40B4-BE49-F238E27FC236}">
+                <a16:creationId xmlns:a16="http://schemas.microsoft.com/office/drawing/2014/main" id="{1B21F7E6-B6C1-4945-8181-A5FD4D738578}"/>
+              </a:ext>
+            </a:extLst>
+          </p:cNvPr>
+          <p:cNvSpPr txBox="1"/>
+          <p:nvPr/>
+        </p:nvSpPr>
+        <p:spPr>
+          <a:xfrm>
+            <a:off x="908683" y="8089161"/>
+            <a:ext cx="3465974" cy="584775"/>
+          </a:xfrm>
+          <a:prstGeom prst="rect">
+            <a:avLst/>
+          </a:prstGeom>
+          <a:noFill/>
+        </p:spPr>
+        <p:txBody>
+          <a:bodyPr wrap="square" rtlCol="0">
+            <a:spAutoFit/>
+          </a:bodyPr>
+          <a:lstStyle/>
+          <a:p>
+            <a:pPr algn="ctr"/>
+            <a:r>
+              <a:rPr lang="en-US" sz="3200" dirty="0"/>
+              <a:t>Top 10 terms</a:t>
+            </a:r>
+          </a:p>
+        </p:txBody>
+      </p:sp>
+      <p:sp>
+        <p:nvSpPr>
+          <p:cNvPr id="19" name="Down Arrow 18">
+            <a:extLst>
+              <a:ext uri="{FF2B5EF4-FFF2-40B4-BE49-F238E27FC236}">
+                <a16:creationId xmlns:a16="http://schemas.microsoft.com/office/drawing/2014/main" id="{3B6BDF4E-8C9E-A340-9A92-22F4C5E9811E}"/>
+              </a:ext>
+            </a:extLst>
+          </p:cNvPr>
+          <p:cNvSpPr/>
+          <p:nvPr/>
+        </p:nvSpPr>
+        <p:spPr>
+          <a:xfrm>
+            <a:off x="2360891" y="8961209"/>
+            <a:ext cx="561558" cy="667560"/>
+          </a:xfrm>
+          <a:prstGeom prst="downArrow">
+            <a:avLst/>
+          </a:prstGeom>
+          <a:solidFill>
+            <a:srgbClr val="1F77B4">
+              <a:alpha val="50000"/>
+            </a:srgbClr>
+          </a:solidFill>
+          <a:ln>
+            <a:noFill/>
+          </a:ln>
+        </p:spPr>
+        <p:style>
+          <a:lnRef idx="2">
+            <a:schemeClr val="accent1">
+              <a:shade val="50000"/>
+            </a:schemeClr>
+          </a:lnRef>
+          <a:fillRef idx="1">
+            <a:schemeClr val="accent1"/>
+          </a:fillRef>
+          <a:effectRef idx="0">
+            <a:schemeClr val="accent1"/>
+          </a:effectRef>
+          <a:fontRef idx="minor">
+            <a:schemeClr val="lt1"/>
+          </a:fontRef>
+        </p:style>
+        <p:txBody>
+          <a:bodyPr rot="0" spcFirstLastPara="0" vertOverflow="overflow" horzOverflow="overflow" vert="horz" wrap="square" lIns="162556" tIns="81278" rIns="162556" bIns="81278" numCol="1" spcCol="0" rtlCol="0" fromWordArt="0" anchor="ctr" anchorCtr="0" forceAA="0" compatLnSpc="1">
+            <a:prstTxWarp prst="textNoShape">
+              <a:avLst/>
+            </a:prstTxWarp>
+            <a:noAutofit/>
+          </a:bodyPr>
+          <a:lstStyle/>
+          <a:p>
+            <a:pPr algn="ctr"/>
+            <a:endParaRPr lang="en-US" sz="3200" dirty="0"/>
+          </a:p>
+        </p:txBody>
+      </p:sp>
+      <p:pic>
+        <p:nvPicPr>
+          <p:cNvPr id="20" name="Picture 19">
+            <a:extLst>
+              <a:ext uri="{FF2B5EF4-FFF2-40B4-BE49-F238E27FC236}">
+                <a16:creationId xmlns:a16="http://schemas.microsoft.com/office/drawing/2014/main" id="{069EC5D4-7164-2A48-A44C-4E3DB93FDB33}"/>
+              </a:ext>
+            </a:extLst>
+          </p:cNvPr>
+          <p:cNvPicPr>
+            <a:picLocks noChangeAspect="1"/>
+          </p:cNvPicPr>
+          <p:nvPr/>
+        </p:nvPicPr>
+        <p:blipFill>
+          <a:blip r:embed="rId4"/>
+          <a:stretch>
+            <a:fillRect/>
+          </a:stretch>
+        </p:blipFill>
+        <p:spPr>
+          <a:xfrm>
+            <a:off x="1634901" y="9725873"/>
+            <a:ext cx="2075688" cy="1803312"/>
+          </a:xfrm>
+          <a:prstGeom prst="rect">
+            <a:avLst/>
+          </a:prstGeom>
+        </p:spPr>
+      </p:pic>
+    </p:spTree>
+    <p:extLst>
+      <p:ext uri="{BB962C8B-B14F-4D97-AF65-F5344CB8AC3E}">
+        <p14:creationId xmlns:p14="http://schemas.microsoft.com/office/powerpoint/2010/main" val="2413020790"/>
       </p:ext>
     </p:extLst>
   </p:cSld>

--- a/analysis/14_Day3/analysis/15_true_and_false/workflow chart/workflow chart.pptx
+++ b/analysis/14_Day3/analysis/15_true_and_false/workflow chart/workflow chart.pptx
@@ -5,7 +5,7 @@
     <p:sldMasterId id="2147483684" r:id="rId1"/>
   </p:sldMasterIdLst>
   <p:notesMasterIdLst>
-    <p:notesMasterId r:id="rId11"/>
+    <p:notesMasterId r:id="rId12"/>
   </p:notesMasterIdLst>
   <p:sldIdLst>
     <p:sldId id="256" r:id="rId2"/>
@@ -17,6 +17,7 @@
     <p:sldId id="262" r:id="rId8"/>
     <p:sldId id="265" r:id="rId9"/>
     <p:sldId id="264" r:id="rId10"/>
+    <p:sldId id="267" r:id="rId11"/>
   </p:sldIdLst>
   <p:sldSz cx="12192000" cy="21674138"/>
   <p:notesSz cx="9144000" cy="6858000"/>
@@ -208,7 +209,7 @@
           <a:p>
             <a:fld id="{02B5B0D4-E21E-2644-AC1D-8AC3E54BFD57}" type="datetimeFigureOut">
               <a:rPr lang="en-US" smtClean="0"/>
-              <a:t>6/25/19</a:t>
+              <a:t>7/21/19</a:t>
             </a:fld>
             <a:endParaRPr lang="en-US"/>
           </a:p>
@@ -777,7 +778,7 @@
           <a:p>
             <a:fld id="{A8C9D3DF-80D7-1E4E-AC6C-6FC49E9FFBBC}" type="datetimeFigureOut">
               <a:rPr lang="en-US" smtClean="0"/>
-              <a:t>6/25/19</a:t>
+              <a:t>7/21/19</a:t>
             </a:fld>
             <a:endParaRPr lang="en-US"/>
           </a:p>
@@ -947,7 +948,7 @@
           <a:p>
             <a:fld id="{A8C9D3DF-80D7-1E4E-AC6C-6FC49E9FFBBC}" type="datetimeFigureOut">
               <a:rPr lang="en-US" smtClean="0"/>
-              <a:t>6/25/19</a:t>
+              <a:t>7/21/19</a:t>
             </a:fld>
             <a:endParaRPr lang="en-US"/>
           </a:p>
@@ -1127,7 +1128,7 @@
           <a:p>
             <a:fld id="{A8C9D3DF-80D7-1E4E-AC6C-6FC49E9FFBBC}" type="datetimeFigureOut">
               <a:rPr lang="en-US" smtClean="0"/>
-              <a:t>6/25/19</a:t>
+              <a:t>7/21/19</a:t>
             </a:fld>
             <a:endParaRPr lang="en-US"/>
           </a:p>
@@ -1297,7 +1298,7 @@
           <a:p>
             <a:fld id="{A8C9D3DF-80D7-1E4E-AC6C-6FC49E9FFBBC}" type="datetimeFigureOut">
               <a:rPr lang="en-US" smtClean="0"/>
-              <a:t>6/25/19</a:t>
+              <a:t>7/21/19</a:t>
             </a:fld>
             <a:endParaRPr lang="en-US"/>
           </a:p>
@@ -1541,7 +1542,7 @@
           <a:p>
             <a:fld id="{A8C9D3DF-80D7-1E4E-AC6C-6FC49E9FFBBC}" type="datetimeFigureOut">
               <a:rPr lang="en-US" smtClean="0"/>
-              <a:t>6/25/19</a:t>
+              <a:t>7/21/19</a:t>
             </a:fld>
             <a:endParaRPr lang="en-US"/>
           </a:p>
@@ -1773,7 +1774,7 @@
           <a:p>
             <a:fld id="{A8C9D3DF-80D7-1E4E-AC6C-6FC49E9FFBBC}" type="datetimeFigureOut">
               <a:rPr lang="en-US" smtClean="0"/>
-              <a:t>6/25/19</a:t>
+              <a:t>7/21/19</a:t>
             </a:fld>
             <a:endParaRPr lang="en-US"/>
           </a:p>
@@ -2140,7 +2141,7 @@
           <a:p>
             <a:fld id="{A8C9D3DF-80D7-1E4E-AC6C-6FC49E9FFBBC}" type="datetimeFigureOut">
               <a:rPr lang="en-US" smtClean="0"/>
-              <a:t>6/25/19</a:t>
+              <a:t>7/21/19</a:t>
             </a:fld>
             <a:endParaRPr lang="en-US"/>
           </a:p>
@@ -2258,7 +2259,7 @@
           <a:p>
             <a:fld id="{A8C9D3DF-80D7-1E4E-AC6C-6FC49E9FFBBC}" type="datetimeFigureOut">
               <a:rPr lang="en-US" smtClean="0"/>
-              <a:t>6/25/19</a:t>
+              <a:t>7/21/19</a:t>
             </a:fld>
             <a:endParaRPr lang="en-US"/>
           </a:p>
@@ -2353,7 +2354,7 @@
           <a:p>
             <a:fld id="{A8C9D3DF-80D7-1E4E-AC6C-6FC49E9FFBBC}" type="datetimeFigureOut">
               <a:rPr lang="en-US" smtClean="0"/>
-              <a:t>6/25/19</a:t>
+              <a:t>7/21/19</a:t>
             </a:fld>
             <a:endParaRPr lang="en-US"/>
           </a:p>
@@ -2630,7 +2631,7 @@
           <a:p>
             <a:fld id="{A8C9D3DF-80D7-1E4E-AC6C-6FC49E9FFBBC}" type="datetimeFigureOut">
               <a:rPr lang="en-US" smtClean="0"/>
-              <a:t>6/25/19</a:t>
+              <a:t>7/21/19</a:t>
             </a:fld>
             <a:endParaRPr lang="en-US"/>
           </a:p>
@@ -2887,7 +2888,7 @@
           <a:p>
             <a:fld id="{A8C9D3DF-80D7-1E4E-AC6C-6FC49E9FFBBC}" type="datetimeFigureOut">
               <a:rPr lang="en-US" smtClean="0"/>
-              <a:t>6/25/19</a:t>
+              <a:t>7/21/19</a:t>
             </a:fld>
             <a:endParaRPr lang="en-US"/>
           </a:p>
@@ -3100,7 +3101,7 @@
           <a:p>
             <a:fld id="{A8C9D3DF-80D7-1E4E-AC6C-6FC49E9FFBBC}" type="datetimeFigureOut">
               <a:rPr lang="en-US" smtClean="0"/>
-              <a:t>6/25/19</a:t>
+              <a:t>7/21/19</a:t>
             </a:fld>
             <a:endParaRPr lang="en-US"/>
           </a:p>
@@ -7852,6 +7853,1034 @@
     <p:extLst>
       <p:ext uri="{BB962C8B-B14F-4D97-AF65-F5344CB8AC3E}">
         <p14:creationId xmlns:p14="http://schemas.microsoft.com/office/powerpoint/2010/main" val="40761416"/>
+      </p:ext>
+    </p:extLst>
+  </p:cSld>
+  <p:clrMapOvr>
+    <a:masterClrMapping/>
+  </p:clrMapOvr>
+</p:sld>
+</file>
+
+<file path=ppt/slides/slide10.xml><?xml version="1.0" encoding="utf-8"?>
+<p:sld xmlns:a="http://schemas.openxmlformats.org/drawingml/2006/main" xmlns:r="http://schemas.openxmlformats.org/officeDocument/2006/relationships" xmlns:p="http://schemas.openxmlformats.org/presentationml/2006/main">
+  <p:cSld>
+    <p:spTree>
+      <p:nvGrpSpPr>
+        <p:cNvPr id="1" name=""/>
+        <p:cNvGrpSpPr/>
+        <p:nvPr/>
+      </p:nvGrpSpPr>
+      <p:grpSpPr>
+        <a:xfrm>
+          <a:off x="0" y="0"/>
+          <a:ext cx="0" cy="0"/>
+          <a:chOff x="0" y="0"/>
+          <a:chExt cx="0" cy="0"/>
+        </a:xfrm>
+      </p:grpSpPr>
+      <p:sp>
+        <p:nvSpPr>
+          <p:cNvPr id="2" name="TextBox 1">
+            <a:extLst>
+              <a:ext uri="{FF2B5EF4-FFF2-40B4-BE49-F238E27FC236}">
+                <a16:creationId xmlns:a16="http://schemas.microsoft.com/office/drawing/2014/main" id="{DDCB1CFE-2513-674F-8EF1-C1655C200EC4}"/>
+              </a:ext>
+            </a:extLst>
+          </p:cNvPr>
+          <p:cNvSpPr txBox="1"/>
+          <p:nvPr/>
+        </p:nvSpPr>
+        <p:spPr>
+          <a:xfrm>
+            <a:off x="4686695" y="1268963"/>
+            <a:ext cx="1627753" cy="369332"/>
+          </a:xfrm>
+          <a:prstGeom prst="rect">
+            <a:avLst/>
+          </a:prstGeom>
+          <a:noFill/>
+        </p:spPr>
+        <p:txBody>
+          <a:bodyPr wrap="square" rtlCol="0">
+            <a:spAutoFit/>
+          </a:bodyPr>
+          <a:lstStyle/>
+          <a:p>
+            <a:r>
+              <a:rPr lang="en-US" altLang="zh-CN" dirty="0"/>
+              <a:t>Wallet,</a:t>
+            </a:r>
+            <a:r>
+              <a:rPr lang="zh-CN" altLang="en-US" dirty="0"/>
+              <a:t> </a:t>
+            </a:r>
+            <a:r>
+              <a:rPr lang="en-US" altLang="zh-CN" dirty="0"/>
+              <a:t>News</a:t>
+            </a:r>
+            <a:r>
+              <a:rPr lang="zh-CN" altLang="en-US" dirty="0"/>
+              <a:t> </a:t>
+            </a:r>
+            <a:r>
+              <a:rPr lang="en-US" altLang="zh-CN" dirty="0"/>
+              <a:t>…</a:t>
+            </a:r>
+            <a:endParaRPr lang="en-US" dirty="0"/>
+          </a:p>
+        </p:txBody>
+      </p:sp>
+      <p:sp>
+        <p:nvSpPr>
+          <p:cNvPr id="3" name="TextBox 2">
+            <a:extLst>
+              <a:ext uri="{FF2B5EF4-FFF2-40B4-BE49-F238E27FC236}">
+                <a16:creationId xmlns:a16="http://schemas.microsoft.com/office/drawing/2014/main" id="{3CD5A046-7796-A347-B170-EC6307997846}"/>
+              </a:ext>
+            </a:extLst>
+          </p:cNvPr>
+          <p:cNvSpPr txBox="1"/>
+          <p:nvPr/>
+        </p:nvSpPr>
+        <p:spPr>
+          <a:xfrm>
+            <a:off x="7626634" y="1268963"/>
+            <a:ext cx="3124927" cy="369332"/>
+          </a:xfrm>
+          <a:prstGeom prst="rect">
+            <a:avLst/>
+          </a:prstGeom>
+          <a:noFill/>
+        </p:spPr>
+        <p:txBody>
+          <a:bodyPr wrap="square" rtlCol="0">
+            <a:spAutoFit/>
+          </a:bodyPr>
+          <a:lstStyle/>
+          <a:p>
+            <a:r>
+              <a:rPr lang="en-US" dirty="0"/>
+              <a:t>Medical service</a:t>
+            </a:r>
+            <a:r>
+              <a:rPr lang="en-US" altLang="zh-CN" dirty="0"/>
+              <a:t>s,</a:t>
+            </a:r>
+            <a:r>
+              <a:rPr lang="zh-CN" altLang="en-US" dirty="0"/>
+              <a:t> </a:t>
+            </a:r>
+            <a:r>
+              <a:rPr lang="en-US" dirty="0"/>
+              <a:t>Insurance</a:t>
+            </a:r>
+            <a:r>
+              <a:rPr lang="zh-CN" altLang="en-US" dirty="0"/>
+              <a:t> </a:t>
+            </a:r>
+            <a:r>
+              <a:rPr lang="en-US" altLang="zh-CN" dirty="0"/>
+              <a:t>…</a:t>
+            </a:r>
+            <a:endParaRPr lang="en-US" dirty="0"/>
+          </a:p>
+        </p:txBody>
+      </p:sp>
+      <p:sp>
+        <p:nvSpPr>
+          <p:cNvPr id="4" name="TextBox 3">
+            <a:extLst>
+              <a:ext uri="{FF2B5EF4-FFF2-40B4-BE49-F238E27FC236}">
+                <a16:creationId xmlns:a16="http://schemas.microsoft.com/office/drawing/2014/main" id="{142FF811-0FDE-034F-ADE7-5EBF437B5357}"/>
+              </a:ext>
+            </a:extLst>
+          </p:cNvPr>
+          <p:cNvSpPr txBox="1"/>
+          <p:nvPr/>
+        </p:nvSpPr>
+        <p:spPr>
+          <a:xfrm>
+            <a:off x="7065226" y="4334535"/>
+            <a:ext cx="494046" cy="369332"/>
+          </a:xfrm>
+          <a:prstGeom prst="rect">
+            <a:avLst/>
+          </a:prstGeom>
+          <a:noFill/>
+        </p:spPr>
+        <p:txBody>
+          <a:bodyPr wrap="none" rtlCol="0">
+            <a:spAutoFit/>
+          </a:bodyPr>
+          <a:lstStyle/>
+          <a:p>
+            <a:r>
+              <a:rPr lang="en-US" altLang="zh-CN" dirty="0"/>
+              <a:t>API</a:t>
+            </a:r>
+            <a:endParaRPr lang="en-US" dirty="0"/>
+          </a:p>
+        </p:txBody>
+      </p:sp>
+      <p:sp>
+        <p:nvSpPr>
+          <p:cNvPr id="5" name="TextBox 4">
+            <a:extLst>
+              <a:ext uri="{FF2B5EF4-FFF2-40B4-BE49-F238E27FC236}">
+                <a16:creationId xmlns:a16="http://schemas.microsoft.com/office/drawing/2014/main" id="{00095B72-7F78-AF47-A7D6-F52836A1990D}"/>
+              </a:ext>
+            </a:extLst>
+          </p:cNvPr>
+          <p:cNvSpPr txBox="1"/>
+          <p:nvPr/>
+        </p:nvSpPr>
+        <p:spPr>
+          <a:xfrm>
+            <a:off x="6314448" y="5238474"/>
+            <a:ext cx="553357" cy="369332"/>
+          </a:xfrm>
+          <a:prstGeom prst="rect">
+            <a:avLst/>
+          </a:prstGeom>
+          <a:noFill/>
+        </p:spPr>
+        <p:txBody>
+          <a:bodyPr wrap="none" rtlCol="0">
+            <a:spAutoFit/>
+          </a:bodyPr>
+          <a:lstStyle/>
+          <a:p>
+            <a:r>
+              <a:rPr lang="en-US" altLang="zh-CN" dirty="0"/>
+              <a:t>SDK</a:t>
+            </a:r>
+            <a:endParaRPr lang="en-US" dirty="0"/>
+          </a:p>
+        </p:txBody>
+      </p:sp>
+      <p:sp>
+        <p:nvSpPr>
+          <p:cNvPr id="6" name="TextBox 5">
+            <a:extLst>
+              <a:ext uri="{FF2B5EF4-FFF2-40B4-BE49-F238E27FC236}">
+                <a16:creationId xmlns:a16="http://schemas.microsoft.com/office/drawing/2014/main" id="{0D710005-B74A-A645-9D56-79FC132665E5}"/>
+              </a:ext>
+            </a:extLst>
+          </p:cNvPr>
+          <p:cNvSpPr txBox="1"/>
+          <p:nvPr/>
+        </p:nvSpPr>
+        <p:spPr>
+          <a:xfrm>
+            <a:off x="7729270" y="5238474"/>
+            <a:ext cx="981423" cy="369332"/>
+          </a:xfrm>
+          <a:prstGeom prst="rect">
+            <a:avLst/>
+          </a:prstGeom>
+          <a:noFill/>
+        </p:spPr>
+        <p:txBody>
+          <a:bodyPr wrap="none" rtlCol="0">
+            <a:spAutoFit/>
+          </a:bodyPr>
+          <a:lstStyle/>
+          <a:p>
+            <a:r>
+              <a:rPr lang="en-US" altLang="zh-CN" dirty="0"/>
+              <a:t>Libraries</a:t>
+            </a:r>
+            <a:endParaRPr lang="en-US" dirty="0"/>
+          </a:p>
+        </p:txBody>
+      </p:sp>
+      <p:sp>
+        <p:nvSpPr>
+          <p:cNvPr id="7" name="TextBox 6">
+            <a:extLst>
+              <a:ext uri="{FF2B5EF4-FFF2-40B4-BE49-F238E27FC236}">
+                <a16:creationId xmlns:a16="http://schemas.microsoft.com/office/drawing/2014/main" id="{A30CAFA9-0B8B-6441-9F7F-BA4A2409BD6C}"/>
+              </a:ext>
+            </a:extLst>
+          </p:cNvPr>
+          <p:cNvSpPr txBox="1"/>
+          <p:nvPr/>
+        </p:nvSpPr>
+        <p:spPr>
+          <a:xfrm>
+            <a:off x="4947022" y="8215779"/>
+            <a:ext cx="1107098" cy="369332"/>
+          </a:xfrm>
+          <a:prstGeom prst="rect">
+            <a:avLst/>
+          </a:prstGeom>
+          <a:noFill/>
+        </p:spPr>
+        <p:txBody>
+          <a:bodyPr wrap="none" rtlCol="0">
+            <a:spAutoFit/>
+          </a:bodyPr>
+          <a:lstStyle/>
+          <a:p>
+            <a:r>
+              <a:rPr lang="en-US" dirty="0"/>
+              <a:t>Ethereum</a:t>
+            </a:r>
+          </a:p>
+        </p:txBody>
+      </p:sp>
+      <p:sp>
+        <p:nvSpPr>
+          <p:cNvPr id="8" name="TextBox 7">
+            <a:extLst>
+              <a:ext uri="{FF2B5EF4-FFF2-40B4-BE49-F238E27FC236}">
+                <a16:creationId xmlns:a16="http://schemas.microsoft.com/office/drawing/2014/main" id="{88C51878-697A-B64D-819E-02C70F0792FF}"/>
+              </a:ext>
+            </a:extLst>
+          </p:cNvPr>
+          <p:cNvSpPr txBox="1"/>
+          <p:nvPr/>
+        </p:nvSpPr>
+        <p:spPr>
+          <a:xfrm>
+            <a:off x="8782344" y="8215779"/>
+            <a:ext cx="569323" cy="369332"/>
+          </a:xfrm>
+          <a:prstGeom prst="rect">
+            <a:avLst/>
+          </a:prstGeom>
+          <a:noFill/>
+        </p:spPr>
+        <p:txBody>
+          <a:bodyPr wrap="none" rtlCol="0">
+            <a:spAutoFit/>
+          </a:bodyPr>
+          <a:lstStyle/>
+          <a:p>
+            <a:r>
+              <a:rPr lang="en-US" altLang="zh-CN" dirty="0"/>
+              <a:t>IPFS</a:t>
+            </a:r>
+            <a:endParaRPr lang="en-US" dirty="0"/>
+          </a:p>
+        </p:txBody>
+      </p:sp>
+      <p:sp>
+        <p:nvSpPr>
+          <p:cNvPr id="9" name="TextBox 8">
+            <a:extLst>
+              <a:ext uri="{FF2B5EF4-FFF2-40B4-BE49-F238E27FC236}">
+                <a16:creationId xmlns:a16="http://schemas.microsoft.com/office/drawing/2014/main" id="{34E17688-1A57-C14D-8ABD-B9CF58A1D66E}"/>
+              </a:ext>
+            </a:extLst>
+          </p:cNvPr>
+          <p:cNvSpPr txBox="1"/>
+          <p:nvPr/>
+        </p:nvSpPr>
+        <p:spPr>
+          <a:xfrm>
+            <a:off x="967479" y="1268962"/>
+            <a:ext cx="1754070" cy="369332"/>
+          </a:xfrm>
+          <a:prstGeom prst="rect">
+            <a:avLst/>
+          </a:prstGeom>
+          <a:noFill/>
+        </p:spPr>
+        <p:txBody>
+          <a:bodyPr wrap="none" rtlCol="0">
+            <a:spAutoFit/>
+          </a:bodyPr>
+          <a:lstStyle/>
+          <a:p>
+            <a:r>
+              <a:rPr lang="en-US" altLang="zh-CN" dirty="0"/>
+              <a:t>A</a:t>
+            </a:r>
+            <a:r>
+              <a:rPr lang="en-US" dirty="0"/>
+              <a:t>pplication layer</a:t>
+            </a:r>
+          </a:p>
+        </p:txBody>
+      </p:sp>
+      <p:sp>
+        <p:nvSpPr>
+          <p:cNvPr id="10" name="TextBox 9">
+            <a:extLst>
+              <a:ext uri="{FF2B5EF4-FFF2-40B4-BE49-F238E27FC236}">
+                <a16:creationId xmlns:a16="http://schemas.microsoft.com/office/drawing/2014/main" id="{C9DF3876-C379-1549-98AA-8D6D75B22236}"/>
+              </a:ext>
+            </a:extLst>
+          </p:cNvPr>
+          <p:cNvSpPr txBox="1"/>
+          <p:nvPr/>
+        </p:nvSpPr>
+        <p:spPr>
+          <a:xfrm>
+            <a:off x="1160769" y="4557704"/>
+            <a:ext cx="1367490" cy="369332"/>
+          </a:xfrm>
+          <a:prstGeom prst="rect">
+            <a:avLst/>
+          </a:prstGeom>
+          <a:noFill/>
+        </p:spPr>
+        <p:txBody>
+          <a:bodyPr wrap="none" rtlCol="0">
+            <a:spAutoFit/>
+          </a:bodyPr>
+          <a:lstStyle/>
+          <a:p>
+            <a:r>
+              <a:rPr lang="en-US" altLang="zh-CN" dirty="0"/>
+              <a:t>S</a:t>
+            </a:r>
+            <a:r>
+              <a:rPr lang="en-US" dirty="0"/>
+              <a:t>ervice layer</a:t>
+            </a:r>
+          </a:p>
+        </p:txBody>
+      </p:sp>
+      <p:sp>
+        <p:nvSpPr>
+          <p:cNvPr id="12" name="TextBox 11">
+            <a:extLst>
+              <a:ext uri="{FF2B5EF4-FFF2-40B4-BE49-F238E27FC236}">
+                <a16:creationId xmlns:a16="http://schemas.microsoft.com/office/drawing/2014/main" id="{6369AF8F-1A35-B440-AA0A-F888983F8804}"/>
+              </a:ext>
+            </a:extLst>
+          </p:cNvPr>
+          <p:cNvSpPr txBox="1"/>
+          <p:nvPr/>
+        </p:nvSpPr>
+        <p:spPr>
+          <a:xfrm>
+            <a:off x="1278750" y="8215779"/>
+            <a:ext cx="1131528" cy="369332"/>
+          </a:xfrm>
+          <a:prstGeom prst="rect">
+            <a:avLst/>
+          </a:prstGeom>
+          <a:noFill/>
+        </p:spPr>
+        <p:txBody>
+          <a:bodyPr wrap="none" rtlCol="0">
+            <a:spAutoFit/>
+          </a:bodyPr>
+          <a:lstStyle/>
+          <a:p>
+            <a:r>
+              <a:rPr lang="en-US" altLang="zh-CN" dirty="0"/>
+              <a:t>C</a:t>
+            </a:r>
+            <a:r>
+              <a:rPr lang="en-US" dirty="0"/>
+              <a:t>ore layer</a:t>
+            </a:r>
+          </a:p>
+        </p:txBody>
+      </p:sp>
+      <p:sp>
+        <p:nvSpPr>
+          <p:cNvPr id="14" name="Rounded Rectangle 13">
+            <a:extLst>
+              <a:ext uri="{FF2B5EF4-FFF2-40B4-BE49-F238E27FC236}">
+                <a16:creationId xmlns:a16="http://schemas.microsoft.com/office/drawing/2014/main" id="{53507923-5B64-6149-88ED-11A771AA19DA}"/>
+              </a:ext>
+            </a:extLst>
+          </p:cNvPr>
+          <p:cNvSpPr/>
+          <p:nvPr/>
+        </p:nvSpPr>
+        <p:spPr>
+          <a:xfrm>
+            <a:off x="7537133" y="1045794"/>
+            <a:ext cx="3049587" cy="815669"/>
+          </a:xfrm>
+          <a:prstGeom prst="roundRect">
+            <a:avLst/>
+          </a:prstGeom>
+          <a:noFill/>
+        </p:spPr>
+        <p:style>
+          <a:lnRef idx="2">
+            <a:schemeClr val="accent1">
+              <a:shade val="50000"/>
+            </a:schemeClr>
+          </a:lnRef>
+          <a:fillRef idx="1">
+            <a:schemeClr val="accent1"/>
+          </a:fillRef>
+          <a:effectRef idx="0">
+            <a:schemeClr val="accent1"/>
+          </a:effectRef>
+          <a:fontRef idx="minor">
+            <a:schemeClr val="lt1"/>
+          </a:fontRef>
+        </p:style>
+        <p:txBody>
+          <a:bodyPr rtlCol="0" anchor="ctr"/>
+          <a:lstStyle/>
+          <a:p>
+            <a:pPr algn="ctr"/>
+            <a:endParaRPr lang="en-US" sz="3200"/>
+          </a:p>
+        </p:txBody>
+      </p:sp>
+      <p:sp>
+        <p:nvSpPr>
+          <p:cNvPr id="15" name="Rounded Rectangle 14">
+            <a:extLst>
+              <a:ext uri="{FF2B5EF4-FFF2-40B4-BE49-F238E27FC236}">
+                <a16:creationId xmlns:a16="http://schemas.microsoft.com/office/drawing/2014/main" id="{218BD22A-DC22-AD49-A045-2BC6B53959A5}"/>
+              </a:ext>
+            </a:extLst>
+          </p:cNvPr>
+          <p:cNvSpPr/>
+          <p:nvPr/>
+        </p:nvSpPr>
+        <p:spPr>
+          <a:xfrm>
+            <a:off x="4015639" y="1045794"/>
+            <a:ext cx="3049587" cy="815669"/>
+          </a:xfrm>
+          <a:prstGeom prst="roundRect">
+            <a:avLst/>
+          </a:prstGeom>
+          <a:noFill/>
+        </p:spPr>
+        <p:style>
+          <a:lnRef idx="2">
+            <a:schemeClr val="accent1">
+              <a:shade val="50000"/>
+            </a:schemeClr>
+          </a:lnRef>
+          <a:fillRef idx="1">
+            <a:schemeClr val="accent1"/>
+          </a:fillRef>
+          <a:effectRef idx="0">
+            <a:schemeClr val="accent1"/>
+          </a:effectRef>
+          <a:fontRef idx="minor">
+            <a:schemeClr val="lt1"/>
+          </a:fontRef>
+        </p:style>
+        <p:txBody>
+          <a:bodyPr rtlCol="0" anchor="ctr"/>
+          <a:lstStyle/>
+          <a:p>
+            <a:pPr algn="ctr"/>
+            <a:endParaRPr lang="en-US" sz="3200"/>
+          </a:p>
+        </p:txBody>
+      </p:sp>
+      <p:sp>
+        <p:nvSpPr>
+          <p:cNvPr id="16" name="Rounded Rectangle 15">
+            <a:extLst>
+              <a:ext uri="{FF2B5EF4-FFF2-40B4-BE49-F238E27FC236}">
+                <a16:creationId xmlns:a16="http://schemas.microsoft.com/office/drawing/2014/main" id="{5FD244D6-DB5D-0645-AF41-F0A74AE5BFDC}"/>
+              </a:ext>
+            </a:extLst>
+          </p:cNvPr>
+          <p:cNvSpPr/>
+          <p:nvPr/>
+        </p:nvSpPr>
+        <p:spPr>
+          <a:xfrm>
+            <a:off x="5853147" y="4111367"/>
+            <a:ext cx="3049587" cy="815669"/>
+          </a:xfrm>
+          <a:prstGeom prst="roundRect">
+            <a:avLst/>
+          </a:prstGeom>
+          <a:noFill/>
+        </p:spPr>
+        <p:style>
+          <a:lnRef idx="2">
+            <a:schemeClr val="accent1">
+              <a:shade val="50000"/>
+            </a:schemeClr>
+          </a:lnRef>
+          <a:fillRef idx="1">
+            <a:schemeClr val="accent1"/>
+          </a:fillRef>
+          <a:effectRef idx="0">
+            <a:schemeClr val="accent1"/>
+          </a:effectRef>
+          <a:fontRef idx="minor">
+            <a:schemeClr val="lt1"/>
+          </a:fontRef>
+        </p:style>
+        <p:txBody>
+          <a:bodyPr rtlCol="0" anchor="ctr"/>
+          <a:lstStyle/>
+          <a:p>
+            <a:pPr algn="ctr"/>
+            <a:endParaRPr lang="en-US" sz="3200"/>
+          </a:p>
+        </p:txBody>
+      </p:sp>
+      <p:sp>
+        <p:nvSpPr>
+          <p:cNvPr id="17" name="Rounded Rectangle 16">
+            <a:extLst>
+              <a:ext uri="{FF2B5EF4-FFF2-40B4-BE49-F238E27FC236}">
+                <a16:creationId xmlns:a16="http://schemas.microsoft.com/office/drawing/2014/main" id="{607D00FE-A005-E248-8B18-F4E26DF5F6E7}"/>
+              </a:ext>
+            </a:extLst>
+          </p:cNvPr>
+          <p:cNvSpPr/>
+          <p:nvPr/>
+        </p:nvSpPr>
+        <p:spPr>
+          <a:xfrm>
+            <a:off x="3576927" y="461420"/>
+            <a:ext cx="7442647" cy="1984416"/>
+          </a:xfrm>
+          <a:prstGeom prst="roundRect">
+            <a:avLst>
+              <a:gd name="adj" fmla="val 0"/>
+            </a:avLst>
+          </a:prstGeom>
+          <a:noFill/>
+        </p:spPr>
+        <p:style>
+          <a:lnRef idx="2">
+            <a:schemeClr val="accent1">
+              <a:shade val="50000"/>
+            </a:schemeClr>
+          </a:lnRef>
+          <a:fillRef idx="1">
+            <a:schemeClr val="accent1"/>
+          </a:fillRef>
+          <a:effectRef idx="0">
+            <a:schemeClr val="accent1"/>
+          </a:effectRef>
+          <a:fontRef idx="minor">
+            <a:schemeClr val="lt1"/>
+          </a:fontRef>
+        </p:style>
+        <p:txBody>
+          <a:bodyPr rtlCol="0" anchor="ctr"/>
+          <a:lstStyle/>
+          <a:p>
+            <a:pPr algn="ctr"/>
+            <a:endParaRPr lang="en-US" sz="3200"/>
+          </a:p>
+        </p:txBody>
+      </p:sp>
+      <p:sp>
+        <p:nvSpPr>
+          <p:cNvPr id="18" name="Rounded Rectangle 17">
+            <a:extLst>
+              <a:ext uri="{FF2B5EF4-FFF2-40B4-BE49-F238E27FC236}">
+                <a16:creationId xmlns:a16="http://schemas.microsoft.com/office/drawing/2014/main" id="{8169569E-D8A6-AA43-9BC1-86862D585E4F}"/>
+              </a:ext>
+            </a:extLst>
+          </p:cNvPr>
+          <p:cNvSpPr/>
+          <p:nvPr/>
+        </p:nvSpPr>
+        <p:spPr>
+          <a:xfrm>
+            <a:off x="3576926" y="3980549"/>
+            <a:ext cx="7442647" cy="1984416"/>
+          </a:xfrm>
+          <a:prstGeom prst="roundRect">
+            <a:avLst>
+              <a:gd name="adj" fmla="val 0"/>
+            </a:avLst>
+          </a:prstGeom>
+          <a:noFill/>
+        </p:spPr>
+        <p:style>
+          <a:lnRef idx="2">
+            <a:schemeClr val="accent1">
+              <a:shade val="50000"/>
+            </a:schemeClr>
+          </a:lnRef>
+          <a:fillRef idx="1">
+            <a:schemeClr val="accent1"/>
+          </a:fillRef>
+          <a:effectRef idx="0">
+            <a:schemeClr val="accent1"/>
+          </a:effectRef>
+          <a:fontRef idx="minor">
+            <a:schemeClr val="lt1"/>
+          </a:fontRef>
+        </p:style>
+        <p:txBody>
+          <a:bodyPr rtlCol="0" anchor="ctr"/>
+          <a:lstStyle/>
+          <a:p>
+            <a:pPr algn="ctr"/>
+            <a:endParaRPr lang="en-US" sz="3200"/>
+          </a:p>
+        </p:txBody>
+      </p:sp>
+      <p:sp>
+        <p:nvSpPr>
+          <p:cNvPr id="19" name="Rounded Rectangle 18">
+            <a:extLst>
+              <a:ext uri="{FF2B5EF4-FFF2-40B4-BE49-F238E27FC236}">
+                <a16:creationId xmlns:a16="http://schemas.microsoft.com/office/drawing/2014/main" id="{FF5284DF-3CD2-DA4B-B037-A613C0BE4030}"/>
+              </a:ext>
+            </a:extLst>
+          </p:cNvPr>
+          <p:cNvSpPr/>
+          <p:nvPr/>
+        </p:nvSpPr>
+        <p:spPr>
+          <a:xfrm>
+            <a:off x="3576926" y="7408238"/>
+            <a:ext cx="7442647" cy="1984416"/>
+          </a:xfrm>
+          <a:prstGeom prst="roundRect">
+            <a:avLst>
+              <a:gd name="adj" fmla="val 0"/>
+            </a:avLst>
+          </a:prstGeom>
+          <a:noFill/>
+        </p:spPr>
+        <p:style>
+          <a:lnRef idx="2">
+            <a:schemeClr val="accent1">
+              <a:shade val="50000"/>
+            </a:schemeClr>
+          </a:lnRef>
+          <a:fillRef idx="1">
+            <a:schemeClr val="accent1"/>
+          </a:fillRef>
+          <a:effectRef idx="0">
+            <a:schemeClr val="accent1"/>
+          </a:effectRef>
+          <a:fontRef idx="minor">
+            <a:schemeClr val="lt1"/>
+          </a:fontRef>
+        </p:style>
+        <p:txBody>
+          <a:bodyPr rtlCol="0" anchor="ctr"/>
+          <a:lstStyle/>
+          <a:p>
+            <a:pPr algn="ctr"/>
+            <a:endParaRPr lang="en-US" sz="3200"/>
+          </a:p>
+        </p:txBody>
+      </p:sp>
+      <p:sp>
+        <p:nvSpPr>
+          <p:cNvPr id="20" name="Down Arrow 19">
+            <a:extLst>
+              <a:ext uri="{FF2B5EF4-FFF2-40B4-BE49-F238E27FC236}">
+                <a16:creationId xmlns:a16="http://schemas.microsoft.com/office/drawing/2014/main" id="{EDF080B9-0136-5F48-8342-341900EBA8EB}"/>
+              </a:ext>
+            </a:extLst>
+          </p:cNvPr>
+          <p:cNvSpPr/>
+          <p:nvPr/>
+        </p:nvSpPr>
+        <p:spPr>
+          <a:xfrm rot="10800000">
+            <a:off x="6782243" y="2647734"/>
+            <a:ext cx="1032012" cy="1081212"/>
+          </a:xfrm>
+          <a:prstGeom prst="downArrow">
+            <a:avLst/>
+          </a:prstGeom>
+          <a:solidFill>
+            <a:srgbClr val="1F77B4">
+              <a:alpha val="50000"/>
+            </a:srgbClr>
+          </a:solidFill>
+          <a:ln>
+            <a:noFill/>
+          </a:ln>
+        </p:spPr>
+        <p:style>
+          <a:lnRef idx="2">
+            <a:schemeClr val="accent1">
+              <a:shade val="50000"/>
+            </a:schemeClr>
+          </a:lnRef>
+          <a:fillRef idx="1">
+            <a:schemeClr val="accent1"/>
+          </a:fillRef>
+          <a:effectRef idx="0">
+            <a:schemeClr val="accent1"/>
+          </a:effectRef>
+          <a:fontRef idx="minor">
+            <a:schemeClr val="lt1"/>
+          </a:fontRef>
+        </p:style>
+        <p:txBody>
+          <a:bodyPr rot="0" spcFirstLastPara="0" vertOverflow="overflow" horzOverflow="overflow" vert="horz" wrap="square" lIns="162556" tIns="81278" rIns="162556" bIns="81278" numCol="1" spcCol="0" rtlCol="0" fromWordArt="0" anchor="ctr" anchorCtr="0" forceAA="0" compatLnSpc="1">
+            <a:prstTxWarp prst="textNoShape">
+              <a:avLst/>
+            </a:prstTxWarp>
+            <a:noAutofit/>
+          </a:bodyPr>
+          <a:lstStyle/>
+          <a:p>
+            <a:pPr algn="ctr"/>
+            <a:endParaRPr lang="en-US" sz="3200"/>
+          </a:p>
+        </p:txBody>
+      </p:sp>
+      <p:sp>
+        <p:nvSpPr>
+          <p:cNvPr id="21" name="Down Arrow 20">
+            <a:extLst>
+              <a:ext uri="{FF2B5EF4-FFF2-40B4-BE49-F238E27FC236}">
+                <a16:creationId xmlns:a16="http://schemas.microsoft.com/office/drawing/2014/main" id="{9A7E6F56-FFE0-9948-BEC1-2B8BE56F7A5B}"/>
+              </a:ext>
+            </a:extLst>
+          </p:cNvPr>
+          <p:cNvSpPr/>
+          <p:nvPr/>
+        </p:nvSpPr>
+        <p:spPr>
+          <a:xfrm rot="10800000">
+            <a:off x="6861936" y="6123135"/>
+            <a:ext cx="1032012" cy="1081212"/>
+          </a:xfrm>
+          <a:prstGeom prst="downArrow">
+            <a:avLst/>
+          </a:prstGeom>
+          <a:solidFill>
+            <a:srgbClr val="1F77B4">
+              <a:alpha val="50000"/>
+            </a:srgbClr>
+          </a:solidFill>
+          <a:ln>
+            <a:noFill/>
+          </a:ln>
+        </p:spPr>
+        <p:style>
+          <a:lnRef idx="2">
+            <a:schemeClr val="accent1">
+              <a:shade val="50000"/>
+            </a:schemeClr>
+          </a:lnRef>
+          <a:fillRef idx="1">
+            <a:schemeClr val="accent1"/>
+          </a:fillRef>
+          <a:effectRef idx="0">
+            <a:schemeClr val="accent1"/>
+          </a:effectRef>
+          <a:fontRef idx="minor">
+            <a:schemeClr val="lt1"/>
+          </a:fontRef>
+        </p:style>
+        <p:txBody>
+          <a:bodyPr rot="0" spcFirstLastPara="0" vertOverflow="overflow" horzOverflow="overflow" vert="horz" wrap="square" lIns="162556" tIns="81278" rIns="162556" bIns="81278" numCol="1" spcCol="0" rtlCol="0" fromWordArt="0" anchor="ctr" anchorCtr="0" forceAA="0" compatLnSpc="1">
+            <a:prstTxWarp prst="textNoShape">
+              <a:avLst/>
+            </a:prstTxWarp>
+            <a:noAutofit/>
+          </a:bodyPr>
+          <a:lstStyle/>
+          <a:p>
+            <a:pPr algn="ctr"/>
+            <a:endParaRPr lang="en-US" sz="3200"/>
+          </a:p>
+        </p:txBody>
+      </p:sp>
+      <p:sp>
+        <p:nvSpPr>
+          <p:cNvPr id="24" name="Rounded Rectangle 23">
+            <a:extLst>
+              <a:ext uri="{FF2B5EF4-FFF2-40B4-BE49-F238E27FC236}">
+                <a16:creationId xmlns:a16="http://schemas.microsoft.com/office/drawing/2014/main" id="{E0591E03-4FCF-C44F-ACEB-D243F691ACE1}"/>
+              </a:ext>
+            </a:extLst>
+          </p:cNvPr>
+          <p:cNvSpPr/>
+          <p:nvPr/>
+        </p:nvSpPr>
+        <p:spPr>
+          <a:xfrm>
+            <a:off x="5853147" y="5015306"/>
+            <a:ext cx="1422020" cy="815669"/>
+          </a:xfrm>
+          <a:prstGeom prst="roundRect">
+            <a:avLst/>
+          </a:prstGeom>
+          <a:noFill/>
+        </p:spPr>
+        <p:style>
+          <a:lnRef idx="2">
+            <a:schemeClr val="accent1">
+              <a:shade val="50000"/>
+            </a:schemeClr>
+          </a:lnRef>
+          <a:fillRef idx="1">
+            <a:schemeClr val="accent1"/>
+          </a:fillRef>
+          <a:effectRef idx="0">
+            <a:schemeClr val="accent1"/>
+          </a:effectRef>
+          <a:fontRef idx="minor">
+            <a:schemeClr val="lt1"/>
+          </a:fontRef>
+        </p:style>
+        <p:txBody>
+          <a:bodyPr rtlCol="0" anchor="ctr"/>
+          <a:lstStyle/>
+          <a:p>
+            <a:pPr algn="ctr"/>
+            <a:endParaRPr lang="en-US" sz="3200"/>
+          </a:p>
+        </p:txBody>
+      </p:sp>
+      <p:sp>
+        <p:nvSpPr>
+          <p:cNvPr id="25" name="Rounded Rectangle 24">
+            <a:extLst>
+              <a:ext uri="{FF2B5EF4-FFF2-40B4-BE49-F238E27FC236}">
+                <a16:creationId xmlns:a16="http://schemas.microsoft.com/office/drawing/2014/main" id="{6366E01E-9EC1-1441-A20B-8E6B454A349F}"/>
+              </a:ext>
+            </a:extLst>
+          </p:cNvPr>
+          <p:cNvSpPr/>
+          <p:nvPr/>
+        </p:nvSpPr>
+        <p:spPr>
+          <a:xfrm>
+            <a:off x="7476270" y="5015305"/>
+            <a:ext cx="1426464" cy="815669"/>
+          </a:xfrm>
+          <a:prstGeom prst="roundRect">
+            <a:avLst/>
+          </a:prstGeom>
+          <a:noFill/>
+        </p:spPr>
+        <p:style>
+          <a:lnRef idx="2">
+            <a:schemeClr val="accent1">
+              <a:shade val="50000"/>
+            </a:schemeClr>
+          </a:lnRef>
+          <a:fillRef idx="1">
+            <a:schemeClr val="accent1"/>
+          </a:fillRef>
+          <a:effectRef idx="0">
+            <a:schemeClr val="accent1"/>
+          </a:effectRef>
+          <a:fontRef idx="minor">
+            <a:schemeClr val="lt1"/>
+          </a:fontRef>
+        </p:style>
+        <p:txBody>
+          <a:bodyPr rtlCol="0" anchor="ctr"/>
+          <a:lstStyle/>
+          <a:p>
+            <a:pPr algn="ctr"/>
+            <a:endParaRPr lang="en-US" sz="3200"/>
+          </a:p>
+        </p:txBody>
+      </p:sp>
+      <p:sp>
+        <p:nvSpPr>
+          <p:cNvPr id="26" name="Rounded Rectangle 25">
+            <a:extLst>
+              <a:ext uri="{FF2B5EF4-FFF2-40B4-BE49-F238E27FC236}">
+                <a16:creationId xmlns:a16="http://schemas.microsoft.com/office/drawing/2014/main" id="{28143927-15D1-624E-B004-438A40A71FAA}"/>
+              </a:ext>
+            </a:extLst>
+          </p:cNvPr>
+          <p:cNvSpPr/>
+          <p:nvPr/>
+        </p:nvSpPr>
+        <p:spPr>
+          <a:xfrm>
+            <a:off x="4015639" y="7999461"/>
+            <a:ext cx="3049587" cy="815669"/>
+          </a:xfrm>
+          <a:prstGeom prst="roundRect">
+            <a:avLst/>
+          </a:prstGeom>
+          <a:noFill/>
+        </p:spPr>
+        <p:style>
+          <a:lnRef idx="2">
+            <a:schemeClr val="accent1">
+              <a:shade val="50000"/>
+            </a:schemeClr>
+          </a:lnRef>
+          <a:fillRef idx="1">
+            <a:schemeClr val="accent1"/>
+          </a:fillRef>
+          <a:effectRef idx="0">
+            <a:schemeClr val="accent1"/>
+          </a:effectRef>
+          <a:fontRef idx="minor">
+            <a:schemeClr val="lt1"/>
+          </a:fontRef>
+        </p:style>
+        <p:txBody>
+          <a:bodyPr rtlCol="0" anchor="ctr"/>
+          <a:lstStyle/>
+          <a:p>
+            <a:pPr algn="ctr"/>
+            <a:endParaRPr lang="en-US" sz="3200"/>
+          </a:p>
+        </p:txBody>
+      </p:sp>
+      <p:sp>
+        <p:nvSpPr>
+          <p:cNvPr id="27" name="Rounded Rectangle 26">
+            <a:extLst>
+              <a:ext uri="{FF2B5EF4-FFF2-40B4-BE49-F238E27FC236}">
+                <a16:creationId xmlns:a16="http://schemas.microsoft.com/office/drawing/2014/main" id="{8F8B37AC-AF0C-F649-A811-81CC919A08A5}"/>
+              </a:ext>
+            </a:extLst>
+          </p:cNvPr>
+          <p:cNvSpPr/>
+          <p:nvPr/>
+        </p:nvSpPr>
+        <p:spPr>
+          <a:xfrm>
+            <a:off x="7537133" y="7992611"/>
+            <a:ext cx="3049587" cy="815669"/>
+          </a:xfrm>
+          <a:prstGeom prst="roundRect">
+            <a:avLst/>
+          </a:prstGeom>
+          <a:noFill/>
+        </p:spPr>
+        <p:style>
+          <a:lnRef idx="2">
+            <a:schemeClr val="accent1">
+              <a:shade val="50000"/>
+            </a:schemeClr>
+          </a:lnRef>
+          <a:fillRef idx="1">
+            <a:schemeClr val="accent1"/>
+          </a:fillRef>
+          <a:effectRef idx="0">
+            <a:schemeClr val="accent1"/>
+          </a:effectRef>
+          <a:fontRef idx="minor">
+            <a:schemeClr val="lt1"/>
+          </a:fontRef>
+        </p:style>
+        <p:txBody>
+          <a:bodyPr rtlCol="0" anchor="ctr"/>
+          <a:lstStyle/>
+          <a:p>
+            <a:pPr algn="ctr"/>
+            <a:endParaRPr lang="en-US" sz="3200"/>
+          </a:p>
+        </p:txBody>
+      </p:sp>
+    </p:spTree>
+    <p:extLst>
+      <p:ext uri="{BB962C8B-B14F-4D97-AF65-F5344CB8AC3E}">
+        <p14:creationId xmlns:p14="http://schemas.microsoft.com/office/powerpoint/2010/main" val="3178142747"/>
       </p:ext>
     </p:extLst>
   </p:cSld>
